--- a/resources/writing/powerpoint/template_only_mine.pptx
+++ b/resources/writing/powerpoint/template_only_mine.pptx
@@ -8,20 +8,22 @@
     <p:sldMasterId id="2147483681" r:id="rId5"/>
   </p:sldMasterIdLst>
   <p:notesMasterIdLst>
-    <p:notesMasterId r:id="rId14"/>
+    <p:notesMasterId r:id="rId16"/>
   </p:notesMasterIdLst>
   <p:handoutMasterIdLst>
-    <p:handoutMasterId r:id="rId15"/>
+    <p:handoutMasterId r:id="rId17"/>
   </p:handoutMasterIdLst>
   <p:sldIdLst>
     <p:sldId id="274" r:id="rId6"/>
-    <p:sldId id="272" r:id="rId7"/>
-    <p:sldId id="275" r:id="rId8"/>
-    <p:sldId id="280" r:id="rId9"/>
-    <p:sldId id="279" r:id="rId10"/>
-    <p:sldId id="277" r:id="rId11"/>
+    <p:sldId id="288" r:id="rId7"/>
+    <p:sldId id="272" r:id="rId8"/>
+    <p:sldId id="275" r:id="rId9"/>
+    <p:sldId id="280" r:id="rId10"/>
+    <p:sldId id="279" r:id="rId11"/>
     <p:sldId id="283" r:id="rId12"/>
-    <p:sldId id="284" r:id="rId13"/>
+    <p:sldId id="287" r:id="rId13"/>
+    <p:sldId id="284" r:id="rId14"/>
+    <p:sldId id="285" r:id="rId15"/>
   </p:sldIdLst>
   <p:sldSz cx="12192000" cy="6858000"/>
   <p:notesSz cx="7103745" cy="10234295"/>
@@ -12372,697 +12374,6 @@
       <p:grpSpPr/>
       <p:grpSp>
         <p:nvGrpSpPr>
-          <p:cNvPr id="5" name="Group 4"/>
-          <p:cNvGrpSpPr/>
-          <p:nvPr/>
-        </p:nvGrpSpPr>
-        <p:grpSpPr>
-          <a:xfrm>
-            <a:off x="4587898" y="1222243"/>
-            <a:ext cx="3108960" cy="1976755"/>
-            <a:chOff x="6082" y="2462"/>
-            <a:chExt cx="8597" cy="6232"/>
-          </a:xfrm>
-        </p:grpSpPr>
-        <p:sp>
-          <p:nvSpPr>
-            <p:cNvPr id="3" name="Rounded Rectangle 2"/>
-            <p:cNvSpPr/>
-            <p:nvPr/>
-          </p:nvSpPr>
-          <p:spPr>
-            <a:xfrm>
-              <a:off x="6082" y="2462"/>
-              <a:ext cx="8597" cy="6232"/>
-            </a:xfrm>
-            <a:prstGeom prst="roundRect">
-              <a:avLst/>
-            </a:prstGeom>
-            <a:solidFill>
-              <a:schemeClr val="accent6">
-                <a:lumMod val="20000"/>
-                <a:lumOff val="80000"/>
-              </a:schemeClr>
-            </a:solidFill>
-            <a:ln w="9525"/>
-          </p:spPr>
-          <p:style>
-            <a:lnRef idx="1">
-              <a:schemeClr val="accent6"/>
-            </a:lnRef>
-            <a:fillRef idx="2">
-              <a:schemeClr val="accent6"/>
-            </a:fillRef>
-            <a:effectRef idx="1">
-              <a:schemeClr val="accent6"/>
-            </a:effectRef>
-            <a:fontRef idx="minor">
-              <a:schemeClr val="dk1"/>
-            </a:fontRef>
-          </p:style>
-          <p:txBody>
-            <a:bodyPr rtlCol="0" anchor="ctr"/>
-            <a:p>
-              <a:pPr algn="ctr"/>
-              <a:endParaRPr lang="en-US"/>
-            </a:p>
-          </p:txBody>
-        </p:sp>
-        <p:sp>
-          <p:nvSpPr>
-            <p:cNvPr id="4" name="Text Box 3"/>
-            <p:cNvSpPr txBox="1"/>
-            <p:nvPr/>
-          </p:nvSpPr>
-          <p:spPr>
-            <a:xfrm>
-              <a:off x="7649" y="2526"/>
-              <a:ext cx="5464" cy="1063"/>
-            </a:xfrm>
-            <a:prstGeom prst="rect">
-              <a:avLst/>
-            </a:prstGeom>
-            <a:noFill/>
-          </p:spPr>
-          <p:txBody>
-            <a:bodyPr wrap="square" rtlCol="0">
-              <a:spAutoFit/>
-            </a:bodyPr>
-            <a:p>
-              <a:pPr algn="ctr"/>
-              <a:r>
-                <a:rPr lang="de-DE" altLang="en-US" sz="1600" b="1">
-                  <a:latin typeface="Calibri" charset="0"/>
-                </a:rPr>
-                <a:t>DP-GBDT Enclave</a:t>
-              </a:r>
-              <a:endParaRPr lang="de-DE" altLang="en-US" sz="1600" b="1" baseline="-25000">
-                <a:latin typeface="Calibri" charset="0"/>
-              </a:endParaRPr>
-            </a:p>
-          </p:txBody>
-        </p:sp>
-      </p:grpSp>
-      <p:sp>
-        <p:nvSpPr>
-          <p:cNvPr id="27" name="TextBox 79"/>
-          <p:cNvSpPr txBox="1"/>
-          <p:nvPr/>
-        </p:nvSpPr>
-        <p:spPr>
-          <a:xfrm>
-            <a:off x="4710430" y="2248535"/>
-            <a:ext cx="2888615" cy="215265"/>
-          </a:xfrm>
-          <a:prstGeom prst="rect">
-            <a:avLst/>
-          </a:prstGeom>
-          <a:noFill/>
-        </p:spPr>
-        <p:txBody>
-          <a:bodyPr wrap="square" lIns="0" tIns="0" rIns="0" bIns="0" rtlCol="0">
-            <a:spAutoFit/>
-          </a:bodyPr>
-          <a:p>
-            <a:pPr algn="l"/>
-            <a:r>
-              <a:rPr lang="de-DE" altLang="en-GB" sz="1400" b="1" dirty="0">
-                <a:latin typeface="Calibri" charset="0"/>
-              </a:rPr>
-              <a:t>2.</a:t>
-            </a:r>
-            <a:r>
-              <a:rPr lang="de-DE" altLang="en-GB" sz="1400" dirty="0">
-                <a:latin typeface="Calibri" charset="0"/>
-              </a:rPr>
-              <a:t>  randomly </a:t>
-            </a:r>
-            <a:r>
-              <a:rPr lang="de-DE" altLang="en-GB" sz="1400" dirty="0">
-                <a:latin typeface="Calibri" charset="0"/>
-                <a:ea typeface="AR PL UKai CN" panose="02000503000000000000" charset="-122"/>
-                <a:sym typeface="+mn-ea"/>
-              </a:rPr>
-              <a:t>choose master seed s</a:t>
-            </a:r>
-            <a:r>
-              <a:rPr lang="de-DE" altLang="en-GB" sz="1400" baseline="-25000" dirty="0">
-                <a:latin typeface="Calibri" charset="0"/>
-                <a:ea typeface="AR PL UKai CN" panose="02000503000000000000" charset="-122"/>
-                <a:sym typeface="+mn-ea"/>
-              </a:rPr>
-              <a:t>m</a:t>
-            </a:r>
-            <a:r>
-              <a:rPr lang="de-DE" altLang="en-GB" sz="1400" dirty="0">
-                <a:latin typeface="Calibri" charset="0"/>
-              </a:rPr>
-              <a:t> </a:t>
-            </a:r>
-            <a:endParaRPr lang="de-DE" altLang="en-GB" sz="1400" dirty="0">
-              <a:latin typeface="Calibri" charset="0"/>
-              <a:ea typeface="AR PL UKai CN" panose="02000503000000000000" charset="-122"/>
-            </a:endParaRPr>
-          </a:p>
-        </p:txBody>
-      </p:sp>
-      <p:grpSp>
-        <p:nvGrpSpPr>
-          <p:cNvPr id="50" name="Group 49"/>
-          <p:cNvGrpSpPr/>
-          <p:nvPr/>
-        </p:nvGrpSpPr>
-        <p:grpSpPr>
-          <a:xfrm>
-            <a:off x="5401945" y="2618105"/>
-            <a:ext cx="3291646" cy="259080"/>
-            <a:chOff x="8060" y="2882"/>
-            <a:chExt cx="4695" cy="408"/>
-          </a:xfrm>
-        </p:grpSpPr>
-        <p:cxnSp>
-          <p:nvCxnSpPr>
-            <p:cNvPr id="52" name="Straight Arrow Connector 51"/>
-            <p:cNvCxnSpPr/>
-            <p:nvPr/>
-          </p:nvCxnSpPr>
-          <p:spPr>
-            <a:xfrm flipV="1">
-              <a:off x="8060" y="3280"/>
-              <a:ext cx="4695" cy="10"/>
-            </a:xfrm>
-            <a:prstGeom prst="straightConnector1">
-              <a:avLst/>
-            </a:prstGeom>
-            <a:ln w="19050" cmpd="sng">
-              <a:solidFill>
-                <a:srgbClr val="FF0000"/>
-              </a:solidFill>
-              <a:prstDash val="solid"/>
-              <a:headEnd type="none" w="med" len="med"/>
-              <a:tailEnd type="arrow" w="med" len="med"/>
-            </a:ln>
-          </p:spPr>
-          <p:style>
-            <a:lnRef idx="3">
-              <a:schemeClr val="dk1"/>
-            </a:lnRef>
-            <a:fillRef idx="0">
-              <a:schemeClr val="dk1"/>
-            </a:fillRef>
-            <a:effectRef idx="2">
-              <a:schemeClr val="dk1"/>
-            </a:effectRef>
-            <a:fontRef idx="minor">
-              <a:schemeClr val="tx1"/>
-            </a:fontRef>
-          </p:style>
-        </p:cxnSp>
-        <p:sp>
-          <p:nvSpPr>
-            <p:cNvPr id="53" name="TextBox 79"/>
-            <p:cNvSpPr txBox="1"/>
-            <p:nvPr/>
-          </p:nvSpPr>
-          <p:spPr>
-            <a:xfrm>
-              <a:off x="8097" y="2882"/>
-              <a:ext cx="4645" cy="339"/>
-            </a:xfrm>
-            <a:prstGeom prst="rect">
-              <a:avLst/>
-            </a:prstGeom>
-            <a:noFill/>
-          </p:spPr>
-          <p:txBody>
-            <a:bodyPr wrap="square" lIns="0" tIns="0" rIns="0" bIns="0" rtlCol="0">
-              <a:spAutoFit/>
-            </a:bodyPr>
-            <a:p>
-              <a:pPr algn="ctr"/>
-              <a:r>
-                <a:rPr lang="de-DE" altLang="en-GB" sz="1400" b="1" dirty="0">
-                  <a:latin typeface="Calibri" charset="0"/>
-                </a:rPr>
-                <a:t>3.</a:t>
-              </a:r>
-              <a:r>
-                <a:rPr lang="de-DE" altLang="en-GB" sz="1400" dirty="0">
-                  <a:latin typeface="Calibri" charset="0"/>
-                </a:rPr>
-                <a:t>  Log</a:t>
-              </a:r>
-              <a:r>
-                <a:rPr lang="de-DE" altLang="en-GB" sz="1400" baseline="-25000" dirty="0">
-                  <a:latin typeface="Calibri" charset="0"/>
-                </a:rPr>
-                <a:t>init</a:t>
-              </a:r>
-              <a:r>
-                <a:rPr lang="de-DE" altLang="en-GB" sz="1400" dirty="0">
-                  <a:latin typeface="Calibri" charset="0"/>
-                </a:rPr>
-                <a:t> </a:t>
-              </a:r>
-              <a:r>
-                <a:rPr lang="en-US" sz="1400">
-                  <a:latin typeface="Unifont" panose="02000604000000000000" charset="-122"/>
-                  <a:ea typeface="Unifont" panose="02000604000000000000" charset="-122"/>
-                  <a:sym typeface="+mn-ea"/>
-                </a:rPr>
-                <a:t>≔</a:t>
-              </a:r>
-              <a:r>
-                <a:rPr lang="de-DE" altLang="en-GB" sz="1400" dirty="0">
-                  <a:latin typeface="Calibri" charset="0"/>
-                </a:rPr>
-                <a:t> </a:t>
-              </a:r>
-              <a:r>
-                <a:rPr lang="de-DE" sz="1400" dirty="0">
-                  <a:latin typeface="Calibri" charset="0"/>
-                </a:rPr>
-                <a:t>seal( {“Log”, id</a:t>
-              </a:r>
-              <a:r>
-                <a:rPr lang="de-DE" sz="1400" baseline="-25000" dirty="0">
-                  <a:latin typeface="Calibri" charset="0"/>
-                </a:rPr>
-                <a:t>LC</a:t>
-              </a:r>
-              <a:r>
-                <a:rPr lang="de-DE" sz="1400" dirty="0">
-                  <a:latin typeface="Calibri" charset="0"/>
-                </a:rPr>
-                <a:t>, </a:t>
-              </a:r>
-              <a:r>
-                <a:rPr lang="de-DE" altLang="en-GB" sz="1400" dirty="0">
-                  <a:latin typeface="Calibri" charset="0"/>
-                  <a:sym typeface="+mn-ea"/>
-                </a:rPr>
-                <a:t>c</a:t>
-              </a:r>
-              <a:r>
-                <a:rPr lang="de-DE" altLang="en-GB" sz="1400" baseline="-25000" dirty="0">
-                  <a:latin typeface="Calibri" charset="0"/>
-                  <a:sym typeface="+mn-ea"/>
-                </a:rPr>
-                <a:t>log</a:t>
-              </a:r>
-              <a:r>
-                <a:rPr lang="de-DE" sz="1400" dirty="0">
-                  <a:latin typeface="Calibri" charset="0"/>
-                </a:rPr>
-                <a:t>, s</a:t>
-              </a:r>
-              <a:r>
-                <a:rPr lang="de-DE" sz="1400" baseline="-25000" dirty="0">
-                  <a:latin typeface="Calibri" charset="0"/>
-                </a:rPr>
-                <a:t>m</a:t>
-              </a:r>
-              <a:r>
-                <a:rPr lang="de-DE" sz="1400" dirty="0">
-                  <a:latin typeface="Calibri" charset="0"/>
-                </a:rPr>
-                <a:t>} )</a:t>
-              </a:r>
-              <a:endParaRPr lang="de-DE" sz="1400" dirty="0">
-                <a:latin typeface="Calibri" charset="0"/>
-              </a:endParaRPr>
-            </a:p>
-          </p:txBody>
-        </p:sp>
-      </p:grpSp>
-      <p:grpSp>
-        <p:nvGrpSpPr>
-          <p:cNvPr id="57" name="Group 56"/>
-          <p:cNvGrpSpPr/>
-          <p:nvPr/>
-        </p:nvGrpSpPr>
-        <p:grpSpPr>
-          <a:xfrm>
-            <a:off x="7491095" y="1434465"/>
-            <a:ext cx="1446530" cy="248285"/>
-            <a:chOff x="10867" y="2901"/>
-            <a:chExt cx="2278" cy="391"/>
-          </a:xfrm>
-        </p:grpSpPr>
-        <p:cxnSp>
-          <p:nvCxnSpPr>
-            <p:cNvPr id="59" name="Straight Arrow Connector 58"/>
-            <p:cNvCxnSpPr/>
-            <p:nvPr/>
-          </p:nvCxnSpPr>
-          <p:spPr>
-            <a:xfrm flipV="1">
-              <a:off x="11362" y="3290"/>
-              <a:ext cx="1440" cy="2"/>
-            </a:xfrm>
-            <a:prstGeom prst="straightConnector1">
-              <a:avLst/>
-            </a:prstGeom>
-            <a:ln w="19050" cmpd="sng">
-              <a:solidFill>
-                <a:schemeClr val="tx1"/>
-              </a:solidFill>
-              <a:prstDash val="sysDot"/>
-              <a:headEnd type="none" w="med" len="med"/>
-              <a:tailEnd type="arrow" w="med" len="med"/>
-            </a:ln>
-          </p:spPr>
-          <p:style>
-            <a:lnRef idx="3">
-              <a:schemeClr val="dk1"/>
-            </a:lnRef>
-            <a:fillRef idx="0">
-              <a:schemeClr val="dk1"/>
-            </a:fillRef>
-            <a:effectRef idx="2">
-              <a:schemeClr val="dk1"/>
-            </a:effectRef>
-            <a:fontRef idx="minor">
-              <a:schemeClr val="tx1"/>
-            </a:fontRef>
-          </p:style>
-        </p:cxnSp>
-        <p:sp>
-          <p:nvSpPr>
-            <p:cNvPr id="60" name="TextBox 79"/>
-            <p:cNvSpPr txBox="1"/>
-            <p:nvPr/>
-          </p:nvSpPr>
-          <p:spPr>
-            <a:xfrm>
-              <a:off x="10867" y="2901"/>
-              <a:ext cx="2278" cy="339"/>
-            </a:xfrm>
-            <a:prstGeom prst="rect">
-              <a:avLst/>
-            </a:prstGeom>
-            <a:noFill/>
-          </p:spPr>
-          <p:txBody>
-            <a:bodyPr wrap="square" lIns="0" tIns="0" rIns="0" bIns="0" rtlCol="0">
-              <a:spAutoFit/>
-            </a:bodyPr>
-            <a:p>
-              <a:pPr algn="ctr"/>
-              <a:r>
-                <a:rPr lang="de-DE" altLang="en-GB" sz="1400" b="1" dirty="0">
-                  <a:latin typeface="Calibri" charset="0"/>
-                </a:rPr>
-                <a:t>1a.</a:t>
-              </a:r>
-              <a:r>
-                <a:rPr lang="de-DE" altLang="en-GB" sz="1400" dirty="0">
-                  <a:latin typeface="Calibri" charset="0"/>
-                </a:rPr>
-                <a:t>  Inc()</a:t>
-              </a:r>
-              <a:endParaRPr lang="de-DE" altLang="en-GB" sz="1400" dirty="0">
-                <a:latin typeface="Calibri" charset="0"/>
-              </a:endParaRPr>
-            </a:p>
-          </p:txBody>
-        </p:sp>
-      </p:grpSp>
-      <p:grpSp>
-        <p:nvGrpSpPr>
-          <p:cNvPr id="68" name="Group 67"/>
-          <p:cNvGrpSpPr/>
-          <p:nvPr/>
-        </p:nvGrpSpPr>
-        <p:grpSpPr>
-          <a:xfrm>
-            <a:off x="8799195" y="2463800"/>
-            <a:ext cx="1005840" cy="1188720"/>
-            <a:chOff x="14763" y="2974"/>
-            <a:chExt cx="1691" cy="1684"/>
-          </a:xfrm>
-        </p:grpSpPr>
-        <p:grpSp>
-          <p:nvGrpSpPr>
-            <p:cNvPr id="56" name="Group 55"/>
-            <p:cNvGrpSpPr/>
-            <p:nvPr/>
-          </p:nvGrpSpPr>
-          <p:grpSpPr>
-            <a:xfrm rot="0">
-              <a:off x="14763" y="2974"/>
-              <a:ext cx="1691" cy="1684"/>
-              <a:chOff x="13379" y="6302"/>
-              <a:chExt cx="1691" cy="1684"/>
-            </a:xfrm>
-          </p:grpSpPr>
-          <p:sp>
-            <p:nvSpPr>
-              <p:cNvPr id="17" name="Flowchart: Magnetic Disk 16"/>
-              <p:cNvSpPr/>
-              <p:nvPr/>
-            </p:nvSpPr>
-            <p:spPr>
-              <a:xfrm>
-                <a:off x="13379" y="6302"/>
-                <a:ext cx="1691" cy="1684"/>
-              </a:xfrm>
-              <a:prstGeom prst="flowChartMagneticDisk">
-                <a:avLst/>
-              </a:prstGeom>
-              <a:solidFill>
-                <a:schemeClr val="accent5">
-                  <a:lumMod val="20000"/>
-                  <a:lumOff val="80000"/>
-                </a:schemeClr>
-              </a:solidFill>
-            </p:spPr>
-            <p:style>
-              <a:lnRef idx="2">
-                <a:schemeClr val="accent1">
-                  <a:shade val="50000"/>
-                </a:schemeClr>
-              </a:lnRef>
-              <a:fillRef idx="1">
-                <a:schemeClr val="accent1"/>
-              </a:fillRef>
-              <a:effectRef idx="0">
-                <a:schemeClr val="accent1"/>
-              </a:effectRef>
-              <a:fontRef idx="minor">
-                <a:schemeClr val="lt1"/>
-              </a:fontRef>
-            </p:style>
-            <p:txBody>
-              <a:bodyPr rtlCol="0" anchor="ctr"/>
-              <a:p>
-                <a:pPr algn="ctr"/>
-                <a:endParaRPr lang="en-US"/>
-              </a:p>
-            </p:txBody>
-          </p:sp>
-          <p:sp>
-            <p:nvSpPr>
-              <p:cNvPr id="55" name="Text Box 54"/>
-              <p:cNvSpPr txBox="1"/>
-              <p:nvPr/>
-            </p:nvSpPr>
-            <p:spPr>
-              <a:xfrm>
-                <a:off x="13514" y="6366"/>
-                <a:ext cx="1421" cy="460"/>
-              </a:xfrm>
-              <a:prstGeom prst="rect">
-                <a:avLst/>
-              </a:prstGeom>
-              <a:noFill/>
-            </p:spPr>
-            <p:txBody>
-              <a:bodyPr wrap="square" rtlCol="0">
-                <a:spAutoFit/>
-              </a:bodyPr>
-              <a:p>
-                <a:pPr algn="ctr"/>
-                <a:r>
-                  <a:rPr lang="de-DE" altLang="en-US" sz="1200" b="1">
-                    <a:latin typeface="Calibri" charset="0"/>
-                  </a:rPr>
-                  <a:t>Harddisk</a:t>
-                </a:r>
-                <a:endParaRPr lang="de-DE" altLang="en-US" sz="1200" b="1">
-                  <a:latin typeface="Calibri" charset="0"/>
-                </a:endParaRPr>
-              </a:p>
-            </p:txBody>
-          </p:sp>
-        </p:grpSp>
-        <p:sp>
-          <p:nvSpPr>
-            <p:cNvPr id="62" name="Text Box 61"/>
-            <p:cNvSpPr txBox="1"/>
-            <p:nvPr/>
-          </p:nvSpPr>
-          <p:spPr>
-            <a:xfrm>
-              <a:off x="15094" y="3781"/>
-              <a:ext cx="1029" cy="460"/>
-            </a:xfrm>
-            <a:prstGeom prst="rect">
-              <a:avLst/>
-            </a:prstGeom>
-            <a:noFill/>
-          </p:spPr>
-          <p:txBody>
-            <a:bodyPr wrap="square" rtlCol="0">
-              <a:spAutoFit/>
-            </a:bodyPr>
-            <a:p>
-              <a:pPr algn="ctr"/>
-              <a:r>
-                <a:rPr lang="de-DE" altLang="en-US" sz="1200">
-                  <a:solidFill>
-                    <a:srgbClr val="FF0000"/>
-                  </a:solidFill>
-                  <a:latin typeface="Calibri" charset="0"/>
-                </a:rPr>
-                <a:t>Log</a:t>
-              </a:r>
-              <a:r>
-                <a:rPr lang="de-DE" altLang="en-US" sz="1200" baseline="-25000">
-                  <a:solidFill>
-                    <a:srgbClr val="FF0000"/>
-                  </a:solidFill>
-                  <a:latin typeface="Calibri" charset="0"/>
-                </a:rPr>
-                <a:t>init</a:t>
-              </a:r>
-              <a:endParaRPr lang="de-DE" altLang="en-US" sz="1200" baseline="-25000">
-                <a:solidFill>
-                  <a:srgbClr val="FF0000"/>
-                </a:solidFill>
-                <a:latin typeface="Calibri" charset="0"/>
-              </a:endParaRPr>
-            </a:p>
-          </p:txBody>
-        </p:sp>
-      </p:grpSp>
-      <p:grpSp>
-        <p:nvGrpSpPr>
-          <p:cNvPr id="64" name="Group 63"/>
-          <p:cNvGrpSpPr/>
-          <p:nvPr/>
-        </p:nvGrpSpPr>
-        <p:grpSpPr>
-          <a:xfrm>
-            <a:off x="5389128" y="1803400"/>
-            <a:ext cx="3330716" cy="247015"/>
-            <a:chOff x="7830" y="2931"/>
-            <a:chExt cx="5051" cy="389"/>
-          </a:xfrm>
-        </p:grpSpPr>
-        <p:cxnSp>
-          <p:nvCxnSpPr>
-            <p:cNvPr id="65" name="Straight Arrow Connector 64"/>
-            <p:cNvCxnSpPr/>
-            <p:nvPr/>
-          </p:nvCxnSpPr>
-          <p:spPr>
-            <a:xfrm>
-              <a:off x="7889" y="3320"/>
-              <a:ext cx="4992" cy="0"/>
-            </a:xfrm>
-            <a:prstGeom prst="straightConnector1">
-              <a:avLst/>
-            </a:prstGeom>
-            <a:ln w="19050">
-              <a:headEnd type="none" w="med" len="med"/>
-              <a:tailEnd type="arrow" w="med" len="med"/>
-            </a:ln>
-          </p:spPr>
-          <p:style>
-            <a:lnRef idx="3">
-              <a:schemeClr val="dk1"/>
-            </a:lnRef>
-            <a:fillRef idx="0">
-              <a:schemeClr val="dk1"/>
-            </a:fillRef>
-            <a:effectRef idx="2">
-              <a:schemeClr val="dk1"/>
-            </a:effectRef>
-            <a:fontRef idx="minor">
-              <a:schemeClr val="tx1"/>
-            </a:fontRef>
-          </p:style>
-        </p:cxnSp>
-        <p:sp>
-          <p:nvSpPr>
-            <p:cNvPr id="66" name="TextBox 79"/>
-            <p:cNvSpPr txBox="1"/>
-            <p:nvPr/>
-          </p:nvSpPr>
-          <p:spPr>
-            <a:xfrm>
-              <a:off x="7830" y="2931"/>
-              <a:ext cx="2380" cy="339"/>
-            </a:xfrm>
-            <a:prstGeom prst="rect">
-              <a:avLst/>
-            </a:prstGeom>
-            <a:noFill/>
-          </p:spPr>
-          <p:txBody>
-            <a:bodyPr wrap="square" lIns="0" tIns="0" rIns="0" bIns="0" rtlCol="0">
-              <a:spAutoFit/>
-            </a:bodyPr>
-            <a:p>
-              <a:pPr algn="ctr"/>
-              <a:r>
-                <a:rPr lang="de-DE" altLang="en-GB" sz="1400" b="1" dirty="0">
-                  <a:latin typeface="Calibri" charset="0"/>
-                </a:rPr>
-                <a:t>1b.</a:t>
-              </a:r>
-              <a:r>
-                <a:rPr lang="de-DE" altLang="en-GB" sz="1400" dirty="0">
-                  <a:latin typeface="Calibri" charset="0"/>
-                </a:rPr>
-                <a:t>  c</a:t>
-              </a:r>
-              <a:r>
-                <a:rPr lang="de-DE" altLang="en-GB" sz="1400" baseline="-25000" dirty="0">
-                  <a:latin typeface="Calibri" charset="0"/>
-                </a:rPr>
-                <a:t>log</a:t>
-              </a:r>
-              <a:r>
-                <a:rPr lang="de-DE" altLang="en-GB" sz="1400" dirty="0">
-                  <a:latin typeface="Calibri" charset="0"/>
-                </a:rPr>
-                <a:t> </a:t>
-              </a:r>
-              <a:r>
-                <a:rPr lang="en-US" sz="1400">
-                  <a:latin typeface="Unifont" panose="02000604000000000000" charset="-122"/>
-                  <a:ea typeface="Unifont" panose="02000604000000000000" charset="-122"/>
-                  <a:sym typeface="+mn-ea"/>
-                </a:rPr>
-                <a:t>≔</a:t>
-              </a:r>
-              <a:r>
-                <a:rPr lang="de-DE" altLang="en-GB" sz="1400" dirty="0">
-                  <a:latin typeface="Calibri" charset="0"/>
-                </a:rPr>
-                <a:t> Read()</a:t>
-              </a:r>
-              <a:endParaRPr lang="de-DE" altLang="en-GB" sz="1400" dirty="0">
-                <a:latin typeface="Calibri" charset="0"/>
-              </a:endParaRPr>
-            </a:p>
-          </p:txBody>
-        </p:sp>
-      </p:grpSp>
-      <p:grpSp>
-        <p:nvGrpSpPr>
           <p:cNvPr id="73" name="Group 72"/>
           <p:cNvGrpSpPr/>
           <p:nvPr/>
@@ -13310,40 +12621,6 @@
           </a:p>
         </p:txBody>
       </p:sp>
-      <p:sp>
-        <p:nvSpPr>
-          <p:cNvPr id="87" name="Text Box 86"/>
-          <p:cNvSpPr txBox="1"/>
-          <p:nvPr/>
-        </p:nvSpPr>
-        <p:spPr>
-          <a:xfrm>
-            <a:off x="6088380" y="488315"/>
-            <a:ext cx="2463165" cy="337185"/>
-          </a:xfrm>
-          <a:prstGeom prst="rect">
-            <a:avLst/>
-          </a:prstGeom>
-          <a:noFill/>
-        </p:spPr>
-        <p:txBody>
-          <a:bodyPr wrap="square" rtlCol="0">
-            <a:spAutoFit/>
-          </a:bodyPr>
-          <a:p>
-            <a:pPr algn="ctr"/>
-            <a:r>
-              <a:rPr lang="de-DE" altLang="en-US" sz="1600">
-                <a:latin typeface="Calibri" charset="0"/>
-              </a:rPr>
-              <a:t>Enclave-initialisation:</a:t>
-            </a:r>
-            <a:endParaRPr lang="de-DE" altLang="en-US" sz="1600">
-              <a:latin typeface="Calibri" charset="0"/>
-            </a:endParaRPr>
-          </a:p>
-        </p:txBody>
-      </p:sp>
       <p:cxnSp>
         <p:nvCxnSpPr>
           <p:cNvPr id="89" name="Straight Arrow Connector 88"/>
@@ -13457,226 +12734,6 @@
           </a:p>
         </p:txBody>
       </p:sp>
-      <p:grpSp>
-        <p:nvGrpSpPr>
-          <p:cNvPr id="8" name="Group 7"/>
-          <p:cNvGrpSpPr/>
-          <p:nvPr/>
-        </p:nvGrpSpPr>
-        <p:grpSpPr>
-          <a:xfrm>
-            <a:off x="8790940" y="1460245"/>
-            <a:ext cx="1481455" cy="860045"/>
-            <a:chOff x="16274" y="3030"/>
-            <a:chExt cx="2333" cy="1354"/>
-          </a:xfrm>
-        </p:grpSpPr>
-        <p:grpSp>
-          <p:nvGrpSpPr>
-            <p:cNvPr id="67" name="Group 66"/>
-            <p:cNvGrpSpPr/>
-            <p:nvPr/>
-          </p:nvGrpSpPr>
-          <p:grpSpPr>
-            <a:xfrm>
-              <a:off x="16274" y="3030"/>
-              <a:ext cx="2333" cy="1354"/>
-              <a:chOff x="14730" y="1335"/>
-              <a:chExt cx="2333" cy="1355"/>
-            </a:xfrm>
-          </p:grpSpPr>
-          <p:grpSp>
-            <p:nvGrpSpPr>
-              <p:cNvPr id="31" name="Group 30"/>
-              <p:cNvGrpSpPr/>
-              <p:nvPr/>
-            </p:nvGrpSpPr>
-            <p:grpSpPr>
-              <a:xfrm rot="0">
-                <a:off x="14730" y="1335"/>
-                <a:ext cx="2333" cy="1355"/>
-                <a:chOff x="13379" y="3962"/>
-                <a:chExt cx="2333" cy="1814"/>
-              </a:xfrm>
-            </p:grpSpPr>
-            <p:sp>
-              <p:nvSpPr>
-                <p:cNvPr id="28" name="Rectangles 27"/>
-                <p:cNvSpPr/>
-                <p:nvPr/>
-              </p:nvSpPr>
-              <p:spPr>
-                <a:xfrm>
-                  <a:off x="13379" y="3962"/>
-                  <a:ext cx="2259" cy="1814"/>
-                </a:xfrm>
-                <a:prstGeom prst="rect">
-                  <a:avLst/>
-                </a:prstGeom>
-                <a:solidFill>
-                  <a:schemeClr val="accent2">
-                    <a:lumMod val="20000"/>
-                    <a:lumOff val="80000"/>
-                  </a:schemeClr>
-                </a:solidFill>
-              </p:spPr>
-              <p:style>
-                <a:lnRef idx="2">
-                  <a:schemeClr val="accent1">
-                    <a:shade val="50000"/>
-                  </a:schemeClr>
-                </a:lnRef>
-                <a:fillRef idx="1">
-                  <a:schemeClr val="accent1"/>
-                </a:fillRef>
-                <a:effectRef idx="0">
-                  <a:schemeClr val="accent1"/>
-                </a:effectRef>
-                <a:fontRef idx="minor">
-                  <a:schemeClr val="lt1"/>
-                </a:fontRef>
-              </p:style>
-              <p:txBody>
-                <a:bodyPr rtlCol="0" anchor="ctr"/>
-                <a:p>
-                  <a:pPr algn="ctr"/>
-                  <a:endParaRPr lang="en-US"/>
-                </a:p>
-              </p:txBody>
-            </p:sp>
-            <p:sp>
-              <p:nvSpPr>
-                <p:cNvPr id="30" name="Text Box 29"/>
-                <p:cNvSpPr txBox="1"/>
-                <p:nvPr/>
-              </p:nvSpPr>
-              <p:spPr>
-                <a:xfrm>
-                  <a:off x="13392" y="3982"/>
-                  <a:ext cx="2320" cy="581"/>
-                </a:xfrm>
-                <a:prstGeom prst="rect">
-                  <a:avLst/>
-                </a:prstGeom>
-                <a:noFill/>
-              </p:spPr>
-              <p:txBody>
-                <a:bodyPr wrap="square" rtlCol="0">
-                  <a:spAutoFit/>
-                </a:bodyPr>
-                <a:p>
-                  <a:r>
-                    <a:rPr lang="de-DE" altLang="en-US" sz="1200" b="1">
-                      <a:latin typeface="Calibri" charset="0"/>
-                    </a:rPr>
-                    <a:t>Log Counter (id</a:t>
-                  </a:r>
-                  <a:r>
-                    <a:rPr lang="de-DE" altLang="en-US" sz="1200" b="1" baseline="-25000">
-                      <a:latin typeface="Calibri" charset="0"/>
-                    </a:rPr>
-                    <a:t>LC</a:t>
-                  </a:r>
-                  <a:r>
-                    <a:rPr lang="de-DE" altLang="en-US" sz="1200" b="1">
-                      <a:latin typeface="Calibri" charset="0"/>
-                    </a:rPr>
-                    <a:t>)</a:t>
-                  </a:r>
-                  <a:endParaRPr lang="de-DE" altLang="en-US" sz="1200" b="1">
-                    <a:latin typeface="Calibri" charset="0"/>
-                  </a:endParaRPr>
-                </a:p>
-              </p:txBody>
-            </p:sp>
-          </p:grpSp>
-          <p:sp>
-            <p:nvSpPr>
-              <p:cNvPr id="32" name="Text Box 31"/>
-              <p:cNvSpPr txBox="1"/>
-              <p:nvPr/>
-            </p:nvSpPr>
-            <p:spPr>
-              <a:xfrm>
-                <a:off x="15136" y="1805"/>
-                <a:ext cx="1447" cy="725"/>
-              </a:xfrm>
-              <a:prstGeom prst="rect">
-                <a:avLst/>
-              </a:prstGeom>
-              <a:noFill/>
-            </p:spPr>
-            <p:txBody>
-              <a:bodyPr wrap="square" rtlCol="0">
-                <a:spAutoFit/>
-              </a:bodyPr>
-              <a:p>
-                <a:pPr algn="ctr"/>
-                <a:r>
-                  <a:rPr lang="de-DE" altLang="en-US" sz="1200">
-                    <a:latin typeface="Calibri" charset="0"/>
-                  </a:rPr>
-                  <a:t>[ val = 0 ]</a:t>
-                </a:r>
-                <a:endParaRPr lang="de-DE" altLang="en-US" sz="1200">
-                  <a:latin typeface="Calibri" charset="0"/>
-                </a:endParaRPr>
-              </a:p>
-              <a:p>
-                <a:pPr algn="ctr"/>
-                <a:r>
-                  <a:rPr lang="de-DE" altLang="en-US" sz="1200">
-                    <a:latin typeface="Calibri" charset="0"/>
-                  </a:rPr>
-                  <a:t>[ val = 1 ]</a:t>
-                </a:r>
-                <a:endParaRPr lang="de-DE" altLang="en-US" sz="1200">
-                  <a:latin typeface="Calibri" charset="0"/>
-                </a:endParaRPr>
-              </a:p>
-            </p:txBody>
-          </p:sp>
-        </p:grpSp>
-        <p:cxnSp>
-          <p:nvCxnSpPr>
-            <p:cNvPr id="7" name="Curved Connector 6"/>
-            <p:cNvCxnSpPr/>
-            <p:nvPr/>
-          </p:nvCxnSpPr>
-          <p:spPr>
-            <a:xfrm rot="10800000" flipH="1" flipV="1">
-              <a:off x="16836" y="3737"/>
-              <a:ext cx="8" cy="284"/>
-            </a:xfrm>
-            <a:prstGeom prst="curvedConnector3">
-              <a:avLst>
-                <a:gd name="adj1" fmla="val -4687500"/>
-              </a:avLst>
-            </a:prstGeom>
-            <a:ln w="19050" cmpd="sng">
-              <a:solidFill>
-                <a:schemeClr val="tx1"/>
-              </a:solidFill>
-              <a:prstDash val="sysDot"/>
-              <a:tailEnd type="arrow"/>
-            </a:ln>
-          </p:spPr>
-          <p:style>
-            <a:lnRef idx="1">
-              <a:schemeClr val="accent1"/>
-            </a:lnRef>
-            <a:fillRef idx="0">
-              <a:schemeClr val="accent1"/>
-            </a:fillRef>
-            <a:effectRef idx="0">
-              <a:schemeClr val="accent1"/>
-            </a:effectRef>
-            <a:fontRef idx="minor">
-              <a:schemeClr val="tx1"/>
-            </a:fontRef>
-          </p:style>
-        </p:cxnSp>
-      </p:grpSp>
       <p:grpSp>
         <p:nvGrpSpPr>
           <p:cNvPr id="12" name="Group 11"/>
@@ -13945,6 +13002,623 @@
 </p:sld>
 </file>
 
+<file path=ppt/slides/slide10.xml><?xml version="1.0" encoding="utf-8"?>
+<p:sld xmlns:a="http://schemas.openxmlformats.org/drawingml/2006/main" xmlns:r="http://schemas.openxmlformats.org/officeDocument/2006/relationships" xmlns:p="http://schemas.openxmlformats.org/presentationml/2006/main">
+  <p:cSld>
+    <p:spTree>
+      <p:nvGrpSpPr>
+        <p:cNvPr id="1" name=""/>
+        <p:cNvGrpSpPr/>
+        <p:nvPr/>
+      </p:nvGrpSpPr>
+      <p:grpSpPr/>
+      <p:grpSp>
+        <p:nvGrpSpPr>
+          <p:cNvPr id="17" name="Group 16"/>
+          <p:cNvGrpSpPr/>
+          <p:nvPr/>
+        </p:nvGrpSpPr>
+        <p:grpSpPr>
+          <a:xfrm>
+            <a:off x="3771265" y="2019300"/>
+            <a:ext cx="1219200" cy="275590"/>
+            <a:chOff x="4509" y="3180"/>
+            <a:chExt cx="1920" cy="434"/>
+          </a:xfrm>
+        </p:grpSpPr>
+        <p:sp>
+          <p:nvSpPr>
+            <p:cNvPr id="9" name="Rectangles 8"/>
+            <p:cNvSpPr/>
+            <p:nvPr/>
+          </p:nvSpPr>
+          <p:spPr>
+            <a:xfrm>
+              <a:off x="4509" y="3211"/>
+              <a:ext cx="1920" cy="396"/>
+            </a:xfrm>
+            <a:prstGeom prst="rect">
+              <a:avLst/>
+            </a:prstGeom>
+            <a:solidFill>
+              <a:schemeClr val="accent1">
+                <a:alpha val="16000"/>
+              </a:schemeClr>
+            </a:solidFill>
+          </p:spPr>
+          <p:style>
+            <a:lnRef idx="2">
+              <a:schemeClr val="accent1">
+                <a:shade val="50000"/>
+              </a:schemeClr>
+            </a:lnRef>
+            <a:fillRef idx="1">
+              <a:schemeClr val="accent1"/>
+            </a:fillRef>
+            <a:effectRef idx="0">
+              <a:schemeClr val="accent1"/>
+            </a:effectRef>
+            <a:fontRef idx="minor">
+              <a:schemeClr val="lt1"/>
+            </a:fontRef>
+          </p:style>
+          <p:txBody>
+            <a:bodyPr rtlCol="0" anchor="ctr"/>
+            <a:p>
+              <a:pPr algn="ctr"/>
+              <a:endParaRPr lang="en-US" sz="1200"/>
+            </a:p>
+          </p:txBody>
+        </p:sp>
+        <p:sp>
+          <p:nvSpPr>
+            <p:cNvPr id="14" name="Text Box 13"/>
+            <p:cNvSpPr txBox="1"/>
+            <p:nvPr/>
+          </p:nvSpPr>
+          <p:spPr>
+            <a:xfrm>
+              <a:off x="4592" y="3180"/>
+              <a:ext cx="1757" cy="434"/>
+            </a:xfrm>
+            <a:prstGeom prst="rect">
+              <a:avLst/>
+            </a:prstGeom>
+            <a:noFill/>
+          </p:spPr>
+          <p:txBody>
+            <a:bodyPr wrap="square" rtlCol="0">
+              <a:spAutoFit/>
+            </a:bodyPr>
+            <a:p>
+              <a:pPr algn="ctr"/>
+              <a:r>
+                <a:rPr lang="de-DE" altLang="en-US" sz="1200">
+                  <a:latin typeface="Times New Roman" panose="02020603050405020304" charset="0"/>
+                  <a:cs typeface="Times New Roman" panose="02020603050405020304" charset="0"/>
+                </a:rPr>
+                <a:t>python_gbdt</a:t>
+              </a:r>
+              <a:endParaRPr lang="de-DE" altLang="en-US" sz="1200">
+                <a:latin typeface="Times New Roman" panose="02020603050405020304" charset="0"/>
+                <a:cs typeface="Times New Roman" panose="02020603050405020304" charset="0"/>
+              </a:endParaRPr>
+            </a:p>
+          </p:txBody>
+        </p:sp>
+      </p:grpSp>
+      <p:grpSp>
+        <p:nvGrpSpPr>
+          <p:cNvPr id="21" name="Group 20"/>
+          <p:cNvGrpSpPr/>
+          <p:nvPr/>
+        </p:nvGrpSpPr>
+        <p:grpSpPr>
+          <a:xfrm>
+            <a:off x="1127125" y="2019300"/>
+            <a:ext cx="1219200" cy="275590"/>
+            <a:chOff x="4509" y="3180"/>
+            <a:chExt cx="1920" cy="434"/>
+          </a:xfrm>
+        </p:grpSpPr>
+        <p:sp>
+          <p:nvSpPr>
+            <p:cNvPr id="22" name="Rectangles 21"/>
+            <p:cNvSpPr/>
+            <p:nvPr/>
+          </p:nvSpPr>
+          <p:spPr>
+            <a:xfrm>
+              <a:off x="4509" y="3211"/>
+              <a:ext cx="1920" cy="396"/>
+            </a:xfrm>
+            <a:prstGeom prst="rect">
+              <a:avLst/>
+            </a:prstGeom>
+            <a:solidFill>
+              <a:schemeClr val="accent1">
+                <a:alpha val="16000"/>
+              </a:schemeClr>
+            </a:solidFill>
+          </p:spPr>
+          <p:style>
+            <a:lnRef idx="2">
+              <a:schemeClr val="accent1">
+                <a:shade val="50000"/>
+              </a:schemeClr>
+            </a:lnRef>
+            <a:fillRef idx="1">
+              <a:schemeClr val="accent1"/>
+            </a:fillRef>
+            <a:effectRef idx="0">
+              <a:schemeClr val="accent1"/>
+            </a:effectRef>
+            <a:fontRef idx="minor">
+              <a:schemeClr val="lt1"/>
+            </a:fontRef>
+          </p:style>
+          <p:txBody>
+            <a:bodyPr rtlCol="0" anchor="ctr"/>
+            <a:p>
+              <a:pPr algn="ctr"/>
+              <a:endParaRPr lang="en-US" sz="1200"/>
+            </a:p>
+          </p:txBody>
+        </p:sp>
+        <p:sp>
+          <p:nvSpPr>
+            <p:cNvPr id="23" name="Text Box 22"/>
+            <p:cNvSpPr txBox="1"/>
+            <p:nvPr/>
+          </p:nvSpPr>
+          <p:spPr>
+            <a:xfrm>
+              <a:off x="4592" y="3180"/>
+              <a:ext cx="1757" cy="434"/>
+            </a:xfrm>
+            <a:prstGeom prst="rect">
+              <a:avLst/>
+            </a:prstGeom>
+            <a:noFill/>
+          </p:spPr>
+          <p:txBody>
+            <a:bodyPr wrap="square" rtlCol="0">
+              <a:spAutoFit/>
+            </a:bodyPr>
+            <a:p>
+              <a:pPr algn="ctr"/>
+              <a:r>
+                <a:rPr lang="de-DE" altLang="en-US" sz="1200">
+                  <a:latin typeface="Times New Roman" panose="02020603050405020304" charset="0"/>
+                  <a:cs typeface="Times New Roman" panose="02020603050405020304" charset="0"/>
+                </a:rPr>
+                <a:t>cpp_gbdt</a:t>
+              </a:r>
+              <a:endParaRPr lang="de-DE" altLang="en-US" sz="1200">
+                <a:latin typeface="Times New Roman" panose="02020603050405020304" charset="0"/>
+                <a:cs typeface="Times New Roman" panose="02020603050405020304" charset="0"/>
+              </a:endParaRPr>
+            </a:p>
+          </p:txBody>
+        </p:sp>
+      </p:grpSp>
+      <p:grpSp>
+        <p:nvGrpSpPr>
+          <p:cNvPr id="24" name="Group 23"/>
+          <p:cNvGrpSpPr/>
+          <p:nvPr/>
+        </p:nvGrpSpPr>
+        <p:grpSpPr>
+          <a:xfrm>
+            <a:off x="190500" y="2482850"/>
+            <a:ext cx="1219200" cy="275590"/>
+            <a:chOff x="4509" y="3190"/>
+            <a:chExt cx="1920" cy="434"/>
+          </a:xfrm>
+        </p:grpSpPr>
+        <p:sp>
+          <p:nvSpPr>
+            <p:cNvPr id="25" name="Rectangles 24"/>
+            <p:cNvSpPr/>
+            <p:nvPr/>
+          </p:nvSpPr>
+          <p:spPr>
+            <a:xfrm>
+              <a:off x="4509" y="3211"/>
+              <a:ext cx="1920" cy="396"/>
+            </a:xfrm>
+            <a:prstGeom prst="rect">
+              <a:avLst/>
+            </a:prstGeom>
+            <a:solidFill>
+              <a:schemeClr val="accent1">
+                <a:alpha val="16000"/>
+              </a:schemeClr>
+            </a:solidFill>
+          </p:spPr>
+          <p:style>
+            <a:lnRef idx="2">
+              <a:schemeClr val="accent1">
+                <a:shade val="50000"/>
+              </a:schemeClr>
+            </a:lnRef>
+            <a:fillRef idx="1">
+              <a:schemeClr val="accent1"/>
+            </a:fillRef>
+            <a:effectRef idx="0">
+              <a:schemeClr val="accent1"/>
+            </a:effectRef>
+            <a:fontRef idx="minor">
+              <a:schemeClr val="lt1"/>
+            </a:fontRef>
+          </p:style>
+          <p:txBody>
+            <a:bodyPr rtlCol="0" anchor="ctr"/>
+            <a:p>
+              <a:pPr algn="ctr"/>
+              <a:endParaRPr lang="en-US" sz="1200"/>
+            </a:p>
+          </p:txBody>
+        </p:sp>
+        <p:sp>
+          <p:nvSpPr>
+            <p:cNvPr id="26" name="Text Box 25"/>
+            <p:cNvSpPr txBox="1"/>
+            <p:nvPr/>
+          </p:nvSpPr>
+          <p:spPr>
+            <a:xfrm>
+              <a:off x="4592" y="3190"/>
+              <a:ext cx="1757" cy="434"/>
+            </a:xfrm>
+            <a:prstGeom prst="rect">
+              <a:avLst/>
+            </a:prstGeom>
+            <a:noFill/>
+          </p:spPr>
+          <p:txBody>
+            <a:bodyPr wrap="square" rtlCol="0">
+              <a:spAutoFit/>
+            </a:bodyPr>
+            <a:p>
+              <a:pPr algn="ctr"/>
+              <a:r>
+                <a:rPr lang="de-DE" altLang="en-US" sz="1200">
+                  <a:latin typeface="Times New Roman" panose="02020603050405020304" charset="0"/>
+                  <a:cs typeface="Times New Roman" panose="02020603050405020304" charset="0"/>
+                </a:rPr>
+                <a:t>hardened_gbdt</a:t>
+              </a:r>
+              <a:endParaRPr lang="de-DE" altLang="en-US" sz="1200">
+                <a:latin typeface="Times New Roman" panose="02020603050405020304" charset="0"/>
+                <a:cs typeface="Times New Roman" panose="02020603050405020304" charset="0"/>
+              </a:endParaRPr>
+            </a:p>
+          </p:txBody>
+        </p:sp>
+      </p:grpSp>
+      <p:grpSp>
+        <p:nvGrpSpPr>
+          <p:cNvPr id="27" name="Group 26"/>
+          <p:cNvGrpSpPr/>
+          <p:nvPr/>
+        </p:nvGrpSpPr>
+        <p:grpSpPr>
+          <a:xfrm>
+            <a:off x="2088515" y="2482850"/>
+            <a:ext cx="1219200" cy="275590"/>
+            <a:chOff x="4509" y="3190"/>
+            <a:chExt cx="1920" cy="434"/>
+          </a:xfrm>
+        </p:grpSpPr>
+        <p:sp>
+          <p:nvSpPr>
+            <p:cNvPr id="28" name="Rectangles 27"/>
+            <p:cNvSpPr/>
+            <p:nvPr/>
+          </p:nvSpPr>
+          <p:spPr>
+            <a:xfrm>
+              <a:off x="4509" y="3211"/>
+              <a:ext cx="1920" cy="396"/>
+            </a:xfrm>
+            <a:prstGeom prst="rect">
+              <a:avLst/>
+            </a:prstGeom>
+            <a:solidFill>
+              <a:schemeClr val="accent1">
+                <a:alpha val="16000"/>
+              </a:schemeClr>
+            </a:solidFill>
+          </p:spPr>
+          <p:style>
+            <a:lnRef idx="2">
+              <a:schemeClr val="accent1">
+                <a:shade val="50000"/>
+              </a:schemeClr>
+            </a:lnRef>
+            <a:fillRef idx="1">
+              <a:schemeClr val="accent1"/>
+            </a:fillRef>
+            <a:effectRef idx="0">
+              <a:schemeClr val="accent1"/>
+            </a:effectRef>
+            <a:fontRef idx="minor">
+              <a:schemeClr val="lt1"/>
+            </a:fontRef>
+          </p:style>
+          <p:txBody>
+            <a:bodyPr rtlCol="0" anchor="ctr"/>
+            <a:p>
+              <a:pPr algn="ctr"/>
+              <a:endParaRPr lang="en-US" sz="1200"/>
+            </a:p>
+          </p:txBody>
+        </p:sp>
+        <p:sp>
+          <p:nvSpPr>
+            <p:cNvPr id="30" name="Text Box 29"/>
+            <p:cNvSpPr txBox="1"/>
+            <p:nvPr/>
+          </p:nvSpPr>
+          <p:spPr>
+            <a:xfrm>
+              <a:off x="4590" y="3190"/>
+              <a:ext cx="1757" cy="434"/>
+            </a:xfrm>
+            <a:prstGeom prst="rect">
+              <a:avLst/>
+            </a:prstGeom>
+            <a:noFill/>
+          </p:spPr>
+          <p:txBody>
+            <a:bodyPr wrap="square" rtlCol="0">
+              <a:spAutoFit/>
+            </a:bodyPr>
+            <a:p>
+              <a:pPr algn="ctr"/>
+              <a:r>
+                <a:rPr lang="de-DE" altLang="en-US" sz="1200">
+                  <a:latin typeface="Times New Roman" panose="02020603050405020304" charset="0"/>
+                  <a:cs typeface="Times New Roman" panose="02020603050405020304" charset="0"/>
+                </a:rPr>
+                <a:t>enclave_gbdt</a:t>
+              </a:r>
+              <a:endParaRPr lang="de-DE" altLang="en-US" sz="1200">
+                <a:latin typeface="Times New Roman" panose="02020603050405020304" charset="0"/>
+                <a:cs typeface="Times New Roman" panose="02020603050405020304" charset="0"/>
+              </a:endParaRPr>
+            </a:p>
+          </p:txBody>
+        </p:sp>
+      </p:grpSp>
+      <p:cxnSp>
+        <p:nvCxnSpPr>
+          <p:cNvPr id="31" name="Elbow Connector 30"/>
+          <p:cNvCxnSpPr>
+            <a:stCxn id="23" idx="2"/>
+            <a:endCxn id="26" idx="0"/>
+          </p:cNvCxnSpPr>
+          <p:nvPr/>
+        </p:nvCxnSpPr>
+        <p:spPr>
+          <a:xfrm rot="5400000">
+            <a:off x="1175703" y="1920558"/>
+            <a:ext cx="187960" cy="936625"/>
+          </a:xfrm>
+          <a:prstGeom prst="bentConnector3">
+            <a:avLst>
+              <a:gd name="adj1" fmla="val 49831"/>
+            </a:avLst>
+          </a:prstGeom>
+        </p:spPr>
+        <p:style>
+          <a:lnRef idx="1">
+            <a:schemeClr val="accent1"/>
+          </a:lnRef>
+          <a:fillRef idx="0">
+            <a:schemeClr val="accent1"/>
+          </a:fillRef>
+          <a:effectRef idx="0">
+            <a:schemeClr val="accent1"/>
+          </a:effectRef>
+          <a:fontRef idx="minor">
+            <a:schemeClr val="tx1"/>
+          </a:fontRef>
+        </p:style>
+      </p:cxnSp>
+      <p:cxnSp>
+        <p:nvCxnSpPr>
+          <p:cNvPr id="32" name="Elbow Connector 31"/>
+          <p:cNvCxnSpPr>
+            <a:stCxn id="23" idx="2"/>
+            <a:endCxn id="30" idx="0"/>
+          </p:cNvCxnSpPr>
+          <p:nvPr/>
+        </p:nvCxnSpPr>
+        <p:spPr>
+          <a:xfrm rot="5400000" flipV="1">
+            <a:off x="2124075" y="1908810"/>
+            <a:ext cx="187960" cy="960120"/>
+          </a:xfrm>
+          <a:prstGeom prst="bentConnector3">
+            <a:avLst>
+              <a:gd name="adj1" fmla="val 50000"/>
+            </a:avLst>
+          </a:prstGeom>
+        </p:spPr>
+        <p:style>
+          <a:lnRef idx="1">
+            <a:schemeClr val="accent1"/>
+          </a:lnRef>
+          <a:fillRef idx="0">
+            <a:schemeClr val="accent1"/>
+          </a:fillRef>
+          <a:effectRef idx="0">
+            <a:schemeClr val="accent1"/>
+          </a:effectRef>
+          <a:fontRef idx="minor">
+            <a:schemeClr val="tx1"/>
+          </a:fontRef>
+        </p:style>
+      </p:cxnSp>
+      <p:grpSp>
+        <p:nvGrpSpPr>
+          <p:cNvPr id="37" name="Group 36"/>
+          <p:cNvGrpSpPr/>
+          <p:nvPr/>
+        </p:nvGrpSpPr>
+        <p:grpSpPr>
+          <a:xfrm>
+            <a:off x="2087245" y="2950210"/>
+            <a:ext cx="1219200" cy="460375"/>
+            <a:chOff x="4509" y="3190"/>
+            <a:chExt cx="1920" cy="725"/>
+          </a:xfrm>
+        </p:grpSpPr>
+        <p:sp>
+          <p:nvSpPr>
+            <p:cNvPr id="38" name="Rectangles 37"/>
+            <p:cNvSpPr/>
+            <p:nvPr/>
+          </p:nvSpPr>
+          <p:spPr>
+            <a:xfrm>
+              <a:off x="4509" y="3211"/>
+              <a:ext cx="1920" cy="704"/>
+            </a:xfrm>
+            <a:prstGeom prst="rect">
+              <a:avLst/>
+            </a:prstGeom>
+            <a:solidFill>
+              <a:schemeClr val="accent1">
+                <a:alpha val="16000"/>
+              </a:schemeClr>
+            </a:solidFill>
+          </p:spPr>
+          <p:style>
+            <a:lnRef idx="2">
+              <a:schemeClr val="accent1">
+                <a:shade val="50000"/>
+              </a:schemeClr>
+            </a:lnRef>
+            <a:fillRef idx="1">
+              <a:schemeClr val="accent1"/>
+            </a:fillRef>
+            <a:effectRef idx="0">
+              <a:schemeClr val="accent1"/>
+            </a:effectRef>
+            <a:fontRef idx="minor">
+              <a:schemeClr val="lt1"/>
+            </a:fontRef>
+          </p:style>
+          <p:txBody>
+            <a:bodyPr rtlCol="0" anchor="ctr"/>
+            <a:p>
+              <a:pPr algn="ctr"/>
+              <a:endParaRPr lang="en-US" sz="1200"/>
+            </a:p>
+          </p:txBody>
+        </p:sp>
+        <p:sp>
+          <p:nvSpPr>
+            <p:cNvPr id="41" name="Text Box 40"/>
+            <p:cNvSpPr txBox="1"/>
+            <p:nvPr/>
+          </p:nvSpPr>
+          <p:spPr>
+            <a:xfrm>
+              <a:off x="4592" y="3190"/>
+              <a:ext cx="1757" cy="725"/>
+            </a:xfrm>
+            <a:prstGeom prst="rect">
+              <a:avLst/>
+            </a:prstGeom>
+            <a:noFill/>
+          </p:spPr>
+          <p:txBody>
+            <a:bodyPr wrap="square" rtlCol="0">
+              <a:spAutoFit/>
+            </a:bodyPr>
+            <a:p>
+              <a:pPr algn="ctr"/>
+              <a:r>
+                <a:rPr lang="de-DE" altLang="en-US" sz="1200">
+                  <a:latin typeface="Times New Roman" panose="02020603050405020304" charset="0"/>
+                  <a:cs typeface="Times New Roman" panose="02020603050405020304" charset="0"/>
+                </a:rPr>
+                <a:t>hardened_</a:t>
+              </a:r>
+              <a:endParaRPr lang="de-DE" altLang="en-US" sz="1200">
+                <a:latin typeface="Times New Roman" panose="02020603050405020304" charset="0"/>
+                <a:cs typeface="Times New Roman" panose="02020603050405020304" charset="0"/>
+              </a:endParaRPr>
+            </a:p>
+            <a:p>
+              <a:pPr algn="ctr"/>
+              <a:r>
+                <a:rPr lang="de-DE" altLang="en-US" sz="1200">
+                  <a:latin typeface="Times New Roman" panose="02020603050405020304" charset="0"/>
+                  <a:cs typeface="Times New Roman" panose="02020603050405020304" charset="0"/>
+                </a:rPr>
+                <a:t>enclave_gbdt</a:t>
+              </a:r>
+              <a:endParaRPr lang="de-DE" altLang="en-US" sz="1200">
+                <a:latin typeface="Times New Roman" panose="02020603050405020304" charset="0"/>
+                <a:cs typeface="Times New Roman" panose="02020603050405020304" charset="0"/>
+              </a:endParaRPr>
+            </a:p>
+          </p:txBody>
+        </p:sp>
+      </p:grpSp>
+      <p:cxnSp>
+        <p:nvCxnSpPr>
+          <p:cNvPr id="43" name="Straight Connector 42"/>
+          <p:cNvCxnSpPr>
+            <a:stCxn id="30" idx="2"/>
+            <a:endCxn id="41" idx="0"/>
+          </p:cNvCxnSpPr>
+          <p:nvPr/>
+        </p:nvCxnSpPr>
+        <p:spPr>
+          <a:xfrm>
+            <a:off x="2698115" y="2758440"/>
+            <a:ext cx="0" cy="191770"/>
+          </a:xfrm>
+          <a:prstGeom prst="line">
+            <a:avLst/>
+          </a:prstGeom>
+        </p:spPr>
+        <p:style>
+          <a:lnRef idx="1">
+            <a:schemeClr val="accent1"/>
+          </a:lnRef>
+          <a:fillRef idx="0">
+            <a:schemeClr val="accent1"/>
+          </a:fillRef>
+          <a:effectRef idx="0">
+            <a:schemeClr val="accent1"/>
+          </a:effectRef>
+          <a:fontRef idx="minor">
+            <a:schemeClr val="tx1"/>
+          </a:fontRef>
+        </p:style>
+      </p:cxnSp>
+    </p:spTree>
+  </p:cSld>
+  <p:clrMapOvr>
+    <a:masterClrMapping/>
+  </p:clrMapOvr>
+  <p:timing>
+    <p:tnLst>
+      <p:par>
+        <p:cTn id="1" dur="indefinite" restart="never" nodeType="tmRoot"/>
+      </p:par>
+    </p:tnLst>
+  </p:timing>
+</p:sld>
+</file>
+
 <file path=ppt/slides/slide2.xml><?xml version="1.0" encoding="utf-8"?>
 <p:sld xmlns:a="http://schemas.openxmlformats.org/drawingml/2006/main" xmlns:r="http://schemas.openxmlformats.org/officeDocument/2006/relationships" xmlns:p="http://schemas.openxmlformats.org/presentationml/2006/main">
   <p:cSld>
@@ -13963,8 +13637,944 @@
         </p:nvGrpSpPr>
         <p:grpSpPr>
           <a:xfrm>
+            <a:off x="4587898" y="1222243"/>
+            <a:ext cx="3108960" cy="1976755"/>
+            <a:chOff x="6082" y="2462"/>
+            <a:chExt cx="8597" cy="6232"/>
+          </a:xfrm>
+        </p:grpSpPr>
+        <p:sp>
+          <p:nvSpPr>
+            <p:cNvPr id="3" name="Rounded Rectangle 2"/>
+            <p:cNvSpPr/>
+            <p:nvPr/>
+          </p:nvSpPr>
+          <p:spPr>
+            <a:xfrm>
+              <a:off x="6082" y="2462"/>
+              <a:ext cx="8597" cy="6232"/>
+            </a:xfrm>
+            <a:prstGeom prst="roundRect">
+              <a:avLst/>
+            </a:prstGeom>
+            <a:solidFill>
+              <a:schemeClr val="accent6">
+                <a:lumMod val="20000"/>
+                <a:lumOff val="80000"/>
+              </a:schemeClr>
+            </a:solidFill>
+            <a:ln w="9525"/>
+          </p:spPr>
+          <p:style>
+            <a:lnRef idx="1">
+              <a:schemeClr val="accent6"/>
+            </a:lnRef>
+            <a:fillRef idx="2">
+              <a:schemeClr val="accent6"/>
+            </a:fillRef>
+            <a:effectRef idx="1">
+              <a:schemeClr val="accent6"/>
+            </a:effectRef>
+            <a:fontRef idx="minor">
+              <a:schemeClr val="dk1"/>
+            </a:fontRef>
+          </p:style>
+          <p:txBody>
+            <a:bodyPr rtlCol="0" anchor="ctr"/>
+            <a:p>
+              <a:pPr algn="ctr"/>
+              <a:endParaRPr lang="en-US"/>
+            </a:p>
+          </p:txBody>
+        </p:sp>
+        <p:sp>
+          <p:nvSpPr>
+            <p:cNvPr id="4" name="Text Box 3"/>
+            <p:cNvSpPr txBox="1"/>
+            <p:nvPr/>
+          </p:nvSpPr>
+          <p:spPr>
+            <a:xfrm>
+              <a:off x="7649" y="2526"/>
+              <a:ext cx="5464" cy="1063"/>
+            </a:xfrm>
+            <a:prstGeom prst="rect">
+              <a:avLst/>
+            </a:prstGeom>
+            <a:noFill/>
+          </p:spPr>
+          <p:txBody>
+            <a:bodyPr wrap="square" rtlCol="0">
+              <a:spAutoFit/>
+            </a:bodyPr>
+            <a:p>
+              <a:pPr algn="ctr"/>
+              <a:r>
+                <a:rPr lang="de-DE" altLang="en-US" sz="1600" b="1">
+                  <a:latin typeface="Calibri" charset="0"/>
+                </a:rPr>
+                <a:t>DP-GBDT Enclave</a:t>
+              </a:r>
+              <a:endParaRPr lang="de-DE" altLang="en-US" sz="1600" b="1" baseline="-25000">
+                <a:latin typeface="Calibri" charset="0"/>
+              </a:endParaRPr>
+            </a:p>
+          </p:txBody>
+        </p:sp>
+      </p:grpSp>
+      <p:sp>
+        <p:nvSpPr>
+          <p:cNvPr id="27" name="TextBox 79"/>
+          <p:cNvSpPr txBox="1"/>
+          <p:nvPr/>
+        </p:nvSpPr>
+        <p:spPr>
+          <a:xfrm>
+            <a:off x="4710430" y="2248535"/>
+            <a:ext cx="2888615" cy="215265"/>
+          </a:xfrm>
+          <a:prstGeom prst="rect">
+            <a:avLst/>
+          </a:prstGeom>
+          <a:noFill/>
+        </p:spPr>
+        <p:txBody>
+          <a:bodyPr wrap="square" lIns="0" tIns="0" rIns="0" bIns="0" rtlCol="0">
+            <a:spAutoFit/>
+          </a:bodyPr>
+          <a:p>
+            <a:pPr algn="l"/>
+            <a:r>
+              <a:rPr lang="de-DE" altLang="en-GB" sz="1400" b="1" dirty="0">
+                <a:latin typeface="Calibri" charset="0"/>
+              </a:rPr>
+              <a:t>2.</a:t>
+            </a:r>
+            <a:r>
+              <a:rPr lang="de-DE" altLang="en-GB" sz="1400" dirty="0">
+                <a:latin typeface="Calibri" charset="0"/>
+              </a:rPr>
+              <a:t>  randomly </a:t>
+            </a:r>
+            <a:r>
+              <a:rPr lang="de-DE" altLang="en-GB" sz="1400" dirty="0">
+                <a:latin typeface="Calibri" charset="0"/>
+                <a:ea typeface="AR PL UKai CN" panose="02000503000000000000" charset="-122"/>
+                <a:sym typeface="+mn-ea"/>
+              </a:rPr>
+              <a:t>choose master seed s</a:t>
+            </a:r>
+            <a:r>
+              <a:rPr lang="de-DE" altLang="en-GB" sz="1400" baseline="-25000" dirty="0">
+                <a:latin typeface="Calibri" charset="0"/>
+                <a:ea typeface="AR PL UKai CN" panose="02000503000000000000" charset="-122"/>
+                <a:sym typeface="+mn-ea"/>
+              </a:rPr>
+              <a:t>m</a:t>
+            </a:r>
+            <a:r>
+              <a:rPr lang="de-DE" altLang="en-GB" sz="1400" dirty="0">
+                <a:latin typeface="Calibri" charset="0"/>
+              </a:rPr>
+              <a:t> </a:t>
+            </a:r>
+            <a:endParaRPr lang="de-DE" altLang="en-GB" sz="1400" dirty="0">
+              <a:latin typeface="Calibri" charset="0"/>
+              <a:ea typeface="AR PL UKai CN" panose="02000503000000000000" charset="-122"/>
+            </a:endParaRPr>
+          </a:p>
+        </p:txBody>
+      </p:sp>
+      <p:grpSp>
+        <p:nvGrpSpPr>
+          <p:cNvPr id="50" name="Group 49"/>
+          <p:cNvGrpSpPr/>
+          <p:nvPr/>
+        </p:nvGrpSpPr>
+        <p:grpSpPr>
+          <a:xfrm>
+            <a:off x="5401945" y="2618105"/>
+            <a:ext cx="3291646" cy="259080"/>
+            <a:chOff x="8060" y="2882"/>
+            <a:chExt cx="4695" cy="408"/>
+          </a:xfrm>
+        </p:grpSpPr>
+        <p:cxnSp>
+          <p:nvCxnSpPr>
+            <p:cNvPr id="52" name="Straight Arrow Connector 51"/>
+            <p:cNvCxnSpPr/>
+            <p:nvPr/>
+          </p:nvCxnSpPr>
+          <p:spPr>
+            <a:xfrm flipV="1">
+              <a:off x="8060" y="3280"/>
+              <a:ext cx="4695" cy="10"/>
+            </a:xfrm>
+            <a:prstGeom prst="straightConnector1">
+              <a:avLst/>
+            </a:prstGeom>
+            <a:ln w="19050" cmpd="sng">
+              <a:solidFill>
+                <a:srgbClr val="FF0000"/>
+              </a:solidFill>
+              <a:prstDash val="solid"/>
+              <a:headEnd type="none" w="med" len="med"/>
+              <a:tailEnd type="arrow" w="med" len="med"/>
+            </a:ln>
+          </p:spPr>
+          <p:style>
+            <a:lnRef idx="3">
+              <a:schemeClr val="dk1"/>
+            </a:lnRef>
+            <a:fillRef idx="0">
+              <a:schemeClr val="dk1"/>
+            </a:fillRef>
+            <a:effectRef idx="2">
+              <a:schemeClr val="dk1"/>
+            </a:effectRef>
+            <a:fontRef idx="minor">
+              <a:schemeClr val="tx1"/>
+            </a:fontRef>
+          </p:style>
+        </p:cxnSp>
+        <p:sp>
+          <p:nvSpPr>
+            <p:cNvPr id="53" name="TextBox 79"/>
+            <p:cNvSpPr txBox="1"/>
+            <p:nvPr/>
+          </p:nvSpPr>
+          <p:spPr>
+            <a:xfrm>
+              <a:off x="8097" y="2882"/>
+              <a:ext cx="4645" cy="339"/>
+            </a:xfrm>
+            <a:prstGeom prst="rect">
+              <a:avLst/>
+            </a:prstGeom>
+            <a:noFill/>
+          </p:spPr>
+          <p:txBody>
+            <a:bodyPr wrap="square" lIns="0" tIns="0" rIns="0" bIns="0" rtlCol="0">
+              <a:spAutoFit/>
+            </a:bodyPr>
+            <a:p>
+              <a:pPr algn="ctr"/>
+              <a:r>
+                <a:rPr lang="de-DE" altLang="en-GB" sz="1400" b="1" dirty="0">
+                  <a:latin typeface="Calibri" charset="0"/>
+                </a:rPr>
+                <a:t>3.</a:t>
+              </a:r>
+              <a:r>
+                <a:rPr lang="de-DE" altLang="en-GB" sz="1400" dirty="0">
+                  <a:latin typeface="Calibri" charset="0"/>
+                </a:rPr>
+                <a:t>  Log</a:t>
+              </a:r>
+              <a:r>
+                <a:rPr lang="de-DE" altLang="en-GB" sz="1400" baseline="-25000" dirty="0">
+                  <a:latin typeface="Calibri" charset="0"/>
+                </a:rPr>
+                <a:t>init</a:t>
+              </a:r>
+              <a:r>
+                <a:rPr lang="de-DE" altLang="en-GB" sz="1400" dirty="0">
+                  <a:latin typeface="Calibri" charset="0"/>
+                </a:rPr>
+                <a:t> </a:t>
+              </a:r>
+              <a:r>
+                <a:rPr lang="en-US" sz="1400">
+                  <a:latin typeface="Unifont" panose="02000604000000000000" charset="-122"/>
+                  <a:ea typeface="Unifont" panose="02000604000000000000" charset="-122"/>
+                  <a:sym typeface="+mn-ea"/>
+                </a:rPr>
+                <a:t>≔</a:t>
+              </a:r>
+              <a:r>
+                <a:rPr lang="de-DE" altLang="en-GB" sz="1400" dirty="0">
+                  <a:latin typeface="Calibri" charset="0"/>
+                </a:rPr>
+                <a:t> </a:t>
+              </a:r>
+              <a:r>
+                <a:rPr lang="de-DE" sz="1400" dirty="0">
+                  <a:latin typeface="Calibri" charset="0"/>
+                </a:rPr>
+                <a:t>seal( {“Log”, id</a:t>
+              </a:r>
+              <a:r>
+                <a:rPr lang="de-DE" sz="1400" baseline="-25000" dirty="0">
+                  <a:latin typeface="Calibri" charset="0"/>
+                </a:rPr>
+                <a:t>LC</a:t>
+              </a:r>
+              <a:r>
+                <a:rPr lang="de-DE" sz="1400" dirty="0">
+                  <a:latin typeface="Calibri" charset="0"/>
+                </a:rPr>
+                <a:t>, </a:t>
+              </a:r>
+              <a:r>
+                <a:rPr lang="de-DE" altLang="en-GB" sz="1400" dirty="0">
+                  <a:latin typeface="Calibri" charset="0"/>
+                  <a:sym typeface="+mn-ea"/>
+                </a:rPr>
+                <a:t>c</a:t>
+              </a:r>
+              <a:r>
+                <a:rPr lang="de-DE" altLang="en-GB" sz="1400" baseline="-25000" dirty="0">
+                  <a:latin typeface="Calibri" charset="0"/>
+                  <a:sym typeface="+mn-ea"/>
+                </a:rPr>
+                <a:t>log</a:t>
+              </a:r>
+              <a:r>
+                <a:rPr lang="de-DE" sz="1400" dirty="0">
+                  <a:latin typeface="Calibri" charset="0"/>
+                </a:rPr>
+                <a:t>, s</a:t>
+              </a:r>
+              <a:r>
+                <a:rPr lang="de-DE" sz="1400" baseline="-25000" dirty="0">
+                  <a:latin typeface="Calibri" charset="0"/>
+                </a:rPr>
+                <a:t>m</a:t>
+              </a:r>
+              <a:r>
+                <a:rPr lang="de-DE" sz="1400" dirty="0">
+                  <a:latin typeface="Calibri" charset="0"/>
+                </a:rPr>
+                <a:t>} )</a:t>
+              </a:r>
+              <a:endParaRPr lang="de-DE" sz="1400" dirty="0">
+                <a:latin typeface="Calibri" charset="0"/>
+              </a:endParaRPr>
+            </a:p>
+          </p:txBody>
+        </p:sp>
+      </p:grpSp>
+      <p:grpSp>
+        <p:nvGrpSpPr>
+          <p:cNvPr id="57" name="Group 56"/>
+          <p:cNvGrpSpPr/>
+          <p:nvPr/>
+        </p:nvGrpSpPr>
+        <p:grpSpPr>
+          <a:xfrm>
+            <a:off x="7491095" y="1434465"/>
+            <a:ext cx="1446530" cy="248285"/>
+            <a:chOff x="10867" y="2901"/>
+            <a:chExt cx="2278" cy="391"/>
+          </a:xfrm>
+        </p:grpSpPr>
+        <p:cxnSp>
+          <p:nvCxnSpPr>
+            <p:cNvPr id="59" name="Straight Arrow Connector 58"/>
+            <p:cNvCxnSpPr/>
+            <p:nvPr/>
+          </p:nvCxnSpPr>
+          <p:spPr>
+            <a:xfrm flipV="1">
+              <a:off x="11362" y="3290"/>
+              <a:ext cx="1440" cy="2"/>
+            </a:xfrm>
+            <a:prstGeom prst="straightConnector1">
+              <a:avLst/>
+            </a:prstGeom>
+            <a:ln w="19050" cmpd="sng">
+              <a:solidFill>
+                <a:schemeClr val="tx1"/>
+              </a:solidFill>
+              <a:prstDash val="sysDot"/>
+              <a:headEnd type="none" w="med" len="med"/>
+              <a:tailEnd type="arrow" w="med" len="med"/>
+            </a:ln>
+          </p:spPr>
+          <p:style>
+            <a:lnRef idx="3">
+              <a:schemeClr val="dk1"/>
+            </a:lnRef>
+            <a:fillRef idx="0">
+              <a:schemeClr val="dk1"/>
+            </a:fillRef>
+            <a:effectRef idx="2">
+              <a:schemeClr val="dk1"/>
+            </a:effectRef>
+            <a:fontRef idx="minor">
+              <a:schemeClr val="tx1"/>
+            </a:fontRef>
+          </p:style>
+        </p:cxnSp>
+        <p:sp>
+          <p:nvSpPr>
+            <p:cNvPr id="60" name="TextBox 79"/>
+            <p:cNvSpPr txBox="1"/>
+            <p:nvPr/>
+          </p:nvSpPr>
+          <p:spPr>
+            <a:xfrm>
+              <a:off x="10867" y="2901"/>
+              <a:ext cx="2278" cy="339"/>
+            </a:xfrm>
+            <a:prstGeom prst="rect">
+              <a:avLst/>
+            </a:prstGeom>
+            <a:noFill/>
+          </p:spPr>
+          <p:txBody>
+            <a:bodyPr wrap="square" lIns="0" tIns="0" rIns="0" bIns="0" rtlCol="0">
+              <a:spAutoFit/>
+            </a:bodyPr>
+            <a:p>
+              <a:pPr algn="ctr"/>
+              <a:r>
+                <a:rPr lang="de-DE" altLang="en-GB" sz="1400" b="1" dirty="0">
+                  <a:latin typeface="Calibri" charset="0"/>
+                </a:rPr>
+                <a:t>1a.</a:t>
+              </a:r>
+              <a:r>
+                <a:rPr lang="de-DE" altLang="en-GB" sz="1400" dirty="0">
+                  <a:latin typeface="Calibri" charset="0"/>
+                </a:rPr>
+                <a:t>  Inc()</a:t>
+              </a:r>
+              <a:endParaRPr lang="de-DE" altLang="en-GB" sz="1400" dirty="0">
+                <a:latin typeface="Calibri" charset="0"/>
+              </a:endParaRPr>
+            </a:p>
+          </p:txBody>
+        </p:sp>
+      </p:grpSp>
+      <p:grpSp>
+        <p:nvGrpSpPr>
+          <p:cNvPr id="68" name="Group 67"/>
+          <p:cNvGrpSpPr/>
+          <p:nvPr/>
+        </p:nvGrpSpPr>
+        <p:grpSpPr>
+          <a:xfrm>
+            <a:off x="8799195" y="2463800"/>
+            <a:ext cx="1005840" cy="1188720"/>
+            <a:chOff x="14763" y="2974"/>
+            <a:chExt cx="1691" cy="1684"/>
+          </a:xfrm>
+        </p:grpSpPr>
+        <p:grpSp>
+          <p:nvGrpSpPr>
+            <p:cNvPr id="56" name="Group 55"/>
+            <p:cNvGrpSpPr/>
+            <p:nvPr/>
+          </p:nvGrpSpPr>
+          <p:grpSpPr>
+            <a:xfrm rot="0">
+              <a:off x="14763" y="2974"/>
+              <a:ext cx="1691" cy="1684"/>
+              <a:chOff x="13379" y="6302"/>
+              <a:chExt cx="1691" cy="1684"/>
+            </a:xfrm>
+          </p:grpSpPr>
+          <p:sp>
+            <p:nvSpPr>
+              <p:cNvPr id="17" name="Flowchart: Magnetic Disk 16"/>
+              <p:cNvSpPr/>
+              <p:nvPr/>
+            </p:nvSpPr>
+            <p:spPr>
+              <a:xfrm>
+                <a:off x="13379" y="6302"/>
+                <a:ext cx="1691" cy="1684"/>
+              </a:xfrm>
+              <a:prstGeom prst="flowChartMagneticDisk">
+                <a:avLst/>
+              </a:prstGeom>
+              <a:solidFill>
+                <a:schemeClr val="accent5">
+                  <a:lumMod val="20000"/>
+                  <a:lumOff val="80000"/>
+                </a:schemeClr>
+              </a:solidFill>
+            </p:spPr>
+            <p:style>
+              <a:lnRef idx="2">
+                <a:schemeClr val="accent1">
+                  <a:shade val="50000"/>
+                </a:schemeClr>
+              </a:lnRef>
+              <a:fillRef idx="1">
+                <a:schemeClr val="accent1"/>
+              </a:fillRef>
+              <a:effectRef idx="0">
+                <a:schemeClr val="accent1"/>
+              </a:effectRef>
+              <a:fontRef idx="minor">
+                <a:schemeClr val="lt1"/>
+              </a:fontRef>
+            </p:style>
+            <p:txBody>
+              <a:bodyPr rtlCol="0" anchor="ctr"/>
+              <a:p>
+                <a:pPr algn="ctr"/>
+                <a:endParaRPr lang="en-US"/>
+              </a:p>
+            </p:txBody>
+          </p:sp>
+          <p:sp>
+            <p:nvSpPr>
+              <p:cNvPr id="55" name="Text Box 54"/>
+              <p:cNvSpPr txBox="1"/>
+              <p:nvPr/>
+            </p:nvSpPr>
+            <p:spPr>
+              <a:xfrm>
+                <a:off x="13514" y="6366"/>
+                <a:ext cx="1421" cy="460"/>
+              </a:xfrm>
+              <a:prstGeom prst="rect">
+                <a:avLst/>
+              </a:prstGeom>
+              <a:noFill/>
+            </p:spPr>
+            <p:txBody>
+              <a:bodyPr wrap="square" rtlCol="0">
+                <a:spAutoFit/>
+              </a:bodyPr>
+              <a:p>
+                <a:pPr algn="ctr"/>
+                <a:r>
+                  <a:rPr lang="de-DE" altLang="en-US" sz="1200" b="1">
+                    <a:latin typeface="Calibri" charset="0"/>
+                  </a:rPr>
+                  <a:t>Harddisk</a:t>
+                </a:r>
+                <a:endParaRPr lang="de-DE" altLang="en-US" sz="1200" b="1">
+                  <a:latin typeface="Calibri" charset="0"/>
+                </a:endParaRPr>
+              </a:p>
+            </p:txBody>
+          </p:sp>
+        </p:grpSp>
+        <p:sp>
+          <p:nvSpPr>
+            <p:cNvPr id="62" name="Text Box 61"/>
+            <p:cNvSpPr txBox="1"/>
+            <p:nvPr/>
+          </p:nvSpPr>
+          <p:spPr>
+            <a:xfrm>
+              <a:off x="15094" y="3781"/>
+              <a:ext cx="1029" cy="460"/>
+            </a:xfrm>
+            <a:prstGeom prst="rect">
+              <a:avLst/>
+            </a:prstGeom>
+            <a:noFill/>
+          </p:spPr>
+          <p:txBody>
+            <a:bodyPr wrap="square" rtlCol="0">
+              <a:spAutoFit/>
+            </a:bodyPr>
+            <a:p>
+              <a:pPr algn="ctr"/>
+              <a:r>
+                <a:rPr lang="de-DE" altLang="en-US" sz="1200">
+                  <a:solidFill>
+                    <a:srgbClr val="FF0000"/>
+                  </a:solidFill>
+                  <a:latin typeface="Calibri" charset="0"/>
+                </a:rPr>
+                <a:t>Log</a:t>
+              </a:r>
+              <a:r>
+                <a:rPr lang="de-DE" altLang="en-US" sz="1200" baseline="-25000">
+                  <a:solidFill>
+                    <a:srgbClr val="FF0000"/>
+                  </a:solidFill>
+                  <a:latin typeface="Calibri" charset="0"/>
+                </a:rPr>
+                <a:t>init</a:t>
+              </a:r>
+              <a:endParaRPr lang="de-DE" altLang="en-US" sz="1200" baseline="-25000">
+                <a:solidFill>
+                  <a:srgbClr val="FF0000"/>
+                </a:solidFill>
+                <a:latin typeface="Calibri" charset="0"/>
+              </a:endParaRPr>
+            </a:p>
+          </p:txBody>
+        </p:sp>
+      </p:grpSp>
+      <p:grpSp>
+        <p:nvGrpSpPr>
+          <p:cNvPr id="64" name="Group 63"/>
+          <p:cNvGrpSpPr/>
+          <p:nvPr/>
+        </p:nvGrpSpPr>
+        <p:grpSpPr>
+          <a:xfrm>
+            <a:off x="5389128" y="1803400"/>
+            <a:ext cx="3330716" cy="247015"/>
+            <a:chOff x="7830" y="2931"/>
+            <a:chExt cx="5051" cy="389"/>
+          </a:xfrm>
+        </p:grpSpPr>
+        <p:cxnSp>
+          <p:nvCxnSpPr>
+            <p:cNvPr id="65" name="Straight Arrow Connector 64"/>
+            <p:cNvCxnSpPr/>
+            <p:nvPr/>
+          </p:nvCxnSpPr>
+          <p:spPr>
+            <a:xfrm>
+              <a:off x="7889" y="3320"/>
+              <a:ext cx="4992" cy="0"/>
+            </a:xfrm>
+            <a:prstGeom prst="straightConnector1">
+              <a:avLst/>
+            </a:prstGeom>
+            <a:ln w="19050">
+              <a:headEnd type="none" w="med" len="med"/>
+              <a:tailEnd type="arrow" w="med" len="med"/>
+            </a:ln>
+          </p:spPr>
+          <p:style>
+            <a:lnRef idx="3">
+              <a:schemeClr val="dk1"/>
+            </a:lnRef>
+            <a:fillRef idx="0">
+              <a:schemeClr val="dk1"/>
+            </a:fillRef>
+            <a:effectRef idx="2">
+              <a:schemeClr val="dk1"/>
+            </a:effectRef>
+            <a:fontRef idx="minor">
+              <a:schemeClr val="tx1"/>
+            </a:fontRef>
+          </p:style>
+        </p:cxnSp>
+        <p:sp>
+          <p:nvSpPr>
+            <p:cNvPr id="66" name="TextBox 79"/>
+            <p:cNvSpPr txBox="1"/>
+            <p:nvPr/>
+          </p:nvSpPr>
+          <p:spPr>
+            <a:xfrm>
+              <a:off x="7830" y="2931"/>
+              <a:ext cx="2380" cy="339"/>
+            </a:xfrm>
+            <a:prstGeom prst="rect">
+              <a:avLst/>
+            </a:prstGeom>
+            <a:noFill/>
+          </p:spPr>
+          <p:txBody>
+            <a:bodyPr wrap="square" lIns="0" tIns="0" rIns="0" bIns="0" rtlCol="0">
+              <a:spAutoFit/>
+            </a:bodyPr>
+            <a:p>
+              <a:pPr algn="ctr"/>
+              <a:r>
+                <a:rPr lang="de-DE" altLang="en-GB" sz="1400" b="1" dirty="0">
+                  <a:latin typeface="Calibri" charset="0"/>
+                </a:rPr>
+                <a:t>1b.</a:t>
+              </a:r>
+              <a:r>
+                <a:rPr lang="de-DE" altLang="en-GB" sz="1400" dirty="0">
+                  <a:latin typeface="Calibri" charset="0"/>
+                </a:rPr>
+                <a:t>  c</a:t>
+              </a:r>
+              <a:r>
+                <a:rPr lang="de-DE" altLang="en-GB" sz="1400" baseline="-25000" dirty="0">
+                  <a:latin typeface="Calibri" charset="0"/>
+                </a:rPr>
+                <a:t>log</a:t>
+              </a:r>
+              <a:r>
+                <a:rPr lang="de-DE" altLang="en-GB" sz="1400" dirty="0">
+                  <a:latin typeface="Calibri" charset="0"/>
+                </a:rPr>
+                <a:t> </a:t>
+              </a:r>
+              <a:r>
+                <a:rPr lang="en-US" sz="1400">
+                  <a:latin typeface="Unifont" panose="02000604000000000000" charset="-122"/>
+                  <a:ea typeface="Unifont" panose="02000604000000000000" charset="-122"/>
+                  <a:sym typeface="+mn-ea"/>
+                </a:rPr>
+                <a:t>≔</a:t>
+              </a:r>
+              <a:r>
+                <a:rPr lang="de-DE" altLang="en-GB" sz="1400" dirty="0">
+                  <a:latin typeface="Calibri" charset="0"/>
+                </a:rPr>
+                <a:t> Read()</a:t>
+              </a:r>
+              <a:endParaRPr lang="de-DE" altLang="en-GB" sz="1400" dirty="0">
+                <a:latin typeface="Calibri" charset="0"/>
+              </a:endParaRPr>
+            </a:p>
+          </p:txBody>
+        </p:sp>
+      </p:grpSp>
+      <p:grpSp>
+        <p:nvGrpSpPr>
+          <p:cNvPr id="8" name="Group 7"/>
+          <p:cNvGrpSpPr/>
+          <p:nvPr/>
+        </p:nvGrpSpPr>
+        <p:grpSpPr>
+          <a:xfrm>
+            <a:off x="8790940" y="1460245"/>
+            <a:ext cx="1481455" cy="860045"/>
+            <a:chOff x="16274" y="3030"/>
+            <a:chExt cx="2333" cy="1354"/>
+          </a:xfrm>
+        </p:grpSpPr>
+        <p:grpSp>
+          <p:nvGrpSpPr>
+            <p:cNvPr id="67" name="Group 66"/>
+            <p:cNvGrpSpPr/>
+            <p:nvPr/>
+          </p:nvGrpSpPr>
+          <p:grpSpPr>
+            <a:xfrm>
+              <a:off x="16274" y="3030"/>
+              <a:ext cx="2333" cy="1354"/>
+              <a:chOff x="14730" y="1335"/>
+              <a:chExt cx="2333" cy="1355"/>
+            </a:xfrm>
+          </p:grpSpPr>
+          <p:grpSp>
+            <p:nvGrpSpPr>
+              <p:cNvPr id="31" name="Group 30"/>
+              <p:cNvGrpSpPr/>
+              <p:nvPr/>
+            </p:nvGrpSpPr>
+            <p:grpSpPr>
+              <a:xfrm rot="0">
+                <a:off x="14730" y="1335"/>
+                <a:ext cx="2333" cy="1355"/>
+                <a:chOff x="13379" y="3962"/>
+                <a:chExt cx="2333" cy="1814"/>
+              </a:xfrm>
+            </p:grpSpPr>
+            <p:sp>
+              <p:nvSpPr>
+                <p:cNvPr id="28" name="Rectangles 27"/>
+                <p:cNvSpPr/>
+                <p:nvPr/>
+              </p:nvSpPr>
+              <p:spPr>
+                <a:xfrm>
+                  <a:off x="13379" y="3962"/>
+                  <a:ext cx="2259" cy="1814"/>
+                </a:xfrm>
+                <a:prstGeom prst="rect">
+                  <a:avLst/>
+                </a:prstGeom>
+                <a:solidFill>
+                  <a:schemeClr val="accent2">
+                    <a:lumMod val="20000"/>
+                    <a:lumOff val="80000"/>
+                  </a:schemeClr>
+                </a:solidFill>
+              </p:spPr>
+              <p:style>
+                <a:lnRef idx="2">
+                  <a:schemeClr val="accent1">
+                    <a:shade val="50000"/>
+                  </a:schemeClr>
+                </a:lnRef>
+                <a:fillRef idx="1">
+                  <a:schemeClr val="accent1"/>
+                </a:fillRef>
+                <a:effectRef idx="0">
+                  <a:schemeClr val="accent1"/>
+                </a:effectRef>
+                <a:fontRef idx="minor">
+                  <a:schemeClr val="lt1"/>
+                </a:fontRef>
+              </p:style>
+              <p:txBody>
+                <a:bodyPr rtlCol="0" anchor="ctr"/>
+                <a:p>
+                  <a:pPr algn="ctr"/>
+                  <a:endParaRPr lang="en-US"/>
+                </a:p>
+              </p:txBody>
+            </p:sp>
+            <p:sp>
+              <p:nvSpPr>
+                <p:cNvPr id="30" name="Text Box 29"/>
+                <p:cNvSpPr txBox="1"/>
+                <p:nvPr/>
+              </p:nvSpPr>
+              <p:spPr>
+                <a:xfrm>
+                  <a:off x="13392" y="3982"/>
+                  <a:ext cx="2320" cy="581"/>
+                </a:xfrm>
+                <a:prstGeom prst="rect">
+                  <a:avLst/>
+                </a:prstGeom>
+                <a:noFill/>
+              </p:spPr>
+              <p:txBody>
+                <a:bodyPr wrap="square" rtlCol="0">
+                  <a:spAutoFit/>
+                </a:bodyPr>
+                <a:p>
+                  <a:r>
+                    <a:rPr lang="de-DE" altLang="en-US" sz="1200" b="1">
+                      <a:latin typeface="Calibri" charset="0"/>
+                    </a:rPr>
+                    <a:t>Log Counter (id</a:t>
+                  </a:r>
+                  <a:r>
+                    <a:rPr lang="de-DE" altLang="en-US" sz="1200" b="1" baseline="-25000">
+                      <a:latin typeface="Calibri" charset="0"/>
+                    </a:rPr>
+                    <a:t>LC</a:t>
+                  </a:r>
+                  <a:r>
+                    <a:rPr lang="de-DE" altLang="en-US" sz="1200" b="1">
+                      <a:latin typeface="Calibri" charset="0"/>
+                    </a:rPr>
+                    <a:t>)</a:t>
+                  </a:r>
+                  <a:endParaRPr lang="de-DE" altLang="en-US" sz="1200" b="1">
+                    <a:latin typeface="Calibri" charset="0"/>
+                  </a:endParaRPr>
+                </a:p>
+              </p:txBody>
+            </p:sp>
+          </p:grpSp>
+          <p:sp>
+            <p:nvSpPr>
+              <p:cNvPr id="32" name="Text Box 31"/>
+              <p:cNvSpPr txBox="1"/>
+              <p:nvPr/>
+            </p:nvSpPr>
+            <p:spPr>
+              <a:xfrm>
+                <a:off x="15136" y="1805"/>
+                <a:ext cx="1447" cy="725"/>
+              </a:xfrm>
+              <a:prstGeom prst="rect">
+                <a:avLst/>
+              </a:prstGeom>
+              <a:noFill/>
+            </p:spPr>
+            <p:txBody>
+              <a:bodyPr wrap="square" rtlCol="0">
+                <a:spAutoFit/>
+              </a:bodyPr>
+              <a:p>
+                <a:pPr algn="ctr"/>
+                <a:r>
+                  <a:rPr lang="de-DE" altLang="en-US" sz="1200">
+                    <a:latin typeface="Calibri" charset="0"/>
+                  </a:rPr>
+                  <a:t>[ val = 0 ]</a:t>
+                </a:r>
+                <a:endParaRPr lang="de-DE" altLang="en-US" sz="1200">
+                  <a:latin typeface="Calibri" charset="0"/>
+                </a:endParaRPr>
+              </a:p>
+              <a:p>
+                <a:pPr algn="ctr"/>
+                <a:r>
+                  <a:rPr lang="de-DE" altLang="en-US" sz="1200">
+                    <a:latin typeface="Calibri" charset="0"/>
+                  </a:rPr>
+                  <a:t>[ val = 1 ]</a:t>
+                </a:r>
+                <a:endParaRPr lang="de-DE" altLang="en-US" sz="1200">
+                  <a:latin typeface="Calibri" charset="0"/>
+                </a:endParaRPr>
+              </a:p>
+            </p:txBody>
+          </p:sp>
+        </p:grpSp>
+        <p:cxnSp>
+          <p:nvCxnSpPr>
+            <p:cNvPr id="7" name="Curved Connector 6"/>
+            <p:cNvCxnSpPr/>
+            <p:nvPr/>
+          </p:nvCxnSpPr>
+          <p:spPr>
+            <a:xfrm rot="10800000" flipH="1" flipV="1">
+              <a:off x="16836" y="3737"/>
+              <a:ext cx="8" cy="284"/>
+            </a:xfrm>
+            <a:prstGeom prst="curvedConnector3">
+              <a:avLst>
+                <a:gd name="adj1" fmla="val -4687500"/>
+              </a:avLst>
+            </a:prstGeom>
+            <a:ln w="19050" cmpd="sng">
+              <a:solidFill>
+                <a:schemeClr val="tx1"/>
+              </a:solidFill>
+              <a:prstDash val="sysDot"/>
+              <a:tailEnd type="arrow"/>
+            </a:ln>
+          </p:spPr>
+          <p:style>
+            <a:lnRef idx="1">
+              <a:schemeClr val="accent1"/>
+            </a:lnRef>
+            <a:fillRef idx="0">
+              <a:schemeClr val="accent1"/>
+            </a:fillRef>
+            <a:effectRef idx="0">
+              <a:schemeClr val="accent1"/>
+            </a:effectRef>
+            <a:fontRef idx="minor">
+              <a:schemeClr val="tx1"/>
+            </a:fontRef>
+          </p:style>
+        </p:cxnSp>
+      </p:grpSp>
+    </p:spTree>
+  </p:cSld>
+  <p:clrMapOvr>
+    <a:masterClrMapping/>
+  </p:clrMapOvr>
+  <p:timing>
+    <p:tnLst>
+      <p:par>
+        <p:cTn id="1" dur="indefinite" restart="never" nodeType="tmRoot"/>
+      </p:par>
+    </p:tnLst>
+  </p:timing>
+</p:sld>
+</file>
+
+<file path=ppt/slides/slide3.xml><?xml version="1.0" encoding="utf-8"?>
+<p:sld xmlns:a="http://schemas.openxmlformats.org/drawingml/2006/main" xmlns:r="http://schemas.openxmlformats.org/officeDocument/2006/relationships" xmlns:p="http://schemas.openxmlformats.org/presentationml/2006/main">
+  <p:cSld>
+    <p:spTree>
+      <p:nvGrpSpPr>
+        <p:cNvPr id="1" name=""/>
+        <p:cNvGrpSpPr/>
+        <p:nvPr/>
+      </p:nvGrpSpPr>
+      <p:grpSpPr/>
+      <p:grpSp>
+        <p:nvGrpSpPr>
+          <p:cNvPr id="5" name="Group 4"/>
+          <p:cNvGrpSpPr/>
+          <p:nvPr/>
+        </p:nvGrpSpPr>
+        <p:grpSpPr>
+          <a:xfrm>
             <a:off x="3571240" y="912495"/>
-            <a:ext cx="3108960" cy="2816860"/>
+            <a:ext cx="3108960" cy="2767330"/>
             <a:chOff x="6068" y="2030"/>
             <a:chExt cx="8597" cy="6232"/>
           </a:xfrm>
@@ -14022,7 +14632,7 @@
           <p:spPr>
             <a:xfrm>
               <a:off x="7608" y="2030"/>
-              <a:ext cx="5515" cy="746"/>
+              <a:ext cx="5515" cy="759"/>
             </a:xfrm>
             <a:prstGeom prst="rect">
               <a:avLst/>
@@ -14221,9 +14831,9 @@
           </p:nvGrpSpPr>
           <p:grpSpPr>
             <a:xfrm>
-              <a:off x="3308" y="3080"/>
+              <a:off x="3308" y="3116"/>
               <a:ext cx="3744" cy="678"/>
-              <a:chOff x="3279304" y="2059431"/>
+              <a:chOff x="3279304" y="2082291"/>
               <a:chExt cx="2377423" cy="430530"/>
             </a:xfrm>
           </p:grpSpPr>
@@ -14273,7 +14883,7 @@
             </p:nvSpPr>
             <p:spPr>
               <a:xfrm>
-                <a:off x="3818893" y="2059431"/>
+                <a:off x="3818893" y="2082291"/>
                 <a:ext cx="1446793" cy="430530"/>
               </a:xfrm>
               <a:prstGeom prst="rect">
@@ -14496,7 +15106,7 @@
         </p:nvGrpSpPr>
         <p:grpSpPr>
           <a:xfrm>
-            <a:off x="6386195" y="1645920"/>
+            <a:off x="6386195" y="1600200"/>
             <a:ext cx="1446530" cy="235585"/>
             <a:chOff x="11003" y="2866"/>
             <a:chExt cx="2278" cy="371"/>
@@ -14589,7 +15199,7 @@
         </p:nvGrpSpPr>
         <p:grpSpPr>
           <a:xfrm>
-            <a:off x="5003165" y="2049145"/>
+            <a:off x="5003165" y="2003425"/>
             <a:ext cx="2560320" cy="227965"/>
             <a:chOff x="8739" y="2909"/>
             <a:chExt cx="4032" cy="359"/>
@@ -14704,7 +15314,7 @@
         </p:nvGrpSpPr>
         <p:grpSpPr>
           <a:xfrm>
-            <a:off x="5003165" y="3290570"/>
+            <a:off x="5003165" y="3261995"/>
             <a:ext cx="2560320" cy="240030"/>
             <a:chOff x="8731" y="2905"/>
             <a:chExt cx="4032" cy="378"/>
@@ -15021,7 +15631,7 @@
             </p:nvSpPr>
             <p:spPr>
               <a:xfrm>
-                <a:off x="13603" y="6398"/>
+                <a:off x="13533" y="6405"/>
                 <a:ext cx="1421" cy="349"/>
               </a:xfrm>
               <a:prstGeom prst="rect">
@@ -15209,7 +15819,7 @@
         </p:nvGrpSpPr>
         <p:grpSpPr>
           <a:xfrm>
-            <a:off x="7611745" y="1610173"/>
+            <a:off x="7611745" y="1564453"/>
             <a:ext cx="1473200" cy="875217"/>
             <a:chOff x="16247" y="3006"/>
             <a:chExt cx="2320" cy="1378"/>
@@ -15424,39 +16034,6 @@
           </p:style>
         </p:cxnSp>
       </p:grpSp>
-      <p:sp>
-        <p:nvSpPr>
-          <p:cNvPr id="16" name="Text Box 15"/>
-          <p:cNvSpPr txBox="1"/>
-          <p:nvPr/>
-        </p:nvSpPr>
-        <p:spPr>
-          <a:xfrm>
-            <a:off x="359410" y="290195"/>
-            <a:ext cx="5510530" cy="368300"/>
-          </a:xfrm>
-          <a:prstGeom prst="rect">
-            <a:avLst/>
-          </a:prstGeom>
-          <a:noFill/>
-        </p:spPr>
-        <p:txBody>
-          <a:bodyPr wrap="square" rtlCol="0">
-            <a:spAutoFit/>
-          </a:bodyPr>
-          <a:p>
-            <a:r>
-              <a:rPr lang="de-DE" altLang="en-US">
-                <a:latin typeface="Calibri" charset="0"/>
-              </a:rPr>
-              <a:t>Data collection</a:t>
-            </a:r>
-            <a:endParaRPr lang="de-DE" altLang="en-US">
-              <a:latin typeface="Calibri" charset="0"/>
-            </a:endParaRPr>
-          </a:p>
-        </p:txBody>
-      </p:sp>
     </p:spTree>
   </p:cSld>
   <p:clrMapOvr>
@@ -15472,7 +16049,7 @@
 </p:sld>
 </file>
 
-<file path=ppt/slides/slide3.xml><?xml version="1.0" encoding="utf-8"?>
+<file path=ppt/slides/slide4.xml><?xml version="1.0" encoding="utf-8"?>
 <p:sld xmlns:a="http://schemas.openxmlformats.org/drawingml/2006/main" xmlns:r="http://schemas.openxmlformats.org/officeDocument/2006/relationships" xmlns:p="http://schemas.openxmlformats.org/presentationml/2006/main">
   <p:cSld>
     <p:spTree>
@@ -15482,39 +16059,6 @@
         <p:nvPr/>
       </p:nvGrpSpPr>
       <p:grpSpPr/>
-      <p:sp>
-        <p:nvSpPr>
-          <p:cNvPr id="2" name="Text Box 1"/>
-          <p:cNvSpPr txBox="1"/>
-          <p:nvPr/>
-        </p:nvSpPr>
-        <p:spPr>
-          <a:xfrm>
-            <a:off x="359410" y="290195"/>
-            <a:ext cx="5510530" cy="368300"/>
-          </a:xfrm>
-          <a:prstGeom prst="rect">
-            <a:avLst/>
-          </a:prstGeom>
-          <a:noFill/>
-        </p:spPr>
-        <p:txBody>
-          <a:bodyPr wrap="square" rtlCol="0">
-            <a:spAutoFit/>
-          </a:bodyPr>
-          <a:p>
-            <a:r>
-              <a:rPr lang="de-DE" altLang="en-US">
-                <a:latin typeface="Calibri" charset="0"/>
-              </a:rPr>
-              <a:t>First training</a:t>
-            </a:r>
-            <a:endParaRPr lang="de-DE" altLang="en-US">
-              <a:latin typeface="Calibri" charset="0"/>
-            </a:endParaRPr>
-          </a:p>
-        </p:txBody>
-      </p:sp>
       <p:grpSp>
         <p:nvGrpSpPr>
           <p:cNvPr id="5" name="Group 4"/>
@@ -15524,7 +16068,7 @@
         <p:grpSpPr>
           <a:xfrm>
             <a:off x="4027805" y="838835"/>
-            <a:ext cx="3108960" cy="3983990"/>
+            <a:ext cx="3108960" cy="3656965"/>
             <a:chOff x="6068" y="2030"/>
             <a:chExt cx="8597" cy="6232"/>
           </a:xfrm>
@@ -15582,7 +16126,7 @@
           <p:spPr>
             <a:xfrm>
               <a:off x="7085" y="2030"/>
-              <a:ext cx="6564" cy="527"/>
+              <a:ext cx="6564" cy="575"/>
             </a:xfrm>
             <a:prstGeom prst="rect">
               <a:avLst/>
@@ -15617,10 +16161,10 @@
         </p:nvGrpSpPr>
         <p:grpSpPr>
           <a:xfrm>
-            <a:off x="2517140" y="3808095"/>
-            <a:ext cx="3841115" cy="240030"/>
+            <a:off x="2517140" y="3573780"/>
+            <a:ext cx="3852295" cy="240030"/>
             <a:chOff x="8731" y="2905"/>
-            <a:chExt cx="4123" cy="378"/>
+            <a:chExt cx="4135" cy="378"/>
           </a:xfrm>
         </p:grpSpPr>
         <p:cxnSp>
@@ -15669,7 +16213,7 @@
           </p:nvSpPr>
           <p:spPr>
             <a:xfrm>
-              <a:off x="8892" y="2905"/>
+              <a:off x="8904" y="2905"/>
               <a:ext cx="3962" cy="339"/>
             </a:xfrm>
             <a:prstGeom prst="rect">
@@ -15819,10 +16363,10 @@
         </p:nvGrpSpPr>
         <p:grpSpPr>
           <a:xfrm>
-            <a:off x="868680" y="1063625"/>
-            <a:ext cx="3098800" cy="359410"/>
-            <a:chOff x="1324" y="2477"/>
-            <a:chExt cx="4880" cy="566"/>
+            <a:off x="862965" y="1063625"/>
+            <a:ext cx="3104515" cy="342265"/>
+            <a:chOff x="1315" y="2477"/>
+            <a:chExt cx="4889" cy="539"/>
           </a:xfrm>
         </p:grpSpPr>
         <p:pic>
@@ -15847,7 +16391,7 @@
           </p:blipFill>
           <p:spPr>
             <a:xfrm>
-              <a:off x="1324" y="2603"/>
+              <a:off x="1315" y="2576"/>
               <a:ext cx="1864" cy="440"/>
             </a:xfrm>
             <a:prstGeom prst="rect">
@@ -16013,115 +16557,6 @@
       </p:sp>
       <p:sp>
         <p:nvSpPr>
-          <p:cNvPr id="20" name="TextBox 79"/>
-          <p:cNvSpPr txBox="1"/>
-          <p:nvPr/>
-        </p:nvSpPr>
-        <p:spPr>
-          <a:xfrm>
-            <a:off x="4185920" y="2558415"/>
-            <a:ext cx="2917190" cy="645795"/>
-          </a:xfrm>
-          <a:prstGeom prst="rect">
-            <a:avLst/>
-          </a:prstGeom>
-          <a:noFill/>
-        </p:spPr>
-        <p:txBody>
-          <a:bodyPr wrap="square" lIns="0" tIns="0" rIns="0" bIns="0" rtlCol="0">
-            <a:spAutoFit/>
-          </a:bodyPr>
-          <a:p>
-            <a:pPr algn="l"/>
-            <a:r>
-              <a:rPr lang="de-DE" altLang="en-GB" sz="1400" b="1" dirty="0">
-                <a:latin typeface="Calibri" charset="0"/>
-              </a:rPr>
-              <a:t>3b.</a:t>
-            </a:r>
-            <a:r>
-              <a:rPr lang="de-DE" altLang="en-GB" sz="1400" dirty="0">
-                <a:latin typeface="Calibri" charset="0"/>
-              </a:rPr>
-              <a:t>  check c</a:t>
-            </a:r>
-            <a:r>
-              <a:rPr lang="de-DE" altLang="en-GB" sz="1400" baseline="-25000" dirty="0">
-                <a:latin typeface="Calibri" charset="0"/>
-              </a:rPr>
-              <a:t>i</a:t>
-            </a:r>
-            <a:r>
-              <a:rPr lang="de-DE" altLang="en-GB" sz="1400" dirty="0">
-                <a:latin typeface="Calibri" charset="0"/>
-              </a:rPr>
-              <a:t>’s to ensure we have all </a:t>
-            </a:r>
-            <a:r>
-              <a:rPr lang="de-DE" altLang="en-GB" sz="1400" dirty="0">
-                <a:latin typeface="Calibri" charset="0"/>
-                <a:sym typeface="+mn-ea"/>
-              </a:rPr>
-              <a:t>D</a:t>
-            </a:r>
-            <a:r>
-              <a:rPr lang="de-DE" altLang="en-GB" sz="1400" baseline="-25000" dirty="0">
-                <a:latin typeface="Calibri" charset="0"/>
-                <a:sym typeface="+mn-ea"/>
-              </a:rPr>
-              <a:t>1</a:t>
-            </a:r>
-            <a:r>
-              <a:rPr lang="de-DE" altLang="en-GB" sz="1400" dirty="0">
-                <a:latin typeface="Calibri" charset="0"/>
-                <a:sym typeface="+mn-ea"/>
-              </a:rPr>
-              <a:t>..D</a:t>
-            </a:r>
-            <a:r>
-              <a:rPr lang="de-DE" altLang="en-GB" sz="1400" baseline="-25000" dirty="0">
-                <a:latin typeface="Calibri" charset="0"/>
-                <a:sym typeface="+mn-ea"/>
-              </a:rPr>
-              <a:t>500</a:t>
-            </a:r>
-            <a:r>
-              <a:rPr lang="de-DE" altLang="en-GB" sz="1400" dirty="0">
-                <a:latin typeface="Calibri" charset="0"/>
-                <a:sym typeface="+mn-ea"/>
-              </a:rPr>
-              <a:t> and ensure they all contain master seed s</a:t>
-            </a:r>
-            <a:r>
-              <a:rPr lang="de-DE" altLang="en-GB" sz="1400" baseline="-25000" dirty="0">
-                <a:latin typeface="Calibri" charset="0"/>
-                <a:sym typeface="+mn-ea"/>
-              </a:rPr>
-              <a:t>m</a:t>
-            </a:r>
-            <a:r>
-              <a:rPr lang="de-DE" altLang="en-GB" sz="1400" dirty="0">
-                <a:latin typeface="Calibri" charset="0"/>
-                <a:sym typeface="+mn-ea"/>
-              </a:rPr>
-              <a:t> from Log</a:t>
-            </a:r>
-            <a:r>
-              <a:rPr lang="de-DE" altLang="en-GB" sz="1400" baseline="-25000" dirty="0">
-                <a:latin typeface="Calibri" charset="0"/>
-                <a:sym typeface="+mn-ea"/>
-              </a:rPr>
-              <a:t>init</a:t>
-            </a:r>
-            <a:endParaRPr lang="de-DE" altLang="en-GB" sz="1400" dirty="0">
-              <a:latin typeface="Calibri" charset="0"/>
-              <a:ea typeface="AR PL UKai CN" panose="02000503000000000000" charset="-122"/>
-            </a:endParaRPr>
-          </a:p>
-        </p:txBody>
-      </p:sp>
-      <p:sp>
-        <p:nvSpPr>
           <p:cNvPr id="33" name="TextBox 79"/>
           <p:cNvSpPr txBox="1"/>
           <p:nvPr/>
@@ -16170,9 +16605,9 @@
         <p:grpSpPr>
           <a:xfrm>
             <a:off x="8208010" y="1370965"/>
-            <a:ext cx="1834515" cy="740410"/>
+            <a:ext cx="1835150" cy="741045"/>
             <a:chOff x="12882" y="2387"/>
-            <a:chExt cx="2889" cy="1166"/>
+            <a:chExt cx="2890" cy="1167"/>
           </a:xfrm>
         </p:grpSpPr>
         <p:grpSp>
@@ -16306,7 +16741,7 @@
                 <a:rPr lang="de-DE" altLang="en-US" sz="1200">
                   <a:latin typeface="Calibri" charset="0"/>
                 </a:rPr>
-                <a:t>[val = 505]</a:t>
+                <a:t>[ val = 505 ]</a:t>
               </a:r>
               <a:endParaRPr lang="de-DE" altLang="en-US" sz="1200">
                 <a:latin typeface="Calibri" charset="0"/>
@@ -16323,8 +16758,8 @@
         </p:nvGrpSpPr>
         <p:grpSpPr>
           <a:xfrm>
-            <a:off x="5573395" y="1590040"/>
-            <a:ext cx="2625725" cy="243205"/>
+            <a:off x="6135370" y="1590040"/>
+            <a:ext cx="2063750" cy="243205"/>
             <a:chOff x="8719" y="2897"/>
             <a:chExt cx="4135" cy="383"/>
           </a:xfrm>
@@ -16372,7 +16807,7 @@
           <p:spPr>
             <a:xfrm>
               <a:off x="9035" y="2897"/>
-              <a:ext cx="2344" cy="339"/>
+              <a:ext cx="2776" cy="339"/>
             </a:xfrm>
             <a:prstGeom prst="rect">
               <a:avLst/>
@@ -16438,10 +16873,10 @@
         </p:nvGrpSpPr>
         <p:grpSpPr>
           <a:xfrm>
-            <a:off x="2492860" y="2180590"/>
-            <a:ext cx="1755290" cy="430530"/>
-            <a:chOff x="8661" y="2927"/>
-            <a:chExt cx="4193" cy="678"/>
+            <a:off x="2528570" y="2258060"/>
+            <a:ext cx="2337435" cy="430530"/>
+            <a:chOff x="8719" y="2923"/>
+            <a:chExt cx="4135" cy="678"/>
           </a:xfrm>
         </p:grpSpPr>
         <p:cxnSp>
@@ -16486,8 +16921,8 @@
           </p:nvSpPr>
           <p:spPr>
             <a:xfrm>
-              <a:off x="8661" y="2927"/>
-              <a:ext cx="3964" cy="678"/>
+              <a:off x="8984" y="2923"/>
+              <a:ext cx="3717" cy="678"/>
             </a:xfrm>
             <a:prstGeom prst="rect">
               <a:avLst/>
@@ -16545,7 +16980,7 @@
                   <a:latin typeface="Calibri" charset="0"/>
                   <a:sym typeface="+mn-ea"/>
                 </a:rPr>
-                <a:t>..D</a:t>
+                <a:t>...D</a:t>
               </a:r>
               <a:r>
                 <a:rPr lang="de-DE" altLang="en-GB" sz="1400" baseline="-25000" dirty="0">
@@ -16575,7 +17010,7 @@
         </p:nvGrpSpPr>
         <p:grpSpPr>
           <a:xfrm>
-            <a:off x="6993890" y="3089910"/>
+            <a:off x="6993890" y="2821305"/>
             <a:ext cx="1446530" cy="245110"/>
             <a:chOff x="10953" y="2896"/>
             <a:chExt cx="2278" cy="386"/>
@@ -16662,128 +17097,13 @@
       </p:grpSp>
       <p:grpSp>
         <p:nvGrpSpPr>
-          <p:cNvPr id="69" name="Group 68"/>
-          <p:cNvGrpSpPr/>
-          <p:nvPr/>
-        </p:nvGrpSpPr>
-        <p:grpSpPr>
-          <a:xfrm>
-            <a:off x="6232525" y="3453765"/>
-            <a:ext cx="2041525" cy="241300"/>
-            <a:chOff x="9751" y="2941"/>
-            <a:chExt cx="3215" cy="380"/>
-          </a:xfrm>
-        </p:grpSpPr>
-        <p:cxnSp>
-          <p:nvCxnSpPr>
-            <p:cNvPr id="70" name="Straight Arrow Connector 69"/>
-            <p:cNvCxnSpPr/>
-            <p:nvPr/>
-          </p:nvCxnSpPr>
-          <p:spPr>
-            <a:xfrm flipV="1">
-              <a:off x="9751" y="3320"/>
-              <a:ext cx="3103" cy="1"/>
-            </a:xfrm>
-            <a:prstGeom prst="straightConnector1">
-              <a:avLst/>
-            </a:prstGeom>
-            <a:ln w="19050">
-              <a:headEnd type="none" w="med" len="med"/>
-              <a:tailEnd type="arrow" w="med" len="med"/>
-            </a:ln>
-          </p:spPr>
-          <p:style>
-            <a:lnRef idx="3">
-              <a:schemeClr val="dk1"/>
-            </a:lnRef>
-            <a:fillRef idx="0">
-              <a:schemeClr val="dk1"/>
-            </a:fillRef>
-            <a:effectRef idx="2">
-              <a:schemeClr val="dk1"/>
-            </a:effectRef>
-            <a:fontRef idx="minor">
-              <a:schemeClr val="tx1"/>
-            </a:fontRef>
-          </p:style>
-        </p:cxnSp>
-        <p:sp>
-          <p:nvSpPr>
-            <p:cNvPr id="71" name="TextBox 79"/>
-            <p:cNvSpPr txBox="1"/>
-            <p:nvPr/>
-          </p:nvSpPr>
-          <p:spPr>
-            <a:xfrm>
-              <a:off x="10289" y="2941"/>
-              <a:ext cx="2677" cy="339"/>
-            </a:xfrm>
-            <a:prstGeom prst="rect">
-              <a:avLst/>
-            </a:prstGeom>
-            <a:noFill/>
-          </p:spPr>
-          <p:txBody>
-            <a:bodyPr wrap="square" lIns="0" tIns="0" rIns="0" bIns="0" rtlCol="0">
-              <a:spAutoFit/>
-            </a:bodyPr>
-            <a:p>
-              <a:pPr algn="ctr"/>
-              <a:r>
-                <a:rPr lang="de-DE" altLang="en-GB" sz="1400" b="1" dirty="0">
-                  <a:latin typeface="Calibri" charset="0"/>
-                </a:rPr>
-                <a:t>5b.</a:t>
-              </a:r>
-              <a:r>
-                <a:rPr lang="de-DE" altLang="en-GB" sz="1400" dirty="0">
-                  <a:latin typeface="Calibri" charset="0"/>
-                </a:rPr>
-                <a:t>  c</a:t>
-              </a:r>
-              <a:r>
-                <a:rPr lang="de-DE" altLang="en-GB" sz="1400" baseline="-25000" dirty="0">
-                  <a:latin typeface="Calibri" charset="0"/>
-                </a:rPr>
-                <a:t>log</a:t>
-              </a:r>
-              <a:r>
-                <a:rPr lang="de-DE" altLang="en-GB" sz="1400" dirty="0">
-                  <a:latin typeface="Calibri" charset="0"/>
-                </a:rPr>
-                <a:t> </a:t>
-              </a:r>
-              <a:r>
-                <a:rPr lang="en-US" sz="1400">
-                  <a:latin typeface="Unifont" panose="02000604000000000000" charset="-122"/>
-                  <a:ea typeface="Unifont" panose="02000604000000000000" charset="-122"/>
-                  <a:sym typeface="+mn-ea"/>
-                </a:rPr>
-                <a:t>≔</a:t>
-              </a:r>
-              <a:r>
-                <a:rPr lang="de-DE" altLang="en-GB" sz="1400" dirty="0">
-                  <a:latin typeface="Calibri" charset="0"/>
-                </a:rPr>
-                <a:t> Read()</a:t>
-              </a:r>
-              <a:endParaRPr lang="de-DE" altLang="en-GB" sz="1400" dirty="0">
-                <a:latin typeface="Calibri" charset="0"/>
-              </a:endParaRPr>
-            </a:p>
-          </p:txBody>
-        </p:sp>
-      </p:grpSp>
-      <p:grpSp>
-        <p:nvGrpSpPr>
           <p:cNvPr id="86" name="Group 85"/>
           <p:cNvGrpSpPr/>
           <p:nvPr/>
         </p:nvGrpSpPr>
         <p:grpSpPr>
           <a:xfrm>
-            <a:off x="8208010" y="3140075"/>
+            <a:off x="8208010" y="2762885"/>
             <a:ext cx="1911350" cy="741045"/>
             <a:chOff x="12882" y="5485"/>
             <a:chExt cx="3010" cy="1167"/>
@@ -16914,7 +17234,7 @@
                 <a:rPr lang="de-DE" altLang="en-US" sz="1200">
                   <a:latin typeface="Calibri" charset="0"/>
                 </a:rPr>
-                <a:t>[val = 1]</a:t>
+                <a:t>[ val = 1 ]</a:t>
               </a:r>
               <a:endParaRPr lang="de-DE" altLang="en-US" sz="1200">
                 <a:latin typeface="Calibri" charset="0"/>
@@ -16986,7 +17306,7 @@
                 <a:rPr lang="de-DE" altLang="en-US" sz="1200">
                   <a:latin typeface="Calibri" charset="0"/>
                 </a:rPr>
-                <a:t>[val = 2]</a:t>
+                <a:t>[ val = 2 ]</a:t>
               </a:r>
               <a:endParaRPr lang="de-DE" altLang="en-US" sz="1200">
                 <a:latin typeface="Calibri" charset="0"/>
@@ -17003,10 +17323,10 @@
         </p:nvGrpSpPr>
         <p:grpSpPr>
           <a:xfrm>
-            <a:off x="1223645" y="2161540"/>
-            <a:ext cx="1381125" cy="2101850"/>
+            <a:off x="1223645" y="2195830"/>
+            <a:ext cx="1328539" cy="1828510"/>
             <a:chOff x="2239" y="3812"/>
-            <a:chExt cx="1891" cy="5510"/>
+            <a:chExt cx="1819" cy="4793"/>
           </a:xfrm>
         </p:grpSpPr>
         <p:grpSp>
@@ -17018,9 +17338,9 @@
           <p:grpSpPr>
             <a:xfrm rot="0">
               <a:off x="2239" y="3812"/>
-              <a:ext cx="1722" cy="5510"/>
+              <a:ext cx="1738" cy="4793"/>
               <a:chOff x="13379" y="6302"/>
-              <a:chExt cx="1722" cy="1684"/>
+              <a:chExt cx="1738" cy="1465"/>
             </a:xfrm>
           </p:grpSpPr>
           <p:sp>
@@ -17032,7 +17352,7 @@
             <p:spPr>
               <a:xfrm>
                 <a:off x="13379" y="6302"/>
-                <a:ext cx="1691" cy="1684"/>
+                <a:ext cx="1691" cy="1465"/>
               </a:xfrm>
               <a:prstGeom prst="flowChartMagneticDisk">
                 <a:avLst/>
@@ -17076,7 +17396,7 @@
             </p:nvSpPr>
             <p:spPr>
               <a:xfrm>
-                <a:off x="13680" y="6454"/>
+                <a:off x="13696" y="6439"/>
                 <a:ext cx="1421" cy="221"/>
               </a:xfrm>
               <a:prstGeom prst="rect">
@@ -17110,7 +17430,7 @@
           </p:nvSpPr>
           <p:spPr>
             <a:xfrm>
-              <a:off x="2421" y="6112"/>
+              <a:off x="2421" y="5497"/>
               <a:ext cx="735" cy="2660"/>
             </a:xfrm>
             <a:prstGeom prst="rect">
@@ -17216,8 +17536,8 @@
           </p:nvSpPr>
           <p:spPr>
             <a:xfrm>
-              <a:off x="3159" y="6084"/>
-              <a:ext cx="971" cy="722"/>
+              <a:off x="3087" y="5565"/>
+              <a:ext cx="971" cy="1207"/>
             </a:xfrm>
             <a:prstGeom prst="rect">
               <a:avLst/>
@@ -17245,28 +17565,6 @@
                 <a:latin typeface="Calibri" charset="0"/>
               </a:endParaRPr>
             </a:p>
-          </p:txBody>
-        </p:sp>
-        <p:sp>
-          <p:nvSpPr>
-            <p:cNvPr id="74" name="Text Box 73"/>
-            <p:cNvSpPr txBox="1"/>
-            <p:nvPr/>
-          </p:nvSpPr>
-          <p:spPr>
-            <a:xfrm>
-              <a:off x="3159" y="6671"/>
-              <a:ext cx="971" cy="722"/>
-            </a:xfrm>
-            <a:prstGeom prst="rect">
-              <a:avLst/>
-            </a:prstGeom>
-            <a:noFill/>
-          </p:spPr>
-          <p:txBody>
-            <a:bodyPr wrap="square" rtlCol="0">
-              <a:spAutoFit/>
-            </a:bodyPr>
             <a:p>
               <a:r>
                 <a:rPr lang="de-DE" altLang="en-US" sz="1200">
@@ -17274,6 +17572,7 @@
                     <a:srgbClr val="FF0000"/>
                   </a:solidFill>
                   <a:latin typeface="Calibri" charset="0"/>
+                  <a:sym typeface="+mn-ea"/>
                 </a:rPr>
                 <a:t>Log</a:t>
               </a:r>
@@ -17283,13 +17582,11 @@
                     <a:srgbClr val="FF0000"/>
                   </a:solidFill>
                   <a:latin typeface="Calibri" charset="0"/>
+                  <a:sym typeface="+mn-ea"/>
                 </a:rPr>
                 <a:t>1</a:t>
               </a:r>
               <a:endParaRPr lang="de-DE" altLang="en-US" sz="1200" baseline="-25000">
-                <a:solidFill>
-                  <a:srgbClr val="FF0000"/>
-                </a:solidFill>
                 <a:latin typeface="Calibri" charset="0"/>
               </a:endParaRPr>
             </a:p>
@@ -17304,7 +17601,7 @@
         </p:nvSpPr>
         <p:spPr>
           <a:xfrm>
-            <a:off x="4192270" y="4272915"/>
+            <a:off x="4192270" y="3895725"/>
             <a:ext cx="2642235" cy="215265"/>
           </a:xfrm>
           <a:prstGeom prst="rect">
@@ -17391,7 +17688,7 @@
         </p:nvSpPr>
         <p:spPr>
           <a:xfrm>
-            <a:off x="2124710" y="4699000"/>
+            <a:off x="2124710" y="4321810"/>
             <a:ext cx="2642235" cy="215265"/>
           </a:xfrm>
           <a:prstGeom prst="rect">
@@ -17432,8 +17729,8 @@
         </p:nvCxnSpPr>
         <p:spPr>
           <a:xfrm rot="10800000">
-            <a:off x="969010" y="1619885"/>
-            <a:ext cx="3747135" cy="3029585"/>
+            <a:off x="934085" y="1474470"/>
+            <a:ext cx="3931920" cy="2788920"/>
           </a:xfrm>
           <a:prstGeom prst="bentConnector3">
             <a:avLst>
@@ -17464,82 +17761,13 @@
       </p:cxnSp>
       <p:sp>
         <p:nvSpPr>
-          <p:cNvPr id="89" name="TextBox 79"/>
-          <p:cNvSpPr txBox="1"/>
-          <p:nvPr/>
-        </p:nvSpPr>
-        <p:spPr>
-          <a:xfrm>
-            <a:off x="7309485" y="4276090"/>
-            <a:ext cx="2425065" cy="507365"/>
-          </a:xfrm>
-          <a:prstGeom prst="rect">
-            <a:avLst/>
-          </a:prstGeom>
-          <a:noFill/>
-        </p:spPr>
-        <p:txBody>
-          <a:bodyPr wrap="square" lIns="0" tIns="0" rIns="0" bIns="0" rtlCol="0">
-            <a:spAutoFit/>
-          </a:bodyPr>
-          <a:p>
-            <a:pPr algn="l"/>
-            <a:r>
-              <a:rPr lang="de-DE" altLang="en-GB" sz="1100" dirty="0">
-                <a:latin typeface="Calibri" charset="0"/>
-              </a:rPr>
-              <a:t>load* </a:t>
-            </a:r>
-            <a:r>
-              <a:rPr lang="de-DE" altLang="en-GB" sz="1100" dirty="0">
-                <a:latin typeface="Calibri" charset="0"/>
-                <a:sym typeface="+mn-ea"/>
-              </a:rPr>
-              <a:t>means unseal + checks:</a:t>
-            </a:r>
-            <a:endParaRPr lang="de-DE" altLang="en-GB" sz="1100" dirty="0">
-              <a:latin typeface="Calibri" charset="0"/>
-            </a:endParaRPr>
-          </a:p>
-          <a:p>
-            <a:pPr marL="171450" indent="-171450" algn="l">
-              <a:buFont typeface="Arial" panose="020B0604020202020204" pitchFamily="34" charset="0"/>
-              <a:buChar char="•"/>
-            </a:pPr>
-            <a:r>
-              <a:rPr lang="de-DE" altLang="en-GB" sz="1100" dirty="0">
-                <a:latin typeface="Calibri" charset="0"/>
-              </a:rPr>
-              <a:t>if something is not found, or seeds are not matching </a:t>
-            </a:r>
-            <a:r>
-              <a:rPr lang="de-DE" altLang="en-GB" sz="1100" dirty="0">
-                <a:latin typeface="AR PL UKai CN" panose="02000503000000000000" charset="-122"/>
-                <a:ea typeface="AR PL UKai CN" panose="02000503000000000000" charset="-122"/>
-              </a:rPr>
-              <a:t>→</a:t>
-            </a:r>
-            <a:r>
-              <a:rPr lang="de-DE" altLang="en-GB" sz="1100" dirty="0">
-                <a:latin typeface="Calibri" charset="0"/>
-              </a:rPr>
-              <a:t> abort.</a:t>
-            </a:r>
-            <a:endParaRPr lang="de-DE" altLang="en-GB" sz="1100" dirty="0">
-              <a:latin typeface="Calibri" charset="0"/>
-            </a:endParaRPr>
-          </a:p>
-        </p:txBody>
-      </p:sp>
-      <p:sp>
-        <p:nvSpPr>
           <p:cNvPr id="8" name="TextBox 79"/>
           <p:cNvSpPr txBox="1"/>
           <p:nvPr/>
         </p:nvSpPr>
         <p:spPr>
           <a:xfrm>
-            <a:off x="4193540" y="3305810"/>
+            <a:off x="4193540" y="2762885"/>
             <a:ext cx="2425700" cy="215265"/>
           </a:xfrm>
           <a:prstGeom prst="rect">
@@ -17603,6 +17831,126 @@
           </a:p>
         </p:txBody>
       </p:sp>
+      <p:grpSp>
+        <p:nvGrpSpPr>
+          <p:cNvPr id="9" name="Group 8"/>
+          <p:cNvGrpSpPr/>
+          <p:nvPr/>
+        </p:nvGrpSpPr>
+        <p:grpSpPr>
+          <a:xfrm>
+            <a:off x="6135370" y="3171825"/>
+            <a:ext cx="2063750" cy="243205"/>
+            <a:chOff x="8719" y="2897"/>
+            <a:chExt cx="4135" cy="383"/>
+          </a:xfrm>
+        </p:grpSpPr>
+        <p:cxnSp>
+          <p:nvCxnSpPr>
+            <p:cNvPr id="13" name="Straight Arrow Connector 12"/>
+            <p:cNvCxnSpPr/>
+            <p:nvPr/>
+          </p:nvCxnSpPr>
+          <p:spPr>
+            <a:xfrm>
+              <a:off x="8719" y="3280"/>
+              <a:ext cx="4135" cy="0"/>
+            </a:xfrm>
+            <a:prstGeom prst="straightConnector1">
+              <a:avLst/>
+            </a:prstGeom>
+            <a:ln>
+              <a:headEnd type="none" w="med" len="med"/>
+              <a:tailEnd type="arrow" w="med" len="med"/>
+            </a:ln>
+          </p:spPr>
+          <p:style>
+            <a:lnRef idx="3">
+              <a:schemeClr val="dk1"/>
+            </a:lnRef>
+            <a:fillRef idx="0">
+              <a:schemeClr val="dk1"/>
+            </a:fillRef>
+            <a:effectRef idx="2">
+              <a:schemeClr val="dk1"/>
+            </a:effectRef>
+            <a:fontRef idx="minor">
+              <a:schemeClr val="tx1"/>
+            </a:fontRef>
+          </p:style>
+        </p:cxnSp>
+        <p:sp>
+          <p:nvSpPr>
+            <p:cNvPr id="14" name="TextBox 79"/>
+            <p:cNvSpPr txBox="1"/>
+            <p:nvPr/>
+          </p:nvSpPr>
+          <p:spPr>
+            <a:xfrm>
+              <a:off x="9145" y="2897"/>
+              <a:ext cx="2776" cy="339"/>
+            </a:xfrm>
+            <a:prstGeom prst="rect">
+              <a:avLst/>
+            </a:prstGeom>
+            <a:noFill/>
+          </p:spPr>
+          <p:txBody>
+            <a:bodyPr wrap="square" lIns="0" tIns="0" rIns="0" bIns="0" rtlCol="0">
+              <a:spAutoFit/>
+            </a:bodyPr>
+            <a:p>
+              <a:pPr algn="ctr"/>
+              <a:r>
+                <a:rPr lang="de-DE" altLang="en-GB" sz="1400" b="1" dirty="0">
+                  <a:latin typeface="Calibri" charset="0"/>
+                  <a:sym typeface="+mn-ea"/>
+                </a:rPr>
+                <a:t>5b.</a:t>
+              </a:r>
+              <a:r>
+                <a:rPr lang="de-DE" altLang="en-GB" sz="1400" dirty="0">
+                  <a:latin typeface="Calibri" charset="0"/>
+                  <a:sym typeface="+mn-ea"/>
+                </a:rPr>
+                <a:t>  c</a:t>
+              </a:r>
+              <a:r>
+                <a:rPr lang="de-DE" altLang="en-GB" sz="1400" baseline="-25000" dirty="0">
+                  <a:latin typeface="Calibri" charset="0"/>
+                  <a:sym typeface="+mn-ea"/>
+                </a:rPr>
+                <a:t>log</a:t>
+              </a:r>
+              <a:r>
+                <a:rPr lang="de-DE" altLang="en-GB" sz="1400" dirty="0">
+                  <a:latin typeface="Calibri" charset="0"/>
+                  <a:sym typeface="+mn-ea"/>
+                </a:rPr>
+                <a:t> </a:t>
+              </a:r>
+              <a:r>
+                <a:rPr lang="en-US" sz="1400">
+                  <a:latin typeface="Unifont" panose="02000604000000000000" charset="-122"/>
+                  <a:ea typeface="Unifont" panose="02000604000000000000" charset="-122"/>
+                  <a:sym typeface="+mn-ea"/>
+                </a:rPr>
+                <a:t>≔</a:t>
+              </a:r>
+              <a:r>
+                <a:rPr lang="de-DE" altLang="en-GB" sz="1400" dirty="0">
+                  <a:latin typeface="Calibri" charset="0"/>
+                  <a:sym typeface="+mn-ea"/>
+                </a:rPr>
+                <a:t> Read()</a:t>
+              </a:r>
+              <a:endParaRPr lang="de-DE" altLang="en-GB" sz="1400" dirty="0">
+                <a:latin typeface="Calibri" charset="0"/>
+              </a:endParaRPr>
+            </a:p>
+          </p:txBody>
+        </p:sp>
+      </p:grpSp>
     </p:spTree>
   </p:cSld>
   <p:clrMapOvr>
@@ -17618,7 +17966,7 @@
 </p:sld>
 </file>
 
-<file path=ppt/slides/slide4.xml><?xml version="1.0" encoding="utf-8"?>
+<file path=ppt/slides/slide5.xml><?xml version="1.0" encoding="utf-8"?>
 <p:sld xmlns:a="http://schemas.openxmlformats.org/drawingml/2006/main" xmlns:r="http://schemas.openxmlformats.org/officeDocument/2006/relationships" xmlns:p="http://schemas.openxmlformats.org/presentationml/2006/main">
   <p:cSld>
     <p:spTree>
@@ -17722,39 +18070,6 @@
           </p:txBody>
         </p:sp>
       </p:grpSp>
-      <p:sp>
-        <p:nvSpPr>
-          <p:cNvPr id="2" name="Text Box 1"/>
-          <p:cNvSpPr txBox="1"/>
-          <p:nvPr/>
-        </p:nvSpPr>
-        <p:spPr>
-          <a:xfrm>
-            <a:off x="302895" y="291465"/>
-            <a:ext cx="10055225" cy="368300"/>
-          </a:xfrm>
-          <a:prstGeom prst="rect">
-            <a:avLst/>
-          </a:prstGeom>
-          <a:noFill/>
-        </p:spPr>
-        <p:txBody>
-          <a:bodyPr wrap="square" rtlCol="0">
-            <a:spAutoFit/>
-          </a:bodyPr>
-          <a:p>
-            <a:r>
-              <a:rPr lang="de-DE" altLang="en-US">
-                <a:latin typeface="Calibri" charset="0"/>
-              </a:rPr>
-              <a:t>Re-training (“we lost the model”)</a:t>
-            </a:r>
-            <a:endParaRPr lang="de-DE" altLang="en-US">
-              <a:latin typeface="Calibri" charset="0"/>
-            </a:endParaRPr>
-          </a:p>
-        </p:txBody>
-      </p:sp>
       <p:grpSp>
         <p:nvGrpSpPr>
           <p:cNvPr id="12" name="Group 11"/>
@@ -17763,10 +18078,10 @@
         </p:nvGrpSpPr>
         <p:grpSpPr>
           <a:xfrm>
-            <a:off x="1181735" y="1048385"/>
-            <a:ext cx="3146425" cy="368935"/>
-            <a:chOff x="1249" y="2477"/>
-            <a:chExt cx="4955" cy="581"/>
+            <a:off x="1164590" y="1048385"/>
+            <a:ext cx="3163570" cy="363220"/>
+            <a:chOff x="1222" y="2477"/>
+            <a:chExt cx="4982" cy="572"/>
           </a:xfrm>
         </p:grpSpPr>
         <p:pic>
@@ -17791,7 +18106,7 @@
           </p:blipFill>
           <p:spPr>
             <a:xfrm>
-              <a:off x="1249" y="2618"/>
+              <a:off x="1222" y="2609"/>
               <a:ext cx="1864" cy="440"/>
             </a:xfrm>
             <a:prstGeom prst="rect">
@@ -18976,68 +19291,6 @@
           </p:txBody>
         </p:sp>
       </p:grpSp>
-      <p:sp>
-        <p:nvSpPr>
-          <p:cNvPr id="88" name="TextBox 79"/>
-          <p:cNvSpPr txBox="1"/>
-          <p:nvPr/>
-        </p:nvSpPr>
-        <p:spPr>
-          <a:xfrm>
-            <a:off x="8088630" y="3339465"/>
-            <a:ext cx="2425065" cy="507365"/>
-          </a:xfrm>
-          <a:prstGeom prst="rect">
-            <a:avLst/>
-          </a:prstGeom>
-          <a:noFill/>
-        </p:spPr>
-        <p:txBody>
-          <a:bodyPr wrap="square" lIns="0" tIns="0" rIns="0" bIns="0" rtlCol="0">
-            <a:spAutoFit/>
-          </a:bodyPr>
-          <a:p>
-            <a:pPr algn="l"/>
-            <a:r>
-              <a:rPr lang="de-DE" altLang="en-GB" sz="1100" dirty="0">
-                <a:latin typeface="Calibri" charset="0"/>
-              </a:rPr>
-              <a:t>load* means unseal + checks:</a:t>
-            </a:r>
-            <a:endParaRPr lang="de-DE" altLang="en-GB" sz="1100" dirty="0">
-              <a:latin typeface="Calibri" charset="0"/>
-            </a:endParaRPr>
-          </a:p>
-          <a:p>
-            <a:pPr marL="171450" indent="-171450" algn="l">
-              <a:buFont typeface="Arial" panose="020B0604020202020204" pitchFamily="34" charset="0"/>
-              <a:buChar char="•"/>
-            </a:pPr>
-            <a:r>
-              <a:rPr lang="de-DE" altLang="en-GB" sz="1100" dirty="0">
-                <a:latin typeface="Calibri" charset="0"/>
-              </a:rPr>
-              <a:t>if something is not found, or seed(s) are not matching </a:t>
-            </a:r>
-            <a:r>
-              <a:rPr lang="de-DE" altLang="en-GB" sz="1100" dirty="0">
-                <a:latin typeface="AR PL UKai CN" panose="02000503000000000000" charset="-122"/>
-                <a:ea typeface="AR PL UKai CN" panose="02000503000000000000" charset="-122"/>
-              </a:rPr>
-              <a:t>→</a:t>
-            </a:r>
-            <a:r>
-              <a:rPr lang="de-DE" altLang="en-GB" sz="1100" dirty="0">
-                <a:latin typeface="Calibri" charset="0"/>
-              </a:rPr>
-              <a:t> abort.</a:t>
-            </a:r>
-            <a:endParaRPr lang="de-DE" altLang="en-GB" sz="1100" dirty="0">
-              <a:latin typeface="Calibri" charset="0"/>
-            </a:endParaRPr>
-          </a:p>
-        </p:txBody>
-      </p:sp>
       <p:grpSp>
         <p:nvGrpSpPr>
           <p:cNvPr id="13" name="Group 12"/>
@@ -19264,10 +19517,10 @@
         </p:nvGrpSpPr>
         <p:grpSpPr>
           <a:xfrm>
-            <a:off x="3263265" y="2760345"/>
-            <a:ext cx="2680970" cy="430530"/>
-            <a:chOff x="8504" y="2916"/>
-            <a:chExt cx="4222" cy="678"/>
+            <a:off x="3342640" y="2760345"/>
+            <a:ext cx="2601595" cy="430530"/>
+            <a:chOff x="8629" y="2916"/>
+            <a:chExt cx="4097" cy="678"/>
           </a:xfrm>
         </p:grpSpPr>
         <p:cxnSp>
@@ -19312,7 +19565,7 @@
           </p:nvSpPr>
           <p:spPr>
             <a:xfrm>
-              <a:off x="8504" y="2916"/>
+              <a:off x="9077" y="2916"/>
               <a:ext cx="3582" cy="678"/>
             </a:xfrm>
             <a:prstGeom prst="rect">
@@ -19325,7 +19578,7 @@
               <a:spAutoFit/>
             </a:bodyPr>
             <a:p>
-              <a:pPr algn="ctr"/>
+              <a:pPr algn="l"/>
               <a:r>
                 <a:rPr lang="de-DE" altLang="en-GB" sz="1400" dirty="0">
                   <a:latin typeface="Calibri" charset="0"/>
@@ -19397,7 +19650,7 @@
 </p:sld>
 </file>
 
-<file path=ppt/slides/slide5.xml><?xml version="1.0" encoding="utf-8"?>
+<file path=ppt/slides/slide6.xml><?xml version="1.0" encoding="utf-8"?>
 <p:sld xmlns:a="http://schemas.openxmlformats.org/drawingml/2006/main" xmlns:r="http://schemas.openxmlformats.org/officeDocument/2006/relationships" xmlns:p="http://schemas.openxmlformats.org/presentationml/2006/main">
   <p:cSld>
     <p:spTree>
@@ -19407,39 +19660,6 @@
         <p:nvPr/>
       </p:nvGrpSpPr>
       <p:grpSpPr/>
-      <p:sp>
-        <p:nvSpPr>
-          <p:cNvPr id="2" name="Text Box 1"/>
-          <p:cNvSpPr txBox="1"/>
-          <p:nvPr/>
-        </p:nvSpPr>
-        <p:spPr>
-          <a:xfrm>
-            <a:off x="302895" y="291465"/>
-            <a:ext cx="10055225" cy="368300"/>
-          </a:xfrm>
-          <a:prstGeom prst="rect">
-            <a:avLst/>
-          </a:prstGeom>
-          <a:noFill/>
-        </p:spPr>
-        <p:txBody>
-          <a:bodyPr wrap="square" rtlCol="0">
-            <a:spAutoFit/>
-          </a:bodyPr>
-          <a:p>
-            <a:r>
-              <a:rPr lang="de-DE" altLang="en-US">
-                <a:latin typeface="Calibri" charset="0"/>
-              </a:rPr>
-              <a:t>Model refinement (add new trees from new samples)</a:t>
-            </a:r>
-            <a:endParaRPr lang="de-DE" altLang="en-US">
-              <a:latin typeface="Calibri" charset="0"/>
-            </a:endParaRPr>
-          </a:p>
-        </p:txBody>
-      </p:sp>
       <p:grpSp>
         <p:nvGrpSpPr>
           <p:cNvPr id="5" name="Group 4"/>
@@ -19448,8 +19668,8 @@
         </p:nvGrpSpPr>
         <p:grpSpPr>
           <a:xfrm>
-            <a:off x="4420235" y="801231"/>
-            <a:ext cx="3108960" cy="4295279"/>
+            <a:off x="4420235" y="801370"/>
+            <a:ext cx="3108960" cy="3714115"/>
             <a:chOff x="6068" y="1998"/>
             <a:chExt cx="8597" cy="6146"/>
           </a:xfrm>
@@ -19507,7 +19727,7 @@
           <p:spPr>
             <a:xfrm>
               <a:off x="7266" y="1998"/>
-              <a:ext cx="6267" cy="482"/>
+              <a:ext cx="6267" cy="558"/>
             </a:xfrm>
             <a:prstGeom prst="rect">
               <a:avLst/>
@@ -19542,7 +19762,7 @@
         </p:nvGrpSpPr>
         <p:grpSpPr>
           <a:xfrm>
-            <a:off x="2786380" y="4101465"/>
+            <a:off x="2786380" y="3587115"/>
             <a:ext cx="4451334" cy="248285"/>
             <a:chOff x="8731" y="2905"/>
             <a:chExt cx="4778" cy="391"/>
@@ -19951,115 +20171,6 @@
       </p:sp>
       <p:sp>
         <p:nvSpPr>
-          <p:cNvPr id="20" name="TextBox 79"/>
-          <p:cNvSpPr txBox="1"/>
-          <p:nvPr/>
-        </p:nvSpPr>
-        <p:spPr>
-          <a:xfrm>
-            <a:off x="4546600" y="2760980"/>
-            <a:ext cx="3042285" cy="645795"/>
-          </a:xfrm>
-          <a:prstGeom prst="rect">
-            <a:avLst/>
-          </a:prstGeom>
-          <a:noFill/>
-        </p:spPr>
-        <p:txBody>
-          <a:bodyPr wrap="square" lIns="0" tIns="0" rIns="0" bIns="0" rtlCol="0">
-            <a:spAutoFit/>
-          </a:bodyPr>
-          <a:p>
-            <a:pPr algn="l"/>
-            <a:r>
-              <a:rPr lang="de-DE" altLang="en-GB" sz="1400" b="1" dirty="0">
-                <a:latin typeface="Calibri" charset="0"/>
-              </a:rPr>
-              <a:t>4b.</a:t>
-            </a:r>
-            <a:r>
-              <a:rPr lang="de-DE" altLang="en-GB" sz="1400" dirty="0">
-                <a:latin typeface="Calibri" charset="0"/>
-              </a:rPr>
-              <a:t>  check c</a:t>
-            </a:r>
-            <a:r>
-              <a:rPr lang="de-DE" altLang="en-GB" sz="1400" baseline="-25000" dirty="0">
-                <a:latin typeface="Calibri" charset="0"/>
-              </a:rPr>
-              <a:t>i</a:t>
-            </a:r>
-            <a:r>
-              <a:rPr lang="de-DE" altLang="en-GB" sz="1400" dirty="0">
-                <a:latin typeface="Calibri" charset="0"/>
-              </a:rPr>
-              <a:t>’s to ensure we have all </a:t>
-            </a:r>
-            <a:r>
-              <a:rPr lang="de-DE" altLang="en-GB" sz="1400" dirty="0">
-                <a:latin typeface="Calibri" charset="0"/>
-                <a:sym typeface="+mn-ea"/>
-              </a:rPr>
-              <a:t>D</a:t>
-            </a:r>
-            <a:r>
-              <a:rPr lang="de-DE" altLang="en-GB" sz="1400" baseline="-25000" dirty="0">
-                <a:latin typeface="Calibri" charset="0"/>
-                <a:sym typeface="+mn-ea"/>
-              </a:rPr>
-              <a:t>501</a:t>
-            </a:r>
-            <a:r>
-              <a:rPr lang="de-DE" altLang="en-GB" sz="1400" dirty="0">
-                <a:latin typeface="Calibri" charset="0"/>
-                <a:sym typeface="+mn-ea"/>
-              </a:rPr>
-              <a:t>..D</a:t>
-            </a:r>
-            <a:r>
-              <a:rPr lang="de-DE" altLang="en-GB" sz="1400" baseline="-25000" dirty="0">
-                <a:latin typeface="Calibri" charset="0"/>
-                <a:sym typeface="+mn-ea"/>
-              </a:rPr>
-              <a:t>700</a:t>
-            </a:r>
-            <a:r>
-              <a:rPr lang="de-DE" altLang="en-GB" sz="1400" dirty="0">
-                <a:latin typeface="Calibri" charset="0"/>
-                <a:sym typeface="+mn-ea"/>
-              </a:rPr>
-              <a:t> and ensure they all contain master seed s</a:t>
-            </a:r>
-            <a:r>
-              <a:rPr lang="de-DE" altLang="en-GB" sz="1400" baseline="-25000" dirty="0">
-                <a:latin typeface="Calibri" charset="0"/>
-                <a:sym typeface="+mn-ea"/>
-              </a:rPr>
-              <a:t>m</a:t>
-            </a:r>
-            <a:r>
-              <a:rPr lang="de-DE" altLang="en-GB" sz="1400" dirty="0">
-                <a:latin typeface="Calibri" charset="0"/>
-                <a:sym typeface="+mn-ea"/>
-              </a:rPr>
-              <a:t> from Log</a:t>
-            </a:r>
-            <a:r>
-              <a:rPr lang="de-DE" altLang="en-GB" sz="1400" baseline="-25000" dirty="0">
-                <a:latin typeface="Calibri" charset="0"/>
-                <a:sym typeface="+mn-ea"/>
-              </a:rPr>
-              <a:t>init</a:t>
-            </a:r>
-            <a:endParaRPr lang="de-DE" altLang="en-GB" sz="1400" dirty="0">
-              <a:latin typeface="Calibri" charset="0"/>
-              <a:ea typeface="AR PL UKai CN" panose="02000503000000000000" charset="-122"/>
-            </a:endParaRPr>
-          </a:p>
-        </p:txBody>
-      </p:sp>
-      <p:sp>
-        <p:nvSpPr>
           <p:cNvPr id="33" name="TextBox 79"/>
           <p:cNvSpPr txBox="1"/>
           <p:nvPr/>
@@ -20107,7 +20218,7 @@
         </p:nvGrpSpPr>
         <p:grpSpPr>
           <a:xfrm>
-            <a:off x="8926830" y="1338580"/>
+            <a:off x="8595360" y="1327150"/>
             <a:ext cx="1835150" cy="741120"/>
             <a:chOff x="13288" y="3926"/>
             <a:chExt cx="2890" cy="1247"/>
@@ -20244,7 +20355,7 @@
                 <a:rPr lang="de-DE" altLang="en-US" sz="1200">
                   <a:latin typeface="Calibri" charset="0"/>
                 </a:rPr>
-                <a:t>[val = 724]</a:t>
+                <a:t>[ val = 724 ]</a:t>
               </a:r>
               <a:endParaRPr lang="de-DE" altLang="en-US" sz="1200">
                 <a:latin typeface="Calibri" charset="0"/>
@@ -20261,8 +20372,8 @@
         </p:nvGrpSpPr>
         <p:grpSpPr>
           <a:xfrm>
-            <a:off x="6497955" y="1557655"/>
-            <a:ext cx="2355215" cy="248285"/>
+            <a:off x="6349365" y="1546225"/>
+            <a:ext cx="2194560" cy="248285"/>
             <a:chOff x="8719" y="2891"/>
             <a:chExt cx="3709" cy="391"/>
           </a:xfrm>
@@ -20376,10 +20487,10 @@
         </p:nvGrpSpPr>
         <p:grpSpPr>
           <a:xfrm>
-            <a:off x="2809240" y="2324735"/>
-            <a:ext cx="1913111" cy="645795"/>
-            <a:chOff x="8719" y="2941"/>
-            <a:chExt cx="4570" cy="1017"/>
+            <a:off x="2786380" y="2381250"/>
+            <a:ext cx="2703830" cy="430530"/>
+            <a:chOff x="8719" y="2921"/>
+            <a:chExt cx="4570" cy="678"/>
           </a:xfrm>
         </p:grpSpPr>
         <p:cxnSp>
@@ -20424,8 +20535,8 @@
           </p:nvSpPr>
           <p:spPr>
             <a:xfrm>
-              <a:off x="8751" y="2941"/>
-              <a:ext cx="3763" cy="1017"/>
+              <a:off x="9121" y="2921"/>
+              <a:ext cx="3513" cy="678"/>
             </a:xfrm>
             <a:prstGeom prst="rect">
               <a:avLst/>
@@ -20437,12 +20548,12 @@
               <a:spAutoFit/>
             </a:bodyPr>
             <a:p>
-              <a:pPr algn="ctr"/>
+              <a:pPr algn="l"/>
               <a:r>
                 <a:rPr lang="de-DE" altLang="en-GB" sz="1400" b="1" dirty="0">
                   <a:latin typeface="Calibri" charset="0"/>
                 </a:rPr>
-                <a:t>4a.</a:t>
+                <a:t>4.</a:t>
               </a:r>
               <a:r>
                 <a:rPr lang="de-DE" altLang="en-GB" sz="1400" dirty="0">
@@ -20489,7 +20600,7 @@
                   <a:latin typeface="Calibri" charset="0"/>
                   <a:sym typeface="+mn-ea"/>
                 </a:rPr>
-                <a:t>..D</a:t>
+                <a:t>...D</a:t>
               </a:r>
               <a:r>
                 <a:rPr lang="de-DE" altLang="en-GB" sz="1400" baseline="-25000" dirty="0">
@@ -20510,214 +20621,6 @@
                   <a:latin typeface="Calibri" charset="0"/>
                 </a:rPr>
                 <a:t>into enclave</a:t>
-              </a:r>
-              <a:endParaRPr lang="de-DE" altLang="en-GB" sz="1400" dirty="0">
-                <a:latin typeface="Calibri" charset="0"/>
-              </a:endParaRPr>
-            </a:p>
-          </p:txBody>
-        </p:sp>
-      </p:grpSp>
-      <p:grpSp>
-        <p:nvGrpSpPr>
-          <p:cNvPr id="66" name="Group 65"/>
-          <p:cNvGrpSpPr/>
-          <p:nvPr/>
-        </p:nvGrpSpPr>
-        <p:grpSpPr>
-          <a:xfrm>
-            <a:off x="7164953" y="2941363"/>
-            <a:ext cx="1653408" cy="737145"/>
-            <a:chOff x="10672" y="2204"/>
-            <a:chExt cx="2024" cy="1208"/>
-          </a:xfrm>
-        </p:grpSpPr>
-        <p:cxnSp>
-          <p:nvCxnSpPr>
-            <p:cNvPr id="67" name="Straight Arrow Connector 66"/>
-            <p:cNvCxnSpPr/>
-            <p:nvPr/>
-          </p:nvCxnSpPr>
-          <p:spPr>
-            <a:xfrm flipV="1">
-              <a:off x="10672" y="2204"/>
-              <a:ext cx="2024" cy="1208"/>
-            </a:xfrm>
-            <a:prstGeom prst="straightConnector1">
-              <a:avLst/>
-            </a:prstGeom>
-            <a:ln w="19050" cmpd="sng">
-              <a:solidFill>
-                <a:schemeClr val="tx1"/>
-              </a:solidFill>
-              <a:prstDash val="sysDot"/>
-              <a:headEnd type="none" w="med" len="med"/>
-              <a:tailEnd type="arrow" w="med" len="med"/>
-            </a:ln>
-          </p:spPr>
-          <p:style>
-            <a:lnRef idx="3">
-              <a:schemeClr val="dk1"/>
-            </a:lnRef>
-            <a:fillRef idx="0">
-              <a:schemeClr val="dk1"/>
-            </a:fillRef>
-            <a:effectRef idx="2">
-              <a:schemeClr val="dk1"/>
-            </a:effectRef>
-            <a:fontRef idx="minor">
-              <a:schemeClr val="tx1"/>
-            </a:fontRef>
-          </p:style>
-        </p:cxnSp>
-        <p:sp>
-          <p:nvSpPr>
-            <p:cNvPr id="68" name="TextBox 79"/>
-            <p:cNvSpPr txBox="1"/>
-            <p:nvPr/>
-          </p:nvSpPr>
-          <p:spPr>
-            <a:xfrm rot="20160000">
-              <a:off x="10681" y="2522"/>
-              <a:ext cx="1557" cy="353"/>
-            </a:xfrm>
-            <a:prstGeom prst="rect">
-              <a:avLst/>
-            </a:prstGeom>
-            <a:noFill/>
-          </p:spPr>
-          <p:txBody>
-            <a:bodyPr wrap="square" lIns="0" tIns="0" rIns="0" bIns="0" rtlCol="0">
-              <a:spAutoFit/>
-            </a:bodyPr>
-            <a:p>
-              <a:pPr algn="ctr"/>
-              <a:r>
-                <a:rPr lang="de-DE" altLang="en-GB" sz="1400" b="1" dirty="0">
-                  <a:latin typeface="Calibri" charset="0"/>
-                </a:rPr>
-                <a:t>5a.</a:t>
-              </a:r>
-              <a:r>
-                <a:rPr lang="de-DE" altLang="en-GB" sz="1400" dirty="0">
-                  <a:latin typeface="Calibri" charset="0"/>
-                </a:rPr>
-                <a:t> Inc()</a:t>
-              </a:r>
-              <a:endParaRPr lang="de-DE" altLang="en-GB" sz="1400" dirty="0">
-                <a:latin typeface="Calibri" charset="0"/>
-              </a:endParaRPr>
-            </a:p>
-          </p:txBody>
-        </p:sp>
-      </p:grpSp>
-      <p:grpSp>
-        <p:nvGrpSpPr>
-          <p:cNvPr id="69" name="Group 68"/>
-          <p:cNvGrpSpPr/>
-          <p:nvPr/>
-        </p:nvGrpSpPr>
-        <p:grpSpPr>
-          <a:xfrm>
-            <a:off x="7178675" y="3182620"/>
-            <a:ext cx="1950720" cy="866140"/>
-            <a:chOff x="7298" y="1759"/>
-            <a:chExt cx="3072" cy="1364"/>
-          </a:xfrm>
-        </p:grpSpPr>
-        <p:cxnSp>
-          <p:nvCxnSpPr>
-            <p:cNvPr id="70" name="Straight Arrow Connector 69"/>
-            <p:cNvCxnSpPr/>
-            <p:nvPr/>
-          </p:nvCxnSpPr>
-          <p:spPr>
-            <a:xfrm flipV="1">
-              <a:off x="7298" y="1759"/>
-              <a:ext cx="3072" cy="1364"/>
-            </a:xfrm>
-            <a:prstGeom prst="straightConnector1">
-              <a:avLst/>
-            </a:prstGeom>
-            <a:ln w="19050">
-              <a:headEnd type="none" w="med" len="med"/>
-              <a:tailEnd type="arrow" w="med" len="med"/>
-            </a:ln>
-          </p:spPr>
-          <p:style>
-            <a:lnRef idx="3">
-              <a:schemeClr val="dk1"/>
-            </a:lnRef>
-            <a:fillRef idx="0">
-              <a:schemeClr val="dk1"/>
-            </a:fillRef>
-            <a:effectRef idx="2">
-              <a:schemeClr val="dk1"/>
-            </a:effectRef>
-            <a:fontRef idx="minor">
-              <a:schemeClr val="tx1"/>
-            </a:fontRef>
-          </p:style>
-        </p:cxnSp>
-        <p:sp>
-          <p:nvSpPr>
-            <p:cNvPr id="71" name="TextBox 79"/>
-            <p:cNvSpPr txBox="1"/>
-            <p:nvPr/>
-          </p:nvSpPr>
-          <p:spPr>
-            <a:xfrm rot="20160000">
-              <a:off x="7498" y="2028"/>
-              <a:ext cx="2677" cy="339"/>
-            </a:xfrm>
-            <a:prstGeom prst="rect">
-              <a:avLst/>
-            </a:prstGeom>
-            <a:noFill/>
-          </p:spPr>
-          <p:txBody>
-            <a:bodyPr wrap="square" lIns="0" tIns="0" rIns="0" bIns="0" rtlCol="0">
-              <a:spAutoFit/>
-            </a:bodyPr>
-            <a:p>
-              <a:pPr algn="ctr"/>
-              <a:r>
-                <a:rPr lang="de-DE" altLang="en-GB" sz="1400" b="1" dirty="0">
-                  <a:latin typeface="Calibri" charset="0"/>
-                </a:rPr>
-                <a:t>5b.</a:t>
-              </a:r>
-              <a:r>
-                <a:rPr lang="de-DE" altLang="en-GB" sz="1400" dirty="0">
-                  <a:latin typeface="Calibri" charset="0"/>
-                </a:rPr>
-                <a:t>  c</a:t>
-              </a:r>
-              <a:r>
-                <a:rPr lang="de-DE" altLang="en-GB" sz="1400" baseline="-25000" dirty="0">
-                  <a:latin typeface="Calibri" charset="0"/>
-                </a:rPr>
-                <a:t>log</a:t>
-              </a:r>
-              <a:r>
-                <a:rPr lang="de-DE" altLang="en-GB" sz="1400" dirty="0">
-                  <a:latin typeface="Calibri" charset="0"/>
-                </a:rPr>
-                <a:t> </a:t>
-              </a:r>
-              <a:r>
-                <a:rPr lang="en-US" sz="1400">
-                  <a:latin typeface="Unifont" panose="02000604000000000000" charset="-122"/>
-                  <a:ea typeface="Unifont" panose="02000604000000000000" charset="-122"/>
-                  <a:sym typeface="+mn-ea"/>
-                </a:rPr>
-                <a:t>≔</a:t>
-              </a:r>
-              <a:r>
-                <a:rPr lang="de-DE" altLang="en-GB" sz="1400" dirty="0">
-                  <a:latin typeface="Calibri" charset="0"/>
-                </a:rPr>
-                <a:t> Read()</a:t>
               </a:r>
               <a:endParaRPr lang="de-DE" altLang="en-GB" sz="1400" dirty="0">
                 <a:latin typeface="Calibri" charset="0"/>
@@ -20734,10 +20637,10 @@
         </p:nvGrpSpPr>
         <p:grpSpPr>
           <a:xfrm>
-            <a:off x="8927465" y="2334895"/>
-            <a:ext cx="1910715" cy="740410"/>
+            <a:off x="8595995" y="2323465"/>
+            <a:ext cx="1911350" cy="741045"/>
             <a:chOff x="12882" y="7693"/>
-            <a:chExt cx="3009" cy="1166"/>
+            <a:chExt cx="3010" cy="1167"/>
           </a:xfrm>
         </p:grpSpPr>
         <p:grpSp>
@@ -20880,7 +20783,7 @@
                 <a:rPr lang="de-DE" altLang="en-US" sz="1200">
                   <a:latin typeface="Calibri" charset="0"/>
                 </a:rPr>
-                <a:t>[val = 2]</a:t>
+                <a:t>[ val = 2 ]</a:t>
               </a:r>
               <a:endParaRPr lang="de-DE" altLang="en-US" sz="1200">
                 <a:latin typeface="Calibri" charset="0"/>
@@ -20952,7 +20855,7 @@
                 <a:rPr lang="de-DE" altLang="en-US" sz="1200">
                   <a:latin typeface="Calibri" charset="0"/>
                 </a:rPr>
-                <a:t>[val = 3]</a:t>
+                <a:t>[ val = 3 ]</a:t>
               </a:r>
               <a:endParaRPr lang="de-DE" altLang="en-US" sz="1200">
                 <a:latin typeface="Calibri" charset="0"/>
@@ -20969,7 +20872,7 @@
         </p:nvSpPr>
         <p:spPr>
           <a:xfrm>
-            <a:off x="4552950" y="4534535"/>
+            <a:off x="4540250" y="3970020"/>
             <a:ext cx="2642235" cy="215265"/>
           </a:xfrm>
           <a:prstGeom prst="rect">
@@ -21056,10 +20959,10 @@
         </p:nvGrpSpPr>
         <p:grpSpPr>
           <a:xfrm>
-            <a:off x="1252220" y="1589405"/>
-            <a:ext cx="3791585" cy="3568700"/>
-            <a:chOff x="1492" y="859"/>
-            <a:chExt cx="5971" cy="5620"/>
+            <a:off x="1286343" y="1514574"/>
+            <a:ext cx="4178228" cy="3047494"/>
+            <a:chOff x="1546" y="858"/>
+            <a:chExt cx="6612" cy="5683"/>
           </a:xfrm>
         </p:grpSpPr>
         <p:sp>
@@ -21071,7 +20974,7 @@
           <p:spPr>
             <a:xfrm>
               <a:off x="3302" y="6140"/>
-              <a:ext cx="4161" cy="339"/>
+              <a:ext cx="4161" cy="401"/>
             </a:xfrm>
             <a:prstGeom prst="rect">
               <a:avLst/>
@@ -21111,12 +21014,12 @@
           </p:nvCxnSpPr>
           <p:spPr>
             <a:xfrm rot="10800000">
-              <a:off x="1492" y="859"/>
-              <a:ext cx="5892" cy="5221"/>
+              <a:off x="1546" y="858"/>
+              <a:ext cx="6612" cy="5245"/>
             </a:xfrm>
             <a:prstGeom prst="bentConnector3">
               <a:avLst>
-                <a:gd name="adj1" fmla="val 99949"/>
+                <a:gd name="adj1" fmla="val 99980"/>
               </a:avLst>
             </a:prstGeom>
             <a:ln w="19050">
@@ -21144,135 +21047,87 @@
       </p:grpSp>
       <p:grpSp>
         <p:nvGrpSpPr>
-          <p:cNvPr id="23" name="Group 22"/>
+          <p:cNvPr id="84" name="Group 83"/>
           <p:cNvGrpSpPr/>
           <p:nvPr/>
         </p:nvGrpSpPr>
         <p:grpSpPr>
-          <a:xfrm>
-            <a:off x="1565275" y="2306955"/>
-            <a:ext cx="1285875" cy="2175510"/>
-            <a:chOff x="2069" y="5828"/>
-            <a:chExt cx="2025" cy="3310"/>
+          <a:xfrm rot="0">
+            <a:off x="1610995" y="2215515"/>
+            <a:ext cx="1175608" cy="1828871"/>
+            <a:chOff x="2239" y="3812"/>
+            <a:chExt cx="1788" cy="5510"/>
           </a:xfrm>
         </p:grpSpPr>
         <p:grpSp>
           <p:nvGrpSpPr>
-            <p:cNvPr id="84" name="Group 83"/>
+            <p:cNvPr id="56" name="Group 55"/>
             <p:cNvGrpSpPr/>
             <p:nvPr/>
           </p:nvGrpSpPr>
           <p:grpSpPr>
-            <a:xfrm>
-              <a:off x="2069" y="5828"/>
-              <a:ext cx="2025" cy="3310"/>
-              <a:chOff x="2239" y="3812"/>
-              <a:chExt cx="1891" cy="5510"/>
+            <a:xfrm rot="0">
+              <a:off x="2239" y="3812"/>
+              <a:ext cx="1691" cy="5510"/>
+              <a:chOff x="13379" y="6302"/>
+              <a:chExt cx="1691" cy="1684"/>
             </a:xfrm>
           </p:grpSpPr>
-          <p:grpSp>
-            <p:nvGrpSpPr>
-              <p:cNvPr id="56" name="Group 55"/>
-              <p:cNvGrpSpPr/>
-              <p:nvPr/>
-            </p:nvGrpSpPr>
-            <p:grpSpPr>
-              <a:xfrm rot="0">
-                <a:off x="2239" y="3812"/>
-                <a:ext cx="1691" cy="5510"/>
-                <a:chOff x="13379" y="6302"/>
-                <a:chExt cx="1691" cy="1684"/>
-              </a:xfrm>
-            </p:grpSpPr>
-            <p:sp>
-              <p:nvSpPr>
-                <p:cNvPr id="17" name="Flowchart: Magnetic Disk 16"/>
-                <p:cNvSpPr/>
-                <p:nvPr/>
-              </p:nvSpPr>
-              <p:spPr>
-                <a:xfrm>
-                  <a:off x="13379" y="6302"/>
-                  <a:ext cx="1691" cy="1684"/>
-                </a:xfrm>
-                <a:prstGeom prst="flowChartMagneticDisk">
-                  <a:avLst/>
-                </a:prstGeom>
-                <a:solidFill>
-                  <a:schemeClr val="accent5">
-                    <a:lumMod val="20000"/>
-                    <a:lumOff val="80000"/>
-                  </a:schemeClr>
-                </a:solidFill>
-              </p:spPr>
-              <p:style>
-                <a:lnRef idx="2">
-                  <a:schemeClr val="accent1">
-                    <a:shade val="50000"/>
-                  </a:schemeClr>
-                </a:lnRef>
-                <a:fillRef idx="1">
-                  <a:schemeClr val="accent1"/>
-                </a:fillRef>
-                <a:effectRef idx="0">
-                  <a:schemeClr val="accent1"/>
-                </a:effectRef>
-                <a:fontRef idx="minor">
-                  <a:schemeClr val="lt1"/>
-                </a:fontRef>
-              </p:style>
-              <p:txBody>
-                <a:bodyPr rtlCol="0" anchor="ctr"/>
-                <a:p>
-                  <a:pPr algn="ctr"/>
-                  <a:endParaRPr lang="en-US"/>
-                </a:p>
-              </p:txBody>
-            </p:sp>
-            <p:sp>
-              <p:nvSpPr>
-                <p:cNvPr id="55" name="Text Box 54"/>
-                <p:cNvSpPr txBox="1"/>
-                <p:nvPr/>
-              </p:nvSpPr>
-              <p:spPr>
-                <a:xfrm>
-                  <a:off x="13649" y="6465"/>
-                  <a:ext cx="1421" cy="213"/>
-                </a:xfrm>
-                <a:prstGeom prst="rect">
-                  <a:avLst/>
-                </a:prstGeom>
-                <a:noFill/>
-              </p:spPr>
-              <p:txBody>
-                <a:bodyPr wrap="square" rtlCol="0">
-                  <a:spAutoFit/>
-                </a:bodyPr>
-                <a:p>
-                  <a:r>
-                    <a:rPr lang="de-DE" altLang="en-US" sz="1200" b="1">
-                      <a:latin typeface="Calibri" charset="0"/>
-                    </a:rPr>
-                    <a:t>Harddisk</a:t>
-                  </a:r>
-                  <a:endParaRPr lang="de-DE" altLang="en-US" sz="1200" b="1">
-                    <a:latin typeface="Calibri" charset="0"/>
-                  </a:endParaRPr>
-                </a:p>
-              </p:txBody>
-            </p:sp>
-          </p:grpSp>
           <p:sp>
             <p:nvSpPr>
-              <p:cNvPr id="58" name="Text Box 57"/>
+              <p:cNvPr id="17" name="Flowchart: Magnetic Disk 16"/>
+              <p:cNvSpPr/>
+              <p:nvPr/>
+            </p:nvSpPr>
+            <p:spPr>
+              <a:xfrm>
+                <a:off x="13379" y="6302"/>
+                <a:ext cx="1691" cy="1684"/>
+              </a:xfrm>
+              <a:prstGeom prst="flowChartMagneticDisk">
+                <a:avLst/>
+              </a:prstGeom>
+              <a:solidFill>
+                <a:schemeClr val="accent5">
+                  <a:lumMod val="20000"/>
+                  <a:lumOff val="80000"/>
+                </a:schemeClr>
+              </a:solidFill>
+            </p:spPr>
+            <p:style>
+              <a:lnRef idx="2">
+                <a:schemeClr val="accent1">
+                  <a:shade val="50000"/>
+                </a:schemeClr>
+              </a:lnRef>
+              <a:fillRef idx="1">
+                <a:schemeClr val="accent1"/>
+              </a:fillRef>
+              <a:effectRef idx="0">
+                <a:schemeClr val="accent1"/>
+              </a:effectRef>
+              <a:fontRef idx="minor">
+                <a:schemeClr val="lt1"/>
+              </a:fontRef>
+            </p:style>
+            <p:txBody>
+              <a:bodyPr rtlCol="0" anchor="ctr"/>
+              <a:p>
+                <a:pPr algn="ctr"/>
+                <a:endParaRPr lang="en-US"/>
+              </a:p>
+            </p:txBody>
+          </p:sp>
+          <p:sp>
+            <p:nvSpPr>
+              <p:cNvPr id="55" name="Text Box 54"/>
               <p:cNvSpPr txBox="1"/>
               <p:nvPr/>
             </p:nvSpPr>
             <p:spPr>
               <a:xfrm>
-                <a:off x="2421" y="6112"/>
-                <a:ext cx="735" cy="2872"/>
+                <a:off x="13640" y="6455"/>
+                <a:ext cx="1421" cy="213"/>
               </a:xfrm>
               <a:prstGeom prst="rect">
                 <a:avLst/>
@@ -21285,171 +21140,12 @@
               </a:bodyPr>
               <a:p>
                 <a:r>
-                  <a:rPr lang="de-DE" altLang="en-US" sz="1200">
+                  <a:rPr lang="de-DE" altLang="en-US" sz="1200" b="1">
                     <a:latin typeface="Calibri" charset="0"/>
                   </a:rPr>
-                  <a:t>D</a:t>
+                  <a:t>Harddisk</a:t>
                 </a:r>
-                <a:r>
-                  <a:rPr lang="de-DE" altLang="en-US" sz="1200" baseline="-25000">
-                    <a:latin typeface="Calibri" charset="0"/>
-                  </a:rPr>
-                  <a:t>1</a:t>
-                </a:r>
-                <a:endParaRPr lang="de-DE" altLang="en-US" sz="1200">
-                  <a:latin typeface="Calibri" charset="0"/>
-                </a:endParaRPr>
-              </a:p>
-              <a:p>
-                <a:r>
-                  <a:rPr lang="de-DE" altLang="en-US" sz="1200">
-                    <a:latin typeface="Unifont" panose="02000604000000000000" charset="-122"/>
-                    <a:ea typeface="Unifont" panose="02000604000000000000" charset="-122"/>
-                  </a:rPr>
-                  <a:t>∶</a:t>
-                </a:r>
-                <a:endParaRPr lang="de-DE" altLang="en-US" sz="1200">
-                  <a:latin typeface="Calibri" charset="0"/>
-                </a:endParaRPr>
-              </a:p>
-              <a:p>
-                <a:r>
-                  <a:rPr lang="de-DE" altLang="en-US" sz="1200">
-                    <a:latin typeface="Calibri" charset="0"/>
-                  </a:rPr>
-                  <a:t>D</a:t>
-                </a:r>
-                <a:r>
-                  <a:rPr lang="de-DE" altLang="en-US" sz="1200" baseline="-25000">
-                    <a:latin typeface="Calibri" charset="0"/>
-                  </a:rPr>
-                  <a:t>500</a:t>
-                </a:r>
-                <a:endParaRPr lang="de-DE" altLang="en-US" sz="1200" baseline="-25000">
-                  <a:latin typeface="Calibri" charset="0"/>
-                </a:endParaRPr>
-              </a:p>
-              <a:p>
-                <a:r>
-                  <a:rPr lang="de-DE" altLang="en-US" sz="1200">
-                    <a:latin typeface="Unifont" panose="02000604000000000000" charset="-122"/>
-                    <a:ea typeface="Unifont" panose="02000604000000000000" charset="-122"/>
-                    <a:sym typeface="+mn-ea"/>
-                  </a:rPr>
-                  <a:t>∶</a:t>
-                </a:r>
-                <a:endParaRPr lang="de-DE" altLang="en-US" sz="1200">
-                  <a:latin typeface="Calibri" charset="0"/>
-                </a:endParaRPr>
-              </a:p>
-              <a:p>
-                <a:r>
-                  <a:rPr lang="de-DE" altLang="en-US" sz="1200">
-                    <a:latin typeface="Calibri" charset="0"/>
-                    <a:sym typeface="+mn-ea"/>
-                  </a:rPr>
-                  <a:t>D</a:t>
-                </a:r>
-                <a:r>
-                  <a:rPr lang="de-DE" altLang="en-US" sz="1200" baseline="-25000">
-                    <a:latin typeface="Calibri" charset="0"/>
-                    <a:sym typeface="+mn-ea"/>
-                  </a:rPr>
-                  <a:t>724</a:t>
-                </a:r>
-                <a:endParaRPr lang="de-DE" altLang="en-US" sz="1200" baseline="-25000">
-                  <a:latin typeface="Calibri" charset="0"/>
-                </a:endParaRPr>
-              </a:p>
-              <a:p>
-                <a:endParaRPr lang="de-DE" altLang="en-US" sz="1200" baseline="-25000">
-                  <a:latin typeface="Calibri" charset="0"/>
-                </a:endParaRPr>
-              </a:p>
-            </p:txBody>
-          </p:sp>
-          <p:sp>
-            <p:nvSpPr>
-              <p:cNvPr id="59" name="Text Box 58"/>
-              <p:cNvSpPr txBox="1"/>
-              <p:nvPr/>
-            </p:nvSpPr>
-            <p:spPr>
-              <a:xfrm>
-                <a:off x="3159" y="6084"/>
-                <a:ext cx="971" cy="698"/>
-              </a:xfrm>
-              <a:prstGeom prst="rect">
-                <a:avLst/>
-              </a:prstGeom>
-              <a:noFill/>
-            </p:spPr>
-            <p:txBody>
-              <a:bodyPr wrap="square" rtlCol="0">
-                <a:spAutoFit/>
-              </a:bodyPr>
-              <a:p>
-                <a:r>
-                  <a:rPr lang="de-DE" altLang="en-US" sz="1200">
-                    <a:latin typeface="Calibri" charset="0"/>
-                  </a:rPr>
-                  <a:t>Log</a:t>
-                </a:r>
-                <a:r>
-                  <a:rPr lang="de-DE" altLang="en-US" sz="1200" baseline="-25000">
-                    <a:latin typeface="Calibri" charset="0"/>
-                  </a:rPr>
-                  <a:t>init</a:t>
-                </a:r>
-                <a:endParaRPr lang="de-DE" altLang="en-US" sz="1200" baseline="-25000">
-                  <a:latin typeface="Calibri" charset="0"/>
-                </a:endParaRPr>
-              </a:p>
-            </p:txBody>
-          </p:sp>
-          <p:sp>
-            <p:nvSpPr>
-              <p:cNvPr id="74" name="Text Box 73"/>
-              <p:cNvSpPr txBox="1"/>
-              <p:nvPr/>
-            </p:nvSpPr>
-            <p:spPr>
-              <a:xfrm>
-                <a:off x="3159" y="6610"/>
-                <a:ext cx="971" cy="698"/>
-              </a:xfrm>
-              <a:prstGeom prst="rect">
-                <a:avLst/>
-              </a:prstGeom>
-              <a:noFill/>
-            </p:spPr>
-            <p:txBody>
-              <a:bodyPr wrap="square" rtlCol="0">
-                <a:spAutoFit/>
-              </a:bodyPr>
-              <a:p>
-                <a:r>
-                  <a:rPr lang="de-DE" altLang="en-US" sz="1200">
-                    <a:solidFill>
-                      <a:schemeClr val="tx1"/>
-                    </a:solidFill>
-                    <a:latin typeface="Calibri" charset="0"/>
-                  </a:rPr>
-                  <a:t>Log</a:t>
-                </a:r>
-                <a:r>
-                  <a:rPr lang="de-DE" altLang="en-US" sz="1200" baseline="-25000">
-                    <a:solidFill>
-                      <a:schemeClr val="tx1"/>
-                    </a:solidFill>
-                    <a:latin typeface="Calibri" charset="0"/>
-                  </a:rPr>
-                  <a:t>1</a:t>
-                </a:r>
-                <a:endParaRPr lang="de-DE" altLang="en-US" sz="1200" baseline="-25000">
-                  <a:solidFill>
-                    <a:schemeClr val="tx1"/>
-                  </a:solidFill>
+                <a:endParaRPr lang="de-DE" altLang="en-US" sz="1200" b="1">
                   <a:latin typeface="Calibri" charset="0"/>
                 </a:endParaRPr>
               </a:p>
@@ -21458,14 +21154,14 @@
         </p:grpSp>
         <p:sp>
           <p:nvSpPr>
-            <p:cNvPr id="8" name="Text Box 7"/>
+            <p:cNvPr id="58" name="Text Box 57"/>
             <p:cNvSpPr txBox="1"/>
             <p:nvPr/>
           </p:nvSpPr>
           <p:spPr>
             <a:xfrm>
-              <a:off x="3050" y="7841"/>
-              <a:ext cx="1040" cy="419"/>
+              <a:off x="2421" y="5857"/>
+              <a:ext cx="735" cy="2872"/>
             </a:xfrm>
             <a:prstGeom prst="rect">
               <a:avLst/>
@@ -21479,6 +21175,145 @@
             <a:p>
               <a:r>
                 <a:rPr lang="de-DE" altLang="en-US" sz="1200">
+                  <a:latin typeface="Calibri" charset="0"/>
+                </a:rPr>
+                <a:t>D</a:t>
+              </a:r>
+              <a:r>
+                <a:rPr lang="de-DE" altLang="en-US" sz="1200" baseline="-25000">
+                  <a:latin typeface="Calibri" charset="0"/>
+                </a:rPr>
+                <a:t>1</a:t>
+              </a:r>
+              <a:endParaRPr lang="de-DE" altLang="en-US" sz="1200">
+                <a:latin typeface="Calibri" charset="0"/>
+              </a:endParaRPr>
+            </a:p>
+            <a:p>
+              <a:r>
+                <a:rPr lang="de-DE" altLang="en-US" sz="1200">
+                  <a:latin typeface="Unifont" panose="02000604000000000000" charset="-122"/>
+                  <a:ea typeface="Unifont" panose="02000604000000000000" charset="-122"/>
+                </a:rPr>
+                <a:t>∶</a:t>
+              </a:r>
+              <a:endParaRPr lang="de-DE" altLang="en-US" sz="1200">
+                <a:latin typeface="Calibri" charset="0"/>
+              </a:endParaRPr>
+            </a:p>
+            <a:p>
+              <a:r>
+                <a:rPr lang="de-DE" altLang="en-US" sz="1200">
+                  <a:latin typeface="Calibri" charset="0"/>
+                </a:rPr>
+                <a:t>D</a:t>
+              </a:r>
+              <a:r>
+                <a:rPr lang="de-DE" altLang="en-US" sz="1200" baseline="-25000">
+                  <a:latin typeface="Calibri" charset="0"/>
+                </a:rPr>
+                <a:t>500</a:t>
+              </a:r>
+              <a:endParaRPr lang="de-DE" altLang="en-US" sz="1200" baseline="-25000">
+                <a:latin typeface="Calibri" charset="0"/>
+              </a:endParaRPr>
+            </a:p>
+            <a:p>
+              <a:r>
+                <a:rPr lang="de-DE" altLang="en-US" sz="1200">
+                  <a:latin typeface="Unifont" panose="02000604000000000000" charset="-122"/>
+                  <a:ea typeface="Unifont" panose="02000604000000000000" charset="-122"/>
+                  <a:sym typeface="+mn-ea"/>
+                </a:rPr>
+                <a:t>∶</a:t>
+              </a:r>
+              <a:endParaRPr lang="de-DE" altLang="en-US" sz="1200">
+                <a:latin typeface="Calibri" charset="0"/>
+              </a:endParaRPr>
+            </a:p>
+            <a:p>
+              <a:r>
+                <a:rPr lang="de-DE" altLang="en-US" sz="1200">
+                  <a:latin typeface="Calibri" charset="0"/>
+                  <a:sym typeface="+mn-ea"/>
+                </a:rPr>
+                <a:t>D</a:t>
+              </a:r>
+              <a:r>
+                <a:rPr lang="de-DE" altLang="en-US" sz="1200" baseline="-25000">
+                  <a:latin typeface="Calibri" charset="0"/>
+                  <a:sym typeface="+mn-ea"/>
+                </a:rPr>
+                <a:t>724</a:t>
+              </a:r>
+              <a:endParaRPr lang="de-DE" altLang="en-US" sz="1200" baseline="-25000">
+                <a:latin typeface="Calibri" charset="0"/>
+              </a:endParaRPr>
+            </a:p>
+            <a:p>
+              <a:endParaRPr lang="de-DE" altLang="en-US" sz="1200" baseline="-25000">
+                <a:latin typeface="Calibri" charset="0"/>
+              </a:endParaRPr>
+            </a:p>
+          </p:txBody>
+        </p:sp>
+        <p:sp>
+          <p:nvSpPr>
+            <p:cNvPr id="59" name="Text Box 58"/>
+            <p:cNvSpPr txBox="1"/>
+            <p:nvPr/>
+          </p:nvSpPr>
+          <p:spPr>
+            <a:xfrm>
+              <a:off x="3056" y="5856"/>
+              <a:ext cx="971" cy="1944"/>
+            </a:xfrm>
+            <a:prstGeom prst="rect">
+              <a:avLst/>
+            </a:prstGeom>
+            <a:noFill/>
+          </p:spPr>
+          <p:txBody>
+            <a:bodyPr wrap="square" rtlCol="0">
+              <a:spAutoFit/>
+            </a:bodyPr>
+            <a:p>
+              <a:r>
+                <a:rPr lang="de-DE" altLang="en-US" sz="1200">
+                  <a:latin typeface="Calibri" charset="0"/>
+                </a:rPr>
+                <a:t>Log</a:t>
+              </a:r>
+              <a:r>
+                <a:rPr lang="de-DE" altLang="en-US" sz="1200" baseline="-25000">
+                  <a:latin typeface="Calibri" charset="0"/>
+                </a:rPr>
+                <a:t>init</a:t>
+              </a:r>
+              <a:endParaRPr lang="de-DE" altLang="en-US" sz="1200" baseline="-25000">
+                <a:latin typeface="Calibri" charset="0"/>
+              </a:endParaRPr>
+            </a:p>
+            <a:p>
+              <a:r>
+                <a:rPr lang="de-DE" altLang="en-US" sz="1200">
+                  <a:latin typeface="Calibri" charset="0"/>
+                </a:rPr>
+                <a:t>Log</a:t>
+              </a:r>
+              <a:r>
+                <a:rPr lang="de-DE" altLang="en-US" sz="1200" baseline="-25000">
+                  <a:latin typeface="Calibri" charset="0"/>
+                </a:rPr>
+                <a:t>1</a:t>
+              </a:r>
+              <a:endParaRPr lang="de-DE" altLang="en-US" sz="1200">
+                <a:latin typeface="Calibri" charset="0"/>
+              </a:endParaRPr>
+            </a:p>
+            <a:p>
+              <a:r>
+                <a:rPr lang="de-DE" altLang="en-US" sz="1200">
                   <a:solidFill>
                     <a:srgbClr val="FF0000"/>
                   </a:solidFill>
@@ -21507,75 +21342,13 @@
       </p:grpSp>
       <p:sp>
         <p:nvSpPr>
-          <p:cNvPr id="88" name="TextBox 79"/>
-          <p:cNvSpPr txBox="1"/>
-          <p:nvPr/>
-        </p:nvSpPr>
-        <p:spPr>
-          <a:xfrm>
-            <a:off x="8166735" y="4235450"/>
-            <a:ext cx="2425065" cy="507365"/>
-          </a:xfrm>
-          <a:prstGeom prst="rect">
-            <a:avLst/>
-          </a:prstGeom>
-          <a:noFill/>
-        </p:spPr>
-        <p:txBody>
-          <a:bodyPr wrap="square" lIns="0" tIns="0" rIns="0" bIns="0" rtlCol="0">
-            <a:spAutoFit/>
-          </a:bodyPr>
-          <a:p>
-            <a:pPr algn="l"/>
-            <a:r>
-              <a:rPr lang="de-DE" altLang="en-GB" sz="1100" dirty="0">
-                <a:latin typeface="Calibri" charset="0"/>
-              </a:rPr>
-              <a:t>load* means unseal + checks:</a:t>
-            </a:r>
-            <a:endParaRPr lang="de-DE" altLang="en-GB" sz="1100" dirty="0">
-              <a:latin typeface="Calibri" charset="0"/>
-            </a:endParaRPr>
-          </a:p>
-          <a:p>
-            <a:pPr marL="171450" indent="-171450" algn="l">
-              <a:buFont typeface="Arial" panose="020B0604020202020204" pitchFamily="34" charset="0"/>
-              <a:buChar char="•"/>
-            </a:pPr>
-            <a:r>
-              <a:rPr lang="de-DE" altLang="en-GB" sz="1100" dirty="0">
-                <a:latin typeface="Calibri" charset="0"/>
-              </a:rPr>
-              <a:t>if something is not found, or seed(s) are not matching </a:t>
-            </a:r>
-            <a:r>
-              <a:rPr lang="de-DE" altLang="en-GB" sz="1100" dirty="0">
-                <a:latin typeface="AR PL UKai CN" panose="02000503000000000000" charset="-122"/>
-                <a:ea typeface="AR PL UKai CN" panose="02000503000000000000" charset="-122"/>
-              </a:rPr>
-              <a:t>→</a:t>
-            </a:r>
-            <a:r>
-              <a:rPr lang="de-DE" altLang="en-GB" sz="1100" dirty="0">
-                <a:latin typeface="Calibri" charset="0"/>
-              </a:rPr>
-              <a:t> abort.</a:t>
-            </a:r>
-            <a:endParaRPr lang="de-DE" altLang="en-GB" sz="1100" dirty="0">
-              <a:latin typeface="Calibri" charset="0"/>
-            </a:endParaRPr>
-          </a:p>
-        </p:txBody>
-      </p:sp>
-      <p:sp>
-        <p:nvSpPr>
           <p:cNvPr id="41" name="TextBox 79"/>
           <p:cNvSpPr txBox="1"/>
           <p:nvPr/>
         </p:nvSpPr>
         <p:spPr>
           <a:xfrm>
-            <a:off x="4550410" y="3766185"/>
+            <a:off x="4550410" y="3223260"/>
             <a:ext cx="2642235" cy="215265"/>
           </a:xfrm>
           <a:prstGeom prst="rect">
@@ -21653,8 +21426,8 @@
         </p:nvGrpSpPr>
         <p:grpSpPr>
           <a:xfrm>
-            <a:off x="6499225" y="2175510"/>
-            <a:ext cx="2355215" cy="248285"/>
+            <a:off x="6350635" y="2135505"/>
+            <a:ext cx="2194560" cy="248285"/>
             <a:chOff x="8719" y="2891"/>
             <a:chExt cx="3709" cy="391"/>
           </a:xfrm>
@@ -21772,6 +21545,219 @@
           </p:txBody>
         </p:sp>
       </p:grpSp>
+      <p:grpSp>
+        <p:nvGrpSpPr>
+          <p:cNvPr id="13" name="Group 12"/>
+          <p:cNvGrpSpPr/>
+          <p:nvPr/>
+        </p:nvGrpSpPr>
+        <p:grpSpPr>
+          <a:xfrm>
+            <a:off x="7335520" y="2486025"/>
+            <a:ext cx="1446530" cy="222250"/>
+            <a:chOff x="10953" y="2896"/>
+            <a:chExt cx="2278" cy="350"/>
+          </a:xfrm>
+        </p:grpSpPr>
+        <p:cxnSp>
+          <p:nvCxnSpPr>
+            <p:cNvPr id="14" name="Straight Arrow Connector 13"/>
+            <p:cNvCxnSpPr/>
+            <p:nvPr/>
+          </p:nvCxnSpPr>
+          <p:spPr>
+            <a:xfrm flipV="1">
+              <a:off x="11299" y="3246"/>
+              <a:ext cx="1549" cy="0"/>
+            </a:xfrm>
+            <a:prstGeom prst="straightConnector1">
+              <a:avLst/>
+            </a:prstGeom>
+            <a:ln w="19050" cmpd="sng">
+              <a:solidFill>
+                <a:schemeClr val="tx1"/>
+              </a:solidFill>
+              <a:prstDash val="sysDot"/>
+              <a:headEnd type="none" w="med" len="med"/>
+              <a:tailEnd type="arrow" w="med" len="med"/>
+            </a:ln>
+          </p:spPr>
+          <p:style>
+            <a:lnRef idx="3">
+              <a:schemeClr val="dk1"/>
+            </a:lnRef>
+            <a:fillRef idx="0">
+              <a:schemeClr val="dk1"/>
+            </a:fillRef>
+            <a:effectRef idx="2">
+              <a:schemeClr val="dk1"/>
+            </a:effectRef>
+            <a:fontRef idx="minor">
+              <a:schemeClr val="tx1"/>
+            </a:fontRef>
+          </p:style>
+        </p:cxnSp>
+        <p:sp>
+          <p:nvSpPr>
+            <p:cNvPr id="21" name="TextBox 79"/>
+            <p:cNvSpPr txBox="1"/>
+            <p:nvPr/>
+          </p:nvSpPr>
+          <p:spPr>
+            <a:xfrm>
+              <a:off x="10953" y="2896"/>
+              <a:ext cx="2278" cy="339"/>
+            </a:xfrm>
+            <a:prstGeom prst="rect">
+              <a:avLst/>
+            </a:prstGeom>
+            <a:noFill/>
+          </p:spPr>
+          <p:txBody>
+            <a:bodyPr wrap="square" lIns="0" tIns="0" rIns="0" bIns="0" rtlCol="0">
+              <a:spAutoFit/>
+            </a:bodyPr>
+            <a:p>
+              <a:pPr algn="ctr"/>
+              <a:r>
+                <a:rPr lang="de-DE" altLang="en-GB" sz="1400" b="1" dirty="0">
+                  <a:latin typeface="Calibri" charset="0"/>
+                </a:rPr>
+                <a:t>5a.</a:t>
+              </a:r>
+              <a:r>
+                <a:rPr lang="de-DE" altLang="en-GB" sz="1400" dirty="0">
+                  <a:latin typeface="Calibri" charset="0"/>
+                </a:rPr>
+                <a:t>  Inc()</a:t>
+              </a:r>
+              <a:endParaRPr lang="de-DE" altLang="en-GB" sz="1400" dirty="0">
+                <a:latin typeface="Calibri" charset="0"/>
+              </a:endParaRPr>
+            </a:p>
+          </p:txBody>
+        </p:sp>
+      </p:grpSp>
+      <p:grpSp>
+        <p:nvGrpSpPr>
+          <p:cNvPr id="27" name="Group 26"/>
+          <p:cNvGrpSpPr/>
+          <p:nvPr/>
+        </p:nvGrpSpPr>
+        <p:grpSpPr>
+          <a:xfrm>
+            <a:off x="6351905" y="2805430"/>
+            <a:ext cx="2194560" cy="248285"/>
+            <a:chOff x="8719" y="2891"/>
+            <a:chExt cx="3709" cy="391"/>
+          </a:xfrm>
+        </p:grpSpPr>
+        <p:cxnSp>
+          <p:nvCxnSpPr>
+            <p:cNvPr id="28" name="Straight Arrow Connector 27"/>
+            <p:cNvCxnSpPr/>
+            <p:nvPr/>
+          </p:nvCxnSpPr>
+          <p:spPr>
+            <a:xfrm>
+              <a:off x="8719" y="3280"/>
+              <a:ext cx="3709" cy="2"/>
+            </a:xfrm>
+            <a:prstGeom prst="straightConnector1">
+              <a:avLst/>
+            </a:prstGeom>
+            <a:ln>
+              <a:headEnd type="none" w="med" len="med"/>
+              <a:tailEnd type="arrow" w="med" len="med"/>
+            </a:ln>
+          </p:spPr>
+          <p:style>
+            <a:lnRef idx="3">
+              <a:schemeClr val="dk1"/>
+            </a:lnRef>
+            <a:fillRef idx="0">
+              <a:schemeClr val="dk1"/>
+            </a:fillRef>
+            <a:effectRef idx="2">
+              <a:schemeClr val="dk1"/>
+            </a:effectRef>
+            <a:fontRef idx="minor">
+              <a:schemeClr val="tx1"/>
+            </a:fontRef>
+          </p:style>
+        </p:cxnSp>
+        <p:sp>
+          <p:nvSpPr>
+            <p:cNvPr id="29" name="TextBox 79"/>
+            <p:cNvSpPr txBox="1"/>
+            <p:nvPr/>
+          </p:nvSpPr>
+          <p:spPr>
+            <a:xfrm>
+              <a:off x="9346" y="2891"/>
+              <a:ext cx="3008" cy="339"/>
+            </a:xfrm>
+            <a:prstGeom prst="rect">
+              <a:avLst/>
+            </a:prstGeom>
+            <a:noFill/>
+          </p:spPr>
+          <p:txBody>
+            <a:bodyPr wrap="square" lIns="0" tIns="0" rIns="0" bIns="0" rtlCol="0">
+              <a:spAutoFit/>
+            </a:bodyPr>
+            <a:p>
+              <a:pPr algn="l"/>
+              <a:r>
+                <a:rPr lang="de-DE" altLang="en-GB" sz="1400" b="1" dirty="0">
+                  <a:latin typeface="Calibri" charset="0"/>
+                  <a:sym typeface="+mn-ea"/>
+                </a:rPr>
+                <a:t>5b.</a:t>
+              </a:r>
+              <a:r>
+                <a:rPr lang="de-DE" altLang="en-GB" sz="1400" dirty="0">
+                  <a:latin typeface="Calibri" charset="0"/>
+                  <a:sym typeface="+mn-ea"/>
+                </a:rPr>
+                <a:t>  c</a:t>
+              </a:r>
+              <a:r>
+                <a:rPr lang="de-DE" altLang="en-GB" sz="1400" baseline="-25000" dirty="0">
+                  <a:latin typeface="Calibri" charset="0"/>
+                  <a:sym typeface="+mn-ea"/>
+                </a:rPr>
+                <a:t>log</a:t>
+              </a:r>
+              <a:r>
+                <a:rPr lang="de-DE" altLang="en-GB" sz="1400" dirty="0">
+                  <a:latin typeface="Calibri" charset="0"/>
+                  <a:sym typeface="+mn-ea"/>
+                </a:rPr>
+                <a:t> </a:t>
+              </a:r>
+              <a:r>
+                <a:rPr lang="en-US" sz="1400">
+                  <a:latin typeface="Unifont" panose="02000604000000000000" charset="-122"/>
+                  <a:ea typeface="Unifont" panose="02000604000000000000" charset="-122"/>
+                  <a:sym typeface="+mn-ea"/>
+                </a:rPr>
+                <a:t>≔</a:t>
+              </a:r>
+              <a:r>
+                <a:rPr lang="de-DE" altLang="en-GB" sz="1400" dirty="0">
+                  <a:latin typeface="Calibri" charset="0"/>
+                  <a:sym typeface="+mn-ea"/>
+                </a:rPr>
+                <a:t> Read() = 3</a:t>
+              </a:r>
+              <a:endParaRPr lang="de-DE" altLang="en-GB" sz="1400" dirty="0">
+                <a:latin typeface="Calibri" charset="0"/>
+              </a:endParaRPr>
+            </a:p>
+          </p:txBody>
+        </p:sp>
+      </p:grpSp>
     </p:spTree>
   </p:cSld>
   <p:clrMapOvr>
@@ -21787,24 +21773,6 @@
 </p:sld>
 </file>
 
-<file path=ppt/slides/slide6.xml><?xml version="1.0" encoding="utf-8"?>
-<p:sld xmlns:a="http://schemas.openxmlformats.org/drawingml/2006/main" xmlns:r="http://schemas.openxmlformats.org/officeDocument/2006/relationships" xmlns:p="http://schemas.openxmlformats.org/presentationml/2006/main">
-  <p:cSld>
-    <p:spTree>
-      <p:nvGrpSpPr>
-        <p:cNvPr id="1" name=""/>
-        <p:cNvGrpSpPr/>
-        <p:nvPr/>
-      </p:nvGrpSpPr>
-      <p:grpSpPr/>
-    </p:spTree>
-  </p:cSld>
-  <p:clrMapOvr>
-    <a:masterClrMapping/>
-  </p:clrMapOvr>
-</p:sld>
-</file>
-
 <file path=ppt/slides/slide7.xml><?xml version="1.0" encoding="utf-8"?>
 <p:sld xmlns:a="http://schemas.openxmlformats.org/drawingml/2006/main" xmlns:r="http://schemas.openxmlformats.org/officeDocument/2006/relationships" xmlns:p="http://schemas.openxmlformats.org/presentationml/2006/main">
   <p:cSld>
@@ -21817,14 +21785,896 @@
       <p:grpSpPr/>
       <p:sp>
         <p:nvSpPr>
-          <p:cNvPr id="2" name="Text Box 1"/>
+          <p:cNvPr id="119" name="Rectangles 118"/>
+          <p:cNvSpPr/>
+          <p:nvPr/>
+        </p:nvSpPr>
+        <p:spPr>
+          <a:xfrm>
+            <a:off x="577215" y="2013585"/>
+            <a:ext cx="5044440" cy="2083435"/>
+          </a:xfrm>
+          <a:prstGeom prst="rect">
+            <a:avLst/>
+          </a:prstGeom>
+          <a:noFill/>
+          <a:ln w="28575" cmpd="dbl">
+            <a:solidFill>
+              <a:schemeClr val="accent1">
+                <a:shade val="50000"/>
+              </a:schemeClr>
+            </a:solidFill>
+            <a:prstDash val="sysDash"/>
+          </a:ln>
+        </p:spPr>
+        <p:style>
+          <a:lnRef idx="2">
+            <a:schemeClr val="accent1">
+              <a:shade val="50000"/>
+            </a:schemeClr>
+          </a:lnRef>
+          <a:fillRef idx="1">
+            <a:schemeClr val="accent1"/>
+          </a:fillRef>
+          <a:effectRef idx="0">
+            <a:schemeClr val="accent1"/>
+          </a:effectRef>
+          <a:fontRef idx="minor">
+            <a:schemeClr val="lt1"/>
+          </a:fontRef>
+        </p:style>
+        <p:txBody>
+          <a:bodyPr rtlCol="0" anchor="ctr"/>
+          <a:p>
+            <a:pPr algn="ctr"/>
+            <a:endParaRPr lang="en-US"/>
+          </a:p>
+        </p:txBody>
+      </p:sp>
+      <p:grpSp>
+        <p:nvGrpSpPr>
+          <p:cNvPr id="134" name="Group 133"/>
+          <p:cNvGrpSpPr/>
+          <p:nvPr/>
+        </p:nvGrpSpPr>
+        <p:grpSpPr>
+          <a:xfrm>
+            <a:off x="4271010" y="2146935"/>
+            <a:ext cx="1176020" cy="1794510"/>
+            <a:chOff x="7656" y="3891"/>
+            <a:chExt cx="1852" cy="2826"/>
+          </a:xfrm>
+        </p:grpSpPr>
+        <p:grpSp>
+          <p:nvGrpSpPr>
+            <p:cNvPr id="122" name="Group 121"/>
+            <p:cNvGrpSpPr/>
+            <p:nvPr/>
+          </p:nvGrpSpPr>
+          <p:grpSpPr>
+            <a:xfrm rot="0">
+              <a:off x="7656" y="5831"/>
+              <a:ext cx="1843" cy="887"/>
+              <a:chOff x="6068" y="2527"/>
+              <a:chExt cx="8010" cy="5735"/>
+            </a:xfrm>
+          </p:grpSpPr>
+          <p:sp>
+            <p:nvSpPr>
+              <p:cNvPr id="123" name="Rounded Rectangle 122"/>
+              <p:cNvSpPr/>
+              <p:nvPr/>
+            </p:nvSpPr>
+            <p:spPr>
+              <a:xfrm>
+                <a:off x="6068" y="2572"/>
+                <a:ext cx="8010" cy="5690"/>
+              </a:xfrm>
+              <a:prstGeom prst="roundRect">
+                <a:avLst/>
+              </a:prstGeom>
+              <a:solidFill>
+                <a:schemeClr val="accent6">
+                  <a:lumMod val="20000"/>
+                  <a:lumOff val="80000"/>
+                </a:schemeClr>
+              </a:solidFill>
+              <a:ln w="9525"/>
+            </p:spPr>
+            <p:style>
+              <a:lnRef idx="1">
+                <a:schemeClr val="accent6"/>
+              </a:lnRef>
+              <a:fillRef idx="2">
+                <a:schemeClr val="accent6"/>
+              </a:fillRef>
+              <a:effectRef idx="1">
+                <a:schemeClr val="accent6"/>
+              </a:effectRef>
+              <a:fontRef idx="minor">
+                <a:schemeClr val="dk1"/>
+              </a:fontRef>
+            </p:style>
+            <p:txBody>
+              <a:bodyPr rtlCol="0" anchor="ctr"/>
+              <a:p>
+                <a:pPr algn="ctr"/>
+                <a:endParaRPr lang="en-US"/>
+              </a:p>
+            </p:txBody>
+          </p:sp>
+          <p:sp>
+            <p:nvSpPr>
+              <p:cNvPr id="124" name="Text Box 123"/>
+              <p:cNvSpPr txBox="1"/>
+              <p:nvPr/>
+            </p:nvSpPr>
+            <p:spPr>
+              <a:xfrm>
+                <a:off x="6403" y="2527"/>
+                <a:ext cx="7171" cy="5315"/>
+              </a:xfrm>
+              <a:prstGeom prst="rect">
+                <a:avLst/>
+              </a:prstGeom>
+              <a:noFill/>
+            </p:spPr>
+            <p:txBody>
+              <a:bodyPr wrap="square" rtlCol="0">
+                <a:spAutoFit/>
+              </a:bodyPr>
+              <a:p>
+                <a:pPr algn="ctr"/>
+                <a:r>
+                  <a:rPr lang="de-DE" altLang="en-US" sz="1400" b="1">
+                    <a:latin typeface="Calibri" charset="0"/>
+                  </a:rPr>
+                  <a:t>DP-GBDT Enclave E</a:t>
+                </a:r>
+                <a:r>
+                  <a:rPr lang="de-DE" altLang="en-US" sz="1400" b="1" baseline="-25000">
+                    <a:latin typeface="Calibri" charset="0"/>
+                  </a:rPr>
+                  <a:t>3</a:t>
+                </a:r>
+                <a:endParaRPr lang="de-DE" altLang="en-US" sz="1400" b="1" baseline="-25000">
+                  <a:latin typeface="Calibri" charset="0"/>
+                </a:endParaRPr>
+              </a:p>
+            </p:txBody>
+          </p:sp>
+        </p:grpSp>
+        <p:grpSp>
+          <p:nvGrpSpPr>
+            <p:cNvPr id="128" name="Group 127"/>
+            <p:cNvGrpSpPr/>
+            <p:nvPr/>
+          </p:nvGrpSpPr>
+          <p:grpSpPr>
+            <a:xfrm rot="0">
+              <a:off x="7666" y="3891"/>
+              <a:ext cx="1843" cy="887"/>
+              <a:chOff x="6068" y="2527"/>
+              <a:chExt cx="8010" cy="5735"/>
+            </a:xfrm>
+          </p:grpSpPr>
+          <p:sp>
+            <p:nvSpPr>
+              <p:cNvPr id="129" name="Rounded Rectangle 128"/>
+              <p:cNvSpPr/>
+              <p:nvPr/>
+            </p:nvSpPr>
+            <p:spPr>
+              <a:xfrm>
+                <a:off x="6068" y="2572"/>
+                <a:ext cx="8010" cy="5690"/>
+              </a:xfrm>
+              <a:prstGeom prst="roundRect">
+                <a:avLst/>
+              </a:prstGeom>
+              <a:solidFill>
+                <a:schemeClr val="accent6">
+                  <a:lumMod val="20000"/>
+                  <a:lumOff val="80000"/>
+                </a:schemeClr>
+              </a:solidFill>
+              <a:ln w="9525"/>
+            </p:spPr>
+            <p:style>
+              <a:lnRef idx="1">
+                <a:schemeClr val="accent6"/>
+              </a:lnRef>
+              <a:fillRef idx="2">
+                <a:schemeClr val="accent6"/>
+              </a:fillRef>
+              <a:effectRef idx="1">
+                <a:schemeClr val="accent6"/>
+              </a:effectRef>
+              <a:fontRef idx="minor">
+                <a:schemeClr val="dk1"/>
+              </a:fontRef>
+            </p:style>
+            <p:txBody>
+              <a:bodyPr rtlCol="0" anchor="ctr"/>
+              <a:p>
+                <a:pPr algn="ctr"/>
+                <a:endParaRPr lang="en-US"/>
+              </a:p>
+            </p:txBody>
+          </p:sp>
+          <p:sp>
+            <p:nvSpPr>
+              <p:cNvPr id="130" name="Text Box 129"/>
+              <p:cNvSpPr txBox="1"/>
+              <p:nvPr/>
+            </p:nvSpPr>
+            <p:spPr>
+              <a:xfrm>
+                <a:off x="6403" y="2527"/>
+                <a:ext cx="7171" cy="5315"/>
+              </a:xfrm>
+              <a:prstGeom prst="rect">
+                <a:avLst/>
+              </a:prstGeom>
+              <a:noFill/>
+            </p:spPr>
+            <p:txBody>
+              <a:bodyPr wrap="square" rtlCol="0">
+                <a:spAutoFit/>
+              </a:bodyPr>
+              <a:p>
+                <a:pPr algn="ctr"/>
+                <a:r>
+                  <a:rPr lang="de-DE" altLang="en-US" sz="1400" b="1">
+                    <a:latin typeface="Calibri" charset="0"/>
+                  </a:rPr>
+                  <a:t>DP-GBDT Enclave E</a:t>
+                </a:r>
+                <a:r>
+                  <a:rPr lang="de-DE" altLang="en-US" sz="1400" b="1" baseline="-25000">
+                    <a:latin typeface="Calibri" charset="0"/>
+                  </a:rPr>
+                  <a:t>1</a:t>
+                </a:r>
+                <a:endParaRPr lang="de-DE" altLang="en-US" sz="1400" b="1" baseline="-25000">
+                  <a:latin typeface="Calibri" charset="0"/>
+                </a:endParaRPr>
+              </a:p>
+            </p:txBody>
+          </p:sp>
+        </p:grpSp>
+        <p:grpSp>
+          <p:nvGrpSpPr>
+            <p:cNvPr id="131" name="Group 130"/>
+            <p:cNvGrpSpPr/>
+            <p:nvPr/>
+          </p:nvGrpSpPr>
+          <p:grpSpPr>
+            <a:xfrm rot="0">
+              <a:off x="7666" y="4861"/>
+              <a:ext cx="1843" cy="887"/>
+              <a:chOff x="6068" y="2527"/>
+              <a:chExt cx="8010" cy="5735"/>
+            </a:xfrm>
+          </p:grpSpPr>
+          <p:sp>
+            <p:nvSpPr>
+              <p:cNvPr id="132" name="Rounded Rectangle 131"/>
+              <p:cNvSpPr/>
+              <p:nvPr/>
+            </p:nvSpPr>
+            <p:spPr>
+              <a:xfrm>
+                <a:off x="6068" y="2572"/>
+                <a:ext cx="8010" cy="5690"/>
+              </a:xfrm>
+              <a:prstGeom prst="roundRect">
+                <a:avLst/>
+              </a:prstGeom>
+              <a:solidFill>
+                <a:schemeClr val="accent6">
+                  <a:lumMod val="20000"/>
+                  <a:lumOff val="80000"/>
+                </a:schemeClr>
+              </a:solidFill>
+              <a:ln w="9525"/>
+            </p:spPr>
+            <p:style>
+              <a:lnRef idx="1">
+                <a:schemeClr val="accent6"/>
+              </a:lnRef>
+              <a:fillRef idx="2">
+                <a:schemeClr val="accent6"/>
+              </a:fillRef>
+              <a:effectRef idx="1">
+                <a:schemeClr val="accent6"/>
+              </a:effectRef>
+              <a:fontRef idx="minor">
+                <a:schemeClr val="dk1"/>
+              </a:fontRef>
+            </p:style>
+            <p:txBody>
+              <a:bodyPr rtlCol="0" anchor="ctr"/>
+              <a:p>
+                <a:pPr algn="ctr"/>
+                <a:endParaRPr lang="en-US"/>
+              </a:p>
+            </p:txBody>
+          </p:sp>
+          <p:sp>
+            <p:nvSpPr>
+              <p:cNvPr id="133" name="Text Box 132"/>
+              <p:cNvSpPr txBox="1"/>
+              <p:nvPr/>
+            </p:nvSpPr>
+            <p:spPr>
+              <a:xfrm>
+                <a:off x="6403" y="2527"/>
+                <a:ext cx="7171" cy="5315"/>
+              </a:xfrm>
+              <a:prstGeom prst="rect">
+                <a:avLst/>
+              </a:prstGeom>
+              <a:noFill/>
+            </p:spPr>
+            <p:txBody>
+              <a:bodyPr wrap="square" rtlCol="0">
+                <a:spAutoFit/>
+              </a:bodyPr>
+              <a:p>
+                <a:pPr algn="ctr"/>
+                <a:r>
+                  <a:rPr lang="de-DE" altLang="en-US" sz="1400" b="1">
+                    <a:latin typeface="Calibri" charset="0"/>
+                  </a:rPr>
+                  <a:t>DP-GBDT Enclave E</a:t>
+                </a:r>
+                <a:r>
+                  <a:rPr lang="de-DE" altLang="en-US" sz="1400" b="1" baseline="-25000">
+                    <a:latin typeface="Calibri" charset="0"/>
+                  </a:rPr>
+                  <a:t>2</a:t>
+                </a:r>
+                <a:endParaRPr lang="de-DE" altLang="en-US" sz="1400" b="1" baseline="-25000">
+                  <a:latin typeface="Calibri" charset="0"/>
+                </a:endParaRPr>
+              </a:p>
+            </p:txBody>
+          </p:sp>
+        </p:grpSp>
+      </p:grpSp>
+      <p:grpSp>
+        <p:nvGrpSpPr>
+          <p:cNvPr id="135" name="Group 134"/>
+          <p:cNvGrpSpPr/>
+          <p:nvPr/>
+        </p:nvGrpSpPr>
+        <p:grpSpPr>
+          <a:xfrm>
+            <a:off x="1098550" y="2336165"/>
+            <a:ext cx="1488440" cy="1421130"/>
+            <a:chOff x="15494" y="4074"/>
+            <a:chExt cx="2344" cy="2238"/>
+          </a:xfrm>
+        </p:grpSpPr>
+        <p:sp>
+          <p:nvSpPr>
+            <p:cNvPr id="136" name="Rounded Rectangle 135"/>
+            <p:cNvSpPr/>
+            <p:nvPr/>
+          </p:nvSpPr>
+          <p:spPr>
+            <a:xfrm>
+              <a:off x="15494" y="4074"/>
+              <a:ext cx="2342" cy="2238"/>
+            </a:xfrm>
+            <a:prstGeom prst="roundRect">
+              <a:avLst/>
+            </a:prstGeom>
+            <a:solidFill>
+              <a:schemeClr val="accent6">
+                <a:lumMod val="20000"/>
+                <a:lumOff val="80000"/>
+              </a:schemeClr>
+            </a:solidFill>
+            <a:ln w="9525"/>
+          </p:spPr>
+          <p:style>
+            <a:lnRef idx="1">
+              <a:schemeClr val="accent6"/>
+            </a:lnRef>
+            <a:fillRef idx="2">
+              <a:schemeClr val="accent6"/>
+            </a:fillRef>
+            <a:effectRef idx="1">
+              <a:schemeClr val="accent6"/>
+            </a:effectRef>
+            <a:fontRef idx="minor">
+              <a:schemeClr val="dk1"/>
+            </a:fontRef>
+          </p:style>
+          <p:txBody>
+            <a:bodyPr rtlCol="0" anchor="ctr"/>
+            <a:p>
+              <a:pPr algn="ctr"/>
+              <a:endParaRPr lang="en-US"/>
+            </a:p>
+          </p:txBody>
+        </p:sp>
+        <p:sp>
+          <p:nvSpPr>
+            <p:cNvPr id="137" name="Text Box 136"/>
+            <p:cNvSpPr txBox="1"/>
+            <p:nvPr/>
+          </p:nvSpPr>
+          <p:spPr>
+            <a:xfrm>
+              <a:off x="15518" y="4132"/>
+              <a:ext cx="2321" cy="483"/>
+            </a:xfrm>
+            <a:prstGeom prst="rect">
+              <a:avLst/>
+            </a:prstGeom>
+            <a:noFill/>
+          </p:spPr>
+          <p:txBody>
+            <a:bodyPr wrap="square" rtlCol="0">
+              <a:spAutoFit/>
+            </a:bodyPr>
+            <a:p>
+              <a:pPr algn="ctr"/>
+              <a:r>
+                <a:rPr lang="de-DE" altLang="en-US" sz="1400" b="1">
+                  <a:latin typeface="Calibri" charset="0"/>
+                </a:rPr>
+                <a:t>Master Enclave</a:t>
+              </a:r>
+              <a:endParaRPr lang="de-DE" altLang="en-US" sz="1400" b="1" baseline="-25000">
+                <a:latin typeface="Calibri" charset="0"/>
+              </a:endParaRPr>
+            </a:p>
+          </p:txBody>
+        </p:sp>
+        <p:grpSp>
+          <p:nvGrpSpPr>
+            <p:cNvPr id="138" name="Group 137"/>
+            <p:cNvGrpSpPr/>
+            <p:nvPr/>
+          </p:nvGrpSpPr>
+          <p:grpSpPr>
+            <a:xfrm rot="0">
+              <a:off x="16571" y="4717"/>
+              <a:ext cx="1141" cy="1510"/>
+              <a:chOff x="16787" y="4807"/>
+              <a:chExt cx="1141" cy="1510"/>
+            </a:xfrm>
+          </p:grpSpPr>
+          <p:pic>
+            <p:nvPicPr>
+              <p:cNvPr id="139" name="Picture 138" descr="noun_Document_1224586"/>
+              <p:cNvPicPr>
+                <a:picLocks noChangeAspect="1"/>
+              </p:cNvPicPr>
+              <p:nvPr/>
+            </p:nvPicPr>
+            <p:blipFill>
+              <a:blip r:embed="rId1">
+                <a:extLst>
+                  <a:ext uri="{96DAC541-7B7A-43D3-8B79-37D633B846F1}">
+                    <asvg:svgBlip xmlns:asvg="http://schemas.microsoft.com/office/drawing/2016/SVG/main" r:embed="rId2"/>
+                  </a:ext>
+                </a:extLst>
+              </a:blip>
+              <a:srcRect l="12333" r="11733" b="19467"/>
+              <a:stretch>
+                <a:fillRect/>
+              </a:stretch>
+            </p:blipFill>
+            <p:spPr>
+              <a:xfrm>
+                <a:off x="16787" y="4807"/>
+                <a:ext cx="1139" cy="1510"/>
+              </a:xfrm>
+              <a:prstGeom prst="rect">
+                <a:avLst/>
+              </a:prstGeom>
+            </p:spPr>
+          </p:pic>
+          <p:sp>
+            <p:nvSpPr>
+              <p:cNvPr id="140" name="TextBox 79"/>
+              <p:cNvSpPr txBox="1"/>
+              <p:nvPr/>
+            </p:nvSpPr>
+            <p:spPr>
+              <a:xfrm>
+                <a:off x="16994" y="5240"/>
+                <a:ext cx="934" cy="727"/>
+              </a:xfrm>
+              <a:prstGeom prst="rect">
+                <a:avLst/>
+              </a:prstGeom>
+              <a:noFill/>
+            </p:spPr>
+            <p:txBody>
+              <a:bodyPr wrap="square" lIns="0" tIns="0" rIns="0" bIns="0" rtlCol="0">
+                <a:spAutoFit/>
+              </a:bodyPr>
+              <a:p>
+                <a:pPr algn="l"/>
+                <a:r>
+                  <a:rPr lang="de-DE" altLang="en-GB" sz="1000" dirty="0">
+                    <a:latin typeface="Calibri" charset="0"/>
+                  </a:rPr>
+                  <a:t>E</a:t>
+                </a:r>
+                <a:r>
+                  <a:rPr lang="de-DE" altLang="en-GB" sz="1000" baseline="-25000" dirty="0">
+                    <a:latin typeface="Calibri" charset="0"/>
+                  </a:rPr>
+                  <a:t>1</a:t>
+                </a:r>
+                <a:r>
+                  <a:rPr lang="de-DE" altLang="en-GB" sz="1000" dirty="0">
+                    <a:latin typeface="Calibri" charset="0"/>
+                  </a:rPr>
+                  <a:t> - pk</a:t>
+                </a:r>
+                <a:r>
+                  <a:rPr lang="de-DE" altLang="en-GB" sz="1000" baseline="-25000" dirty="0">
+                    <a:latin typeface="Calibri" charset="0"/>
+                  </a:rPr>
+                  <a:t>E1</a:t>
+                </a:r>
+                <a:endParaRPr lang="de-DE" altLang="en-GB" sz="1000" dirty="0">
+                  <a:latin typeface="Calibri" charset="0"/>
+                </a:endParaRPr>
+              </a:p>
+              <a:p>
+                <a:pPr algn="l"/>
+                <a:r>
+                  <a:rPr lang="de-DE" altLang="en-GB" sz="1000" dirty="0">
+                    <a:latin typeface="Calibri" charset="0"/>
+                  </a:rPr>
+                  <a:t>E</a:t>
+                </a:r>
+                <a:r>
+                  <a:rPr lang="de-DE" altLang="en-GB" sz="1000" baseline="-25000" dirty="0">
+                    <a:latin typeface="Calibri" charset="0"/>
+                  </a:rPr>
+                  <a:t>2</a:t>
+                </a:r>
+                <a:r>
+                  <a:rPr lang="de-DE" altLang="en-GB" sz="1000" dirty="0">
+                    <a:latin typeface="Calibri" charset="0"/>
+                  </a:rPr>
+                  <a:t> - pk</a:t>
+                </a:r>
+                <a:r>
+                  <a:rPr lang="de-DE" altLang="en-GB" sz="1000" baseline="-25000" dirty="0">
+                    <a:latin typeface="Calibri" charset="0"/>
+                  </a:rPr>
+                  <a:t>E2</a:t>
+                </a:r>
+                <a:endParaRPr lang="de-DE" altLang="en-GB" sz="1000" dirty="0">
+                  <a:latin typeface="Calibri" charset="0"/>
+                </a:endParaRPr>
+              </a:p>
+              <a:p>
+                <a:pPr algn="l"/>
+                <a:r>
+                  <a:rPr lang="de-DE" altLang="en-GB" sz="1000" dirty="0">
+                    <a:latin typeface="Calibri" charset="0"/>
+                  </a:rPr>
+                  <a:t>E</a:t>
+                </a:r>
+                <a:r>
+                  <a:rPr lang="de-DE" altLang="en-GB" sz="1000" baseline="-25000" dirty="0">
+                    <a:latin typeface="Calibri" charset="0"/>
+                  </a:rPr>
+                  <a:t>3</a:t>
+                </a:r>
+                <a:r>
+                  <a:rPr lang="de-DE" altLang="en-GB" sz="1000" dirty="0">
+                    <a:latin typeface="Calibri" charset="0"/>
+                  </a:rPr>
+                  <a:t> - pk</a:t>
+                </a:r>
+                <a:r>
+                  <a:rPr lang="de-DE" altLang="en-GB" sz="1000" baseline="-25000" dirty="0">
+                    <a:latin typeface="Calibri" charset="0"/>
+                  </a:rPr>
+                  <a:t>E3</a:t>
+                </a:r>
+                <a:r>
+                  <a:rPr lang="de-DE" altLang="en-GB" sz="1000" dirty="0">
+                    <a:latin typeface="Calibri" charset="0"/>
+                  </a:rPr>
+                  <a:t> </a:t>
+                </a:r>
+                <a:endParaRPr lang="de-DE" altLang="en-GB" sz="1000" dirty="0">
+                  <a:latin typeface="Calibri" charset="0"/>
+                  <a:ea typeface="AR PL UKai CN" panose="02000503000000000000" charset="-122"/>
+                </a:endParaRPr>
+              </a:p>
+            </p:txBody>
+          </p:sp>
+        </p:grpSp>
+        <p:sp>
+          <p:nvSpPr>
+            <p:cNvPr id="141" name="TextBox 79"/>
+            <p:cNvSpPr txBox="1"/>
+            <p:nvPr/>
+          </p:nvSpPr>
+          <p:spPr>
+            <a:xfrm>
+              <a:off x="15599" y="4875"/>
+              <a:ext cx="1227" cy="339"/>
+            </a:xfrm>
+            <a:prstGeom prst="rect">
+              <a:avLst/>
+            </a:prstGeom>
+            <a:noFill/>
+          </p:spPr>
+          <p:txBody>
+            <a:bodyPr wrap="square" lIns="0" tIns="0" rIns="0" bIns="0" rtlCol="0">
+              <a:spAutoFit/>
+            </a:bodyPr>
+            <a:p>
+              <a:pPr algn="l"/>
+              <a:r>
+                <a:rPr lang="de-DE" altLang="en-GB" sz="1400" dirty="0">
+                  <a:latin typeface="Calibri" charset="0"/>
+                </a:rPr>
+                <a:t>sk</a:t>
+              </a:r>
+              <a:r>
+                <a:rPr lang="de-DE" altLang="en-GB" sz="1400" baseline="-25000" dirty="0">
+                  <a:latin typeface="Calibri" charset="0"/>
+                </a:rPr>
+                <a:t>M</a:t>
+              </a:r>
+              <a:r>
+                <a:rPr lang="de-DE" altLang="en-GB" sz="1400" dirty="0">
+                  <a:latin typeface="Calibri" charset="0"/>
+                </a:rPr>
+                <a:t>/pk</a:t>
+              </a:r>
+              <a:r>
+                <a:rPr lang="de-DE" altLang="en-GB" sz="1400" baseline="-25000" dirty="0">
+                  <a:latin typeface="Calibri" charset="0"/>
+                </a:rPr>
+                <a:t>M</a:t>
+              </a:r>
+              <a:r>
+                <a:rPr lang="de-DE" altLang="en-GB" sz="1400" dirty="0">
+                  <a:latin typeface="Calibri" charset="0"/>
+                </a:rPr>
+                <a:t> </a:t>
+              </a:r>
+              <a:endParaRPr lang="de-DE" altLang="en-GB" sz="1400" dirty="0">
+                <a:latin typeface="Calibri" charset="0"/>
+                <a:ea typeface="AR PL UKai CN" panose="02000503000000000000" charset="-122"/>
+              </a:endParaRPr>
+            </a:p>
+          </p:txBody>
+        </p:sp>
+      </p:grpSp>
+      <p:pic>
+        <p:nvPicPr>
+          <p:cNvPr id="142" name="Picture 141" descr="noun_Lock_721996"/>
+          <p:cNvPicPr>
+            <a:picLocks noChangeAspect="1"/>
+          </p:cNvPicPr>
+          <p:nvPr/>
+        </p:nvPicPr>
+        <p:blipFill>
+          <a:blip r:embed="rId3">
+            <a:extLst>
+              <a:ext uri="{96DAC541-7B7A-43D3-8B79-37D633B846F1}">
+                <asvg:svgBlip xmlns:asvg="http://schemas.microsoft.com/office/drawing/2016/SVG/main" r:embed="rId4"/>
+              </a:ext>
+            </a:extLst>
+          </a:blip>
+          <a:srcRect l="9733" r="10400" b="20533"/>
+          <a:stretch>
+            <a:fillRect/>
+          </a:stretch>
+        </p:blipFill>
+        <p:spPr>
+          <a:xfrm>
+            <a:off x="621665" y="1776730"/>
+            <a:ext cx="311785" cy="387985"/>
+          </a:xfrm>
+          <a:prstGeom prst="rect">
+            <a:avLst/>
+          </a:prstGeom>
+        </p:spPr>
+      </p:pic>
+      <p:grpSp>
+        <p:nvGrpSpPr>
+          <p:cNvPr id="146" name="Group 145"/>
+          <p:cNvGrpSpPr/>
+          <p:nvPr/>
+        </p:nvGrpSpPr>
+        <p:grpSpPr>
+          <a:xfrm>
+            <a:off x="4290060" y="4237355"/>
+            <a:ext cx="1169670" cy="563245"/>
+            <a:chOff x="6944" y="7714"/>
+            <a:chExt cx="1842" cy="887"/>
+          </a:xfrm>
+        </p:grpSpPr>
+        <p:sp>
+          <p:nvSpPr>
+            <p:cNvPr id="144" name="Rounded Rectangle 143"/>
+            <p:cNvSpPr/>
+            <p:nvPr/>
+          </p:nvSpPr>
+          <p:spPr>
+            <a:xfrm>
+              <a:off x="6944" y="7721"/>
+              <a:ext cx="1843" cy="880"/>
+            </a:xfrm>
+            <a:prstGeom prst="roundRect">
+              <a:avLst/>
+            </a:prstGeom>
+            <a:solidFill>
+              <a:schemeClr val="accent6">
+                <a:lumMod val="20000"/>
+                <a:lumOff val="80000"/>
+              </a:schemeClr>
+            </a:solidFill>
+            <a:ln w="9525"/>
+          </p:spPr>
+          <p:style>
+            <a:lnRef idx="1">
+              <a:schemeClr val="accent6"/>
+            </a:lnRef>
+            <a:fillRef idx="2">
+              <a:schemeClr val="accent6"/>
+            </a:fillRef>
+            <a:effectRef idx="1">
+              <a:schemeClr val="accent6"/>
+            </a:effectRef>
+            <a:fontRef idx="minor">
+              <a:schemeClr val="dk1"/>
+            </a:fontRef>
+          </p:style>
+          <p:txBody>
+            <a:bodyPr rtlCol="0" anchor="ctr"/>
+            <a:p>
+              <a:pPr algn="ctr"/>
+              <a:endParaRPr lang="en-US"/>
+            </a:p>
+          </p:txBody>
+        </p:sp>
+        <p:sp>
+          <p:nvSpPr>
+            <p:cNvPr id="145" name="Text Box 144"/>
+            <p:cNvSpPr txBox="1"/>
+            <p:nvPr/>
+          </p:nvSpPr>
+          <p:spPr>
+            <a:xfrm>
+              <a:off x="7021" y="7714"/>
+              <a:ext cx="1650" cy="822"/>
+            </a:xfrm>
+            <a:prstGeom prst="rect">
+              <a:avLst/>
+            </a:prstGeom>
+            <a:noFill/>
+          </p:spPr>
+          <p:txBody>
+            <a:bodyPr wrap="square" rtlCol="0">
+              <a:spAutoFit/>
+            </a:bodyPr>
+            <a:p>
+              <a:pPr algn="ctr"/>
+              <a:r>
+                <a:rPr lang="de-DE" altLang="en-US" sz="1400" b="1">
+                  <a:latin typeface="Calibri" charset="0"/>
+                </a:rPr>
+                <a:t>DP-GBDT Enclave E</a:t>
+              </a:r>
+              <a:r>
+                <a:rPr lang="de-DE" altLang="en-US" sz="1400" b="1" baseline="-25000">
+                  <a:latin typeface="Calibri" charset="0"/>
+                </a:rPr>
+                <a:t>4</a:t>
+              </a:r>
+              <a:endParaRPr lang="de-DE" altLang="en-US" sz="1400" b="1" baseline="-25000">
+                <a:latin typeface="Calibri" charset="0"/>
+              </a:endParaRPr>
+            </a:p>
+          </p:txBody>
+        </p:sp>
+      </p:grpSp>
+      <p:cxnSp>
+        <p:nvCxnSpPr>
+          <p:cNvPr id="147" name="Straight Arrow Connector 146"/>
+          <p:cNvCxnSpPr/>
+          <p:nvPr/>
+        </p:nvCxnSpPr>
+        <p:spPr>
+          <a:xfrm flipH="1" flipV="1">
+            <a:off x="2625090" y="2456180"/>
+            <a:ext cx="1652270" cy="0"/>
+          </a:xfrm>
+          <a:prstGeom prst="straightConnector1">
+            <a:avLst/>
+          </a:prstGeom>
+          <a:ln w="19050">
+            <a:solidFill>
+              <a:schemeClr val="tx1"/>
+            </a:solidFill>
+            <a:tailEnd type="arrow"/>
+          </a:ln>
+        </p:spPr>
+        <p:style>
+          <a:lnRef idx="1">
+            <a:schemeClr val="accent1"/>
+          </a:lnRef>
+          <a:fillRef idx="0">
+            <a:schemeClr val="accent1"/>
+          </a:fillRef>
+          <a:effectRef idx="0">
+            <a:schemeClr val="accent1"/>
+          </a:effectRef>
+          <a:fontRef idx="minor">
+            <a:schemeClr val="tx1"/>
+          </a:fontRef>
+        </p:style>
+      </p:cxnSp>
+      <p:cxnSp>
+        <p:nvCxnSpPr>
+          <p:cNvPr id="150" name="Straight Arrow Connector 149"/>
+          <p:cNvCxnSpPr>
+            <a:stCxn id="145" idx="1"/>
+          </p:cNvCxnSpPr>
+          <p:nvPr/>
+        </p:nvCxnSpPr>
+        <p:spPr>
+          <a:xfrm flipH="1" flipV="1">
+            <a:off x="2563495" y="3716020"/>
+            <a:ext cx="1775460" cy="782320"/>
+          </a:xfrm>
+          <a:prstGeom prst="straightConnector1">
+            <a:avLst/>
+          </a:prstGeom>
+          <a:ln w="19050" cmpd="sng">
+            <a:solidFill>
+              <a:srgbClr val="FF3300"/>
+            </a:solidFill>
+            <a:prstDash val="sysDash"/>
+            <a:tailEnd type="arrow"/>
+          </a:ln>
+        </p:spPr>
+        <p:style>
+          <a:lnRef idx="1">
+            <a:schemeClr val="accent1"/>
+          </a:lnRef>
+          <a:fillRef idx="0">
+            <a:schemeClr val="accent1"/>
+          </a:fillRef>
+          <a:effectRef idx="0">
+            <a:schemeClr val="accent1"/>
+          </a:effectRef>
+          <a:fontRef idx="minor">
+            <a:schemeClr val="tx1"/>
+          </a:fontRef>
+        </p:style>
+      </p:cxnSp>
+      <p:sp>
+        <p:nvSpPr>
+          <p:cNvPr id="151" name="Text Box 150"/>
           <p:cNvSpPr txBox="1"/>
           <p:nvPr/>
         </p:nvSpPr>
         <p:spPr>
           <a:xfrm>
-            <a:off x="416560" y="328295"/>
-            <a:ext cx="5510530" cy="368300"/>
+            <a:off x="3281680" y="3913505"/>
+            <a:ext cx="389255" cy="368300"/>
           </a:xfrm>
           <a:prstGeom prst="rect">
             <a:avLst/>
@@ -21837,17 +22687,512 @@
           </a:bodyPr>
           <a:p>
             <a:r>
-              <a:rPr lang="de-DE" altLang="en-US">
+              <a:rPr lang="de-DE" altLang="en-US" b="1">
                 <a:latin typeface="Calibri" charset="0"/>
               </a:rPr>
-              <a:t>Enclave replication</a:t>
+              <a:t>X</a:t>
             </a:r>
-            <a:endParaRPr lang="de-DE" altLang="en-US">
+            <a:endParaRPr lang="de-DE" altLang="en-US" b="1">
               <a:latin typeface="Calibri" charset="0"/>
             </a:endParaRPr>
           </a:p>
         </p:txBody>
       </p:sp>
+      <p:sp>
+        <p:nvSpPr>
+          <p:cNvPr id="152" name="TextBox 79"/>
+          <p:cNvSpPr txBox="1"/>
+          <p:nvPr/>
+        </p:nvSpPr>
+        <p:spPr>
+          <a:xfrm>
+            <a:off x="2933762" y="3280411"/>
+            <a:ext cx="1028683" cy="200025"/>
+          </a:xfrm>
+          <a:prstGeom prst="rect">
+            <a:avLst/>
+          </a:prstGeom>
+          <a:noFill/>
+        </p:spPr>
+        <p:txBody>
+          <a:bodyPr wrap="square" lIns="0" tIns="0" rIns="0" bIns="0" rtlCol="0">
+            <a:spAutoFit/>
+          </a:bodyPr>
+          <a:p>
+            <a:pPr algn="ctr"/>
+            <a:r>
+              <a:rPr lang="de-DE" altLang="en-GB" sz="1300" dirty="0">
+                <a:latin typeface="Calibri" charset="0"/>
+              </a:rPr>
+              <a:t>pk</a:t>
+            </a:r>
+            <a:r>
+              <a:rPr lang="de-DE" altLang="en-GB" sz="1300" baseline="-25000" dirty="0">
+                <a:latin typeface="Calibri" charset="0"/>
+              </a:rPr>
+              <a:t>3</a:t>
+            </a:r>
+            <a:endParaRPr lang="en-US" altLang="de-DE" sz="1300" i="1" baseline="-25000" dirty="0">
+              <a:latin typeface="DejaVu Math TeX Gyre" panose="02000503000000000000" charset="0"/>
+              <a:cs typeface="DejaVu Math TeX Gyre" panose="02000503000000000000" charset="0"/>
+            </a:endParaRPr>
+          </a:p>
+        </p:txBody>
+      </p:sp>
+      <p:cxnSp>
+        <p:nvCxnSpPr>
+          <p:cNvPr id="3" name="Straight Arrow Connector 2"/>
+          <p:cNvCxnSpPr/>
+          <p:nvPr/>
+        </p:nvCxnSpPr>
+        <p:spPr>
+          <a:xfrm flipH="1" flipV="1">
+            <a:off x="2626360" y="2566035"/>
+            <a:ext cx="1652270" cy="0"/>
+          </a:xfrm>
+          <a:prstGeom prst="straightConnector1">
+            <a:avLst/>
+          </a:prstGeom>
+          <a:ln w="19050">
+            <a:solidFill>
+              <a:schemeClr val="tx1"/>
+            </a:solidFill>
+            <a:headEnd type="arrow"/>
+            <a:tailEnd type="none"/>
+          </a:ln>
+        </p:spPr>
+        <p:style>
+          <a:lnRef idx="1">
+            <a:schemeClr val="accent1"/>
+          </a:lnRef>
+          <a:fillRef idx="0">
+            <a:schemeClr val="accent1"/>
+          </a:fillRef>
+          <a:effectRef idx="0">
+            <a:schemeClr val="accent1"/>
+          </a:effectRef>
+          <a:fontRef idx="minor">
+            <a:schemeClr val="tx1"/>
+          </a:fontRef>
+        </p:style>
+      </p:cxnSp>
+      <p:cxnSp>
+        <p:nvCxnSpPr>
+          <p:cNvPr id="4" name="Straight Arrow Connector 3"/>
+          <p:cNvCxnSpPr/>
+          <p:nvPr/>
+        </p:nvCxnSpPr>
+        <p:spPr>
+          <a:xfrm flipH="1" flipV="1">
+            <a:off x="2626360" y="2971800"/>
+            <a:ext cx="1652270" cy="0"/>
+          </a:xfrm>
+          <a:prstGeom prst="straightConnector1">
+            <a:avLst/>
+          </a:prstGeom>
+          <a:ln w="19050">
+            <a:solidFill>
+              <a:schemeClr val="tx1"/>
+            </a:solidFill>
+            <a:tailEnd type="arrow"/>
+          </a:ln>
+        </p:spPr>
+        <p:style>
+          <a:lnRef idx="1">
+            <a:schemeClr val="accent1"/>
+          </a:lnRef>
+          <a:fillRef idx="0">
+            <a:schemeClr val="accent1"/>
+          </a:fillRef>
+          <a:effectRef idx="0">
+            <a:schemeClr val="accent1"/>
+          </a:effectRef>
+          <a:fontRef idx="minor">
+            <a:schemeClr val="tx1"/>
+          </a:fontRef>
+        </p:style>
+      </p:cxnSp>
+      <p:cxnSp>
+        <p:nvCxnSpPr>
+          <p:cNvPr id="5" name="Straight Arrow Connector 4"/>
+          <p:cNvCxnSpPr/>
+          <p:nvPr/>
+        </p:nvCxnSpPr>
+        <p:spPr>
+          <a:xfrm flipH="1" flipV="1">
+            <a:off x="2627630" y="3081655"/>
+            <a:ext cx="1652270" cy="0"/>
+          </a:xfrm>
+          <a:prstGeom prst="straightConnector1">
+            <a:avLst/>
+          </a:prstGeom>
+          <a:ln w="19050">
+            <a:solidFill>
+              <a:schemeClr val="tx1"/>
+            </a:solidFill>
+            <a:headEnd type="arrow"/>
+            <a:tailEnd type="none"/>
+          </a:ln>
+        </p:spPr>
+        <p:style>
+          <a:lnRef idx="1">
+            <a:schemeClr val="accent1"/>
+          </a:lnRef>
+          <a:fillRef idx="0">
+            <a:schemeClr val="accent1"/>
+          </a:fillRef>
+          <a:effectRef idx="0">
+            <a:schemeClr val="accent1"/>
+          </a:effectRef>
+          <a:fontRef idx="minor">
+            <a:schemeClr val="tx1"/>
+          </a:fontRef>
+        </p:style>
+      </p:cxnSp>
+      <p:cxnSp>
+        <p:nvCxnSpPr>
+          <p:cNvPr id="6" name="Straight Arrow Connector 5"/>
+          <p:cNvCxnSpPr/>
+          <p:nvPr/>
+        </p:nvCxnSpPr>
+        <p:spPr>
+          <a:xfrm flipH="1" flipV="1">
+            <a:off x="2620645" y="3480435"/>
+            <a:ext cx="1652270" cy="0"/>
+          </a:xfrm>
+          <a:prstGeom prst="straightConnector1">
+            <a:avLst/>
+          </a:prstGeom>
+          <a:ln w="19050">
+            <a:solidFill>
+              <a:schemeClr val="tx1"/>
+            </a:solidFill>
+            <a:tailEnd type="arrow"/>
+          </a:ln>
+        </p:spPr>
+        <p:style>
+          <a:lnRef idx="1">
+            <a:schemeClr val="accent1"/>
+          </a:lnRef>
+          <a:fillRef idx="0">
+            <a:schemeClr val="accent1"/>
+          </a:fillRef>
+          <a:effectRef idx="0">
+            <a:schemeClr val="accent1"/>
+          </a:effectRef>
+          <a:fontRef idx="minor">
+            <a:schemeClr val="tx1"/>
+          </a:fontRef>
+        </p:style>
+      </p:cxnSp>
+      <p:cxnSp>
+        <p:nvCxnSpPr>
+          <p:cNvPr id="7" name="Straight Arrow Connector 6"/>
+          <p:cNvCxnSpPr/>
+          <p:nvPr/>
+        </p:nvCxnSpPr>
+        <p:spPr>
+          <a:xfrm flipH="1" flipV="1">
+            <a:off x="2621915" y="3590290"/>
+            <a:ext cx="1652270" cy="0"/>
+          </a:xfrm>
+          <a:prstGeom prst="straightConnector1">
+            <a:avLst/>
+          </a:prstGeom>
+          <a:ln w="19050">
+            <a:solidFill>
+              <a:schemeClr val="tx1"/>
+            </a:solidFill>
+            <a:headEnd type="arrow"/>
+            <a:tailEnd type="none"/>
+          </a:ln>
+        </p:spPr>
+        <p:style>
+          <a:lnRef idx="1">
+            <a:schemeClr val="accent1"/>
+          </a:lnRef>
+          <a:fillRef idx="0">
+            <a:schemeClr val="accent1"/>
+          </a:fillRef>
+          <a:effectRef idx="0">
+            <a:schemeClr val="accent1"/>
+          </a:effectRef>
+          <a:fontRef idx="minor">
+            <a:schemeClr val="tx1"/>
+          </a:fontRef>
+        </p:style>
+      </p:cxnSp>
+      <p:sp>
+        <p:nvSpPr>
+          <p:cNvPr id="9" name="TextBox 79"/>
+          <p:cNvSpPr txBox="1"/>
+          <p:nvPr/>
+        </p:nvSpPr>
+        <p:spPr>
+          <a:xfrm>
+            <a:off x="1249680" y="3284855"/>
+            <a:ext cx="399415" cy="200025"/>
+          </a:xfrm>
+          <a:prstGeom prst="rect">
+            <a:avLst/>
+          </a:prstGeom>
+          <a:noFill/>
+        </p:spPr>
+        <p:txBody>
+          <a:bodyPr wrap="square" lIns="0" tIns="0" rIns="0" bIns="0" rtlCol="0">
+            <a:spAutoFit/>
+          </a:bodyPr>
+          <a:p>
+            <a:pPr algn="ctr"/>
+            <a:r>
+              <a:rPr lang="de-DE" altLang="en-GB" sz="1300" dirty="0">
+                <a:latin typeface="Calibri" charset="0"/>
+              </a:rPr>
+              <a:t>s</a:t>
+            </a:r>
+            <a:r>
+              <a:rPr lang="de-DE" altLang="en-GB" sz="1300" baseline="-25000" dirty="0">
+                <a:latin typeface="Calibri" charset="0"/>
+              </a:rPr>
+              <a:t>M</a:t>
+            </a:r>
+            <a:endParaRPr lang="en-US" altLang="de-DE" sz="1300" i="1" baseline="-25000" dirty="0">
+              <a:latin typeface="DejaVu Math TeX Gyre" panose="02000503000000000000" charset="0"/>
+              <a:cs typeface="DejaVu Math TeX Gyre" panose="02000503000000000000" charset="0"/>
+            </a:endParaRPr>
+          </a:p>
+        </p:txBody>
+      </p:sp>
+      <p:sp>
+        <p:nvSpPr>
+          <p:cNvPr id="10" name="TextBox 79"/>
+          <p:cNvSpPr txBox="1"/>
+          <p:nvPr/>
+        </p:nvSpPr>
+        <p:spPr>
+          <a:xfrm>
+            <a:off x="2932492" y="2771776"/>
+            <a:ext cx="1028683" cy="200025"/>
+          </a:xfrm>
+          <a:prstGeom prst="rect">
+            <a:avLst/>
+          </a:prstGeom>
+          <a:noFill/>
+        </p:spPr>
+        <p:txBody>
+          <a:bodyPr wrap="square" lIns="0" tIns="0" rIns="0" bIns="0" rtlCol="0">
+            <a:spAutoFit/>
+          </a:bodyPr>
+          <a:p>
+            <a:pPr algn="ctr"/>
+            <a:r>
+              <a:rPr lang="de-DE" altLang="en-GB" sz="1300" dirty="0">
+                <a:latin typeface="Calibri" charset="0"/>
+              </a:rPr>
+              <a:t>pk</a:t>
+            </a:r>
+            <a:r>
+              <a:rPr lang="de-DE" altLang="en-GB" sz="1300" baseline="-25000" dirty="0">
+                <a:latin typeface="Calibri" charset="0"/>
+              </a:rPr>
+              <a:t>2</a:t>
+            </a:r>
+            <a:endParaRPr lang="en-US" altLang="de-DE" sz="1300" i="1" baseline="-25000" dirty="0">
+              <a:latin typeface="DejaVu Math TeX Gyre" panose="02000503000000000000" charset="0"/>
+              <a:cs typeface="DejaVu Math TeX Gyre" panose="02000503000000000000" charset="0"/>
+            </a:endParaRPr>
+          </a:p>
+        </p:txBody>
+      </p:sp>
+      <p:sp>
+        <p:nvSpPr>
+          <p:cNvPr id="11" name="TextBox 79"/>
+          <p:cNvSpPr txBox="1"/>
+          <p:nvPr/>
+        </p:nvSpPr>
+        <p:spPr>
+          <a:xfrm>
+            <a:off x="2962337" y="2256156"/>
+            <a:ext cx="1028683" cy="200025"/>
+          </a:xfrm>
+          <a:prstGeom prst="rect">
+            <a:avLst/>
+          </a:prstGeom>
+          <a:noFill/>
+        </p:spPr>
+        <p:txBody>
+          <a:bodyPr wrap="square" lIns="0" tIns="0" rIns="0" bIns="0" rtlCol="0">
+            <a:spAutoFit/>
+          </a:bodyPr>
+          <a:p>
+            <a:pPr algn="ctr"/>
+            <a:r>
+              <a:rPr lang="de-DE" altLang="en-GB" sz="1300" dirty="0">
+                <a:latin typeface="Calibri" charset="0"/>
+              </a:rPr>
+              <a:t>pk</a:t>
+            </a:r>
+            <a:r>
+              <a:rPr lang="de-DE" altLang="en-GB" sz="1300" baseline="-25000" dirty="0">
+                <a:latin typeface="Calibri" charset="0"/>
+              </a:rPr>
+              <a:t>1</a:t>
+            </a:r>
+            <a:endParaRPr lang="en-US" altLang="de-DE" sz="1300" i="1" baseline="-25000" dirty="0">
+              <a:latin typeface="DejaVu Math TeX Gyre" panose="02000503000000000000" charset="0"/>
+              <a:cs typeface="DejaVu Math TeX Gyre" panose="02000503000000000000" charset="0"/>
+            </a:endParaRPr>
+          </a:p>
+        </p:txBody>
+      </p:sp>
+      <p:sp>
+        <p:nvSpPr>
+          <p:cNvPr id="12" name="TextBox 79"/>
+          <p:cNvSpPr txBox="1"/>
+          <p:nvPr/>
+        </p:nvSpPr>
+        <p:spPr>
+          <a:xfrm>
+            <a:off x="2932492" y="3557271"/>
+            <a:ext cx="1028683" cy="200025"/>
+          </a:xfrm>
+          <a:prstGeom prst="rect">
+            <a:avLst/>
+          </a:prstGeom>
+          <a:noFill/>
+        </p:spPr>
+        <p:txBody>
+          <a:bodyPr wrap="square" lIns="0" tIns="0" rIns="0" bIns="0" rtlCol="0">
+            <a:spAutoFit/>
+          </a:bodyPr>
+          <a:p>
+            <a:pPr algn="ctr"/>
+            <a:r>
+              <a:rPr lang="de-DE" altLang="en-GB" sz="1300" dirty="0">
+                <a:latin typeface="Calibri" charset="0"/>
+              </a:rPr>
+              <a:t>s</a:t>
+            </a:r>
+            <a:r>
+              <a:rPr lang="de-DE" altLang="en-GB" sz="1300" baseline="-25000" dirty="0">
+                <a:latin typeface="Calibri" charset="0"/>
+              </a:rPr>
+              <a:t>M</a:t>
+            </a:r>
+            <a:endParaRPr lang="en-US" altLang="de-DE" sz="1300" i="1" baseline="-25000" dirty="0">
+              <a:latin typeface="DejaVu Math TeX Gyre" panose="02000503000000000000" charset="0"/>
+              <a:cs typeface="DejaVu Math TeX Gyre" panose="02000503000000000000" charset="0"/>
+            </a:endParaRPr>
+          </a:p>
+        </p:txBody>
+      </p:sp>
+      <p:sp>
+        <p:nvSpPr>
+          <p:cNvPr id="13" name="TextBox 79"/>
+          <p:cNvSpPr txBox="1"/>
+          <p:nvPr/>
+        </p:nvSpPr>
+        <p:spPr>
+          <a:xfrm>
+            <a:off x="2939477" y="3060066"/>
+            <a:ext cx="1028683" cy="200025"/>
+          </a:xfrm>
+          <a:prstGeom prst="rect">
+            <a:avLst/>
+          </a:prstGeom>
+          <a:noFill/>
+        </p:spPr>
+        <p:txBody>
+          <a:bodyPr wrap="square" lIns="0" tIns="0" rIns="0" bIns="0" rtlCol="0">
+            <a:spAutoFit/>
+          </a:bodyPr>
+          <a:p>
+            <a:pPr algn="ctr"/>
+            <a:r>
+              <a:rPr lang="de-DE" altLang="en-GB" sz="1300" dirty="0">
+                <a:latin typeface="Calibri" charset="0"/>
+              </a:rPr>
+              <a:t>s</a:t>
+            </a:r>
+            <a:r>
+              <a:rPr lang="de-DE" altLang="en-GB" sz="1300" baseline="-25000" dirty="0">
+                <a:latin typeface="Calibri" charset="0"/>
+              </a:rPr>
+              <a:t>M</a:t>
+            </a:r>
+            <a:endParaRPr lang="en-US" altLang="de-DE" sz="1300" i="1" baseline="-25000" dirty="0">
+              <a:latin typeface="DejaVu Math TeX Gyre" panose="02000503000000000000" charset="0"/>
+              <a:cs typeface="DejaVu Math TeX Gyre" panose="02000503000000000000" charset="0"/>
+            </a:endParaRPr>
+          </a:p>
+        </p:txBody>
+      </p:sp>
+      <p:sp>
+        <p:nvSpPr>
+          <p:cNvPr id="14" name="TextBox 79"/>
+          <p:cNvSpPr txBox="1"/>
+          <p:nvPr/>
+        </p:nvSpPr>
+        <p:spPr>
+          <a:xfrm>
+            <a:off x="2936937" y="2536826"/>
+            <a:ext cx="1028683" cy="200025"/>
+          </a:xfrm>
+          <a:prstGeom prst="rect">
+            <a:avLst/>
+          </a:prstGeom>
+          <a:noFill/>
+        </p:spPr>
+        <p:txBody>
+          <a:bodyPr wrap="square" lIns="0" tIns="0" rIns="0" bIns="0" rtlCol="0">
+            <a:spAutoFit/>
+          </a:bodyPr>
+          <a:p>
+            <a:pPr algn="ctr"/>
+            <a:r>
+              <a:rPr lang="de-DE" altLang="en-GB" sz="1300" dirty="0">
+                <a:latin typeface="Calibri" charset="0"/>
+              </a:rPr>
+              <a:t>s</a:t>
+            </a:r>
+            <a:r>
+              <a:rPr lang="de-DE" altLang="en-GB" sz="1300" baseline="-25000" dirty="0">
+                <a:latin typeface="Calibri" charset="0"/>
+              </a:rPr>
+              <a:t>M</a:t>
+            </a:r>
+            <a:endParaRPr lang="en-US" altLang="de-DE" sz="1300" i="1" baseline="-25000" dirty="0">
+              <a:latin typeface="DejaVu Math TeX Gyre" panose="02000503000000000000" charset="0"/>
+              <a:cs typeface="DejaVu Math TeX Gyre" panose="02000503000000000000" charset="0"/>
+            </a:endParaRPr>
+          </a:p>
+        </p:txBody>
+      </p:sp>
+    </p:spTree>
+  </p:cSld>
+  <p:clrMapOvr>
+    <a:masterClrMapping/>
+  </p:clrMapOvr>
+  <p:timing>
+    <p:tnLst>
+      <p:par>
+        <p:cTn id="1" dur="indefinite" restart="never" nodeType="tmRoot"/>
+      </p:par>
+    </p:tnLst>
+  </p:timing>
+</p:sld>
+</file>
+
+<file path=ppt/slides/slide8.xml><?xml version="1.0" encoding="utf-8"?>
+<p:sld xmlns:a="http://schemas.openxmlformats.org/drawingml/2006/main" xmlns:r="http://schemas.openxmlformats.org/officeDocument/2006/relationships" xmlns:p="http://schemas.openxmlformats.org/presentationml/2006/main">
+  <p:cSld>
+    <p:spTree>
+      <p:nvGrpSpPr>
+        <p:cNvPr id="1" name=""/>
+        <p:cNvGrpSpPr/>
+        <p:nvPr/>
+      </p:nvGrpSpPr>
+      <p:grpSpPr/>
       <p:pic>
         <p:nvPicPr>
           <p:cNvPr id="8" name="Picture 7" descr="noun_Factory_1624223"/>
@@ -23414,1098 +24759,6 @@
           </p:sp>
         </mc:Fallback>
       </mc:AlternateContent>
-      <p:sp>
-        <p:nvSpPr>
-          <p:cNvPr id="119" name="Rectangles 118"/>
-          <p:cNvSpPr/>
-          <p:nvPr/>
-        </p:nvSpPr>
-        <p:spPr>
-          <a:xfrm>
-            <a:off x="577215" y="2013585"/>
-            <a:ext cx="5044440" cy="2083435"/>
-          </a:xfrm>
-          <a:prstGeom prst="rect">
-            <a:avLst/>
-          </a:prstGeom>
-          <a:noFill/>
-          <a:ln w="28575" cmpd="dbl">
-            <a:solidFill>
-              <a:schemeClr val="accent1">
-                <a:shade val="50000"/>
-              </a:schemeClr>
-            </a:solidFill>
-            <a:prstDash val="sysDash"/>
-          </a:ln>
-        </p:spPr>
-        <p:style>
-          <a:lnRef idx="2">
-            <a:schemeClr val="accent1">
-              <a:shade val="50000"/>
-            </a:schemeClr>
-          </a:lnRef>
-          <a:fillRef idx="1">
-            <a:schemeClr val="accent1"/>
-          </a:fillRef>
-          <a:effectRef idx="0">
-            <a:schemeClr val="accent1"/>
-          </a:effectRef>
-          <a:fontRef idx="minor">
-            <a:schemeClr val="lt1"/>
-          </a:fontRef>
-        </p:style>
-        <p:txBody>
-          <a:bodyPr rtlCol="0" anchor="ctr"/>
-          <a:p>
-            <a:pPr algn="ctr"/>
-            <a:endParaRPr lang="en-US"/>
-          </a:p>
-        </p:txBody>
-      </p:sp>
-      <p:grpSp>
-        <p:nvGrpSpPr>
-          <p:cNvPr id="134" name="Group 133"/>
-          <p:cNvGrpSpPr/>
-          <p:nvPr/>
-        </p:nvGrpSpPr>
-        <p:grpSpPr>
-          <a:xfrm>
-            <a:off x="4271010" y="2146935"/>
-            <a:ext cx="1176020" cy="1794510"/>
-            <a:chOff x="7656" y="3891"/>
-            <a:chExt cx="1852" cy="2826"/>
-          </a:xfrm>
-        </p:grpSpPr>
-        <p:grpSp>
-          <p:nvGrpSpPr>
-            <p:cNvPr id="122" name="Group 121"/>
-            <p:cNvGrpSpPr/>
-            <p:nvPr/>
-          </p:nvGrpSpPr>
-          <p:grpSpPr>
-            <a:xfrm rot="0">
-              <a:off x="7656" y="5831"/>
-              <a:ext cx="1843" cy="887"/>
-              <a:chOff x="6068" y="2527"/>
-              <a:chExt cx="8010" cy="5735"/>
-            </a:xfrm>
-          </p:grpSpPr>
-          <p:sp>
-            <p:nvSpPr>
-              <p:cNvPr id="123" name="Rounded Rectangle 122"/>
-              <p:cNvSpPr/>
-              <p:nvPr/>
-            </p:nvSpPr>
-            <p:spPr>
-              <a:xfrm>
-                <a:off x="6068" y="2572"/>
-                <a:ext cx="8010" cy="5690"/>
-              </a:xfrm>
-              <a:prstGeom prst="roundRect">
-                <a:avLst/>
-              </a:prstGeom>
-              <a:solidFill>
-                <a:schemeClr val="accent6">
-                  <a:lumMod val="20000"/>
-                  <a:lumOff val="80000"/>
-                </a:schemeClr>
-              </a:solidFill>
-              <a:ln w="9525"/>
-            </p:spPr>
-            <p:style>
-              <a:lnRef idx="1">
-                <a:schemeClr val="accent6"/>
-              </a:lnRef>
-              <a:fillRef idx="2">
-                <a:schemeClr val="accent6"/>
-              </a:fillRef>
-              <a:effectRef idx="1">
-                <a:schemeClr val="accent6"/>
-              </a:effectRef>
-              <a:fontRef idx="minor">
-                <a:schemeClr val="dk1"/>
-              </a:fontRef>
-            </p:style>
-            <p:txBody>
-              <a:bodyPr rtlCol="0" anchor="ctr"/>
-              <a:p>
-                <a:pPr algn="ctr"/>
-                <a:endParaRPr lang="en-US"/>
-              </a:p>
-            </p:txBody>
-          </p:sp>
-          <p:sp>
-            <p:nvSpPr>
-              <p:cNvPr id="124" name="Text Box 123"/>
-              <p:cNvSpPr txBox="1"/>
-              <p:nvPr/>
-            </p:nvSpPr>
-            <p:spPr>
-              <a:xfrm>
-                <a:off x="6403" y="2527"/>
-                <a:ext cx="7171" cy="5315"/>
-              </a:xfrm>
-              <a:prstGeom prst="rect">
-                <a:avLst/>
-              </a:prstGeom>
-              <a:noFill/>
-            </p:spPr>
-            <p:txBody>
-              <a:bodyPr wrap="square" rtlCol="0">
-                <a:spAutoFit/>
-              </a:bodyPr>
-              <a:p>
-                <a:pPr algn="ctr"/>
-                <a:r>
-                  <a:rPr lang="de-DE" altLang="en-US" sz="1400" b="1">
-                    <a:latin typeface="Calibri" charset="0"/>
-                  </a:rPr>
-                  <a:t>DP-GBDT Enclave E</a:t>
-                </a:r>
-                <a:r>
-                  <a:rPr lang="de-DE" altLang="en-US" sz="1400" b="1" baseline="-25000">
-                    <a:latin typeface="Calibri" charset="0"/>
-                  </a:rPr>
-                  <a:t>3</a:t>
-                </a:r>
-                <a:endParaRPr lang="de-DE" altLang="en-US" sz="1400" b="1" baseline="-25000">
-                  <a:latin typeface="Calibri" charset="0"/>
-                </a:endParaRPr>
-              </a:p>
-            </p:txBody>
-          </p:sp>
-        </p:grpSp>
-        <p:grpSp>
-          <p:nvGrpSpPr>
-            <p:cNvPr id="128" name="Group 127"/>
-            <p:cNvGrpSpPr/>
-            <p:nvPr/>
-          </p:nvGrpSpPr>
-          <p:grpSpPr>
-            <a:xfrm rot="0">
-              <a:off x="7666" y="3891"/>
-              <a:ext cx="1843" cy="887"/>
-              <a:chOff x="6068" y="2527"/>
-              <a:chExt cx="8010" cy="5735"/>
-            </a:xfrm>
-          </p:grpSpPr>
-          <p:sp>
-            <p:nvSpPr>
-              <p:cNvPr id="129" name="Rounded Rectangle 128"/>
-              <p:cNvSpPr/>
-              <p:nvPr/>
-            </p:nvSpPr>
-            <p:spPr>
-              <a:xfrm>
-                <a:off x="6068" y="2572"/>
-                <a:ext cx="8010" cy="5690"/>
-              </a:xfrm>
-              <a:prstGeom prst="roundRect">
-                <a:avLst/>
-              </a:prstGeom>
-              <a:solidFill>
-                <a:schemeClr val="accent6">
-                  <a:lumMod val="20000"/>
-                  <a:lumOff val="80000"/>
-                </a:schemeClr>
-              </a:solidFill>
-              <a:ln w="9525"/>
-            </p:spPr>
-            <p:style>
-              <a:lnRef idx="1">
-                <a:schemeClr val="accent6"/>
-              </a:lnRef>
-              <a:fillRef idx="2">
-                <a:schemeClr val="accent6"/>
-              </a:fillRef>
-              <a:effectRef idx="1">
-                <a:schemeClr val="accent6"/>
-              </a:effectRef>
-              <a:fontRef idx="minor">
-                <a:schemeClr val="dk1"/>
-              </a:fontRef>
-            </p:style>
-            <p:txBody>
-              <a:bodyPr rtlCol="0" anchor="ctr"/>
-              <a:p>
-                <a:pPr algn="ctr"/>
-                <a:endParaRPr lang="en-US"/>
-              </a:p>
-            </p:txBody>
-          </p:sp>
-          <p:sp>
-            <p:nvSpPr>
-              <p:cNvPr id="130" name="Text Box 129"/>
-              <p:cNvSpPr txBox="1"/>
-              <p:nvPr/>
-            </p:nvSpPr>
-            <p:spPr>
-              <a:xfrm>
-                <a:off x="6403" y="2527"/>
-                <a:ext cx="7171" cy="5315"/>
-              </a:xfrm>
-              <a:prstGeom prst="rect">
-                <a:avLst/>
-              </a:prstGeom>
-              <a:noFill/>
-            </p:spPr>
-            <p:txBody>
-              <a:bodyPr wrap="square" rtlCol="0">
-                <a:spAutoFit/>
-              </a:bodyPr>
-              <a:p>
-                <a:pPr algn="ctr"/>
-                <a:r>
-                  <a:rPr lang="de-DE" altLang="en-US" sz="1400" b="1">
-                    <a:latin typeface="Calibri" charset="0"/>
-                  </a:rPr>
-                  <a:t>DP-GBDT Enclave E</a:t>
-                </a:r>
-                <a:r>
-                  <a:rPr lang="de-DE" altLang="en-US" sz="1400" b="1" baseline="-25000">
-                    <a:latin typeface="Calibri" charset="0"/>
-                  </a:rPr>
-                  <a:t>1</a:t>
-                </a:r>
-                <a:endParaRPr lang="de-DE" altLang="en-US" sz="1400" b="1" baseline="-25000">
-                  <a:latin typeface="Calibri" charset="0"/>
-                </a:endParaRPr>
-              </a:p>
-            </p:txBody>
-          </p:sp>
-        </p:grpSp>
-        <p:grpSp>
-          <p:nvGrpSpPr>
-            <p:cNvPr id="131" name="Group 130"/>
-            <p:cNvGrpSpPr/>
-            <p:nvPr/>
-          </p:nvGrpSpPr>
-          <p:grpSpPr>
-            <a:xfrm rot="0">
-              <a:off x="7666" y="4861"/>
-              <a:ext cx="1843" cy="887"/>
-              <a:chOff x="6068" y="2527"/>
-              <a:chExt cx="8010" cy="5735"/>
-            </a:xfrm>
-          </p:grpSpPr>
-          <p:sp>
-            <p:nvSpPr>
-              <p:cNvPr id="132" name="Rounded Rectangle 131"/>
-              <p:cNvSpPr/>
-              <p:nvPr/>
-            </p:nvSpPr>
-            <p:spPr>
-              <a:xfrm>
-                <a:off x="6068" y="2572"/>
-                <a:ext cx="8010" cy="5690"/>
-              </a:xfrm>
-              <a:prstGeom prst="roundRect">
-                <a:avLst/>
-              </a:prstGeom>
-              <a:solidFill>
-                <a:schemeClr val="accent6">
-                  <a:lumMod val="20000"/>
-                  <a:lumOff val="80000"/>
-                </a:schemeClr>
-              </a:solidFill>
-              <a:ln w="9525"/>
-            </p:spPr>
-            <p:style>
-              <a:lnRef idx="1">
-                <a:schemeClr val="accent6"/>
-              </a:lnRef>
-              <a:fillRef idx="2">
-                <a:schemeClr val="accent6"/>
-              </a:fillRef>
-              <a:effectRef idx="1">
-                <a:schemeClr val="accent6"/>
-              </a:effectRef>
-              <a:fontRef idx="minor">
-                <a:schemeClr val="dk1"/>
-              </a:fontRef>
-            </p:style>
-            <p:txBody>
-              <a:bodyPr rtlCol="0" anchor="ctr"/>
-              <a:p>
-                <a:pPr algn="ctr"/>
-                <a:endParaRPr lang="en-US"/>
-              </a:p>
-            </p:txBody>
-          </p:sp>
-          <p:sp>
-            <p:nvSpPr>
-              <p:cNvPr id="133" name="Text Box 132"/>
-              <p:cNvSpPr txBox="1"/>
-              <p:nvPr/>
-            </p:nvSpPr>
-            <p:spPr>
-              <a:xfrm>
-                <a:off x="6403" y="2527"/>
-                <a:ext cx="7171" cy="5315"/>
-              </a:xfrm>
-              <a:prstGeom prst="rect">
-                <a:avLst/>
-              </a:prstGeom>
-              <a:noFill/>
-            </p:spPr>
-            <p:txBody>
-              <a:bodyPr wrap="square" rtlCol="0">
-                <a:spAutoFit/>
-              </a:bodyPr>
-              <a:p>
-                <a:pPr algn="ctr"/>
-                <a:r>
-                  <a:rPr lang="de-DE" altLang="en-US" sz="1400" b="1">
-                    <a:latin typeface="Calibri" charset="0"/>
-                  </a:rPr>
-                  <a:t>DP-GBDT Enclave E</a:t>
-                </a:r>
-                <a:r>
-                  <a:rPr lang="de-DE" altLang="en-US" sz="1400" b="1" baseline="-25000">
-                    <a:latin typeface="Calibri" charset="0"/>
-                  </a:rPr>
-                  <a:t>2</a:t>
-                </a:r>
-                <a:endParaRPr lang="de-DE" altLang="en-US" sz="1400" b="1" baseline="-25000">
-                  <a:latin typeface="Calibri" charset="0"/>
-                </a:endParaRPr>
-              </a:p>
-            </p:txBody>
-          </p:sp>
-        </p:grpSp>
-      </p:grpSp>
-      <p:grpSp>
-        <p:nvGrpSpPr>
-          <p:cNvPr id="135" name="Group 134"/>
-          <p:cNvGrpSpPr/>
-          <p:nvPr/>
-        </p:nvGrpSpPr>
-        <p:grpSpPr>
-          <a:xfrm>
-            <a:off x="1098550" y="2336165"/>
-            <a:ext cx="1488440" cy="1421130"/>
-            <a:chOff x="15494" y="4074"/>
-            <a:chExt cx="2344" cy="2238"/>
-          </a:xfrm>
-        </p:grpSpPr>
-        <p:sp>
-          <p:nvSpPr>
-            <p:cNvPr id="136" name="Rounded Rectangle 135"/>
-            <p:cNvSpPr/>
-            <p:nvPr/>
-          </p:nvSpPr>
-          <p:spPr>
-            <a:xfrm>
-              <a:off x="15494" y="4074"/>
-              <a:ext cx="2342" cy="2238"/>
-            </a:xfrm>
-            <a:prstGeom prst="roundRect">
-              <a:avLst/>
-            </a:prstGeom>
-            <a:solidFill>
-              <a:schemeClr val="accent6">
-                <a:lumMod val="20000"/>
-                <a:lumOff val="80000"/>
-              </a:schemeClr>
-            </a:solidFill>
-            <a:ln w="9525"/>
-          </p:spPr>
-          <p:style>
-            <a:lnRef idx="1">
-              <a:schemeClr val="accent6"/>
-            </a:lnRef>
-            <a:fillRef idx="2">
-              <a:schemeClr val="accent6"/>
-            </a:fillRef>
-            <a:effectRef idx="1">
-              <a:schemeClr val="accent6"/>
-            </a:effectRef>
-            <a:fontRef idx="minor">
-              <a:schemeClr val="dk1"/>
-            </a:fontRef>
-          </p:style>
-          <p:txBody>
-            <a:bodyPr rtlCol="0" anchor="ctr"/>
-            <a:p>
-              <a:pPr algn="ctr"/>
-              <a:endParaRPr lang="en-US"/>
-            </a:p>
-          </p:txBody>
-        </p:sp>
-        <p:sp>
-          <p:nvSpPr>
-            <p:cNvPr id="137" name="Text Box 136"/>
-            <p:cNvSpPr txBox="1"/>
-            <p:nvPr/>
-          </p:nvSpPr>
-          <p:spPr>
-            <a:xfrm>
-              <a:off x="15518" y="4132"/>
-              <a:ext cx="2321" cy="483"/>
-            </a:xfrm>
-            <a:prstGeom prst="rect">
-              <a:avLst/>
-            </a:prstGeom>
-            <a:noFill/>
-          </p:spPr>
-          <p:txBody>
-            <a:bodyPr wrap="square" rtlCol="0">
-              <a:spAutoFit/>
-            </a:bodyPr>
-            <a:p>
-              <a:pPr algn="ctr"/>
-              <a:r>
-                <a:rPr lang="de-DE" altLang="en-US" sz="1400" b="1">
-                  <a:latin typeface="Calibri" charset="0"/>
-                </a:rPr>
-                <a:t>Master Enclave</a:t>
-              </a:r>
-              <a:endParaRPr lang="de-DE" altLang="en-US" sz="1400" b="1" baseline="-25000">
-                <a:latin typeface="Calibri" charset="0"/>
-              </a:endParaRPr>
-            </a:p>
-          </p:txBody>
-        </p:sp>
-        <p:grpSp>
-          <p:nvGrpSpPr>
-            <p:cNvPr id="138" name="Group 137"/>
-            <p:cNvGrpSpPr/>
-            <p:nvPr/>
-          </p:nvGrpSpPr>
-          <p:grpSpPr>
-            <a:xfrm rot="0">
-              <a:off x="16571" y="4717"/>
-              <a:ext cx="1141" cy="1510"/>
-              <a:chOff x="16787" y="4807"/>
-              <a:chExt cx="1141" cy="1510"/>
-            </a:xfrm>
-          </p:grpSpPr>
-          <p:pic>
-            <p:nvPicPr>
-              <p:cNvPr id="139" name="Picture 138" descr="noun_Document_1224586"/>
-              <p:cNvPicPr>
-                <a:picLocks noChangeAspect="1"/>
-              </p:cNvPicPr>
-              <p:nvPr/>
-            </p:nvPicPr>
-            <p:blipFill>
-              <a:blip r:embed="rId4">
-                <a:extLst>
-                  <a:ext uri="{96DAC541-7B7A-43D3-8B79-37D633B846F1}">
-                    <asvg:svgBlip xmlns:asvg="http://schemas.microsoft.com/office/drawing/2016/SVG/main" r:embed="rId5"/>
-                  </a:ext>
-                </a:extLst>
-              </a:blip>
-              <a:srcRect l="12333" r="11733" b="19467"/>
-              <a:stretch>
-                <a:fillRect/>
-              </a:stretch>
-            </p:blipFill>
-            <p:spPr>
-              <a:xfrm>
-                <a:off x="16787" y="4807"/>
-                <a:ext cx="1139" cy="1510"/>
-              </a:xfrm>
-              <a:prstGeom prst="rect">
-                <a:avLst/>
-              </a:prstGeom>
-            </p:spPr>
-          </p:pic>
-          <p:sp>
-            <p:nvSpPr>
-              <p:cNvPr id="140" name="TextBox 79"/>
-              <p:cNvSpPr txBox="1"/>
-              <p:nvPr/>
-            </p:nvSpPr>
-            <p:spPr>
-              <a:xfrm>
-                <a:off x="16994" y="5240"/>
-                <a:ext cx="934" cy="727"/>
-              </a:xfrm>
-              <a:prstGeom prst="rect">
-                <a:avLst/>
-              </a:prstGeom>
-              <a:noFill/>
-            </p:spPr>
-            <p:txBody>
-              <a:bodyPr wrap="square" lIns="0" tIns="0" rIns="0" bIns="0" rtlCol="0">
-                <a:spAutoFit/>
-              </a:bodyPr>
-              <a:p>
-                <a:pPr algn="l"/>
-                <a:r>
-                  <a:rPr lang="de-DE" altLang="en-GB" sz="1000" dirty="0">
-                    <a:latin typeface="Calibri" charset="0"/>
-                  </a:rPr>
-                  <a:t>E</a:t>
-                </a:r>
-                <a:r>
-                  <a:rPr lang="de-DE" altLang="en-GB" sz="1000" baseline="-25000" dirty="0">
-                    <a:latin typeface="Calibri" charset="0"/>
-                  </a:rPr>
-                  <a:t>1</a:t>
-                </a:r>
-                <a:r>
-                  <a:rPr lang="de-DE" altLang="en-GB" sz="1000" dirty="0">
-                    <a:latin typeface="Calibri" charset="0"/>
-                  </a:rPr>
-                  <a:t> - pk</a:t>
-                </a:r>
-                <a:r>
-                  <a:rPr lang="de-DE" altLang="en-GB" sz="1000" baseline="-25000" dirty="0">
-                    <a:latin typeface="Calibri" charset="0"/>
-                  </a:rPr>
-                  <a:t>E1</a:t>
-                </a:r>
-                <a:endParaRPr lang="de-DE" altLang="en-GB" sz="1000" dirty="0">
-                  <a:latin typeface="Calibri" charset="0"/>
-                </a:endParaRPr>
-              </a:p>
-              <a:p>
-                <a:pPr algn="l"/>
-                <a:r>
-                  <a:rPr lang="de-DE" altLang="en-GB" sz="1000" dirty="0">
-                    <a:latin typeface="Calibri" charset="0"/>
-                  </a:rPr>
-                  <a:t>E</a:t>
-                </a:r>
-                <a:r>
-                  <a:rPr lang="de-DE" altLang="en-GB" sz="1000" baseline="-25000" dirty="0">
-                    <a:latin typeface="Calibri" charset="0"/>
-                  </a:rPr>
-                  <a:t>2</a:t>
-                </a:r>
-                <a:r>
-                  <a:rPr lang="de-DE" altLang="en-GB" sz="1000" dirty="0">
-                    <a:latin typeface="Calibri" charset="0"/>
-                  </a:rPr>
-                  <a:t> - pk</a:t>
-                </a:r>
-                <a:r>
-                  <a:rPr lang="de-DE" altLang="en-GB" sz="1000" baseline="-25000" dirty="0">
-                    <a:latin typeface="Calibri" charset="0"/>
-                  </a:rPr>
-                  <a:t>E2</a:t>
-                </a:r>
-                <a:endParaRPr lang="de-DE" altLang="en-GB" sz="1000" dirty="0">
-                  <a:latin typeface="Calibri" charset="0"/>
-                </a:endParaRPr>
-              </a:p>
-              <a:p>
-                <a:pPr algn="l"/>
-                <a:r>
-                  <a:rPr lang="de-DE" altLang="en-GB" sz="1000" dirty="0">
-                    <a:latin typeface="Calibri" charset="0"/>
-                  </a:rPr>
-                  <a:t>E</a:t>
-                </a:r>
-                <a:r>
-                  <a:rPr lang="de-DE" altLang="en-GB" sz="1000" baseline="-25000" dirty="0">
-                    <a:latin typeface="Calibri" charset="0"/>
-                  </a:rPr>
-                  <a:t>3</a:t>
-                </a:r>
-                <a:r>
-                  <a:rPr lang="de-DE" altLang="en-GB" sz="1000" dirty="0">
-                    <a:latin typeface="Calibri" charset="0"/>
-                  </a:rPr>
-                  <a:t> - pk</a:t>
-                </a:r>
-                <a:r>
-                  <a:rPr lang="de-DE" altLang="en-GB" sz="1000" baseline="-25000" dirty="0">
-                    <a:latin typeface="Calibri" charset="0"/>
-                  </a:rPr>
-                  <a:t>E3</a:t>
-                </a:r>
-                <a:r>
-                  <a:rPr lang="de-DE" altLang="en-GB" sz="1000" dirty="0">
-                    <a:latin typeface="Calibri" charset="0"/>
-                  </a:rPr>
-                  <a:t> </a:t>
-                </a:r>
-                <a:endParaRPr lang="de-DE" altLang="en-GB" sz="1000" dirty="0">
-                  <a:latin typeface="Calibri" charset="0"/>
-                  <a:ea typeface="AR PL UKai CN" panose="02000503000000000000" charset="-122"/>
-                </a:endParaRPr>
-              </a:p>
-            </p:txBody>
-          </p:sp>
-        </p:grpSp>
-        <p:sp>
-          <p:nvSpPr>
-            <p:cNvPr id="141" name="TextBox 79"/>
-            <p:cNvSpPr txBox="1"/>
-            <p:nvPr/>
-          </p:nvSpPr>
-          <p:spPr>
-            <a:xfrm>
-              <a:off x="15599" y="4875"/>
-              <a:ext cx="1227" cy="339"/>
-            </a:xfrm>
-            <a:prstGeom prst="rect">
-              <a:avLst/>
-            </a:prstGeom>
-            <a:noFill/>
-          </p:spPr>
-          <p:txBody>
-            <a:bodyPr wrap="square" lIns="0" tIns="0" rIns="0" bIns="0" rtlCol="0">
-              <a:spAutoFit/>
-            </a:bodyPr>
-            <a:p>
-              <a:pPr algn="l"/>
-              <a:r>
-                <a:rPr lang="de-DE" altLang="en-GB" sz="1400" dirty="0">
-                  <a:latin typeface="Calibri" charset="0"/>
-                </a:rPr>
-                <a:t>sk</a:t>
-              </a:r>
-              <a:r>
-                <a:rPr lang="de-DE" altLang="en-GB" sz="1400" baseline="-25000" dirty="0">
-                  <a:latin typeface="Calibri" charset="0"/>
-                </a:rPr>
-                <a:t>M</a:t>
-              </a:r>
-              <a:r>
-                <a:rPr lang="de-DE" altLang="en-GB" sz="1400" dirty="0">
-                  <a:latin typeface="Calibri" charset="0"/>
-                </a:rPr>
-                <a:t>/pk</a:t>
-              </a:r>
-              <a:r>
-                <a:rPr lang="de-DE" altLang="en-GB" sz="1400" baseline="-25000" dirty="0">
-                  <a:latin typeface="Calibri" charset="0"/>
-                </a:rPr>
-                <a:t>M</a:t>
-              </a:r>
-              <a:r>
-                <a:rPr lang="de-DE" altLang="en-GB" sz="1400" dirty="0">
-                  <a:latin typeface="Calibri" charset="0"/>
-                </a:rPr>
-                <a:t> </a:t>
-              </a:r>
-              <a:endParaRPr lang="de-DE" altLang="en-GB" sz="1400" dirty="0">
-                <a:latin typeface="Calibri" charset="0"/>
-                <a:ea typeface="AR PL UKai CN" panose="02000503000000000000" charset="-122"/>
-              </a:endParaRPr>
-            </a:p>
-          </p:txBody>
-        </p:sp>
-      </p:grpSp>
-      <p:pic>
-        <p:nvPicPr>
-          <p:cNvPr id="142" name="Picture 141" descr="noun_Lock_721996"/>
-          <p:cNvPicPr>
-            <a:picLocks noChangeAspect="1"/>
-          </p:cNvPicPr>
-          <p:nvPr/>
-        </p:nvPicPr>
-        <p:blipFill>
-          <a:blip r:embed="rId7">
-            <a:extLst>
-              <a:ext uri="{96DAC541-7B7A-43D3-8B79-37D633B846F1}">
-                <asvg:svgBlip xmlns:asvg="http://schemas.microsoft.com/office/drawing/2016/SVG/main" r:embed="rId8"/>
-              </a:ext>
-            </a:extLst>
-          </a:blip>
-          <a:srcRect l="9733" r="10400" b="20533"/>
-          <a:stretch>
-            <a:fillRect/>
-          </a:stretch>
-        </p:blipFill>
-        <p:spPr>
-          <a:xfrm>
-            <a:off x="621665" y="1776730"/>
-            <a:ext cx="311785" cy="387985"/>
-          </a:xfrm>
-          <a:prstGeom prst="rect">
-            <a:avLst/>
-          </a:prstGeom>
-        </p:spPr>
-      </p:pic>
-      <p:grpSp>
-        <p:nvGrpSpPr>
-          <p:cNvPr id="146" name="Group 145"/>
-          <p:cNvGrpSpPr/>
-          <p:nvPr/>
-        </p:nvGrpSpPr>
-        <p:grpSpPr>
-          <a:xfrm>
-            <a:off x="4290060" y="4385945"/>
-            <a:ext cx="1169670" cy="563245"/>
-            <a:chOff x="6944" y="7714"/>
-            <a:chExt cx="1842" cy="887"/>
-          </a:xfrm>
-        </p:grpSpPr>
-        <p:sp>
-          <p:nvSpPr>
-            <p:cNvPr id="144" name="Rounded Rectangle 143"/>
-            <p:cNvSpPr/>
-            <p:nvPr/>
-          </p:nvSpPr>
-          <p:spPr>
-            <a:xfrm>
-              <a:off x="6944" y="7721"/>
-              <a:ext cx="1843" cy="880"/>
-            </a:xfrm>
-            <a:prstGeom prst="roundRect">
-              <a:avLst/>
-            </a:prstGeom>
-            <a:solidFill>
-              <a:schemeClr val="accent6">
-                <a:lumMod val="20000"/>
-                <a:lumOff val="80000"/>
-              </a:schemeClr>
-            </a:solidFill>
-            <a:ln w="9525"/>
-          </p:spPr>
-          <p:style>
-            <a:lnRef idx="1">
-              <a:schemeClr val="accent6"/>
-            </a:lnRef>
-            <a:fillRef idx="2">
-              <a:schemeClr val="accent6"/>
-            </a:fillRef>
-            <a:effectRef idx="1">
-              <a:schemeClr val="accent6"/>
-            </a:effectRef>
-            <a:fontRef idx="minor">
-              <a:schemeClr val="dk1"/>
-            </a:fontRef>
-          </p:style>
-          <p:txBody>
-            <a:bodyPr rtlCol="0" anchor="ctr"/>
-            <a:p>
-              <a:pPr algn="ctr"/>
-              <a:endParaRPr lang="en-US"/>
-            </a:p>
-          </p:txBody>
-        </p:sp>
-        <p:sp>
-          <p:nvSpPr>
-            <p:cNvPr id="145" name="Text Box 144"/>
-            <p:cNvSpPr txBox="1"/>
-            <p:nvPr/>
-          </p:nvSpPr>
-          <p:spPr>
-            <a:xfrm>
-              <a:off x="7021" y="7714"/>
-              <a:ext cx="1650" cy="822"/>
-            </a:xfrm>
-            <a:prstGeom prst="rect">
-              <a:avLst/>
-            </a:prstGeom>
-            <a:noFill/>
-          </p:spPr>
-          <p:txBody>
-            <a:bodyPr wrap="square" rtlCol="0">
-              <a:spAutoFit/>
-            </a:bodyPr>
-            <a:p>
-              <a:pPr algn="ctr"/>
-              <a:r>
-                <a:rPr lang="de-DE" altLang="en-US" sz="1400" b="1">
-                  <a:latin typeface="Calibri" charset="0"/>
-                </a:rPr>
-                <a:t>DP-GBDT Enclave E</a:t>
-              </a:r>
-              <a:r>
-                <a:rPr lang="de-DE" altLang="en-US" sz="1400" b="1" baseline="-25000">
-                  <a:latin typeface="Calibri" charset="0"/>
-                </a:rPr>
-                <a:t>4</a:t>
-              </a:r>
-              <a:endParaRPr lang="de-DE" altLang="en-US" sz="1400" b="1" baseline="-25000">
-                <a:latin typeface="Calibri" charset="0"/>
-              </a:endParaRPr>
-            </a:p>
-          </p:txBody>
-        </p:sp>
-      </p:grpSp>
-      <p:cxnSp>
-        <p:nvCxnSpPr>
-          <p:cNvPr id="147" name="Straight Arrow Connector 146"/>
-          <p:cNvCxnSpPr/>
-          <p:nvPr/>
-        </p:nvCxnSpPr>
-        <p:spPr>
-          <a:xfrm flipH="1">
-            <a:off x="2506980" y="2430780"/>
-            <a:ext cx="1770380" cy="819785"/>
-          </a:xfrm>
-          <a:prstGeom prst="straightConnector1">
-            <a:avLst/>
-          </a:prstGeom>
-          <a:ln w="19050">
-            <a:solidFill>
-              <a:schemeClr val="tx1"/>
-            </a:solidFill>
-            <a:tailEnd type="arrow"/>
-          </a:ln>
-        </p:spPr>
-        <p:style>
-          <a:lnRef idx="1">
-            <a:schemeClr val="accent1"/>
-          </a:lnRef>
-          <a:fillRef idx="0">
-            <a:schemeClr val="accent1"/>
-          </a:fillRef>
-          <a:effectRef idx="0">
-            <a:schemeClr val="accent1"/>
-          </a:effectRef>
-          <a:fontRef idx="minor">
-            <a:schemeClr val="tx1"/>
-          </a:fontRef>
-        </p:style>
-      </p:cxnSp>
-      <p:cxnSp>
-        <p:nvCxnSpPr>
-          <p:cNvPr id="148" name="Straight Arrow Connector 147"/>
-          <p:cNvCxnSpPr/>
-          <p:nvPr/>
-        </p:nvCxnSpPr>
-        <p:spPr>
-          <a:xfrm flipH="1">
-            <a:off x="2506980" y="3023870"/>
-            <a:ext cx="1819275" cy="226695"/>
-          </a:xfrm>
-          <a:prstGeom prst="straightConnector1">
-            <a:avLst/>
-          </a:prstGeom>
-          <a:ln w="19050">
-            <a:solidFill>
-              <a:schemeClr val="tx1"/>
-            </a:solidFill>
-            <a:tailEnd type="arrow"/>
-          </a:ln>
-        </p:spPr>
-        <p:style>
-          <a:lnRef idx="1">
-            <a:schemeClr val="accent1"/>
-          </a:lnRef>
-          <a:fillRef idx="0">
-            <a:schemeClr val="accent1"/>
-          </a:fillRef>
-          <a:effectRef idx="0">
-            <a:schemeClr val="accent1"/>
-          </a:effectRef>
-          <a:fontRef idx="minor">
-            <a:schemeClr val="tx1"/>
-          </a:fontRef>
-        </p:style>
-      </p:cxnSp>
-      <p:cxnSp>
-        <p:nvCxnSpPr>
-          <p:cNvPr id="149" name="Straight Arrow Connector 148"/>
-          <p:cNvCxnSpPr/>
-          <p:nvPr/>
-        </p:nvCxnSpPr>
-        <p:spPr>
-          <a:xfrm flipH="1" flipV="1">
-            <a:off x="2506980" y="3250565"/>
-            <a:ext cx="1812925" cy="389255"/>
-          </a:xfrm>
-          <a:prstGeom prst="straightConnector1">
-            <a:avLst/>
-          </a:prstGeom>
-          <a:ln w="19050">
-            <a:solidFill>
-              <a:schemeClr val="tx1"/>
-            </a:solidFill>
-            <a:tailEnd type="arrow"/>
-          </a:ln>
-        </p:spPr>
-        <p:style>
-          <a:lnRef idx="1">
-            <a:schemeClr val="accent1"/>
-          </a:lnRef>
-          <a:fillRef idx="0">
-            <a:schemeClr val="accent1"/>
-          </a:fillRef>
-          <a:effectRef idx="0">
-            <a:schemeClr val="accent1"/>
-          </a:effectRef>
-          <a:fontRef idx="minor">
-            <a:schemeClr val="tx1"/>
-          </a:fontRef>
-        </p:style>
-      </p:cxnSp>
-      <p:cxnSp>
-        <p:nvCxnSpPr>
-          <p:cNvPr id="150" name="Straight Arrow Connector 149"/>
-          <p:cNvCxnSpPr/>
-          <p:nvPr/>
-        </p:nvCxnSpPr>
-        <p:spPr>
-          <a:xfrm flipH="1" flipV="1">
-            <a:off x="2506980" y="3250565"/>
-            <a:ext cx="1783080" cy="1419225"/>
-          </a:xfrm>
-          <a:prstGeom prst="straightConnector1">
-            <a:avLst/>
-          </a:prstGeom>
-          <a:ln w="19050" cmpd="sng">
-            <a:solidFill>
-              <a:srgbClr val="FF3300"/>
-            </a:solidFill>
-            <a:prstDash val="sysDash"/>
-            <a:tailEnd type="arrow"/>
-          </a:ln>
-        </p:spPr>
-        <p:style>
-          <a:lnRef idx="1">
-            <a:schemeClr val="accent1"/>
-          </a:lnRef>
-          <a:fillRef idx="0">
-            <a:schemeClr val="accent1"/>
-          </a:fillRef>
-          <a:effectRef idx="0">
-            <a:schemeClr val="accent1"/>
-          </a:effectRef>
-          <a:fontRef idx="minor">
-            <a:schemeClr val="tx1"/>
-          </a:fontRef>
-        </p:style>
-      </p:cxnSp>
-      <p:sp>
-        <p:nvSpPr>
-          <p:cNvPr id="151" name="Text Box 150"/>
-          <p:cNvSpPr txBox="1"/>
-          <p:nvPr/>
-        </p:nvSpPr>
-        <p:spPr>
-          <a:xfrm>
-            <a:off x="3413125" y="3913505"/>
-            <a:ext cx="389255" cy="368300"/>
-          </a:xfrm>
-          <a:prstGeom prst="rect">
-            <a:avLst/>
-          </a:prstGeom>
-          <a:noFill/>
-        </p:spPr>
-        <p:txBody>
-          <a:bodyPr wrap="square" rtlCol="0">
-            <a:spAutoFit/>
-          </a:bodyPr>
-          <a:p>
-            <a:r>
-              <a:rPr lang="de-DE" altLang="en-US" b="1">
-                <a:latin typeface="Calibri" charset="0"/>
-              </a:rPr>
-              <a:t>X</a:t>
-            </a:r>
-            <a:endParaRPr lang="de-DE" altLang="en-US" b="1">
-              <a:latin typeface="Calibri" charset="0"/>
-            </a:endParaRPr>
-          </a:p>
-        </p:txBody>
-      </p:sp>
-      <p:sp>
-        <p:nvSpPr>
-          <p:cNvPr id="152" name="TextBox 79"/>
-          <p:cNvSpPr txBox="1"/>
-          <p:nvPr/>
-        </p:nvSpPr>
-        <p:spPr>
-          <a:xfrm>
-            <a:off x="3033457" y="3175001"/>
-            <a:ext cx="1028683" cy="215265"/>
-          </a:xfrm>
-          <a:prstGeom prst="rect">
-            <a:avLst/>
-          </a:prstGeom>
-          <a:noFill/>
-        </p:spPr>
-        <p:txBody>
-          <a:bodyPr wrap="square" lIns="0" tIns="0" rIns="0" bIns="0" rtlCol="0">
-            <a:spAutoFit/>
-          </a:bodyPr>
-          <a:p>
-            <a:pPr algn="ctr"/>
-            <a:r>
-              <a:rPr lang="de-DE" altLang="en-GB" sz="1400" dirty="0">
-                <a:latin typeface="Calibri" charset="0"/>
-              </a:rPr>
-              <a:t>pk</a:t>
-            </a:r>
-            <a:r>
-              <a:rPr lang="de-DE" altLang="en-GB" sz="1400" baseline="-25000" dirty="0">
-                <a:latin typeface="Calibri" charset="0"/>
-              </a:rPr>
-              <a:t>j</a:t>
-            </a:r>
-            <a:endParaRPr lang="en-US" altLang="de-DE" sz="1400" i="1" baseline="-25000" dirty="0">
-              <a:latin typeface="DejaVu Math TeX Gyre" panose="02000503000000000000" charset="0"/>
-              <a:cs typeface="DejaVu Math TeX Gyre" panose="02000503000000000000" charset="0"/>
-            </a:endParaRPr>
-          </a:p>
-        </p:txBody>
-      </p:sp>
-      <p:sp>
-        <p:nvSpPr>
-          <p:cNvPr id="153" name="Text Box 152"/>
-          <p:cNvSpPr txBox="1"/>
-          <p:nvPr/>
-        </p:nvSpPr>
-        <p:spPr>
-          <a:xfrm>
-            <a:off x="1338580" y="1205865"/>
-            <a:ext cx="2463800" cy="368300"/>
-          </a:xfrm>
-          <a:prstGeom prst="rect">
-            <a:avLst/>
-          </a:prstGeom>
-          <a:noFill/>
-        </p:spPr>
-        <p:txBody>
-          <a:bodyPr wrap="square" rtlCol="0">
-            <a:spAutoFit/>
-          </a:bodyPr>
-          <a:p>
-            <a:r>
-              <a:rPr lang="de-DE" altLang="en-US">
-                <a:latin typeface="Calibri" charset="0"/>
-              </a:rPr>
-              <a:t>Setup phase:</a:t>
-            </a:r>
-            <a:endParaRPr lang="de-DE" altLang="en-US">
-              <a:latin typeface="Calibri" charset="0"/>
-            </a:endParaRPr>
-          </a:p>
-        </p:txBody>
-      </p:sp>
-      <p:sp>
-        <p:nvSpPr>
-          <p:cNvPr id="154" name="Text Box 153"/>
-          <p:cNvSpPr txBox="1"/>
-          <p:nvPr/>
-        </p:nvSpPr>
-        <p:spPr>
-          <a:xfrm>
-            <a:off x="6507480" y="2494280"/>
-            <a:ext cx="2463800" cy="368300"/>
-          </a:xfrm>
-          <a:prstGeom prst="rect">
-            <a:avLst/>
-          </a:prstGeom>
-          <a:noFill/>
-        </p:spPr>
-        <p:txBody>
-          <a:bodyPr wrap="square" rtlCol="0">
-            <a:spAutoFit/>
-          </a:bodyPr>
-          <a:p>
-            <a:r>
-              <a:rPr lang="de-DE" altLang="en-US">
-                <a:latin typeface="Calibri" charset="0"/>
-              </a:rPr>
-              <a:t>Data collection:</a:t>
-            </a:r>
-            <a:endParaRPr lang="de-DE" altLang="en-US">
-              <a:latin typeface="Calibri" charset="0"/>
-            </a:endParaRPr>
-          </a:p>
-        </p:txBody>
-      </p:sp>
     </p:spTree>
   </p:cSld>
   <p:clrMapOvr>
@@ -24521,7 +24774,7 @@
 </p:sld>
 </file>
 
-<file path=ppt/slides/slide8.xml><?xml version="1.0" encoding="utf-8"?>
+<file path=ppt/slides/slide9.xml><?xml version="1.0" encoding="utf-8"?>
 <p:sld xmlns:a="http://schemas.openxmlformats.org/drawingml/2006/main" xmlns:r="http://schemas.openxmlformats.org/officeDocument/2006/relationships" xmlns:p="http://schemas.openxmlformats.org/presentationml/2006/main">
   <p:cSld>
     <p:spTree>
@@ -24531,39 +24784,6 @@
         <p:nvPr/>
       </p:nvGrpSpPr>
       <p:grpSpPr/>
-      <p:sp>
-        <p:nvSpPr>
-          <p:cNvPr id="2" name="Text Box 1"/>
-          <p:cNvSpPr txBox="1"/>
-          <p:nvPr/>
-        </p:nvSpPr>
-        <p:spPr>
-          <a:xfrm>
-            <a:off x="880110" y="315595"/>
-            <a:ext cx="5510530" cy="368300"/>
-          </a:xfrm>
-          <a:prstGeom prst="rect">
-            <a:avLst/>
-          </a:prstGeom>
-          <a:noFill/>
-        </p:spPr>
-        <p:txBody>
-          <a:bodyPr wrap="square" rtlCol="0">
-            <a:spAutoFit/>
-          </a:bodyPr>
-          <a:p>
-            <a:r>
-              <a:rPr lang="de-DE" altLang="en-US">
-                <a:latin typeface="Calibri" charset="0"/>
-              </a:rPr>
-              <a:t>Enclave migration process</a:t>
-            </a:r>
-            <a:endParaRPr lang="de-DE" altLang="en-US">
-              <a:latin typeface="Calibri" charset="0"/>
-            </a:endParaRPr>
-          </a:p>
-        </p:txBody>
-      </p:sp>
       <p:grpSp>
         <p:nvGrpSpPr>
           <p:cNvPr id="6" name="Group 5"/>

--- a/resources/writing/powerpoint/template_only_mine.pptx
+++ b/resources/writing/powerpoint/template_only_mine.pptx
@@ -8,10 +8,10 @@
     <p:sldMasterId id="2147483681" r:id="rId5"/>
   </p:sldMasterIdLst>
   <p:notesMasterIdLst>
-    <p:notesMasterId r:id="rId16"/>
+    <p:notesMasterId r:id="rId17"/>
   </p:notesMasterIdLst>
   <p:handoutMasterIdLst>
-    <p:handoutMasterId r:id="rId17"/>
+    <p:handoutMasterId r:id="rId18"/>
   </p:handoutMasterIdLst>
   <p:sldIdLst>
     <p:sldId id="274" r:id="rId6"/>
@@ -24,6 +24,7 @@
     <p:sldId id="287" r:id="rId13"/>
     <p:sldId id="284" r:id="rId14"/>
     <p:sldId id="285" r:id="rId15"/>
+    <p:sldId id="297" r:id="rId16"/>
   </p:sldIdLst>
   <p:sldSz cx="12192000" cy="6858000"/>
   <p:notesSz cx="7103745" cy="10234295"/>
@@ -13604,6 +13605,733 @@
           </a:fontRef>
         </p:style>
       </p:cxnSp>
+    </p:spTree>
+  </p:cSld>
+  <p:clrMapOvr>
+    <a:masterClrMapping/>
+  </p:clrMapOvr>
+  <p:timing>
+    <p:tnLst>
+      <p:par>
+        <p:cTn id="1" dur="indefinite" restart="never" nodeType="tmRoot"/>
+      </p:par>
+    </p:tnLst>
+  </p:timing>
+</p:sld>
+</file>
+
+<file path=ppt/slides/slide11.xml><?xml version="1.0" encoding="utf-8"?>
+<p:sld xmlns:a="http://schemas.openxmlformats.org/drawingml/2006/main" xmlns:r="http://schemas.openxmlformats.org/officeDocument/2006/relationships" xmlns:p="http://schemas.openxmlformats.org/presentationml/2006/main">
+  <p:cSld>
+    <p:spTree>
+      <p:nvGrpSpPr>
+        <p:cNvPr id="1" name=""/>
+        <p:cNvGrpSpPr/>
+        <p:nvPr/>
+      </p:nvGrpSpPr>
+      <p:grpSpPr/>
+      <p:grpSp>
+        <p:nvGrpSpPr>
+          <p:cNvPr id="7" name="Group 6"/>
+          <p:cNvGrpSpPr/>
+          <p:nvPr/>
+        </p:nvGrpSpPr>
+        <p:grpSpPr>
+          <a:xfrm>
+            <a:off x="6407150" y="1971040"/>
+            <a:ext cx="3446780" cy="1993265"/>
+            <a:chOff x="1972" y="1951"/>
+            <a:chExt cx="2674" cy="4530"/>
+          </a:xfrm>
+        </p:grpSpPr>
+        <p:sp>
+          <p:nvSpPr>
+            <p:cNvPr id="10" name="TextBox 79"/>
+            <p:cNvSpPr txBox="1"/>
+            <p:nvPr/>
+          </p:nvSpPr>
+          <p:spPr>
+            <a:xfrm>
+              <a:off x="3845" y="2013"/>
+              <a:ext cx="801" cy="489"/>
+            </a:xfrm>
+            <a:prstGeom prst="rect">
+              <a:avLst/>
+            </a:prstGeom>
+            <a:noFill/>
+          </p:spPr>
+          <p:txBody>
+            <a:bodyPr wrap="square" lIns="0" tIns="0" rIns="0" bIns="0" rtlCol="0">
+              <a:spAutoFit/>
+            </a:bodyPr>
+            <a:p>
+              <a:pPr indent="0" algn="ctr">
+                <a:buNone/>
+              </a:pPr>
+              <a:r>
+                <a:rPr lang="de-DE" altLang="en-GB" sz="1400" b="1" dirty="0">
+                  <a:latin typeface="Calibri" charset="0"/>
+                  <a:ea typeface="AR PL UKai CN" panose="02000503000000000000" charset="-122"/>
+                </a:rPr>
+                <a:t>Insurance</a:t>
+              </a:r>
+              <a:endParaRPr lang="de-DE" altLang="en-GB" sz="1400" b="1" dirty="0">
+                <a:latin typeface="Calibri" charset="0"/>
+                <a:ea typeface="AR PL UKai CN" panose="02000503000000000000" charset="-122"/>
+              </a:endParaRPr>
+            </a:p>
+          </p:txBody>
+        </p:sp>
+        <p:sp>
+          <p:nvSpPr>
+            <p:cNvPr id="11" name="Rectangles 10"/>
+            <p:cNvSpPr/>
+            <p:nvPr/>
+          </p:nvSpPr>
+          <p:spPr>
+            <a:xfrm>
+              <a:off x="1972" y="1951"/>
+              <a:ext cx="2640" cy="4530"/>
+            </a:xfrm>
+            <a:prstGeom prst="rect">
+              <a:avLst/>
+            </a:prstGeom>
+            <a:noFill/>
+            <a:ln w="28575" cmpd="sng">
+              <a:solidFill>
+                <a:schemeClr val="accent1">
+                  <a:lumMod val="75000"/>
+                </a:schemeClr>
+              </a:solidFill>
+              <a:prstDash val="solid"/>
+            </a:ln>
+          </p:spPr>
+          <p:style>
+            <a:lnRef idx="2">
+              <a:schemeClr val="accent1">
+                <a:shade val="50000"/>
+              </a:schemeClr>
+            </a:lnRef>
+            <a:fillRef idx="1">
+              <a:schemeClr val="accent1"/>
+            </a:fillRef>
+            <a:effectRef idx="0">
+              <a:schemeClr val="accent1"/>
+            </a:effectRef>
+            <a:fontRef idx="minor">
+              <a:schemeClr val="lt1"/>
+            </a:fontRef>
+          </p:style>
+          <p:txBody>
+            <a:bodyPr rtlCol="0" anchor="ctr"/>
+            <a:p>
+              <a:pPr algn="ctr"/>
+              <a:endParaRPr lang="en-US"/>
+            </a:p>
+          </p:txBody>
+        </p:sp>
+      </p:grpSp>
+      <p:grpSp>
+        <p:nvGrpSpPr>
+          <p:cNvPr id="15" name="Group 14"/>
+          <p:cNvGrpSpPr/>
+          <p:nvPr/>
+        </p:nvGrpSpPr>
+        <p:grpSpPr>
+          <a:xfrm>
+            <a:off x="2600325" y="2480027"/>
+            <a:ext cx="6594016" cy="1273364"/>
+            <a:chOff x="5596" y="3556"/>
+            <a:chExt cx="10384" cy="2005"/>
+          </a:xfrm>
+        </p:grpSpPr>
+        <p:cxnSp>
+          <p:nvCxnSpPr>
+            <p:cNvPr id="51" name="Straight Arrow Connector 50"/>
+            <p:cNvCxnSpPr/>
+            <p:nvPr/>
+          </p:nvCxnSpPr>
+          <p:spPr>
+            <a:xfrm>
+              <a:off x="8519" y="4782"/>
+              <a:ext cx="3888" cy="0"/>
+            </a:xfrm>
+            <a:prstGeom prst="straightConnector1">
+              <a:avLst/>
+            </a:prstGeom>
+            <a:ln>
+              <a:headEnd type="none" w="med" len="med"/>
+              <a:tailEnd type="arrow" w="med" len="med"/>
+            </a:ln>
+          </p:spPr>
+          <p:style>
+            <a:lnRef idx="3">
+              <a:schemeClr val="dk1"/>
+            </a:lnRef>
+            <a:fillRef idx="0">
+              <a:schemeClr val="dk1"/>
+            </a:fillRef>
+            <a:effectRef idx="2">
+              <a:schemeClr val="dk1"/>
+            </a:effectRef>
+            <a:fontRef idx="minor">
+              <a:schemeClr val="tx1"/>
+            </a:fontRef>
+          </p:style>
+        </p:cxnSp>
+        <p:grpSp>
+          <p:nvGrpSpPr>
+            <p:cNvPr id="3" name="Group 2"/>
+            <p:cNvGrpSpPr/>
+            <p:nvPr/>
+          </p:nvGrpSpPr>
+          <p:grpSpPr>
+            <a:xfrm>
+              <a:off x="9862" y="4142"/>
+              <a:ext cx="629" cy="717"/>
+              <a:chOff x="1189" y="3450"/>
+              <a:chExt cx="629" cy="717"/>
+            </a:xfrm>
+          </p:grpSpPr>
+          <p:pic>
+            <p:nvPicPr>
+              <p:cNvPr id="9" name="Picture 8" descr="noun_Survey_3344309"/>
+              <p:cNvPicPr>
+                <a:picLocks noChangeAspect="1"/>
+              </p:cNvPicPr>
+              <p:nvPr/>
+            </p:nvPicPr>
+            <p:blipFill>
+              <a:blip r:embed="rId1">
+                <a:extLst>
+                  <a:ext uri="{96DAC541-7B7A-43D3-8B79-37D633B846F1}">
+                    <asvg:svgBlip xmlns:asvg="http://schemas.microsoft.com/office/drawing/2016/SVG/main" r:embed="rId2"/>
+                  </a:ext>
+                </a:extLst>
+              </a:blip>
+              <a:srcRect r="23349"/>
+              <a:stretch>
+                <a:fillRect/>
+              </a:stretch>
+            </p:blipFill>
+            <p:spPr>
+              <a:xfrm>
+                <a:off x="1189" y="3450"/>
+                <a:ext cx="421" cy="717"/>
+              </a:xfrm>
+              <a:prstGeom prst="rect">
+                <a:avLst/>
+              </a:prstGeom>
+            </p:spPr>
+          </p:pic>
+          <p:pic>
+            <p:nvPicPr>
+              <p:cNvPr id="2" name="Picture 1" descr="noun_locked_4350090"/>
+              <p:cNvPicPr>
+                <a:picLocks noChangeAspect="1"/>
+              </p:cNvPicPr>
+              <p:nvPr/>
+            </p:nvPicPr>
+            <p:blipFill>
+              <a:blip r:embed="rId3">
+                <a:extLst>
+                  <a:ext uri="{96DAC541-7B7A-43D3-8B79-37D633B846F1}">
+                    <asvg:svgBlip xmlns:asvg="http://schemas.microsoft.com/office/drawing/2016/SVG/main" r:embed="rId4"/>
+                  </a:ext>
+                </a:extLst>
+              </a:blip>
+              <a:srcRect l="9733" r="8333" b="21067"/>
+              <a:stretch>
+                <a:fillRect/>
+              </a:stretch>
+            </p:blipFill>
+            <p:spPr>
+              <a:xfrm>
+                <a:off x="1487" y="3691"/>
+                <a:ext cx="331" cy="399"/>
+              </a:xfrm>
+              <a:prstGeom prst="rect">
+                <a:avLst/>
+              </a:prstGeom>
+            </p:spPr>
+          </p:pic>
+        </p:grpSp>
+        <p:grpSp>
+          <p:nvGrpSpPr>
+            <p:cNvPr id="12" name="Group 11"/>
+            <p:cNvGrpSpPr/>
+            <p:nvPr/>
+          </p:nvGrpSpPr>
+          <p:grpSpPr>
+            <a:xfrm>
+              <a:off x="11962" y="3556"/>
+              <a:ext cx="4018" cy="2005"/>
+              <a:chOff x="13867" y="4659"/>
+              <a:chExt cx="4018" cy="2005"/>
+            </a:xfrm>
+          </p:grpSpPr>
+          <p:grpSp>
+            <p:nvGrpSpPr>
+              <p:cNvPr id="101" name="Group 100"/>
+              <p:cNvGrpSpPr/>
+              <p:nvPr/>
+            </p:nvGrpSpPr>
+            <p:grpSpPr>
+              <a:xfrm rot="0">
+                <a:off x="14312" y="5315"/>
+                <a:ext cx="1608" cy="1111"/>
+                <a:chOff x="6661" y="2573"/>
+                <a:chExt cx="8597" cy="4112"/>
+              </a:xfrm>
+            </p:grpSpPr>
+            <p:sp>
+              <p:nvSpPr>
+                <p:cNvPr id="102" name="Rounded Rectangle 101"/>
+                <p:cNvSpPr/>
+                <p:nvPr/>
+              </p:nvSpPr>
+              <p:spPr>
+                <a:xfrm>
+                  <a:off x="6661" y="2573"/>
+                  <a:ext cx="8597" cy="4112"/>
+                </a:xfrm>
+                <a:prstGeom prst="roundRect">
+                  <a:avLst/>
+                </a:prstGeom>
+                <a:solidFill>
+                  <a:schemeClr val="accent6">
+                    <a:lumMod val="20000"/>
+                    <a:lumOff val="80000"/>
+                  </a:schemeClr>
+                </a:solidFill>
+                <a:ln w="9525"/>
+              </p:spPr>
+              <p:style>
+                <a:lnRef idx="1">
+                  <a:schemeClr val="accent6"/>
+                </a:lnRef>
+                <a:fillRef idx="2">
+                  <a:schemeClr val="accent6"/>
+                </a:fillRef>
+                <a:effectRef idx="1">
+                  <a:schemeClr val="accent6"/>
+                </a:effectRef>
+                <a:fontRef idx="minor">
+                  <a:schemeClr val="dk1"/>
+                </a:fontRef>
+              </p:style>
+              <p:txBody>
+                <a:bodyPr rtlCol="0" anchor="ctr"/>
+                <a:p>
+                  <a:pPr algn="ctr"/>
+                  <a:endParaRPr lang="en-US"/>
+                </a:p>
+              </p:txBody>
+            </p:sp>
+            <p:sp>
+              <p:nvSpPr>
+                <p:cNvPr id="103" name="Text Box 102"/>
+                <p:cNvSpPr txBox="1"/>
+                <p:nvPr/>
+              </p:nvSpPr>
+              <p:spPr>
+                <a:xfrm>
+                  <a:off x="7238" y="2573"/>
+                  <a:ext cx="7410" cy="1788"/>
+                </a:xfrm>
+                <a:prstGeom prst="rect">
+                  <a:avLst/>
+                </a:prstGeom>
+                <a:noFill/>
+              </p:spPr>
+              <p:txBody>
+                <a:bodyPr wrap="square" rtlCol="0">
+                  <a:spAutoFit/>
+                </a:bodyPr>
+                <a:p>
+                  <a:pPr algn="ctr"/>
+                  <a:r>
+                    <a:rPr lang="de-DE" altLang="en-US" sz="1400" b="1">
+                      <a:latin typeface="Calibri" charset="0"/>
+                    </a:rPr>
+                    <a:t>Enclave</a:t>
+                  </a:r>
+                  <a:endParaRPr lang="de-DE" altLang="en-US" sz="1400" b="1" baseline="-25000">
+                    <a:latin typeface="Calibri" charset="0"/>
+                  </a:endParaRPr>
+                </a:p>
+              </p:txBody>
+            </p:sp>
+          </p:grpSp>
+          <p:sp>
+            <p:nvSpPr>
+              <p:cNvPr id="104" name="Flowchart: Magnetic Disk 103"/>
+              <p:cNvSpPr/>
+              <p:nvPr/>
+            </p:nvSpPr>
+            <p:spPr>
+              <a:xfrm>
+                <a:off x="16640" y="5315"/>
+                <a:ext cx="856" cy="1111"/>
+              </a:xfrm>
+              <a:prstGeom prst="flowChartMagneticDisk">
+                <a:avLst/>
+              </a:prstGeom>
+              <a:solidFill>
+                <a:schemeClr val="accent5">
+                  <a:lumMod val="20000"/>
+                  <a:lumOff val="80000"/>
+                </a:schemeClr>
+              </a:solidFill>
+            </p:spPr>
+            <p:style>
+              <a:lnRef idx="2">
+                <a:schemeClr val="accent1">
+                  <a:shade val="50000"/>
+                </a:schemeClr>
+              </a:lnRef>
+              <a:fillRef idx="1">
+                <a:schemeClr val="accent1"/>
+              </a:fillRef>
+              <a:effectRef idx="0">
+                <a:schemeClr val="accent1"/>
+              </a:effectRef>
+              <a:fontRef idx="minor">
+                <a:schemeClr val="lt1"/>
+              </a:fontRef>
+            </p:style>
+            <p:txBody>
+              <a:bodyPr rtlCol="0" anchor="ctr"/>
+              <a:p>
+                <a:pPr algn="ctr"/>
+                <a:endParaRPr lang="en-US"/>
+              </a:p>
+            </p:txBody>
+          </p:sp>
+          <p:grpSp>
+            <p:nvGrpSpPr>
+              <p:cNvPr id="6" name="Group 5"/>
+              <p:cNvGrpSpPr/>
+              <p:nvPr/>
+            </p:nvGrpSpPr>
+            <p:grpSpPr>
+              <a:xfrm>
+                <a:off x="13867" y="4659"/>
+                <a:ext cx="4018" cy="2005"/>
+                <a:chOff x="1972" y="1469"/>
+                <a:chExt cx="6692" cy="3340"/>
+              </a:xfrm>
+            </p:grpSpPr>
+            <p:sp>
+              <p:nvSpPr>
+                <p:cNvPr id="39" name="TextBox 79"/>
+                <p:cNvSpPr txBox="1"/>
+                <p:nvPr/>
+              </p:nvSpPr>
+              <p:spPr>
+                <a:xfrm>
+                  <a:off x="5963" y="1561"/>
+                  <a:ext cx="2481" cy="565"/>
+                </a:xfrm>
+                <a:prstGeom prst="rect">
+                  <a:avLst/>
+                </a:prstGeom>
+                <a:noFill/>
+              </p:spPr>
+              <p:txBody>
+                <a:bodyPr wrap="square" lIns="0" tIns="0" rIns="0" bIns="0" rtlCol="0">
+                  <a:spAutoFit/>
+                </a:bodyPr>
+                <a:p>
+                  <a:pPr indent="0" algn="r">
+                    <a:buNone/>
+                  </a:pPr>
+                  <a:r>
+                    <a:rPr lang="de-DE" altLang="en-GB" sz="1400" b="1" dirty="0">
+                      <a:latin typeface="Calibri" charset="0"/>
+                      <a:ea typeface="AR PL UKai CN" panose="02000503000000000000" charset="-122"/>
+                    </a:rPr>
+                    <a:t>Server</a:t>
+                  </a:r>
+                  <a:endParaRPr lang="de-DE" altLang="en-GB" sz="1400" b="1" dirty="0">
+                    <a:latin typeface="Calibri" charset="0"/>
+                    <a:ea typeface="AR PL UKai CN" panose="02000503000000000000" charset="-122"/>
+                  </a:endParaRPr>
+                </a:p>
+              </p:txBody>
+            </p:sp>
+            <p:sp>
+              <p:nvSpPr>
+                <p:cNvPr id="119" name="Rectangles 118"/>
+                <p:cNvSpPr/>
+                <p:nvPr/>
+              </p:nvSpPr>
+              <p:spPr>
+                <a:xfrm>
+                  <a:off x="1972" y="1469"/>
+                  <a:ext cx="6692" cy="3340"/>
+                </a:xfrm>
+                <a:prstGeom prst="rect">
+                  <a:avLst/>
+                </a:prstGeom>
+                <a:noFill/>
+                <a:ln w="28575" cmpd="sng">
+                  <a:solidFill>
+                    <a:schemeClr val="bg1">
+                      <a:lumMod val="50000"/>
+                    </a:schemeClr>
+                  </a:solidFill>
+                  <a:prstDash val="sysDash"/>
+                </a:ln>
+              </p:spPr>
+              <p:style>
+                <a:lnRef idx="2">
+                  <a:schemeClr val="accent1">
+                    <a:shade val="50000"/>
+                  </a:schemeClr>
+                </a:lnRef>
+                <a:fillRef idx="1">
+                  <a:schemeClr val="accent1"/>
+                </a:fillRef>
+                <a:effectRef idx="0">
+                  <a:schemeClr val="accent1"/>
+                </a:effectRef>
+                <a:fontRef idx="minor">
+                  <a:schemeClr val="lt1"/>
+                </a:fontRef>
+              </p:style>
+              <p:txBody>
+                <a:bodyPr rtlCol="0" anchor="ctr"/>
+                <a:p>
+                  <a:pPr algn="ctr"/>
+                  <a:endParaRPr lang="en-US"/>
+                </a:p>
+              </p:txBody>
+            </p:sp>
+          </p:grpSp>
+        </p:grpSp>
+        <p:grpSp>
+          <p:nvGrpSpPr>
+            <p:cNvPr id="14" name="Group 13"/>
+            <p:cNvGrpSpPr/>
+            <p:nvPr/>
+          </p:nvGrpSpPr>
+          <p:grpSpPr>
+            <a:xfrm>
+              <a:off x="5596" y="3970"/>
+              <a:ext cx="4544" cy="1590"/>
+              <a:chOff x="5596" y="3970"/>
+              <a:chExt cx="4544" cy="1590"/>
+            </a:xfrm>
+          </p:grpSpPr>
+          <p:pic>
+            <p:nvPicPr>
+              <p:cNvPr id="8" name="Picture 7" descr="noun_Factory_1624223"/>
+              <p:cNvPicPr>
+                <a:picLocks noChangeAspect="1"/>
+              </p:cNvPicPr>
+              <p:nvPr/>
+            </p:nvPicPr>
+            <p:blipFill>
+              <a:blip r:embed="rId5">
+                <a:extLst>
+                  <a:ext uri="{96DAC541-7B7A-43D3-8B79-37D633B846F1}">
+                    <asvg:svgBlip xmlns:asvg="http://schemas.microsoft.com/office/drawing/2016/SVG/main" r:embed="rId6"/>
+                  </a:ext>
+                </a:extLst>
+              </a:blip>
+              <a:srcRect b="19949"/>
+              <a:stretch>
+                <a:fillRect/>
+              </a:stretch>
+            </p:blipFill>
+            <p:spPr>
+              <a:xfrm>
+                <a:off x="7259" y="3970"/>
+                <a:ext cx="1218" cy="1278"/>
+              </a:xfrm>
+              <a:prstGeom prst="rect">
+                <a:avLst/>
+              </a:prstGeom>
+            </p:spPr>
+          </p:pic>
+          <p:sp>
+            <p:nvSpPr>
+              <p:cNvPr id="13" name="TextBox 79"/>
+              <p:cNvSpPr txBox="1"/>
+              <p:nvPr/>
+            </p:nvSpPr>
+            <p:spPr>
+              <a:xfrm>
+                <a:off x="5596" y="5221"/>
+                <a:ext cx="4544" cy="339"/>
+              </a:xfrm>
+              <a:prstGeom prst="rect">
+                <a:avLst/>
+              </a:prstGeom>
+              <a:noFill/>
+            </p:spPr>
+            <p:txBody>
+              <a:bodyPr wrap="square" lIns="0" tIns="0" rIns="0" bIns="0" rtlCol="0">
+                <a:spAutoFit/>
+              </a:bodyPr>
+              <a:p>
+                <a:pPr indent="0" algn="ctr">
+                  <a:buNone/>
+                </a:pPr>
+                <a:r>
+                  <a:rPr lang="de-DE" altLang="en-GB" sz="1400" b="1" dirty="0">
+                    <a:latin typeface="Calibri" charset="0"/>
+                    <a:ea typeface="AR PL UKai CN" panose="02000503000000000000" charset="-122"/>
+                  </a:rPr>
+                  <a:t>Customers</a:t>
+                </a:r>
+                <a:endParaRPr lang="de-DE" altLang="en-GB" sz="1400" b="1" dirty="0">
+                  <a:latin typeface="Calibri" charset="0"/>
+                  <a:ea typeface="AR PL UKai CN" panose="02000503000000000000" charset="-122"/>
+                </a:endParaRPr>
+              </a:p>
+            </p:txBody>
+          </p:sp>
+        </p:grpSp>
+      </p:grpSp>
+      <p:cxnSp>
+        <p:nvCxnSpPr>
+          <p:cNvPr id="16" name="Straight Arrow Connector 15"/>
+          <p:cNvCxnSpPr/>
+          <p:nvPr/>
+        </p:nvCxnSpPr>
+        <p:spPr>
+          <a:xfrm flipH="1">
+            <a:off x="7946390" y="3249930"/>
+            <a:ext cx="457200" cy="0"/>
+          </a:xfrm>
+          <a:prstGeom prst="straightConnector1">
+            <a:avLst/>
+          </a:prstGeom>
+          <a:ln w="19050">
+            <a:solidFill>
+              <a:schemeClr val="tx1"/>
+            </a:solidFill>
+            <a:headEnd type="arrow"/>
+            <a:tailEnd type="arrow"/>
+          </a:ln>
+        </p:spPr>
+        <p:style>
+          <a:lnRef idx="1">
+            <a:schemeClr val="accent1"/>
+          </a:lnRef>
+          <a:fillRef idx="0">
+            <a:schemeClr val="accent1"/>
+          </a:fillRef>
+          <a:effectRef idx="0">
+            <a:schemeClr val="accent1"/>
+          </a:effectRef>
+          <a:fontRef idx="minor">
+            <a:schemeClr val="tx1"/>
+          </a:fontRef>
+        </p:style>
+      </p:cxnSp>
+      <p:cxnSp>
+        <p:nvCxnSpPr>
+          <p:cNvPr id="18" name="Elbow Connector 17"/>
+          <p:cNvCxnSpPr>
+            <a:stCxn id="104" idx="4"/>
+          </p:cNvCxnSpPr>
+          <p:nvPr/>
+        </p:nvCxnSpPr>
+        <p:spPr>
+          <a:xfrm flipV="1">
+            <a:off x="8947150" y="2242820"/>
+            <a:ext cx="462280" cy="1007110"/>
+          </a:xfrm>
+          <a:prstGeom prst="bentConnector2">
+            <a:avLst/>
+          </a:prstGeom>
+          <a:ln w="19050">
+            <a:solidFill>
+              <a:schemeClr val="tx1"/>
+            </a:solidFill>
+            <a:tailEnd type="arrow"/>
+          </a:ln>
+        </p:spPr>
+        <p:style>
+          <a:lnRef idx="1">
+            <a:schemeClr val="accent1"/>
+          </a:lnRef>
+          <a:fillRef idx="0">
+            <a:schemeClr val="accent1"/>
+          </a:fillRef>
+          <a:effectRef idx="0">
+            <a:schemeClr val="accent1"/>
+          </a:effectRef>
+          <a:fontRef idx="minor">
+            <a:schemeClr val="tx1"/>
+          </a:fontRef>
+        </p:style>
+      </p:cxnSp>
+      <p:pic>
+        <p:nvPicPr>
+          <p:cNvPr id="19" name="Picture 18" descr="noun_sales result_865558"/>
+          <p:cNvPicPr>
+            <a:picLocks noChangeAspect="1"/>
+          </p:cNvPicPr>
+          <p:nvPr/>
+        </p:nvPicPr>
+        <p:blipFill>
+          <a:blip r:embed="rId7">
+            <a:extLst>
+              <a:ext uri="{96DAC541-7B7A-43D3-8B79-37D633B846F1}">
+                <asvg:svgBlip xmlns:asvg="http://schemas.microsoft.com/office/drawing/2016/SVG/main" r:embed="rId8"/>
+              </a:ext>
+            </a:extLst>
+          </a:blip>
+          <a:srcRect l="13867" t="8320" r="13867" b="28907"/>
+          <a:stretch>
+            <a:fillRect/>
+          </a:stretch>
+        </p:blipFill>
+        <p:spPr>
+          <a:xfrm>
+            <a:off x="9434830" y="2793365"/>
+            <a:ext cx="303530" cy="330200"/>
+          </a:xfrm>
+          <a:prstGeom prst="rect">
+            <a:avLst/>
+          </a:prstGeom>
+        </p:spPr>
+      </p:pic>
+      <p:pic>
+        <p:nvPicPr>
+          <p:cNvPr id="20" name="Picture 19" descr="noun_Gears_138659"/>
+          <p:cNvPicPr>
+            <a:picLocks noChangeAspect="1"/>
+          </p:cNvPicPr>
+          <p:nvPr/>
+        </p:nvPicPr>
+        <p:blipFill>
+          <a:blip r:embed="rId9">
+            <a:extLst>
+              <a:ext uri="{96DAC541-7B7A-43D3-8B79-37D633B846F1}">
+                <asvg:svgBlip xmlns:asvg="http://schemas.microsoft.com/office/drawing/2016/SVG/main" r:embed="rId10"/>
+              </a:ext>
+            </a:extLst>
+          </a:blip>
+          <a:srcRect b="19947"/>
+          <a:stretch>
+            <a:fillRect/>
+          </a:stretch>
+        </p:blipFill>
+        <p:spPr>
+          <a:xfrm rot="5400000">
+            <a:off x="7268845" y="3202940"/>
+            <a:ext cx="334010" cy="334645"/>
+          </a:xfrm>
+          <a:prstGeom prst="rect">
+            <a:avLst/>
+          </a:prstGeom>
+        </p:spPr>
+      </p:pic>
     </p:spTree>
   </p:cSld>
   <p:clrMapOvr>

--- a/resources/writing/powerpoint/template_only_mine.pptx
+++ b/resources/writing/powerpoint/template_only_mine.pptx
@@ -8,10 +8,10 @@
     <p:sldMasterId id="2147483681" r:id="rId5"/>
   </p:sldMasterIdLst>
   <p:notesMasterIdLst>
-    <p:notesMasterId r:id="rId17"/>
+    <p:notesMasterId r:id="rId20"/>
   </p:notesMasterIdLst>
   <p:handoutMasterIdLst>
-    <p:handoutMasterId r:id="rId18"/>
+    <p:handoutMasterId r:id="rId21"/>
   </p:handoutMasterIdLst>
   <p:sldIdLst>
     <p:sldId id="274" r:id="rId6"/>
@@ -25,6 +25,9 @@
     <p:sldId id="284" r:id="rId14"/>
     <p:sldId id="285" r:id="rId15"/>
     <p:sldId id="297" r:id="rId16"/>
+    <p:sldId id="298" r:id="rId17"/>
+    <p:sldId id="299" r:id="rId18"/>
+    <p:sldId id="300" r:id="rId19"/>
   </p:sldIdLst>
   <p:sldSz cx="12192000" cy="6858000"/>
   <p:notesSz cx="7103745" cy="10234295"/>
@@ -14344,6 +14347,4851 @@
       </p:par>
     </p:tnLst>
   </p:timing>
+</p:sld>
+</file>
+
+<file path=ppt/slides/slide12.xml><?xml version="1.0" encoding="utf-8"?>
+<p:sld xmlns:a="http://schemas.openxmlformats.org/drawingml/2006/main" xmlns:r="http://schemas.openxmlformats.org/officeDocument/2006/relationships" xmlns:p="http://schemas.openxmlformats.org/presentationml/2006/main">
+  <p:cSld>
+    <p:spTree>
+      <p:nvGrpSpPr>
+        <p:cNvPr id="1" name=""/>
+        <p:cNvGrpSpPr/>
+        <p:nvPr/>
+      </p:nvGrpSpPr>
+      <p:grpSpPr/>
+      <p:cxnSp>
+        <p:nvCxnSpPr>
+          <p:cNvPr id="2" name="Straight Arrow Connector 1"/>
+          <p:cNvCxnSpPr/>
+          <p:nvPr/>
+        </p:nvCxnSpPr>
+        <p:spPr>
+          <a:xfrm>
+            <a:off x="1294130" y="1552575"/>
+            <a:ext cx="5486400" cy="0"/>
+          </a:xfrm>
+          <a:prstGeom prst="straightConnector1">
+            <a:avLst/>
+          </a:prstGeom>
+          <a:ln w="12700">
+            <a:solidFill>
+              <a:schemeClr val="tx1"/>
+            </a:solidFill>
+            <a:tailEnd type="arrow"/>
+          </a:ln>
+        </p:spPr>
+        <p:style>
+          <a:lnRef idx="1">
+            <a:schemeClr val="accent1"/>
+          </a:lnRef>
+          <a:fillRef idx="0">
+            <a:schemeClr val="accent1"/>
+          </a:fillRef>
+          <a:effectRef idx="0">
+            <a:schemeClr val="accent1"/>
+          </a:effectRef>
+          <a:fontRef idx="minor">
+            <a:schemeClr val="tx1"/>
+          </a:fontRef>
+        </p:style>
+      </p:cxnSp>
+      <p:sp>
+        <p:nvSpPr>
+          <p:cNvPr id="3" name="Oval 2"/>
+          <p:cNvSpPr/>
+          <p:nvPr/>
+        </p:nvSpPr>
+        <p:spPr>
+          <a:xfrm>
+            <a:off x="1740535" y="1496060"/>
+            <a:ext cx="113030" cy="113030"/>
+          </a:xfrm>
+          <a:prstGeom prst="ellipse">
+            <a:avLst/>
+          </a:prstGeom>
+        </p:spPr>
+        <p:style>
+          <a:lnRef idx="2">
+            <a:schemeClr val="accent1">
+              <a:shade val="50000"/>
+            </a:schemeClr>
+          </a:lnRef>
+          <a:fillRef idx="1">
+            <a:schemeClr val="accent1"/>
+          </a:fillRef>
+          <a:effectRef idx="0">
+            <a:schemeClr val="accent1"/>
+          </a:effectRef>
+          <a:fontRef idx="minor">
+            <a:schemeClr val="lt1"/>
+          </a:fontRef>
+        </p:style>
+        <p:txBody>
+          <a:bodyPr rtlCol="0" anchor="ctr"/>
+          <a:p>
+            <a:pPr algn="ctr"/>
+            <a:endParaRPr lang="en-US"/>
+          </a:p>
+        </p:txBody>
+      </p:sp>
+      <p:sp>
+        <p:nvSpPr>
+          <p:cNvPr id="4" name="Oval 3"/>
+          <p:cNvSpPr/>
+          <p:nvPr/>
+        </p:nvSpPr>
+        <p:spPr>
+          <a:xfrm>
+            <a:off x="2941955" y="1496060"/>
+            <a:ext cx="113030" cy="113030"/>
+          </a:xfrm>
+          <a:prstGeom prst="ellipse">
+            <a:avLst/>
+          </a:prstGeom>
+        </p:spPr>
+        <p:style>
+          <a:lnRef idx="2">
+            <a:schemeClr val="accent1">
+              <a:shade val="50000"/>
+            </a:schemeClr>
+          </a:lnRef>
+          <a:fillRef idx="1">
+            <a:schemeClr val="accent1"/>
+          </a:fillRef>
+          <a:effectRef idx="0">
+            <a:schemeClr val="accent1"/>
+          </a:effectRef>
+          <a:fontRef idx="minor">
+            <a:schemeClr val="lt1"/>
+          </a:fontRef>
+        </p:style>
+        <p:txBody>
+          <a:bodyPr rtlCol="0" anchor="ctr"/>
+          <a:p>
+            <a:pPr algn="ctr"/>
+            <a:endParaRPr lang="en-US"/>
+          </a:p>
+        </p:txBody>
+      </p:sp>
+      <p:sp>
+        <p:nvSpPr>
+          <p:cNvPr id="5" name="Oval 4"/>
+          <p:cNvSpPr/>
+          <p:nvPr/>
+        </p:nvSpPr>
+        <p:spPr>
+          <a:xfrm>
+            <a:off x="4043045" y="1496060"/>
+            <a:ext cx="113030" cy="113030"/>
+          </a:xfrm>
+          <a:prstGeom prst="ellipse">
+            <a:avLst/>
+          </a:prstGeom>
+        </p:spPr>
+        <p:style>
+          <a:lnRef idx="2">
+            <a:schemeClr val="accent1">
+              <a:shade val="50000"/>
+            </a:schemeClr>
+          </a:lnRef>
+          <a:fillRef idx="1">
+            <a:schemeClr val="accent1"/>
+          </a:fillRef>
+          <a:effectRef idx="0">
+            <a:schemeClr val="accent1"/>
+          </a:effectRef>
+          <a:fontRef idx="minor">
+            <a:schemeClr val="lt1"/>
+          </a:fontRef>
+        </p:style>
+        <p:txBody>
+          <a:bodyPr rtlCol="0" anchor="ctr"/>
+          <a:p>
+            <a:pPr algn="ctr"/>
+            <a:endParaRPr lang="en-US"/>
+          </a:p>
+        </p:txBody>
+      </p:sp>
+      <p:sp>
+        <p:nvSpPr>
+          <p:cNvPr id="6" name="Oval 5"/>
+          <p:cNvSpPr/>
+          <p:nvPr/>
+        </p:nvSpPr>
+        <p:spPr>
+          <a:xfrm>
+            <a:off x="4384675" y="1496060"/>
+            <a:ext cx="113030" cy="113030"/>
+          </a:xfrm>
+          <a:prstGeom prst="ellipse">
+            <a:avLst/>
+          </a:prstGeom>
+        </p:spPr>
+        <p:style>
+          <a:lnRef idx="2">
+            <a:schemeClr val="accent1">
+              <a:shade val="50000"/>
+            </a:schemeClr>
+          </a:lnRef>
+          <a:fillRef idx="1">
+            <a:schemeClr val="accent1"/>
+          </a:fillRef>
+          <a:effectRef idx="0">
+            <a:schemeClr val="accent1"/>
+          </a:effectRef>
+          <a:fontRef idx="minor">
+            <a:schemeClr val="lt1"/>
+          </a:fontRef>
+        </p:style>
+        <p:txBody>
+          <a:bodyPr rtlCol="0" anchor="ctr"/>
+          <a:p>
+            <a:pPr algn="ctr"/>
+            <a:endParaRPr lang="en-US"/>
+          </a:p>
+        </p:txBody>
+      </p:sp>
+      <p:sp>
+        <p:nvSpPr>
+          <p:cNvPr id="7" name="Oval 6"/>
+          <p:cNvSpPr/>
+          <p:nvPr/>
+        </p:nvSpPr>
+        <p:spPr>
+          <a:xfrm>
+            <a:off x="5907405" y="1496060"/>
+            <a:ext cx="113030" cy="113030"/>
+          </a:xfrm>
+          <a:prstGeom prst="ellipse">
+            <a:avLst/>
+          </a:prstGeom>
+        </p:spPr>
+        <p:style>
+          <a:lnRef idx="2">
+            <a:schemeClr val="accent1">
+              <a:shade val="50000"/>
+            </a:schemeClr>
+          </a:lnRef>
+          <a:fillRef idx="1">
+            <a:schemeClr val="accent1"/>
+          </a:fillRef>
+          <a:effectRef idx="0">
+            <a:schemeClr val="accent1"/>
+          </a:effectRef>
+          <a:fontRef idx="minor">
+            <a:schemeClr val="lt1"/>
+          </a:fontRef>
+        </p:style>
+        <p:txBody>
+          <a:bodyPr rtlCol="0" anchor="ctr"/>
+          <a:p>
+            <a:pPr algn="ctr"/>
+            <a:endParaRPr lang="en-US"/>
+          </a:p>
+        </p:txBody>
+      </p:sp>
+      <p:cxnSp>
+        <p:nvCxnSpPr>
+          <p:cNvPr id="8" name="Straight Connector 7"/>
+          <p:cNvCxnSpPr/>
+          <p:nvPr/>
+        </p:nvCxnSpPr>
+        <p:spPr>
+          <a:xfrm flipH="1">
+            <a:off x="1597660" y="1276350"/>
+            <a:ext cx="0" cy="552450"/>
+          </a:xfrm>
+          <a:prstGeom prst="line">
+            <a:avLst/>
+          </a:prstGeom>
+          <a:ln w="25400">
+            <a:solidFill>
+              <a:schemeClr val="tx1"/>
+            </a:solidFill>
+          </a:ln>
+        </p:spPr>
+        <p:style>
+          <a:lnRef idx="1">
+            <a:schemeClr val="accent1"/>
+          </a:lnRef>
+          <a:fillRef idx="0">
+            <a:schemeClr val="accent1"/>
+          </a:fillRef>
+          <a:effectRef idx="0">
+            <a:schemeClr val="accent1"/>
+          </a:effectRef>
+          <a:fontRef idx="minor">
+            <a:schemeClr val="tx1"/>
+          </a:fontRef>
+        </p:style>
+      </p:cxnSp>
+      <p:cxnSp>
+        <p:nvCxnSpPr>
+          <p:cNvPr id="9" name="Straight Connector 8"/>
+          <p:cNvCxnSpPr/>
+          <p:nvPr/>
+        </p:nvCxnSpPr>
+        <p:spPr>
+          <a:xfrm flipH="1">
+            <a:off x="6341745" y="1276350"/>
+            <a:ext cx="0" cy="552450"/>
+          </a:xfrm>
+          <a:prstGeom prst="line">
+            <a:avLst/>
+          </a:prstGeom>
+          <a:ln w="25400">
+            <a:solidFill>
+              <a:schemeClr val="tx1"/>
+            </a:solidFill>
+          </a:ln>
+        </p:spPr>
+        <p:style>
+          <a:lnRef idx="1">
+            <a:schemeClr val="accent1"/>
+          </a:lnRef>
+          <a:fillRef idx="0">
+            <a:schemeClr val="accent1"/>
+          </a:fillRef>
+          <a:effectRef idx="0">
+            <a:schemeClr val="accent1"/>
+          </a:effectRef>
+          <a:fontRef idx="minor">
+            <a:schemeClr val="tx1"/>
+          </a:fontRef>
+        </p:style>
+      </p:cxnSp>
+      <p:cxnSp>
+        <p:nvCxnSpPr>
+          <p:cNvPr id="10" name="Straight Connector 9"/>
+          <p:cNvCxnSpPr/>
+          <p:nvPr/>
+        </p:nvCxnSpPr>
+        <p:spPr>
+          <a:xfrm flipH="1">
+            <a:off x="3970020" y="1276350"/>
+            <a:ext cx="0" cy="552450"/>
+          </a:xfrm>
+          <a:prstGeom prst="line">
+            <a:avLst/>
+          </a:prstGeom>
+          <a:ln w="12700">
+            <a:solidFill>
+              <a:schemeClr val="tx1"/>
+            </a:solidFill>
+          </a:ln>
+        </p:spPr>
+        <p:style>
+          <a:lnRef idx="1">
+            <a:schemeClr val="accent1"/>
+          </a:lnRef>
+          <a:fillRef idx="0">
+            <a:schemeClr val="accent1"/>
+          </a:fillRef>
+          <a:effectRef idx="0">
+            <a:schemeClr val="accent1"/>
+          </a:effectRef>
+          <a:fontRef idx="minor">
+            <a:schemeClr val="tx1"/>
+          </a:fontRef>
+        </p:style>
+      </p:cxnSp>
+      <p:cxnSp>
+        <p:nvCxnSpPr>
+          <p:cNvPr id="11" name="Straight Connector 10"/>
+          <p:cNvCxnSpPr/>
+          <p:nvPr/>
+        </p:nvCxnSpPr>
+        <p:spPr>
+          <a:xfrm flipH="1">
+            <a:off x="5156200" y="1276350"/>
+            <a:ext cx="0" cy="552450"/>
+          </a:xfrm>
+          <a:prstGeom prst="line">
+            <a:avLst/>
+          </a:prstGeom>
+          <a:ln w="12700">
+            <a:solidFill>
+              <a:schemeClr val="tx1"/>
+            </a:solidFill>
+          </a:ln>
+        </p:spPr>
+        <p:style>
+          <a:lnRef idx="1">
+            <a:schemeClr val="accent1"/>
+          </a:lnRef>
+          <a:fillRef idx="0">
+            <a:schemeClr val="accent1"/>
+          </a:fillRef>
+          <a:effectRef idx="0">
+            <a:schemeClr val="accent1"/>
+          </a:effectRef>
+          <a:fontRef idx="minor">
+            <a:schemeClr val="tx1"/>
+          </a:fontRef>
+        </p:style>
+      </p:cxnSp>
+      <p:cxnSp>
+        <p:nvCxnSpPr>
+          <p:cNvPr id="12" name="Straight Connector 11"/>
+          <p:cNvCxnSpPr/>
+          <p:nvPr/>
+        </p:nvCxnSpPr>
+        <p:spPr>
+          <a:xfrm flipH="1">
+            <a:off x="2783840" y="1276350"/>
+            <a:ext cx="0" cy="552450"/>
+          </a:xfrm>
+          <a:prstGeom prst="line">
+            <a:avLst/>
+          </a:prstGeom>
+          <a:ln w="12700">
+            <a:solidFill>
+              <a:schemeClr val="tx1"/>
+            </a:solidFill>
+          </a:ln>
+        </p:spPr>
+        <p:style>
+          <a:lnRef idx="1">
+            <a:schemeClr val="accent1"/>
+          </a:lnRef>
+          <a:fillRef idx="0">
+            <a:schemeClr val="accent1"/>
+          </a:fillRef>
+          <a:effectRef idx="0">
+            <a:schemeClr val="accent1"/>
+          </a:effectRef>
+          <a:fontRef idx="minor">
+            <a:schemeClr val="tx1"/>
+          </a:fontRef>
+        </p:style>
+      </p:cxnSp>
+      <p:cxnSp>
+        <p:nvCxnSpPr>
+          <p:cNvPr id="13" name="Straight Connector 12"/>
+          <p:cNvCxnSpPr/>
+          <p:nvPr/>
+        </p:nvCxnSpPr>
+        <p:spPr>
+          <a:xfrm flipH="1">
+            <a:off x="2190750" y="1276350"/>
+            <a:ext cx="0" cy="552450"/>
+          </a:xfrm>
+          <a:prstGeom prst="line">
+            <a:avLst/>
+          </a:prstGeom>
+          <a:ln w="12700">
+            <a:solidFill>
+              <a:schemeClr val="tx1"/>
+            </a:solidFill>
+          </a:ln>
+        </p:spPr>
+        <p:style>
+          <a:lnRef idx="1">
+            <a:schemeClr val="accent1"/>
+          </a:lnRef>
+          <a:fillRef idx="0">
+            <a:schemeClr val="accent1"/>
+          </a:fillRef>
+          <a:effectRef idx="0">
+            <a:schemeClr val="accent1"/>
+          </a:effectRef>
+          <a:fontRef idx="minor">
+            <a:schemeClr val="tx1"/>
+          </a:fontRef>
+        </p:style>
+      </p:cxnSp>
+      <p:cxnSp>
+        <p:nvCxnSpPr>
+          <p:cNvPr id="14" name="Straight Connector 13"/>
+          <p:cNvCxnSpPr/>
+          <p:nvPr/>
+        </p:nvCxnSpPr>
+        <p:spPr>
+          <a:xfrm flipH="1">
+            <a:off x="3376930" y="1276350"/>
+            <a:ext cx="0" cy="552450"/>
+          </a:xfrm>
+          <a:prstGeom prst="line">
+            <a:avLst/>
+          </a:prstGeom>
+          <a:ln w="12700">
+            <a:solidFill>
+              <a:schemeClr val="tx1"/>
+            </a:solidFill>
+          </a:ln>
+        </p:spPr>
+        <p:style>
+          <a:lnRef idx="1">
+            <a:schemeClr val="accent1"/>
+          </a:lnRef>
+          <a:fillRef idx="0">
+            <a:schemeClr val="accent1"/>
+          </a:fillRef>
+          <a:effectRef idx="0">
+            <a:schemeClr val="accent1"/>
+          </a:effectRef>
+          <a:fontRef idx="minor">
+            <a:schemeClr val="tx1"/>
+          </a:fontRef>
+        </p:style>
+      </p:cxnSp>
+      <p:cxnSp>
+        <p:nvCxnSpPr>
+          <p:cNvPr id="15" name="Straight Connector 14"/>
+          <p:cNvCxnSpPr/>
+          <p:nvPr/>
+        </p:nvCxnSpPr>
+        <p:spPr>
+          <a:xfrm flipH="1">
+            <a:off x="4563110" y="1276350"/>
+            <a:ext cx="0" cy="552450"/>
+          </a:xfrm>
+          <a:prstGeom prst="line">
+            <a:avLst/>
+          </a:prstGeom>
+          <a:ln w="12700">
+            <a:solidFill>
+              <a:schemeClr val="tx1"/>
+            </a:solidFill>
+          </a:ln>
+        </p:spPr>
+        <p:style>
+          <a:lnRef idx="1">
+            <a:schemeClr val="accent1"/>
+          </a:lnRef>
+          <a:fillRef idx="0">
+            <a:schemeClr val="accent1"/>
+          </a:fillRef>
+          <a:effectRef idx="0">
+            <a:schemeClr val="accent1"/>
+          </a:effectRef>
+          <a:fontRef idx="minor">
+            <a:schemeClr val="tx1"/>
+          </a:fontRef>
+        </p:style>
+      </p:cxnSp>
+      <p:cxnSp>
+        <p:nvCxnSpPr>
+          <p:cNvPr id="16" name="Straight Connector 15"/>
+          <p:cNvCxnSpPr/>
+          <p:nvPr/>
+        </p:nvCxnSpPr>
+        <p:spPr>
+          <a:xfrm flipH="1">
+            <a:off x="5749290" y="1276350"/>
+            <a:ext cx="0" cy="552450"/>
+          </a:xfrm>
+          <a:prstGeom prst="line">
+            <a:avLst/>
+          </a:prstGeom>
+          <a:ln w="12700">
+            <a:solidFill>
+              <a:schemeClr val="tx1"/>
+            </a:solidFill>
+          </a:ln>
+        </p:spPr>
+        <p:style>
+          <a:lnRef idx="1">
+            <a:schemeClr val="accent1"/>
+          </a:lnRef>
+          <a:fillRef idx="0">
+            <a:schemeClr val="accent1"/>
+          </a:fillRef>
+          <a:effectRef idx="0">
+            <a:schemeClr val="accent1"/>
+          </a:effectRef>
+          <a:fontRef idx="minor">
+            <a:schemeClr val="tx1"/>
+          </a:fontRef>
+        </p:style>
+      </p:cxnSp>
+      <p:cxnSp>
+        <p:nvCxnSpPr>
+          <p:cNvPr id="17" name="Straight Arrow Connector 16"/>
+          <p:cNvCxnSpPr/>
+          <p:nvPr/>
+        </p:nvCxnSpPr>
+        <p:spPr>
+          <a:xfrm>
+            <a:off x="1294130" y="735330"/>
+            <a:ext cx="5486400" cy="0"/>
+          </a:xfrm>
+          <a:prstGeom prst="straightConnector1">
+            <a:avLst/>
+          </a:prstGeom>
+          <a:ln w="12700">
+            <a:solidFill>
+              <a:schemeClr val="tx1"/>
+            </a:solidFill>
+            <a:tailEnd type="arrow"/>
+          </a:ln>
+        </p:spPr>
+        <p:style>
+          <a:lnRef idx="1">
+            <a:schemeClr val="accent1"/>
+          </a:lnRef>
+          <a:fillRef idx="0">
+            <a:schemeClr val="accent1"/>
+          </a:fillRef>
+          <a:effectRef idx="0">
+            <a:schemeClr val="accent1"/>
+          </a:effectRef>
+          <a:fontRef idx="minor">
+            <a:schemeClr val="tx1"/>
+          </a:fontRef>
+        </p:style>
+      </p:cxnSp>
+      <p:sp>
+        <p:nvSpPr>
+          <p:cNvPr id="18" name="Oval 17"/>
+          <p:cNvSpPr/>
+          <p:nvPr/>
+        </p:nvSpPr>
+        <p:spPr>
+          <a:xfrm>
+            <a:off x="1740535" y="678815"/>
+            <a:ext cx="113030" cy="113030"/>
+          </a:xfrm>
+          <a:prstGeom prst="ellipse">
+            <a:avLst/>
+          </a:prstGeom>
+        </p:spPr>
+        <p:style>
+          <a:lnRef idx="2">
+            <a:schemeClr val="accent1">
+              <a:shade val="50000"/>
+            </a:schemeClr>
+          </a:lnRef>
+          <a:fillRef idx="1">
+            <a:schemeClr val="accent1"/>
+          </a:fillRef>
+          <a:effectRef idx="0">
+            <a:schemeClr val="accent1"/>
+          </a:effectRef>
+          <a:fontRef idx="minor">
+            <a:schemeClr val="lt1"/>
+          </a:fontRef>
+        </p:style>
+        <p:txBody>
+          <a:bodyPr rtlCol="0" anchor="ctr"/>
+          <a:p>
+            <a:pPr algn="ctr"/>
+            <a:endParaRPr lang="en-US"/>
+          </a:p>
+        </p:txBody>
+      </p:sp>
+      <p:sp>
+        <p:nvSpPr>
+          <p:cNvPr id="19" name="Oval 18"/>
+          <p:cNvSpPr/>
+          <p:nvPr/>
+        </p:nvSpPr>
+        <p:spPr>
+          <a:xfrm>
+            <a:off x="2941955" y="678815"/>
+            <a:ext cx="113030" cy="113030"/>
+          </a:xfrm>
+          <a:prstGeom prst="ellipse">
+            <a:avLst/>
+          </a:prstGeom>
+        </p:spPr>
+        <p:style>
+          <a:lnRef idx="2">
+            <a:schemeClr val="accent1">
+              <a:shade val="50000"/>
+            </a:schemeClr>
+          </a:lnRef>
+          <a:fillRef idx="1">
+            <a:schemeClr val="accent1"/>
+          </a:fillRef>
+          <a:effectRef idx="0">
+            <a:schemeClr val="accent1"/>
+          </a:effectRef>
+          <a:fontRef idx="minor">
+            <a:schemeClr val="lt1"/>
+          </a:fontRef>
+        </p:style>
+        <p:txBody>
+          <a:bodyPr rtlCol="0" anchor="ctr"/>
+          <a:p>
+            <a:pPr algn="ctr"/>
+            <a:endParaRPr lang="en-US"/>
+          </a:p>
+        </p:txBody>
+      </p:sp>
+      <p:sp>
+        <p:nvSpPr>
+          <p:cNvPr id="20" name="Oval 19"/>
+          <p:cNvSpPr/>
+          <p:nvPr/>
+        </p:nvSpPr>
+        <p:spPr>
+          <a:xfrm>
+            <a:off x="4043045" y="678815"/>
+            <a:ext cx="113030" cy="113030"/>
+          </a:xfrm>
+          <a:prstGeom prst="ellipse">
+            <a:avLst/>
+          </a:prstGeom>
+        </p:spPr>
+        <p:style>
+          <a:lnRef idx="2">
+            <a:schemeClr val="accent1">
+              <a:shade val="50000"/>
+            </a:schemeClr>
+          </a:lnRef>
+          <a:fillRef idx="1">
+            <a:schemeClr val="accent1"/>
+          </a:fillRef>
+          <a:effectRef idx="0">
+            <a:schemeClr val="accent1"/>
+          </a:effectRef>
+          <a:fontRef idx="minor">
+            <a:schemeClr val="lt1"/>
+          </a:fontRef>
+        </p:style>
+        <p:txBody>
+          <a:bodyPr rtlCol="0" anchor="ctr"/>
+          <a:p>
+            <a:pPr algn="ctr"/>
+            <a:endParaRPr lang="en-US"/>
+          </a:p>
+        </p:txBody>
+      </p:sp>
+      <p:sp>
+        <p:nvSpPr>
+          <p:cNvPr id="21" name="Oval 20"/>
+          <p:cNvSpPr/>
+          <p:nvPr/>
+        </p:nvSpPr>
+        <p:spPr>
+          <a:xfrm>
+            <a:off x="4384675" y="678815"/>
+            <a:ext cx="113030" cy="113030"/>
+          </a:xfrm>
+          <a:prstGeom prst="ellipse">
+            <a:avLst/>
+          </a:prstGeom>
+        </p:spPr>
+        <p:style>
+          <a:lnRef idx="2">
+            <a:schemeClr val="accent1">
+              <a:shade val="50000"/>
+            </a:schemeClr>
+          </a:lnRef>
+          <a:fillRef idx="1">
+            <a:schemeClr val="accent1"/>
+          </a:fillRef>
+          <a:effectRef idx="0">
+            <a:schemeClr val="accent1"/>
+          </a:effectRef>
+          <a:fontRef idx="minor">
+            <a:schemeClr val="lt1"/>
+          </a:fontRef>
+        </p:style>
+        <p:txBody>
+          <a:bodyPr rtlCol="0" anchor="ctr"/>
+          <a:p>
+            <a:pPr algn="ctr"/>
+            <a:endParaRPr lang="en-US"/>
+          </a:p>
+        </p:txBody>
+      </p:sp>
+      <p:sp>
+        <p:nvSpPr>
+          <p:cNvPr id="22" name="Oval 21"/>
+          <p:cNvSpPr/>
+          <p:nvPr/>
+        </p:nvSpPr>
+        <p:spPr>
+          <a:xfrm>
+            <a:off x="5907405" y="678815"/>
+            <a:ext cx="113030" cy="113030"/>
+          </a:xfrm>
+          <a:prstGeom prst="ellipse">
+            <a:avLst/>
+          </a:prstGeom>
+        </p:spPr>
+        <p:style>
+          <a:lnRef idx="2">
+            <a:schemeClr val="accent1">
+              <a:shade val="50000"/>
+            </a:schemeClr>
+          </a:lnRef>
+          <a:fillRef idx="1">
+            <a:schemeClr val="accent1"/>
+          </a:fillRef>
+          <a:effectRef idx="0">
+            <a:schemeClr val="accent1"/>
+          </a:effectRef>
+          <a:fontRef idx="minor">
+            <a:schemeClr val="lt1"/>
+          </a:fontRef>
+        </p:style>
+        <p:txBody>
+          <a:bodyPr rtlCol="0" anchor="ctr"/>
+          <a:p>
+            <a:pPr algn="ctr"/>
+            <a:endParaRPr lang="en-US"/>
+          </a:p>
+        </p:txBody>
+      </p:sp>
+      <p:cxnSp>
+        <p:nvCxnSpPr>
+          <p:cNvPr id="23" name="Straight Connector 22"/>
+          <p:cNvCxnSpPr/>
+          <p:nvPr/>
+        </p:nvCxnSpPr>
+        <p:spPr>
+          <a:xfrm flipH="1">
+            <a:off x="1597660" y="459105"/>
+            <a:ext cx="0" cy="552450"/>
+          </a:xfrm>
+          <a:prstGeom prst="line">
+            <a:avLst/>
+          </a:prstGeom>
+          <a:ln w="25400">
+            <a:solidFill>
+              <a:schemeClr val="tx1"/>
+            </a:solidFill>
+          </a:ln>
+        </p:spPr>
+        <p:style>
+          <a:lnRef idx="1">
+            <a:schemeClr val="accent1"/>
+          </a:lnRef>
+          <a:fillRef idx="0">
+            <a:schemeClr val="accent1"/>
+          </a:fillRef>
+          <a:effectRef idx="0">
+            <a:schemeClr val="accent1"/>
+          </a:effectRef>
+          <a:fontRef idx="minor">
+            <a:schemeClr val="tx1"/>
+          </a:fontRef>
+        </p:style>
+      </p:cxnSp>
+      <p:cxnSp>
+        <p:nvCxnSpPr>
+          <p:cNvPr id="24" name="Straight Connector 23"/>
+          <p:cNvCxnSpPr/>
+          <p:nvPr/>
+        </p:nvCxnSpPr>
+        <p:spPr>
+          <a:xfrm flipH="1">
+            <a:off x="6341745" y="459105"/>
+            <a:ext cx="0" cy="552450"/>
+          </a:xfrm>
+          <a:prstGeom prst="line">
+            <a:avLst/>
+          </a:prstGeom>
+          <a:ln w="25400">
+            <a:solidFill>
+              <a:schemeClr val="tx1"/>
+            </a:solidFill>
+          </a:ln>
+        </p:spPr>
+        <p:style>
+          <a:lnRef idx="1">
+            <a:schemeClr val="accent1"/>
+          </a:lnRef>
+          <a:fillRef idx="0">
+            <a:schemeClr val="accent1"/>
+          </a:fillRef>
+          <a:effectRef idx="0">
+            <a:schemeClr val="accent1"/>
+          </a:effectRef>
+          <a:fontRef idx="minor">
+            <a:schemeClr val="tx1"/>
+          </a:fontRef>
+        </p:style>
+      </p:cxnSp>
+      <p:cxnSp>
+        <p:nvCxnSpPr>
+          <p:cNvPr id="25" name="Straight Connector 24"/>
+          <p:cNvCxnSpPr/>
+          <p:nvPr/>
+        </p:nvCxnSpPr>
+        <p:spPr>
+          <a:xfrm flipH="1">
+            <a:off x="4099560" y="459105"/>
+            <a:ext cx="0" cy="552450"/>
+          </a:xfrm>
+          <a:prstGeom prst="line">
+            <a:avLst/>
+          </a:prstGeom>
+          <a:ln w="12700">
+            <a:solidFill>
+              <a:schemeClr val="tx1"/>
+            </a:solidFill>
+          </a:ln>
+        </p:spPr>
+        <p:style>
+          <a:lnRef idx="1">
+            <a:schemeClr val="accent1"/>
+          </a:lnRef>
+          <a:fillRef idx="0">
+            <a:schemeClr val="accent1"/>
+          </a:fillRef>
+          <a:effectRef idx="0">
+            <a:schemeClr val="accent1"/>
+          </a:effectRef>
+          <a:fontRef idx="minor">
+            <a:schemeClr val="tx1"/>
+          </a:fontRef>
+        </p:style>
+      </p:cxnSp>
+      <p:cxnSp>
+        <p:nvCxnSpPr>
+          <p:cNvPr id="28" name="Straight Connector 27"/>
+          <p:cNvCxnSpPr/>
+          <p:nvPr/>
+        </p:nvCxnSpPr>
+        <p:spPr>
+          <a:xfrm flipH="1">
+            <a:off x="1797050" y="459105"/>
+            <a:ext cx="0" cy="552450"/>
+          </a:xfrm>
+          <a:prstGeom prst="line">
+            <a:avLst/>
+          </a:prstGeom>
+          <a:ln w="12700">
+            <a:solidFill>
+              <a:schemeClr val="tx1"/>
+            </a:solidFill>
+          </a:ln>
+        </p:spPr>
+        <p:style>
+          <a:lnRef idx="1">
+            <a:schemeClr val="accent1"/>
+          </a:lnRef>
+          <a:fillRef idx="0">
+            <a:schemeClr val="accent1"/>
+          </a:fillRef>
+          <a:effectRef idx="0">
+            <a:schemeClr val="accent1"/>
+          </a:effectRef>
+          <a:fontRef idx="minor">
+            <a:schemeClr val="tx1"/>
+          </a:fontRef>
+        </p:style>
+      </p:cxnSp>
+      <p:cxnSp>
+        <p:nvCxnSpPr>
+          <p:cNvPr id="29" name="Straight Connector 28"/>
+          <p:cNvCxnSpPr/>
+          <p:nvPr/>
+        </p:nvCxnSpPr>
+        <p:spPr>
+          <a:xfrm flipH="1">
+            <a:off x="2998470" y="459105"/>
+            <a:ext cx="0" cy="552450"/>
+          </a:xfrm>
+          <a:prstGeom prst="line">
+            <a:avLst/>
+          </a:prstGeom>
+          <a:ln w="12700">
+            <a:solidFill>
+              <a:schemeClr val="tx1"/>
+            </a:solidFill>
+          </a:ln>
+        </p:spPr>
+        <p:style>
+          <a:lnRef idx="1">
+            <a:schemeClr val="accent1"/>
+          </a:lnRef>
+          <a:fillRef idx="0">
+            <a:schemeClr val="accent1"/>
+          </a:fillRef>
+          <a:effectRef idx="0">
+            <a:schemeClr val="accent1"/>
+          </a:effectRef>
+          <a:fontRef idx="minor">
+            <a:schemeClr val="tx1"/>
+          </a:fontRef>
+        </p:style>
+      </p:cxnSp>
+      <p:cxnSp>
+        <p:nvCxnSpPr>
+          <p:cNvPr id="30" name="Straight Connector 29"/>
+          <p:cNvCxnSpPr/>
+          <p:nvPr/>
+        </p:nvCxnSpPr>
+        <p:spPr>
+          <a:xfrm flipH="1">
+            <a:off x="4441190" y="459105"/>
+            <a:ext cx="0" cy="552450"/>
+          </a:xfrm>
+          <a:prstGeom prst="line">
+            <a:avLst/>
+          </a:prstGeom>
+          <a:ln w="12700">
+            <a:solidFill>
+              <a:schemeClr val="tx1"/>
+            </a:solidFill>
+          </a:ln>
+        </p:spPr>
+        <p:style>
+          <a:lnRef idx="1">
+            <a:schemeClr val="accent1"/>
+          </a:lnRef>
+          <a:fillRef idx="0">
+            <a:schemeClr val="accent1"/>
+          </a:fillRef>
+          <a:effectRef idx="0">
+            <a:schemeClr val="accent1"/>
+          </a:effectRef>
+          <a:fontRef idx="minor">
+            <a:schemeClr val="tx1"/>
+          </a:fontRef>
+        </p:style>
+      </p:cxnSp>
+      <p:cxnSp>
+        <p:nvCxnSpPr>
+          <p:cNvPr id="31" name="Straight Connector 30"/>
+          <p:cNvCxnSpPr/>
+          <p:nvPr/>
+        </p:nvCxnSpPr>
+        <p:spPr>
+          <a:xfrm flipH="1">
+            <a:off x="5963920" y="459105"/>
+            <a:ext cx="0" cy="552450"/>
+          </a:xfrm>
+          <a:prstGeom prst="line">
+            <a:avLst/>
+          </a:prstGeom>
+          <a:ln w="12700">
+            <a:solidFill>
+              <a:schemeClr val="tx1"/>
+            </a:solidFill>
+          </a:ln>
+        </p:spPr>
+        <p:style>
+          <a:lnRef idx="1">
+            <a:schemeClr val="accent1"/>
+          </a:lnRef>
+          <a:fillRef idx="0">
+            <a:schemeClr val="accent1"/>
+          </a:fillRef>
+          <a:effectRef idx="0">
+            <a:schemeClr val="accent1"/>
+          </a:effectRef>
+          <a:fontRef idx="minor">
+            <a:schemeClr val="tx1"/>
+          </a:fontRef>
+        </p:style>
+      </p:cxnSp>
+      <p:cxnSp>
+        <p:nvCxnSpPr>
+          <p:cNvPr id="32" name="Straight Arrow Connector 31"/>
+          <p:cNvCxnSpPr/>
+          <p:nvPr/>
+        </p:nvCxnSpPr>
+        <p:spPr>
+          <a:xfrm>
+            <a:off x="1294130" y="2370455"/>
+            <a:ext cx="5486400" cy="0"/>
+          </a:xfrm>
+          <a:prstGeom prst="straightConnector1">
+            <a:avLst/>
+          </a:prstGeom>
+          <a:ln w="12700">
+            <a:solidFill>
+              <a:schemeClr val="tx1"/>
+            </a:solidFill>
+            <a:tailEnd type="arrow"/>
+          </a:ln>
+        </p:spPr>
+        <p:style>
+          <a:lnRef idx="1">
+            <a:schemeClr val="accent1"/>
+          </a:lnRef>
+          <a:fillRef idx="0">
+            <a:schemeClr val="accent1"/>
+          </a:fillRef>
+          <a:effectRef idx="0">
+            <a:schemeClr val="accent1"/>
+          </a:effectRef>
+          <a:fontRef idx="minor">
+            <a:schemeClr val="tx1"/>
+          </a:fontRef>
+        </p:style>
+      </p:cxnSp>
+      <p:sp>
+        <p:nvSpPr>
+          <p:cNvPr id="33" name="Oval 32"/>
+          <p:cNvSpPr/>
+          <p:nvPr/>
+        </p:nvSpPr>
+        <p:spPr>
+          <a:xfrm>
+            <a:off x="1740535" y="2313940"/>
+            <a:ext cx="113030" cy="113030"/>
+          </a:xfrm>
+          <a:prstGeom prst="ellipse">
+            <a:avLst/>
+          </a:prstGeom>
+        </p:spPr>
+        <p:style>
+          <a:lnRef idx="2">
+            <a:schemeClr val="accent1">
+              <a:shade val="50000"/>
+            </a:schemeClr>
+          </a:lnRef>
+          <a:fillRef idx="1">
+            <a:schemeClr val="accent1"/>
+          </a:fillRef>
+          <a:effectRef idx="0">
+            <a:schemeClr val="accent1"/>
+          </a:effectRef>
+          <a:fontRef idx="minor">
+            <a:schemeClr val="lt1"/>
+          </a:fontRef>
+        </p:style>
+        <p:txBody>
+          <a:bodyPr rtlCol="0" anchor="ctr"/>
+          <a:p>
+            <a:pPr algn="ctr"/>
+            <a:endParaRPr lang="en-US"/>
+          </a:p>
+        </p:txBody>
+      </p:sp>
+      <p:sp>
+        <p:nvSpPr>
+          <p:cNvPr id="34" name="Oval 33"/>
+          <p:cNvSpPr/>
+          <p:nvPr/>
+        </p:nvSpPr>
+        <p:spPr>
+          <a:xfrm>
+            <a:off x="2941955" y="2313940"/>
+            <a:ext cx="113030" cy="113030"/>
+          </a:xfrm>
+          <a:prstGeom prst="ellipse">
+            <a:avLst/>
+          </a:prstGeom>
+        </p:spPr>
+        <p:style>
+          <a:lnRef idx="2">
+            <a:schemeClr val="accent1">
+              <a:shade val="50000"/>
+            </a:schemeClr>
+          </a:lnRef>
+          <a:fillRef idx="1">
+            <a:schemeClr val="accent1"/>
+          </a:fillRef>
+          <a:effectRef idx="0">
+            <a:schemeClr val="accent1"/>
+          </a:effectRef>
+          <a:fontRef idx="minor">
+            <a:schemeClr val="lt1"/>
+          </a:fontRef>
+        </p:style>
+        <p:txBody>
+          <a:bodyPr rtlCol="0" anchor="ctr"/>
+          <a:p>
+            <a:pPr algn="ctr"/>
+            <a:endParaRPr lang="en-US"/>
+          </a:p>
+        </p:txBody>
+      </p:sp>
+      <p:sp>
+        <p:nvSpPr>
+          <p:cNvPr id="35" name="Oval 34"/>
+          <p:cNvSpPr/>
+          <p:nvPr/>
+        </p:nvSpPr>
+        <p:spPr>
+          <a:xfrm>
+            <a:off x="4043045" y="2313940"/>
+            <a:ext cx="113030" cy="113030"/>
+          </a:xfrm>
+          <a:prstGeom prst="ellipse">
+            <a:avLst/>
+          </a:prstGeom>
+        </p:spPr>
+        <p:style>
+          <a:lnRef idx="2">
+            <a:schemeClr val="accent1">
+              <a:shade val="50000"/>
+            </a:schemeClr>
+          </a:lnRef>
+          <a:fillRef idx="1">
+            <a:schemeClr val="accent1"/>
+          </a:fillRef>
+          <a:effectRef idx="0">
+            <a:schemeClr val="accent1"/>
+          </a:effectRef>
+          <a:fontRef idx="minor">
+            <a:schemeClr val="lt1"/>
+          </a:fontRef>
+        </p:style>
+        <p:txBody>
+          <a:bodyPr rtlCol="0" anchor="ctr"/>
+          <a:p>
+            <a:pPr algn="ctr"/>
+            <a:endParaRPr lang="en-US"/>
+          </a:p>
+        </p:txBody>
+      </p:sp>
+      <p:sp>
+        <p:nvSpPr>
+          <p:cNvPr id="36" name="Oval 35"/>
+          <p:cNvSpPr/>
+          <p:nvPr/>
+        </p:nvSpPr>
+        <p:spPr>
+          <a:xfrm>
+            <a:off x="4384675" y="2313940"/>
+            <a:ext cx="113030" cy="113030"/>
+          </a:xfrm>
+          <a:prstGeom prst="ellipse">
+            <a:avLst/>
+          </a:prstGeom>
+        </p:spPr>
+        <p:style>
+          <a:lnRef idx="2">
+            <a:schemeClr val="accent1">
+              <a:shade val="50000"/>
+            </a:schemeClr>
+          </a:lnRef>
+          <a:fillRef idx="1">
+            <a:schemeClr val="accent1"/>
+          </a:fillRef>
+          <a:effectRef idx="0">
+            <a:schemeClr val="accent1"/>
+          </a:effectRef>
+          <a:fontRef idx="minor">
+            <a:schemeClr val="lt1"/>
+          </a:fontRef>
+        </p:style>
+        <p:txBody>
+          <a:bodyPr rtlCol="0" anchor="ctr"/>
+          <a:p>
+            <a:pPr algn="ctr"/>
+            <a:endParaRPr lang="en-US"/>
+          </a:p>
+        </p:txBody>
+      </p:sp>
+      <p:sp>
+        <p:nvSpPr>
+          <p:cNvPr id="37" name="Oval 36"/>
+          <p:cNvSpPr/>
+          <p:nvPr/>
+        </p:nvSpPr>
+        <p:spPr>
+          <a:xfrm>
+            <a:off x="5907405" y="2313940"/>
+            <a:ext cx="113030" cy="113030"/>
+          </a:xfrm>
+          <a:prstGeom prst="ellipse">
+            <a:avLst/>
+          </a:prstGeom>
+        </p:spPr>
+        <p:style>
+          <a:lnRef idx="2">
+            <a:schemeClr val="accent1">
+              <a:shade val="50000"/>
+            </a:schemeClr>
+          </a:lnRef>
+          <a:fillRef idx="1">
+            <a:schemeClr val="accent1"/>
+          </a:fillRef>
+          <a:effectRef idx="0">
+            <a:schemeClr val="accent1"/>
+          </a:effectRef>
+          <a:fontRef idx="minor">
+            <a:schemeClr val="lt1"/>
+          </a:fontRef>
+        </p:style>
+        <p:txBody>
+          <a:bodyPr rtlCol="0" anchor="ctr"/>
+          <a:p>
+            <a:pPr algn="ctr"/>
+            <a:endParaRPr lang="en-US"/>
+          </a:p>
+        </p:txBody>
+      </p:sp>
+      <p:cxnSp>
+        <p:nvCxnSpPr>
+          <p:cNvPr id="38" name="Straight Connector 37"/>
+          <p:cNvCxnSpPr/>
+          <p:nvPr/>
+        </p:nvCxnSpPr>
+        <p:spPr>
+          <a:xfrm flipH="1">
+            <a:off x="1597660" y="2094230"/>
+            <a:ext cx="0" cy="552450"/>
+          </a:xfrm>
+          <a:prstGeom prst="line">
+            <a:avLst/>
+          </a:prstGeom>
+          <a:ln w="25400">
+            <a:solidFill>
+              <a:schemeClr val="tx1"/>
+            </a:solidFill>
+          </a:ln>
+        </p:spPr>
+        <p:style>
+          <a:lnRef idx="1">
+            <a:schemeClr val="accent1"/>
+          </a:lnRef>
+          <a:fillRef idx="0">
+            <a:schemeClr val="accent1"/>
+          </a:fillRef>
+          <a:effectRef idx="0">
+            <a:schemeClr val="accent1"/>
+          </a:effectRef>
+          <a:fontRef idx="minor">
+            <a:schemeClr val="tx1"/>
+          </a:fontRef>
+        </p:style>
+      </p:cxnSp>
+      <p:cxnSp>
+        <p:nvCxnSpPr>
+          <p:cNvPr id="39" name="Straight Connector 38"/>
+          <p:cNvCxnSpPr/>
+          <p:nvPr/>
+        </p:nvCxnSpPr>
+        <p:spPr>
+          <a:xfrm flipH="1">
+            <a:off x="6341745" y="2094230"/>
+            <a:ext cx="0" cy="552450"/>
+          </a:xfrm>
+          <a:prstGeom prst="line">
+            <a:avLst/>
+          </a:prstGeom>
+          <a:ln w="25400">
+            <a:solidFill>
+              <a:schemeClr val="tx1"/>
+            </a:solidFill>
+          </a:ln>
+        </p:spPr>
+        <p:style>
+          <a:lnRef idx="1">
+            <a:schemeClr val="accent1"/>
+          </a:lnRef>
+          <a:fillRef idx="0">
+            <a:schemeClr val="accent1"/>
+          </a:fillRef>
+          <a:effectRef idx="0">
+            <a:schemeClr val="accent1"/>
+          </a:effectRef>
+          <a:fontRef idx="minor">
+            <a:schemeClr val="tx1"/>
+          </a:fontRef>
+        </p:style>
+      </p:cxnSp>
+      <p:cxnSp>
+        <p:nvCxnSpPr>
+          <p:cNvPr id="40" name="Straight Connector 39"/>
+          <p:cNvCxnSpPr/>
+          <p:nvPr/>
+        </p:nvCxnSpPr>
+        <p:spPr>
+          <a:xfrm flipH="1">
+            <a:off x="3970020" y="2094230"/>
+            <a:ext cx="0" cy="552450"/>
+          </a:xfrm>
+          <a:prstGeom prst="line">
+            <a:avLst/>
+          </a:prstGeom>
+          <a:ln w="12700">
+            <a:solidFill>
+              <a:schemeClr val="tx1"/>
+            </a:solidFill>
+          </a:ln>
+        </p:spPr>
+        <p:style>
+          <a:lnRef idx="1">
+            <a:schemeClr val="accent1"/>
+          </a:lnRef>
+          <a:fillRef idx="0">
+            <a:schemeClr val="accent1"/>
+          </a:fillRef>
+          <a:effectRef idx="0">
+            <a:schemeClr val="accent1"/>
+          </a:effectRef>
+          <a:fontRef idx="minor">
+            <a:schemeClr val="tx1"/>
+          </a:fontRef>
+        </p:style>
+      </p:cxnSp>
+      <p:cxnSp>
+        <p:nvCxnSpPr>
+          <p:cNvPr id="41" name="Straight Connector 40"/>
+          <p:cNvCxnSpPr/>
+          <p:nvPr/>
+        </p:nvCxnSpPr>
+        <p:spPr>
+          <a:xfrm flipH="1">
+            <a:off x="5156200" y="2094230"/>
+            <a:ext cx="0" cy="552450"/>
+          </a:xfrm>
+          <a:prstGeom prst="line">
+            <a:avLst/>
+          </a:prstGeom>
+          <a:ln w="12700">
+            <a:solidFill>
+              <a:schemeClr val="tx1"/>
+            </a:solidFill>
+          </a:ln>
+        </p:spPr>
+        <p:style>
+          <a:lnRef idx="1">
+            <a:schemeClr val="accent1"/>
+          </a:lnRef>
+          <a:fillRef idx="0">
+            <a:schemeClr val="accent1"/>
+          </a:fillRef>
+          <a:effectRef idx="0">
+            <a:schemeClr val="accent1"/>
+          </a:effectRef>
+          <a:fontRef idx="minor">
+            <a:schemeClr val="tx1"/>
+          </a:fontRef>
+        </p:style>
+      </p:cxnSp>
+      <p:cxnSp>
+        <p:nvCxnSpPr>
+          <p:cNvPr id="42" name="Straight Connector 41"/>
+          <p:cNvCxnSpPr/>
+          <p:nvPr/>
+        </p:nvCxnSpPr>
+        <p:spPr>
+          <a:xfrm flipH="1">
+            <a:off x="2783840" y="2094230"/>
+            <a:ext cx="0" cy="552450"/>
+          </a:xfrm>
+          <a:prstGeom prst="line">
+            <a:avLst/>
+          </a:prstGeom>
+          <a:ln w="12700">
+            <a:solidFill>
+              <a:schemeClr val="tx1"/>
+            </a:solidFill>
+          </a:ln>
+        </p:spPr>
+        <p:style>
+          <a:lnRef idx="1">
+            <a:schemeClr val="accent1"/>
+          </a:lnRef>
+          <a:fillRef idx="0">
+            <a:schemeClr val="accent1"/>
+          </a:fillRef>
+          <a:effectRef idx="0">
+            <a:schemeClr val="accent1"/>
+          </a:effectRef>
+          <a:fontRef idx="minor">
+            <a:schemeClr val="tx1"/>
+          </a:fontRef>
+        </p:style>
+      </p:cxnSp>
+      <p:cxnSp>
+        <p:nvCxnSpPr>
+          <p:cNvPr id="43" name="Straight Connector 42"/>
+          <p:cNvCxnSpPr/>
+          <p:nvPr/>
+        </p:nvCxnSpPr>
+        <p:spPr>
+          <a:xfrm flipH="1">
+            <a:off x="2190750" y="2094230"/>
+            <a:ext cx="0" cy="552450"/>
+          </a:xfrm>
+          <a:prstGeom prst="line">
+            <a:avLst/>
+          </a:prstGeom>
+          <a:ln w="12700">
+            <a:solidFill>
+              <a:schemeClr val="tx1"/>
+            </a:solidFill>
+          </a:ln>
+        </p:spPr>
+        <p:style>
+          <a:lnRef idx="1">
+            <a:schemeClr val="accent1"/>
+          </a:lnRef>
+          <a:fillRef idx="0">
+            <a:schemeClr val="accent1"/>
+          </a:fillRef>
+          <a:effectRef idx="0">
+            <a:schemeClr val="accent1"/>
+          </a:effectRef>
+          <a:fontRef idx="minor">
+            <a:schemeClr val="tx1"/>
+          </a:fontRef>
+        </p:style>
+      </p:cxnSp>
+      <p:cxnSp>
+        <p:nvCxnSpPr>
+          <p:cNvPr id="44" name="Straight Connector 43"/>
+          <p:cNvCxnSpPr/>
+          <p:nvPr/>
+        </p:nvCxnSpPr>
+        <p:spPr>
+          <a:xfrm flipH="1">
+            <a:off x="3376930" y="2094230"/>
+            <a:ext cx="0" cy="552450"/>
+          </a:xfrm>
+          <a:prstGeom prst="line">
+            <a:avLst/>
+          </a:prstGeom>
+          <a:ln w="12700">
+            <a:solidFill>
+              <a:schemeClr val="tx1"/>
+            </a:solidFill>
+          </a:ln>
+        </p:spPr>
+        <p:style>
+          <a:lnRef idx="1">
+            <a:schemeClr val="accent1"/>
+          </a:lnRef>
+          <a:fillRef idx="0">
+            <a:schemeClr val="accent1"/>
+          </a:fillRef>
+          <a:effectRef idx="0">
+            <a:schemeClr val="accent1"/>
+          </a:effectRef>
+          <a:fontRef idx="minor">
+            <a:schemeClr val="tx1"/>
+          </a:fontRef>
+        </p:style>
+      </p:cxnSp>
+      <p:cxnSp>
+        <p:nvCxnSpPr>
+          <p:cNvPr id="45" name="Straight Connector 44"/>
+          <p:cNvCxnSpPr/>
+          <p:nvPr/>
+        </p:nvCxnSpPr>
+        <p:spPr>
+          <a:xfrm flipH="1">
+            <a:off x="4563110" y="2094230"/>
+            <a:ext cx="0" cy="552450"/>
+          </a:xfrm>
+          <a:prstGeom prst="line">
+            <a:avLst/>
+          </a:prstGeom>
+          <a:ln w="12700">
+            <a:solidFill>
+              <a:schemeClr val="tx1"/>
+            </a:solidFill>
+          </a:ln>
+        </p:spPr>
+        <p:style>
+          <a:lnRef idx="1">
+            <a:schemeClr val="accent1"/>
+          </a:lnRef>
+          <a:fillRef idx="0">
+            <a:schemeClr val="accent1"/>
+          </a:fillRef>
+          <a:effectRef idx="0">
+            <a:schemeClr val="accent1"/>
+          </a:effectRef>
+          <a:fontRef idx="minor">
+            <a:schemeClr val="tx1"/>
+          </a:fontRef>
+        </p:style>
+      </p:cxnSp>
+      <p:cxnSp>
+        <p:nvCxnSpPr>
+          <p:cNvPr id="46" name="Straight Connector 45"/>
+          <p:cNvCxnSpPr/>
+          <p:nvPr/>
+        </p:nvCxnSpPr>
+        <p:spPr>
+          <a:xfrm flipH="1">
+            <a:off x="5749290" y="2094230"/>
+            <a:ext cx="0" cy="552450"/>
+          </a:xfrm>
+          <a:prstGeom prst="line">
+            <a:avLst/>
+          </a:prstGeom>
+          <a:ln w="12700">
+            <a:solidFill>
+              <a:schemeClr val="tx1"/>
+            </a:solidFill>
+          </a:ln>
+        </p:spPr>
+        <p:style>
+          <a:lnRef idx="1">
+            <a:schemeClr val="accent1"/>
+          </a:lnRef>
+          <a:fillRef idx="0">
+            <a:schemeClr val="accent1"/>
+          </a:fillRef>
+          <a:effectRef idx="0">
+            <a:schemeClr val="accent1"/>
+          </a:effectRef>
+          <a:fontRef idx="minor">
+            <a:schemeClr val="tx1"/>
+          </a:fontRef>
+        </p:style>
+      </p:cxnSp>
+      <p:cxnSp>
+        <p:nvCxnSpPr>
+          <p:cNvPr id="47" name="Straight Connector 46"/>
+          <p:cNvCxnSpPr/>
+          <p:nvPr/>
+        </p:nvCxnSpPr>
+        <p:spPr>
+          <a:xfrm flipH="1">
+            <a:off x="4271645" y="2094230"/>
+            <a:ext cx="0" cy="552450"/>
+          </a:xfrm>
+          <a:prstGeom prst="line">
+            <a:avLst/>
+          </a:prstGeom>
+          <a:ln w="12700">
+            <a:solidFill>
+              <a:schemeClr val="tx1"/>
+            </a:solidFill>
+          </a:ln>
+        </p:spPr>
+        <p:style>
+          <a:lnRef idx="1">
+            <a:schemeClr val="accent1"/>
+          </a:lnRef>
+          <a:fillRef idx="0">
+            <a:schemeClr val="accent1"/>
+          </a:fillRef>
+          <a:effectRef idx="0">
+            <a:schemeClr val="accent1"/>
+          </a:effectRef>
+          <a:fontRef idx="minor">
+            <a:schemeClr val="tx1"/>
+          </a:fontRef>
+        </p:style>
+      </p:cxnSp>
+      <p:cxnSp>
+        <p:nvCxnSpPr>
+          <p:cNvPr id="48" name="Straight Connector 47"/>
+          <p:cNvCxnSpPr/>
+          <p:nvPr/>
+        </p:nvCxnSpPr>
+        <p:spPr>
+          <a:xfrm flipH="1">
+            <a:off x="5457825" y="2094230"/>
+            <a:ext cx="0" cy="552450"/>
+          </a:xfrm>
+          <a:prstGeom prst="line">
+            <a:avLst/>
+          </a:prstGeom>
+          <a:ln w="12700">
+            <a:solidFill>
+              <a:schemeClr val="tx1"/>
+            </a:solidFill>
+          </a:ln>
+        </p:spPr>
+        <p:style>
+          <a:lnRef idx="1">
+            <a:schemeClr val="accent1"/>
+          </a:lnRef>
+          <a:fillRef idx="0">
+            <a:schemeClr val="accent1"/>
+          </a:fillRef>
+          <a:effectRef idx="0">
+            <a:schemeClr val="accent1"/>
+          </a:effectRef>
+          <a:fontRef idx="minor">
+            <a:schemeClr val="tx1"/>
+          </a:fontRef>
+        </p:style>
+      </p:cxnSp>
+      <p:cxnSp>
+        <p:nvCxnSpPr>
+          <p:cNvPr id="49" name="Straight Connector 48"/>
+          <p:cNvCxnSpPr/>
+          <p:nvPr/>
+        </p:nvCxnSpPr>
+        <p:spPr>
+          <a:xfrm flipH="1">
+            <a:off x="3085465" y="2094230"/>
+            <a:ext cx="0" cy="552450"/>
+          </a:xfrm>
+          <a:prstGeom prst="line">
+            <a:avLst/>
+          </a:prstGeom>
+          <a:ln w="12700">
+            <a:solidFill>
+              <a:schemeClr val="tx1"/>
+            </a:solidFill>
+          </a:ln>
+        </p:spPr>
+        <p:style>
+          <a:lnRef idx="1">
+            <a:schemeClr val="accent1"/>
+          </a:lnRef>
+          <a:fillRef idx="0">
+            <a:schemeClr val="accent1"/>
+          </a:fillRef>
+          <a:effectRef idx="0">
+            <a:schemeClr val="accent1"/>
+          </a:effectRef>
+          <a:fontRef idx="minor">
+            <a:schemeClr val="tx1"/>
+          </a:fontRef>
+        </p:style>
+      </p:cxnSp>
+      <p:cxnSp>
+        <p:nvCxnSpPr>
+          <p:cNvPr id="50" name="Straight Connector 49"/>
+          <p:cNvCxnSpPr/>
+          <p:nvPr/>
+        </p:nvCxnSpPr>
+        <p:spPr>
+          <a:xfrm flipH="1">
+            <a:off x="2492375" y="2094230"/>
+            <a:ext cx="0" cy="552450"/>
+          </a:xfrm>
+          <a:prstGeom prst="line">
+            <a:avLst/>
+          </a:prstGeom>
+          <a:ln w="12700">
+            <a:solidFill>
+              <a:schemeClr val="tx1"/>
+            </a:solidFill>
+          </a:ln>
+        </p:spPr>
+        <p:style>
+          <a:lnRef idx="1">
+            <a:schemeClr val="accent1"/>
+          </a:lnRef>
+          <a:fillRef idx="0">
+            <a:schemeClr val="accent1"/>
+          </a:fillRef>
+          <a:effectRef idx="0">
+            <a:schemeClr val="accent1"/>
+          </a:effectRef>
+          <a:fontRef idx="minor">
+            <a:schemeClr val="tx1"/>
+          </a:fontRef>
+        </p:style>
+      </p:cxnSp>
+      <p:cxnSp>
+        <p:nvCxnSpPr>
+          <p:cNvPr id="51" name="Straight Connector 50"/>
+          <p:cNvCxnSpPr/>
+          <p:nvPr/>
+        </p:nvCxnSpPr>
+        <p:spPr>
+          <a:xfrm flipH="1">
+            <a:off x="3678555" y="2094230"/>
+            <a:ext cx="0" cy="552450"/>
+          </a:xfrm>
+          <a:prstGeom prst="line">
+            <a:avLst/>
+          </a:prstGeom>
+          <a:ln w="12700">
+            <a:solidFill>
+              <a:schemeClr val="tx1"/>
+            </a:solidFill>
+          </a:ln>
+        </p:spPr>
+        <p:style>
+          <a:lnRef idx="1">
+            <a:schemeClr val="accent1"/>
+          </a:lnRef>
+          <a:fillRef idx="0">
+            <a:schemeClr val="accent1"/>
+          </a:fillRef>
+          <a:effectRef idx="0">
+            <a:schemeClr val="accent1"/>
+          </a:effectRef>
+          <a:fontRef idx="minor">
+            <a:schemeClr val="tx1"/>
+          </a:fontRef>
+        </p:style>
+      </p:cxnSp>
+      <p:cxnSp>
+        <p:nvCxnSpPr>
+          <p:cNvPr id="52" name="Straight Connector 51"/>
+          <p:cNvCxnSpPr/>
+          <p:nvPr/>
+        </p:nvCxnSpPr>
+        <p:spPr>
+          <a:xfrm flipH="1">
+            <a:off x="4864735" y="2094230"/>
+            <a:ext cx="0" cy="552450"/>
+          </a:xfrm>
+          <a:prstGeom prst="line">
+            <a:avLst/>
+          </a:prstGeom>
+          <a:ln w="12700">
+            <a:solidFill>
+              <a:schemeClr val="tx1"/>
+            </a:solidFill>
+          </a:ln>
+        </p:spPr>
+        <p:style>
+          <a:lnRef idx="1">
+            <a:schemeClr val="accent1"/>
+          </a:lnRef>
+          <a:fillRef idx="0">
+            <a:schemeClr val="accent1"/>
+          </a:fillRef>
+          <a:effectRef idx="0">
+            <a:schemeClr val="accent1"/>
+          </a:effectRef>
+          <a:fontRef idx="minor">
+            <a:schemeClr val="tx1"/>
+          </a:fontRef>
+        </p:style>
+      </p:cxnSp>
+      <p:cxnSp>
+        <p:nvCxnSpPr>
+          <p:cNvPr id="53" name="Straight Connector 52"/>
+          <p:cNvCxnSpPr/>
+          <p:nvPr/>
+        </p:nvCxnSpPr>
+        <p:spPr>
+          <a:xfrm flipH="1">
+            <a:off x="6050915" y="2094230"/>
+            <a:ext cx="0" cy="552450"/>
+          </a:xfrm>
+          <a:prstGeom prst="line">
+            <a:avLst/>
+          </a:prstGeom>
+          <a:ln w="12700">
+            <a:solidFill>
+              <a:schemeClr val="tx1"/>
+            </a:solidFill>
+          </a:ln>
+        </p:spPr>
+        <p:style>
+          <a:lnRef idx="1">
+            <a:schemeClr val="accent1"/>
+          </a:lnRef>
+          <a:fillRef idx="0">
+            <a:schemeClr val="accent1"/>
+          </a:fillRef>
+          <a:effectRef idx="0">
+            <a:schemeClr val="accent1"/>
+          </a:effectRef>
+          <a:fontRef idx="minor">
+            <a:schemeClr val="tx1"/>
+          </a:fontRef>
+        </p:style>
+      </p:cxnSp>
+      <p:cxnSp>
+        <p:nvCxnSpPr>
+          <p:cNvPr id="61" name="Straight Connector 60"/>
+          <p:cNvCxnSpPr/>
+          <p:nvPr/>
+        </p:nvCxnSpPr>
+        <p:spPr>
+          <a:xfrm flipH="1">
+            <a:off x="1888490" y="2094230"/>
+            <a:ext cx="0" cy="552450"/>
+          </a:xfrm>
+          <a:prstGeom prst="line">
+            <a:avLst/>
+          </a:prstGeom>
+          <a:ln w="12700">
+            <a:solidFill>
+              <a:schemeClr val="tx1"/>
+            </a:solidFill>
+          </a:ln>
+        </p:spPr>
+        <p:style>
+          <a:lnRef idx="1">
+            <a:schemeClr val="accent1"/>
+          </a:lnRef>
+          <a:fillRef idx="0">
+            <a:schemeClr val="accent1"/>
+          </a:fillRef>
+          <a:effectRef idx="0">
+            <a:schemeClr val="accent1"/>
+          </a:effectRef>
+          <a:fontRef idx="minor">
+            <a:schemeClr val="tx1"/>
+          </a:fontRef>
+        </p:style>
+      </p:cxnSp>
+      <p:sp>
+        <p:nvSpPr>
+          <p:cNvPr id="62" name="Text Box 61"/>
+          <p:cNvSpPr txBox="1"/>
+          <p:nvPr/>
+        </p:nvSpPr>
+        <p:spPr>
+          <a:xfrm>
+            <a:off x="806450" y="537210"/>
+            <a:ext cx="530225" cy="368300"/>
+          </a:xfrm>
+          <a:prstGeom prst="rect">
+            <a:avLst/>
+          </a:prstGeom>
+          <a:noFill/>
+        </p:spPr>
+        <p:txBody>
+          <a:bodyPr wrap="square" rtlCol="0">
+            <a:spAutoFit/>
+          </a:bodyPr>
+          <a:p>
+            <a:r>
+              <a:rPr lang="de-DE" altLang="en-US">
+                <a:latin typeface="Calibri" charset="0"/>
+              </a:rPr>
+              <a:t>A)</a:t>
+            </a:r>
+            <a:endParaRPr lang="de-DE" altLang="en-US">
+              <a:latin typeface="Calibri" charset="0"/>
+            </a:endParaRPr>
+          </a:p>
+        </p:txBody>
+      </p:sp>
+      <p:sp>
+        <p:nvSpPr>
+          <p:cNvPr id="63" name="Text Box 62"/>
+          <p:cNvSpPr txBox="1"/>
+          <p:nvPr/>
+        </p:nvSpPr>
+        <p:spPr>
+          <a:xfrm>
+            <a:off x="806450" y="1368425"/>
+            <a:ext cx="530225" cy="368300"/>
+          </a:xfrm>
+          <a:prstGeom prst="rect">
+            <a:avLst/>
+          </a:prstGeom>
+          <a:noFill/>
+        </p:spPr>
+        <p:txBody>
+          <a:bodyPr wrap="square" rtlCol="0">
+            <a:spAutoFit/>
+          </a:bodyPr>
+          <a:p>
+            <a:r>
+              <a:rPr lang="de-DE" altLang="en-US">
+                <a:latin typeface="Calibri" charset="0"/>
+              </a:rPr>
+              <a:t>B)</a:t>
+            </a:r>
+            <a:endParaRPr lang="de-DE" altLang="en-US">
+              <a:latin typeface="Calibri" charset="0"/>
+            </a:endParaRPr>
+          </a:p>
+        </p:txBody>
+      </p:sp>
+      <p:sp>
+        <p:nvSpPr>
+          <p:cNvPr id="64" name="Text Box 63"/>
+          <p:cNvSpPr txBox="1"/>
+          <p:nvPr/>
+        </p:nvSpPr>
+        <p:spPr>
+          <a:xfrm>
+            <a:off x="806450" y="2186305"/>
+            <a:ext cx="530225" cy="368300"/>
+          </a:xfrm>
+          <a:prstGeom prst="rect">
+            <a:avLst/>
+          </a:prstGeom>
+          <a:noFill/>
+        </p:spPr>
+        <p:txBody>
+          <a:bodyPr wrap="square" rtlCol="0">
+            <a:spAutoFit/>
+          </a:bodyPr>
+          <a:p>
+            <a:r>
+              <a:rPr lang="de-DE" altLang="en-US">
+                <a:latin typeface="Calibri" charset="0"/>
+              </a:rPr>
+              <a:t>C)</a:t>
+            </a:r>
+            <a:endParaRPr lang="de-DE" altLang="en-US">
+              <a:latin typeface="Calibri" charset="0"/>
+            </a:endParaRPr>
+          </a:p>
+        </p:txBody>
+      </p:sp>
+    </p:spTree>
+  </p:cSld>
+  <p:clrMapOvr>
+    <a:masterClrMapping/>
+  </p:clrMapOvr>
+</p:sld>
+</file>
+
+<file path=ppt/slides/slide13.xml><?xml version="1.0" encoding="utf-8"?>
+<p:sld xmlns:a="http://schemas.openxmlformats.org/drawingml/2006/main" xmlns:r="http://schemas.openxmlformats.org/officeDocument/2006/relationships" xmlns:p="http://schemas.openxmlformats.org/presentationml/2006/main">
+  <p:cSld>
+    <p:spTree>
+      <p:nvGrpSpPr>
+        <p:cNvPr id="1" name=""/>
+        <p:cNvGrpSpPr/>
+        <p:nvPr/>
+      </p:nvGrpSpPr>
+      <p:grpSpPr/>
+      <p:cxnSp>
+        <p:nvCxnSpPr>
+          <p:cNvPr id="17" name="Straight Arrow Connector 16"/>
+          <p:cNvCxnSpPr/>
+          <p:nvPr/>
+        </p:nvCxnSpPr>
+        <p:spPr>
+          <a:xfrm>
+            <a:off x="3220720" y="1558925"/>
+            <a:ext cx="5486400" cy="0"/>
+          </a:xfrm>
+          <a:prstGeom prst="straightConnector1">
+            <a:avLst/>
+          </a:prstGeom>
+          <a:ln w="12700">
+            <a:solidFill>
+              <a:schemeClr val="tx1"/>
+            </a:solidFill>
+            <a:tailEnd type="arrow"/>
+          </a:ln>
+        </p:spPr>
+        <p:style>
+          <a:lnRef idx="1">
+            <a:schemeClr val="accent1"/>
+          </a:lnRef>
+          <a:fillRef idx="0">
+            <a:schemeClr val="accent1"/>
+          </a:fillRef>
+          <a:effectRef idx="0">
+            <a:schemeClr val="accent1"/>
+          </a:effectRef>
+          <a:fontRef idx="minor">
+            <a:schemeClr val="tx1"/>
+          </a:fontRef>
+        </p:style>
+      </p:cxnSp>
+      <p:sp>
+        <p:nvSpPr>
+          <p:cNvPr id="18" name="Oval 17"/>
+          <p:cNvSpPr/>
+          <p:nvPr/>
+        </p:nvSpPr>
+        <p:spPr>
+          <a:xfrm>
+            <a:off x="3625215" y="1502410"/>
+            <a:ext cx="113030" cy="113030"/>
+          </a:xfrm>
+          <a:prstGeom prst="ellipse">
+            <a:avLst/>
+          </a:prstGeom>
+        </p:spPr>
+        <p:style>
+          <a:lnRef idx="2">
+            <a:schemeClr val="accent1">
+              <a:shade val="50000"/>
+            </a:schemeClr>
+          </a:lnRef>
+          <a:fillRef idx="1">
+            <a:schemeClr val="accent1"/>
+          </a:fillRef>
+          <a:effectRef idx="0">
+            <a:schemeClr val="accent1"/>
+          </a:effectRef>
+          <a:fontRef idx="minor">
+            <a:schemeClr val="lt1"/>
+          </a:fontRef>
+        </p:style>
+        <p:txBody>
+          <a:bodyPr rtlCol="0" anchor="ctr"/>
+          <a:p>
+            <a:pPr algn="ctr"/>
+            <a:endParaRPr lang="en-US"/>
+          </a:p>
+        </p:txBody>
+      </p:sp>
+      <p:sp>
+        <p:nvSpPr>
+          <p:cNvPr id="19" name="Oval 18"/>
+          <p:cNvSpPr/>
+          <p:nvPr/>
+        </p:nvSpPr>
+        <p:spPr>
+          <a:xfrm>
+            <a:off x="3869690" y="1502410"/>
+            <a:ext cx="113030" cy="113030"/>
+          </a:xfrm>
+          <a:prstGeom prst="ellipse">
+            <a:avLst/>
+          </a:prstGeom>
+        </p:spPr>
+        <p:style>
+          <a:lnRef idx="2">
+            <a:schemeClr val="accent1">
+              <a:shade val="50000"/>
+            </a:schemeClr>
+          </a:lnRef>
+          <a:fillRef idx="1">
+            <a:schemeClr val="accent1"/>
+          </a:fillRef>
+          <a:effectRef idx="0">
+            <a:schemeClr val="accent1"/>
+          </a:effectRef>
+          <a:fontRef idx="minor">
+            <a:schemeClr val="lt1"/>
+          </a:fontRef>
+        </p:style>
+        <p:txBody>
+          <a:bodyPr rtlCol="0" anchor="ctr"/>
+          <a:p>
+            <a:pPr algn="ctr"/>
+            <a:endParaRPr lang="en-US"/>
+          </a:p>
+        </p:txBody>
+      </p:sp>
+      <p:sp>
+        <p:nvSpPr>
+          <p:cNvPr id="20" name="Oval 19"/>
+          <p:cNvSpPr/>
+          <p:nvPr/>
+        </p:nvSpPr>
+        <p:spPr>
+          <a:xfrm>
+            <a:off x="4043045" y="1502410"/>
+            <a:ext cx="113030" cy="113030"/>
+          </a:xfrm>
+          <a:prstGeom prst="ellipse">
+            <a:avLst/>
+          </a:prstGeom>
+        </p:spPr>
+        <p:style>
+          <a:lnRef idx="2">
+            <a:schemeClr val="accent1">
+              <a:shade val="50000"/>
+            </a:schemeClr>
+          </a:lnRef>
+          <a:fillRef idx="1">
+            <a:schemeClr val="accent1"/>
+          </a:fillRef>
+          <a:effectRef idx="0">
+            <a:schemeClr val="accent1"/>
+          </a:effectRef>
+          <a:fontRef idx="minor">
+            <a:schemeClr val="lt1"/>
+          </a:fontRef>
+        </p:style>
+        <p:txBody>
+          <a:bodyPr rtlCol="0" anchor="ctr"/>
+          <a:p>
+            <a:pPr algn="ctr"/>
+            <a:endParaRPr lang="en-US"/>
+          </a:p>
+        </p:txBody>
+      </p:sp>
+      <p:sp>
+        <p:nvSpPr>
+          <p:cNvPr id="21" name="Oval 20"/>
+          <p:cNvSpPr/>
+          <p:nvPr/>
+        </p:nvSpPr>
+        <p:spPr>
+          <a:xfrm>
+            <a:off x="4258945" y="1502410"/>
+            <a:ext cx="113030" cy="113030"/>
+          </a:xfrm>
+          <a:prstGeom prst="ellipse">
+            <a:avLst/>
+          </a:prstGeom>
+        </p:spPr>
+        <p:style>
+          <a:lnRef idx="2">
+            <a:schemeClr val="accent1">
+              <a:shade val="50000"/>
+            </a:schemeClr>
+          </a:lnRef>
+          <a:fillRef idx="1">
+            <a:schemeClr val="accent1"/>
+          </a:fillRef>
+          <a:effectRef idx="0">
+            <a:schemeClr val="accent1"/>
+          </a:effectRef>
+          <a:fontRef idx="minor">
+            <a:schemeClr val="lt1"/>
+          </a:fontRef>
+        </p:style>
+        <p:txBody>
+          <a:bodyPr rtlCol="0" anchor="ctr"/>
+          <a:p>
+            <a:pPr algn="ctr"/>
+            <a:endParaRPr lang="en-US"/>
+          </a:p>
+        </p:txBody>
+      </p:sp>
+      <p:sp>
+        <p:nvSpPr>
+          <p:cNvPr id="22" name="Oval 21"/>
+          <p:cNvSpPr/>
+          <p:nvPr/>
+        </p:nvSpPr>
+        <p:spPr>
+          <a:xfrm>
+            <a:off x="4510405" y="1502410"/>
+            <a:ext cx="113030" cy="113030"/>
+          </a:xfrm>
+          <a:prstGeom prst="ellipse">
+            <a:avLst/>
+          </a:prstGeom>
+        </p:spPr>
+        <p:style>
+          <a:lnRef idx="2">
+            <a:schemeClr val="accent1">
+              <a:shade val="50000"/>
+            </a:schemeClr>
+          </a:lnRef>
+          <a:fillRef idx="1">
+            <a:schemeClr val="accent1"/>
+          </a:fillRef>
+          <a:effectRef idx="0">
+            <a:schemeClr val="accent1"/>
+          </a:effectRef>
+          <a:fontRef idx="minor">
+            <a:schemeClr val="lt1"/>
+          </a:fontRef>
+        </p:style>
+        <p:txBody>
+          <a:bodyPr rtlCol="0" anchor="ctr"/>
+          <a:p>
+            <a:pPr algn="ctr"/>
+            <a:endParaRPr lang="en-US"/>
+          </a:p>
+        </p:txBody>
+      </p:sp>
+      <p:cxnSp>
+        <p:nvCxnSpPr>
+          <p:cNvPr id="23" name="Straight Connector 22"/>
+          <p:cNvCxnSpPr/>
+          <p:nvPr/>
+        </p:nvCxnSpPr>
+        <p:spPr>
+          <a:xfrm flipH="1">
+            <a:off x="3524250" y="1282700"/>
+            <a:ext cx="0" cy="552450"/>
+          </a:xfrm>
+          <a:prstGeom prst="line">
+            <a:avLst/>
+          </a:prstGeom>
+          <a:ln w="25400">
+            <a:solidFill>
+              <a:schemeClr val="tx1"/>
+            </a:solidFill>
+          </a:ln>
+        </p:spPr>
+        <p:style>
+          <a:lnRef idx="1">
+            <a:schemeClr val="accent1"/>
+          </a:lnRef>
+          <a:fillRef idx="0">
+            <a:schemeClr val="accent1"/>
+          </a:fillRef>
+          <a:effectRef idx="0">
+            <a:schemeClr val="accent1"/>
+          </a:effectRef>
+          <a:fontRef idx="minor">
+            <a:schemeClr val="tx1"/>
+          </a:fontRef>
+        </p:style>
+      </p:cxnSp>
+      <p:cxnSp>
+        <p:nvCxnSpPr>
+          <p:cNvPr id="24" name="Straight Connector 23"/>
+          <p:cNvCxnSpPr/>
+          <p:nvPr/>
+        </p:nvCxnSpPr>
+        <p:spPr>
+          <a:xfrm flipH="1">
+            <a:off x="8268335" y="1282700"/>
+            <a:ext cx="0" cy="552450"/>
+          </a:xfrm>
+          <a:prstGeom prst="line">
+            <a:avLst/>
+          </a:prstGeom>
+          <a:ln w="25400">
+            <a:solidFill>
+              <a:schemeClr val="tx1"/>
+            </a:solidFill>
+          </a:ln>
+        </p:spPr>
+        <p:style>
+          <a:lnRef idx="1">
+            <a:schemeClr val="accent1"/>
+          </a:lnRef>
+          <a:fillRef idx="0">
+            <a:schemeClr val="accent1"/>
+          </a:fillRef>
+          <a:effectRef idx="0">
+            <a:schemeClr val="accent1"/>
+          </a:effectRef>
+          <a:fontRef idx="minor">
+            <a:schemeClr val="tx1"/>
+          </a:fontRef>
+        </p:style>
+      </p:cxnSp>
+      <p:sp>
+        <p:nvSpPr>
+          <p:cNvPr id="62" name="Text Box 61"/>
+          <p:cNvSpPr txBox="1"/>
+          <p:nvPr/>
+        </p:nvSpPr>
+        <p:spPr>
+          <a:xfrm>
+            <a:off x="2027555" y="1360805"/>
+            <a:ext cx="1309370" cy="368300"/>
+          </a:xfrm>
+          <a:prstGeom prst="rect">
+            <a:avLst/>
+          </a:prstGeom>
+          <a:noFill/>
+        </p:spPr>
+        <p:txBody>
+          <a:bodyPr wrap="square" rtlCol="0">
+            <a:spAutoFit/>
+          </a:bodyPr>
+          <a:p>
+            <a:r>
+              <a:rPr lang="de-DE" altLang="en-US">
+                <a:latin typeface="Calibri" charset="0"/>
+              </a:rPr>
+              <a:t>Problem:</a:t>
+            </a:r>
+            <a:endParaRPr lang="de-DE" altLang="en-US">
+              <a:latin typeface="Calibri" charset="0"/>
+            </a:endParaRPr>
+          </a:p>
+        </p:txBody>
+      </p:sp>
+      <p:sp>
+        <p:nvSpPr>
+          <p:cNvPr id="26" name="Oval 25"/>
+          <p:cNvSpPr/>
+          <p:nvPr/>
+        </p:nvSpPr>
+        <p:spPr>
+          <a:xfrm>
+            <a:off x="8060055" y="1502410"/>
+            <a:ext cx="113030" cy="113030"/>
+          </a:xfrm>
+          <a:prstGeom prst="ellipse">
+            <a:avLst/>
+          </a:prstGeom>
+          <a:gradFill>
+            <a:gsLst>
+              <a:gs pos="0">
+                <a:srgbClr val="FE4444"/>
+              </a:gs>
+              <a:gs pos="100000">
+                <a:srgbClr val="832B2B"/>
+              </a:gs>
+            </a:gsLst>
+            <a:lin ang="5400000" scaled="0"/>
+          </a:gradFill>
+          <a:ln>
+            <a:solidFill>
+              <a:srgbClr val="FF3300"/>
+            </a:solidFill>
+          </a:ln>
+        </p:spPr>
+        <p:style>
+          <a:lnRef idx="2">
+            <a:schemeClr val="accent1">
+              <a:shade val="50000"/>
+            </a:schemeClr>
+          </a:lnRef>
+          <a:fillRef idx="1">
+            <a:schemeClr val="accent1"/>
+          </a:fillRef>
+          <a:effectRef idx="0">
+            <a:schemeClr val="accent1"/>
+          </a:effectRef>
+          <a:fontRef idx="minor">
+            <a:schemeClr val="lt1"/>
+          </a:fontRef>
+        </p:style>
+        <p:txBody>
+          <a:bodyPr rtlCol="0" anchor="ctr"/>
+          <a:p>
+            <a:pPr algn="ctr"/>
+            <a:endParaRPr lang="en-US"/>
+          </a:p>
+        </p:txBody>
+      </p:sp>
+      <p:cxnSp>
+        <p:nvCxnSpPr>
+          <p:cNvPr id="27" name="Straight Arrow Connector 26"/>
+          <p:cNvCxnSpPr/>
+          <p:nvPr/>
+        </p:nvCxnSpPr>
+        <p:spPr>
+          <a:xfrm>
+            <a:off x="4926330" y="2301875"/>
+            <a:ext cx="1645920" cy="0"/>
+          </a:xfrm>
+          <a:prstGeom prst="straightConnector1">
+            <a:avLst/>
+          </a:prstGeom>
+          <a:ln w="12700">
+            <a:solidFill>
+              <a:schemeClr val="tx1"/>
+            </a:solidFill>
+            <a:tailEnd type="arrow"/>
+          </a:ln>
+        </p:spPr>
+        <p:style>
+          <a:lnRef idx="1">
+            <a:schemeClr val="accent1"/>
+          </a:lnRef>
+          <a:fillRef idx="0">
+            <a:schemeClr val="accent1"/>
+          </a:fillRef>
+          <a:effectRef idx="0">
+            <a:schemeClr val="accent1"/>
+          </a:effectRef>
+          <a:fontRef idx="minor">
+            <a:schemeClr val="tx1"/>
+          </a:fontRef>
+        </p:style>
+      </p:cxnSp>
+      <p:sp>
+        <p:nvSpPr>
+          <p:cNvPr id="54" name="Oval 53"/>
+          <p:cNvSpPr/>
+          <p:nvPr/>
+        </p:nvSpPr>
+        <p:spPr>
+          <a:xfrm>
+            <a:off x="5281930" y="2245360"/>
+            <a:ext cx="113030" cy="113030"/>
+          </a:xfrm>
+          <a:prstGeom prst="ellipse">
+            <a:avLst/>
+          </a:prstGeom>
+        </p:spPr>
+        <p:style>
+          <a:lnRef idx="2">
+            <a:schemeClr val="accent1">
+              <a:shade val="50000"/>
+            </a:schemeClr>
+          </a:lnRef>
+          <a:fillRef idx="1">
+            <a:schemeClr val="accent1"/>
+          </a:fillRef>
+          <a:effectRef idx="0">
+            <a:schemeClr val="accent1"/>
+          </a:effectRef>
+          <a:fontRef idx="minor">
+            <a:schemeClr val="lt1"/>
+          </a:fontRef>
+        </p:style>
+        <p:txBody>
+          <a:bodyPr rtlCol="0" anchor="ctr"/>
+          <a:p>
+            <a:pPr algn="ctr"/>
+            <a:endParaRPr lang="en-US"/>
+          </a:p>
+        </p:txBody>
+      </p:sp>
+      <p:sp>
+        <p:nvSpPr>
+          <p:cNvPr id="55" name="Oval 54"/>
+          <p:cNvSpPr/>
+          <p:nvPr/>
+        </p:nvSpPr>
+        <p:spPr>
+          <a:xfrm>
+            <a:off x="5306060" y="2245360"/>
+            <a:ext cx="113030" cy="113030"/>
+          </a:xfrm>
+          <a:prstGeom prst="ellipse">
+            <a:avLst/>
+          </a:prstGeom>
+        </p:spPr>
+        <p:style>
+          <a:lnRef idx="2">
+            <a:schemeClr val="accent1">
+              <a:shade val="50000"/>
+            </a:schemeClr>
+          </a:lnRef>
+          <a:fillRef idx="1">
+            <a:schemeClr val="accent1"/>
+          </a:fillRef>
+          <a:effectRef idx="0">
+            <a:schemeClr val="accent1"/>
+          </a:effectRef>
+          <a:fontRef idx="minor">
+            <a:schemeClr val="lt1"/>
+          </a:fontRef>
+        </p:style>
+        <p:txBody>
+          <a:bodyPr rtlCol="0" anchor="ctr"/>
+          <a:p>
+            <a:pPr algn="ctr"/>
+            <a:endParaRPr lang="en-US"/>
+          </a:p>
+        </p:txBody>
+      </p:sp>
+      <p:sp>
+        <p:nvSpPr>
+          <p:cNvPr id="56" name="Oval 55"/>
+          <p:cNvSpPr/>
+          <p:nvPr/>
+        </p:nvSpPr>
+        <p:spPr>
+          <a:xfrm>
+            <a:off x="5348605" y="2245360"/>
+            <a:ext cx="113030" cy="113030"/>
+          </a:xfrm>
+          <a:prstGeom prst="ellipse">
+            <a:avLst/>
+          </a:prstGeom>
+        </p:spPr>
+        <p:style>
+          <a:lnRef idx="2">
+            <a:schemeClr val="accent1">
+              <a:shade val="50000"/>
+            </a:schemeClr>
+          </a:lnRef>
+          <a:fillRef idx="1">
+            <a:schemeClr val="accent1"/>
+          </a:fillRef>
+          <a:effectRef idx="0">
+            <a:schemeClr val="accent1"/>
+          </a:effectRef>
+          <a:fontRef idx="minor">
+            <a:schemeClr val="lt1"/>
+          </a:fontRef>
+        </p:style>
+        <p:txBody>
+          <a:bodyPr rtlCol="0" anchor="ctr"/>
+          <a:p>
+            <a:pPr algn="ctr"/>
+            <a:endParaRPr lang="en-US"/>
+          </a:p>
+        </p:txBody>
+      </p:sp>
+      <p:sp>
+        <p:nvSpPr>
+          <p:cNvPr id="57" name="Oval 56"/>
+          <p:cNvSpPr/>
+          <p:nvPr/>
+        </p:nvSpPr>
+        <p:spPr>
+          <a:xfrm>
+            <a:off x="5325110" y="2245360"/>
+            <a:ext cx="113030" cy="113030"/>
+          </a:xfrm>
+          <a:prstGeom prst="ellipse">
+            <a:avLst/>
+          </a:prstGeom>
+        </p:spPr>
+        <p:style>
+          <a:lnRef idx="2">
+            <a:schemeClr val="accent1">
+              <a:shade val="50000"/>
+            </a:schemeClr>
+          </a:lnRef>
+          <a:fillRef idx="1">
+            <a:schemeClr val="accent1"/>
+          </a:fillRef>
+          <a:effectRef idx="0">
+            <a:schemeClr val="accent1"/>
+          </a:effectRef>
+          <a:fontRef idx="minor">
+            <a:schemeClr val="lt1"/>
+          </a:fontRef>
+        </p:style>
+        <p:txBody>
+          <a:bodyPr rtlCol="0" anchor="ctr"/>
+          <a:p>
+            <a:pPr algn="ctr"/>
+            <a:endParaRPr lang="en-US"/>
+          </a:p>
+        </p:txBody>
+      </p:sp>
+      <p:sp>
+        <p:nvSpPr>
+          <p:cNvPr id="58" name="Oval 57"/>
+          <p:cNvSpPr/>
+          <p:nvPr/>
+        </p:nvSpPr>
+        <p:spPr>
+          <a:xfrm>
+            <a:off x="5326380" y="2245360"/>
+            <a:ext cx="113030" cy="113030"/>
+          </a:xfrm>
+          <a:prstGeom prst="ellipse">
+            <a:avLst/>
+          </a:prstGeom>
+        </p:spPr>
+        <p:style>
+          <a:lnRef idx="2">
+            <a:schemeClr val="accent1">
+              <a:shade val="50000"/>
+            </a:schemeClr>
+          </a:lnRef>
+          <a:fillRef idx="1">
+            <a:schemeClr val="accent1"/>
+          </a:fillRef>
+          <a:effectRef idx="0">
+            <a:schemeClr val="accent1"/>
+          </a:effectRef>
+          <a:fontRef idx="minor">
+            <a:schemeClr val="lt1"/>
+          </a:fontRef>
+        </p:style>
+        <p:txBody>
+          <a:bodyPr rtlCol="0" anchor="ctr"/>
+          <a:p>
+            <a:pPr algn="ctr"/>
+            <a:endParaRPr lang="en-US"/>
+          </a:p>
+        </p:txBody>
+      </p:sp>
+      <p:cxnSp>
+        <p:nvCxnSpPr>
+          <p:cNvPr id="59" name="Straight Connector 58"/>
+          <p:cNvCxnSpPr/>
+          <p:nvPr/>
+        </p:nvCxnSpPr>
+        <p:spPr>
+          <a:xfrm flipH="1">
+            <a:off x="5229860" y="2025650"/>
+            <a:ext cx="0" cy="552450"/>
+          </a:xfrm>
+          <a:prstGeom prst="line">
+            <a:avLst/>
+          </a:prstGeom>
+          <a:ln w="25400">
+            <a:solidFill>
+              <a:schemeClr val="tx1"/>
+            </a:solidFill>
+          </a:ln>
+        </p:spPr>
+        <p:style>
+          <a:lnRef idx="1">
+            <a:schemeClr val="accent1"/>
+          </a:lnRef>
+          <a:fillRef idx="0">
+            <a:schemeClr val="accent1"/>
+          </a:fillRef>
+          <a:effectRef idx="0">
+            <a:schemeClr val="accent1"/>
+          </a:effectRef>
+          <a:fontRef idx="minor">
+            <a:schemeClr val="tx1"/>
+          </a:fontRef>
+        </p:style>
+      </p:cxnSp>
+      <p:cxnSp>
+        <p:nvCxnSpPr>
+          <p:cNvPr id="60" name="Straight Connector 59"/>
+          <p:cNvCxnSpPr/>
+          <p:nvPr/>
+        </p:nvCxnSpPr>
+        <p:spPr>
+          <a:xfrm flipH="1">
+            <a:off x="6242050" y="2025650"/>
+            <a:ext cx="0" cy="552450"/>
+          </a:xfrm>
+          <a:prstGeom prst="line">
+            <a:avLst/>
+          </a:prstGeom>
+          <a:ln w="25400">
+            <a:solidFill>
+              <a:schemeClr val="tx1"/>
+            </a:solidFill>
+          </a:ln>
+        </p:spPr>
+        <p:style>
+          <a:lnRef idx="1">
+            <a:schemeClr val="accent1"/>
+          </a:lnRef>
+          <a:fillRef idx="0">
+            <a:schemeClr val="accent1"/>
+          </a:fillRef>
+          <a:effectRef idx="0">
+            <a:schemeClr val="accent1"/>
+          </a:effectRef>
+          <a:fontRef idx="minor">
+            <a:schemeClr val="tx1"/>
+          </a:fontRef>
+        </p:style>
+      </p:cxnSp>
+      <p:sp>
+        <p:nvSpPr>
+          <p:cNvPr id="65" name="Oval 64"/>
+          <p:cNvSpPr/>
+          <p:nvPr/>
+        </p:nvSpPr>
+        <p:spPr>
+          <a:xfrm>
+            <a:off x="6084570" y="2245360"/>
+            <a:ext cx="113030" cy="113030"/>
+          </a:xfrm>
+          <a:prstGeom prst="ellipse">
+            <a:avLst/>
+          </a:prstGeom>
+          <a:gradFill>
+            <a:gsLst>
+              <a:gs pos="0">
+                <a:srgbClr val="FE4444"/>
+              </a:gs>
+              <a:gs pos="100000">
+                <a:srgbClr val="832B2B"/>
+              </a:gs>
+            </a:gsLst>
+            <a:lin ang="5400000" scaled="0"/>
+          </a:gradFill>
+          <a:ln>
+            <a:solidFill>
+              <a:srgbClr val="FF3300"/>
+            </a:solidFill>
+          </a:ln>
+        </p:spPr>
+        <p:style>
+          <a:lnRef idx="2">
+            <a:schemeClr val="accent1">
+              <a:shade val="50000"/>
+            </a:schemeClr>
+          </a:lnRef>
+          <a:fillRef idx="1">
+            <a:schemeClr val="accent1"/>
+          </a:fillRef>
+          <a:effectRef idx="0">
+            <a:schemeClr val="accent1"/>
+          </a:effectRef>
+          <a:fontRef idx="minor">
+            <a:schemeClr val="lt1"/>
+          </a:fontRef>
+        </p:style>
+        <p:txBody>
+          <a:bodyPr rtlCol="0" anchor="ctr"/>
+          <a:p>
+            <a:pPr algn="ctr"/>
+            <a:endParaRPr lang="en-US"/>
+          </a:p>
+        </p:txBody>
+      </p:sp>
+      <p:cxnSp>
+        <p:nvCxnSpPr>
+          <p:cNvPr id="67" name="Straight Arrow Connector 66"/>
+          <p:cNvCxnSpPr/>
+          <p:nvPr/>
+        </p:nvCxnSpPr>
+        <p:spPr>
+          <a:xfrm flipH="1">
+            <a:off x="5742305" y="1736090"/>
+            <a:ext cx="0" cy="304165"/>
+          </a:xfrm>
+          <a:prstGeom prst="straightConnector1">
+            <a:avLst/>
+          </a:prstGeom>
+          <a:ln w="19050">
+            <a:solidFill>
+              <a:schemeClr val="tx1"/>
+            </a:solidFill>
+            <a:tailEnd type="arrow"/>
+          </a:ln>
+        </p:spPr>
+        <p:style>
+          <a:lnRef idx="1">
+            <a:schemeClr val="accent1"/>
+          </a:lnRef>
+          <a:fillRef idx="0">
+            <a:schemeClr val="accent1"/>
+          </a:fillRef>
+          <a:effectRef idx="0">
+            <a:schemeClr val="accent1"/>
+          </a:effectRef>
+          <a:fontRef idx="minor">
+            <a:schemeClr val="tx1"/>
+          </a:fontRef>
+        </p:style>
+      </p:cxnSp>
+      <p:sp>
+        <p:nvSpPr>
+          <p:cNvPr id="68" name="Text Box 67"/>
+          <p:cNvSpPr txBox="1"/>
+          <p:nvPr/>
+        </p:nvSpPr>
+        <p:spPr>
+          <a:xfrm>
+            <a:off x="3389630" y="1835150"/>
+            <a:ext cx="530225" cy="306705"/>
+          </a:xfrm>
+          <a:prstGeom prst="rect">
+            <a:avLst/>
+          </a:prstGeom>
+          <a:noFill/>
+        </p:spPr>
+        <p:txBody>
+          <a:bodyPr wrap="square" rtlCol="0">
+            <a:spAutoFit/>
+          </a:bodyPr>
+          <a:p>
+            <a:r>
+              <a:rPr lang="de-DE" altLang="en-US" sz="1400">
+                <a:latin typeface="Calibri" charset="0"/>
+              </a:rPr>
+              <a:t>0</a:t>
+            </a:r>
+            <a:endParaRPr lang="de-DE" altLang="en-US" sz="1400">
+              <a:latin typeface="Calibri" charset="0"/>
+            </a:endParaRPr>
+          </a:p>
+        </p:txBody>
+      </p:sp>
+      <p:sp>
+        <p:nvSpPr>
+          <p:cNvPr id="69" name="Text Box 68"/>
+          <p:cNvSpPr txBox="1"/>
+          <p:nvPr/>
+        </p:nvSpPr>
+        <p:spPr>
+          <a:xfrm>
+            <a:off x="8002905" y="1835150"/>
+            <a:ext cx="662305" cy="306705"/>
+          </a:xfrm>
+          <a:prstGeom prst="rect">
+            <a:avLst/>
+          </a:prstGeom>
+          <a:noFill/>
+        </p:spPr>
+        <p:txBody>
+          <a:bodyPr wrap="square" rtlCol="0">
+            <a:spAutoFit/>
+          </a:bodyPr>
+          <a:p>
+            <a:r>
+              <a:rPr lang="de-DE" altLang="en-US" sz="1400">
+                <a:latin typeface="Calibri" charset="0"/>
+              </a:rPr>
+              <a:t>1000</a:t>
+            </a:r>
+            <a:endParaRPr lang="de-DE" altLang="en-US" sz="1400">
+              <a:latin typeface="Calibri" charset="0"/>
+            </a:endParaRPr>
+          </a:p>
+        </p:txBody>
+      </p:sp>
+      <p:sp>
+        <p:nvSpPr>
+          <p:cNvPr id="70" name="Text Box 69"/>
+          <p:cNvSpPr txBox="1"/>
+          <p:nvPr/>
+        </p:nvSpPr>
+        <p:spPr>
+          <a:xfrm>
+            <a:off x="5092065" y="2578100"/>
+            <a:ext cx="530225" cy="306705"/>
+          </a:xfrm>
+          <a:prstGeom prst="rect">
+            <a:avLst/>
+          </a:prstGeom>
+          <a:noFill/>
+        </p:spPr>
+        <p:txBody>
+          <a:bodyPr wrap="square" rtlCol="0">
+            <a:spAutoFit/>
+          </a:bodyPr>
+          <a:p>
+            <a:r>
+              <a:rPr lang="de-DE" altLang="en-US" sz="1400">
+                <a:latin typeface="Calibri" charset="0"/>
+              </a:rPr>
+              <a:t>0</a:t>
+            </a:r>
+            <a:endParaRPr lang="de-DE" altLang="en-US" sz="1400">
+              <a:latin typeface="Calibri" charset="0"/>
+            </a:endParaRPr>
+          </a:p>
+        </p:txBody>
+      </p:sp>
+      <p:sp>
+        <p:nvSpPr>
+          <p:cNvPr id="71" name="Text Box 70"/>
+          <p:cNvSpPr txBox="1"/>
+          <p:nvPr/>
+        </p:nvSpPr>
+        <p:spPr>
+          <a:xfrm>
+            <a:off x="6104255" y="2578100"/>
+            <a:ext cx="530225" cy="306705"/>
+          </a:xfrm>
+          <a:prstGeom prst="rect">
+            <a:avLst/>
+          </a:prstGeom>
+          <a:noFill/>
+        </p:spPr>
+        <p:txBody>
+          <a:bodyPr wrap="square" rtlCol="0">
+            <a:spAutoFit/>
+          </a:bodyPr>
+          <a:p>
+            <a:r>
+              <a:rPr lang="de-DE" altLang="en-US" sz="1400">
+                <a:latin typeface="Calibri" charset="0"/>
+              </a:rPr>
+              <a:t>1</a:t>
+            </a:r>
+            <a:endParaRPr lang="de-DE" altLang="en-US" sz="1400">
+              <a:latin typeface="Calibri" charset="0"/>
+            </a:endParaRPr>
+          </a:p>
+        </p:txBody>
+      </p:sp>
+      <p:cxnSp>
+        <p:nvCxnSpPr>
+          <p:cNvPr id="72" name="Straight Arrow Connector 71"/>
+          <p:cNvCxnSpPr/>
+          <p:nvPr/>
+        </p:nvCxnSpPr>
+        <p:spPr>
+          <a:xfrm>
+            <a:off x="3220720" y="3787140"/>
+            <a:ext cx="5486400" cy="0"/>
+          </a:xfrm>
+          <a:prstGeom prst="straightConnector1">
+            <a:avLst/>
+          </a:prstGeom>
+          <a:ln w="12700">
+            <a:solidFill>
+              <a:schemeClr val="tx1"/>
+            </a:solidFill>
+            <a:tailEnd type="arrow"/>
+          </a:ln>
+        </p:spPr>
+        <p:style>
+          <a:lnRef idx="1">
+            <a:schemeClr val="accent1"/>
+          </a:lnRef>
+          <a:fillRef idx="0">
+            <a:schemeClr val="accent1"/>
+          </a:fillRef>
+          <a:effectRef idx="0">
+            <a:schemeClr val="accent1"/>
+          </a:effectRef>
+          <a:fontRef idx="minor">
+            <a:schemeClr val="tx1"/>
+          </a:fontRef>
+        </p:style>
+      </p:cxnSp>
+      <p:sp>
+        <p:nvSpPr>
+          <p:cNvPr id="73" name="Oval 72"/>
+          <p:cNvSpPr/>
+          <p:nvPr/>
+        </p:nvSpPr>
+        <p:spPr>
+          <a:xfrm>
+            <a:off x="4309745" y="3730625"/>
+            <a:ext cx="113030" cy="113030"/>
+          </a:xfrm>
+          <a:prstGeom prst="ellipse">
+            <a:avLst/>
+          </a:prstGeom>
+        </p:spPr>
+        <p:style>
+          <a:lnRef idx="2">
+            <a:schemeClr val="accent1">
+              <a:shade val="50000"/>
+            </a:schemeClr>
+          </a:lnRef>
+          <a:fillRef idx="1">
+            <a:schemeClr val="accent1"/>
+          </a:fillRef>
+          <a:effectRef idx="0">
+            <a:schemeClr val="accent1"/>
+          </a:effectRef>
+          <a:fontRef idx="minor">
+            <a:schemeClr val="lt1"/>
+          </a:fontRef>
+        </p:style>
+        <p:txBody>
+          <a:bodyPr rtlCol="0" anchor="ctr"/>
+          <a:p>
+            <a:pPr algn="ctr"/>
+            <a:endParaRPr lang="en-US"/>
+          </a:p>
+        </p:txBody>
+      </p:sp>
+      <p:sp>
+        <p:nvSpPr>
+          <p:cNvPr id="74" name="Oval 73"/>
+          <p:cNvSpPr/>
+          <p:nvPr/>
+        </p:nvSpPr>
+        <p:spPr>
+          <a:xfrm>
+            <a:off x="5394960" y="3730625"/>
+            <a:ext cx="113030" cy="113030"/>
+          </a:xfrm>
+          <a:prstGeom prst="ellipse">
+            <a:avLst/>
+          </a:prstGeom>
+        </p:spPr>
+        <p:style>
+          <a:lnRef idx="2">
+            <a:schemeClr val="accent1">
+              <a:shade val="50000"/>
+            </a:schemeClr>
+          </a:lnRef>
+          <a:fillRef idx="1">
+            <a:schemeClr val="accent1"/>
+          </a:fillRef>
+          <a:effectRef idx="0">
+            <a:schemeClr val="accent1"/>
+          </a:effectRef>
+          <a:fontRef idx="minor">
+            <a:schemeClr val="lt1"/>
+          </a:fontRef>
+        </p:style>
+        <p:txBody>
+          <a:bodyPr rtlCol="0" anchor="ctr"/>
+          <a:p>
+            <a:pPr algn="ctr"/>
+            <a:endParaRPr lang="en-US"/>
+          </a:p>
+        </p:txBody>
+      </p:sp>
+      <p:sp>
+        <p:nvSpPr>
+          <p:cNvPr id="75" name="Oval 74"/>
+          <p:cNvSpPr/>
+          <p:nvPr/>
+        </p:nvSpPr>
+        <p:spPr>
+          <a:xfrm>
+            <a:off x="5907405" y="3730625"/>
+            <a:ext cx="113030" cy="113030"/>
+          </a:xfrm>
+          <a:prstGeom prst="ellipse">
+            <a:avLst/>
+          </a:prstGeom>
+        </p:spPr>
+        <p:style>
+          <a:lnRef idx="2">
+            <a:schemeClr val="accent1">
+              <a:shade val="50000"/>
+            </a:schemeClr>
+          </a:lnRef>
+          <a:fillRef idx="1">
+            <a:schemeClr val="accent1"/>
+          </a:fillRef>
+          <a:effectRef idx="0">
+            <a:schemeClr val="accent1"/>
+          </a:effectRef>
+          <a:fontRef idx="minor">
+            <a:schemeClr val="lt1"/>
+          </a:fontRef>
+        </p:style>
+        <p:txBody>
+          <a:bodyPr rtlCol="0" anchor="ctr"/>
+          <a:p>
+            <a:pPr algn="ctr"/>
+            <a:endParaRPr lang="en-US"/>
+          </a:p>
+        </p:txBody>
+      </p:sp>
+      <p:sp>
+        <p:nvSpPr>
+          <p:cNvPr id="76" name="Oval 75"/>
+          <p:cNvSpPr/>
+          <p:nvPr/>
+        </p:nvSpPr>
+        <p:spPr>
+          <a:xfrm>
+            <a:off x="6875780" y="3730625"/>
+            <a:ext cx="113030" cy="113030"/>
+          </a:xfrm>
+          <a:prstGeom prst="ellipse">
+            <a:avLst/>
+          </a:prstGeom>
+        </p:spPr>
+        <p:style>
+          <a:lnRef idx="2">
+            <a:schemeClr val="accent1">
+              <a:shade val="50000"/>
+            </a:schemeClr>
+          </a:lnRef>
+          <a:fillRef idx="1">
+            <a:schemeClr val="accent1"/>
+          </a:fillRef>
+          <a:effectRef idx="0">
+            <a:schemeClr val="accent1"/>
+          </a:effectRef>
+          <a:fontRef idx="minor">
+            <a:schemeClr val="lt1"/>
+          </a:fontRef>
+        </p:style>
+        <p:txBody>
+          <a:bodyPr rtlCol="0" anchor="ctr"/>
+          <a:p>
+            <a:pPr algn="ctr"/>
+            <a:endParaRPr lang="en-US"/>
+          </a:p>
+        </p:txBody>
+      </p:sp>
+      <p:sp>
+        <p:nvSpPr>
+          <p:cNvPr id="77" name="Oval 76"/>
+          <p:cNvSpPr/>
+          <p:nvPr/>
+        </p:nvSpPr>
+        <p:spPr>
+          <a:xfrm>
+            <a:off x="7583170" y="3730625"/>
+            <a:ext cx="113030" cy="113030"/>
+          </a:xfrm>
+          <a:prstGeom prst="ellipse">
+            <a:avLst/>
+          </a:prstGeom>
+        </p:spPr>
+        <p:style>
+          <a:lnRef idx="2">
+            <a:schemeClr val="accent1">
+              <a:shade val="50000"/>
+            </a:schemeClr>
+          </a:lnRef>
+          <a:fillRef idx="1">
+            <a:schemeClr val="accent1"/>
+          </a:fillRef>
+          <a:effectRef idx="0">
+            <a:schemeClr val="accent1"/>
+          </a:effectRef>
+          <a:fontRef idx="minor">
+            <a:schemeClr val="lt1"/>
+          </a:fontRef>
+        </p:style>
+        <p:txBody>
+          <a:bodyPr rtlCol="0" anchor="ctr"/>
+          <a:p>
+            <a:pPr algn="ctr"/>
+            <a:endParaRPr lang="en-US"/>
+          </a:p>
+        </p:txBody>
+      </p:sp>
+      <p:cxnSp>
+        <p:nvCxnSpPr>
+          <p:cNvPr id="78" name="Straight Connector 77"/>
+          <p:cNvCxnSpPr/>
+          <p:nvPr/>
+        </p:nvCxnSpPr>
+        <p:spPr>
+          <a:xfrm flipH="1">
+            <a:off x="4057650" y="3510915"/>
+            <a:ext cx="0" cy="552450"/>
+          </a:xfrm>
+          <a:prstGeom prst="line">
+            <a:avLst/>
+          </a:prstGeom>
+          <a:ln w="25400">
+            <a:solidFill>
+              <a:schemeClr val="tx1"/>
+            </a:solidFill>
+          </a:ln>
+        </p:spPr>
+        <p:style>
+          <a:lnRef idx="1">
+            <a:schemeClr val="accent1"/>
+          </a:lnRef>
+          <a:fillRef idx="0">
+            <a:schemeClr val="accent1"/>
+          </a:fillRef>
+          <a:effectRef idx="0">
+            <a:schemeClr val="accent1"/>
+          </a:effectRef>
+          <a:fontRef idx="minor">
+            <a:schemeClr val="tx1"/>
+          </a:fontRef>
+        </p:style>
+      </p:cxnSp>
+      <p:cxnSp>
+        <p:nvCxnSpPr>
+          <p:cNvPr id="79" name="Straight Connector 78"/>
+          <p:cNvCxnSpPr/>
+          <p:nvPr/>
+        </p:nvCxnSpPr>
+        <p:spPr>
+          <a:xfrm flipH="1">
+            <a:off x="7865110" y="3510915"/>
+            <a:ext cx="0" cy="552450"/>
+          </a:xfrm>
+          <a:prstGeom prst="line">
+            <a:avLst/>
+          </a:prstGeom>
+          <a:ln w="25400">
+            <a:solidFill>
+              <a:schemeClr val="tx1"/>
+            </a:solidFill>
+          </a:ln>
+        </p:spPr>
+        <p:style>
+          <a:lnRef idx="1">
+            <a:schemeClr val="accent1"/>
+          </a:lnRef>
+          <a:fillRef idx="0">
+            <a:schemeClr val="accent1"/>
+          </a:fillRef>
+          <a:effectRef idx="0">
+            <a:schemeClr val="accent1"/>
+          </a:effectRef>
+          <a:fontRef idx="minor">
+            <a:schemeClr val="tx1"/>
+          </a:fontRef>
+        </p:style>
+      </p:cxnSp>
+      <p:sp>
+        <p:nvSpPr>
+          <p:cNvPr id="80" name="Text Box 79"/>
+          <p:cNvSpPr txBox="1"/>
+          <p:nvPr/>
+        </p:nvSpPr>
+        <p:spPr>
+          <a:xfrm>
+            <a:off x="2027555" y="3589020"/>
+            <a:ext cx="1309370" cy="368300"/>
+          </a:xfrm>
+          <a:prstGeom prst="rect">
+            <a:avLst/>
+          </a:prstGeom>
+          <a:noFill/>
+        </p:spPr>
+        <p:txBody>
+          <a:bodyPr wrap="square" rtlCol="0">
+            <a:spAutoFit/>
+          </a:bodyPr>
+          <a:p>
+            <a:r>
+              <a:rPr lang="de-DE" altLang="en-US">
+                <a:latin typeface="Calibri" charset="0"/>
+              </a:rPr>
+              <a:t>Solution:</a:t>
+            </a:r>
+            <a:endParaRPr lang="de-DE" altLang="en-US">
+              <a:latin typeface="Calibri" charset="0"/>
+            </a:endParaRPr>
+          </a:p>
+        </p:txBody>
+      </p:sp>
+      <p:sp>
+        <p:nvSpPr>
+          <p:cNvPr id="81" name="Oval 80"/>
+          <p:cNvSpPr/>
+          <p:nvPr/>
+        </p:nvSpPr>
+        <p:spPr>
+          <a:xfrm>
+            <a:off x="8320405" y="3730625"/>
+            <a:ext cx="113030" cy="113030"/>
+          </a:xfrm>
+          <a:prstGeom prst="ellipse">
+            <a:avLst/>
+          </a:prstGeom>
+          <a:gradFill>
+            <a:gsLst>
+              <a:gs pos="0">
+                <a:srgbClr val="FE4444"/>
+              </a:gs>
+              <a:gs pos="100000">
+                <a:srgbClr val="832B2B"/>
+              </a:gs>
+            </a:gsLst>
+            <a:lin ang="5400000" scaled="0"/>
+          </a:gradFill>
+          <a:ln>
+            <a:solidFill>
+              <a:srgbClr val="FF3300"/>
+            </a:solidFill>
+          </a:ln>
+        </p:spPr>
+        <p:style>
+          <a:lnRef idx="2">
+            <a:schemeClr val="accent1">
+              <a:shade val="50000"/>
+            </a:schemeClr>
+          </a:lnRef>
+          <a:fillRef idx="1">
+            <a:schemeClr val="accent1"/>
+          </a:fillRef>
+          <a:effectRef idx="0">
+            <a:schemeClr val="accent1"/>
+          </a:effectRef>
+          <a:fontRef idx="minor">
+            <a:schemeClr val="lt1"/>
+          </a:fontRef>
+        </p:style>
+        <p:txBody>
+          <a:bodyPr rtlCol="0" anchor="ctr"/>
+          <a:p>
+            <a:pPr algn="ctr"/>
+            <a:endParaRPr lang="en-US"/>
+          </a:p>
+        </p:txBody>
+      </p:sp>
+      <p:sp>
+        <p:nvSpPr>
+          <p:cNvPr id="83" name="Oval 82"/>
+          <p:cNvSpPr/>
+          <p:nvPr/>
+        </p:nvSpPr>
+        <p:spPr>
+          <a:xfrm>
+            <a:off x="3389630" y="3730625"/>
+            <a:ext cx="113030" cy="113030"/>
+          </a:xfrm>
+          <a:prstGeom prst="ellipse">
+            <a:avLst/>
+          </a:prstGeom>
+          <a:gradFill>
+            <a:gsLst>
+              <a:gs pos="0">
+                <a:srgbClr val="FE4444"/>
+              </a:gs>
+              <a:gs pos="100000">
+                <a:srgbClr val="832B2B"/>
+              </a:gs>
+            </a:gsLst>
+            <a:lin ang="5400000" scaled="0"/>
+          </a:gradFill>
+          <a:ln>
+            <a:solidFill>
+              <a:srgbClr val="FF3300"/>
+            </a:solidFill>
+          </a:ln>
+        </p:spPr>
+        <p:style>
+          <a:lnRef idx="2">
+            <a:schemeClr val="accent1">
+              <a:shade val="50000"/>
+            </a:schemeClr>
+          </a:lnRef>
+          <a:fillRef idx="1">
+            <a:schemeClr val="accent1"/>
+          </a:fillRef>
+          <a:effectRef idx="0">
+            <a:schemeClr val="accent1"/>
+          </a:effectRef>
+          <a:fontRef idx="minor">
+            <a:schemeClr val="lt1"/>
+          </a:fontRef>
+        </p:style>
+        <p:txBody>
+          <a:bodyPr rtlCol="0" anchor="ctr"/>
+          <a:p>
+            <a:pPr algn="ctr"/>
+            <a:endParaRPr lang="en-US"/>
+          </a:p>
+        </p:txBody>
+      </p:sp>
+      <p:cxnSp>
+        <p:nvCxnSpPr>
+          <p:cNvPr id="84" name="Straight Arrow Connector 83"/>
+          <p:cNvCxnSpPr/>
+          <p:nvPr/>
+        </p:nvCxnSpPr>
+        <p:spPr>
+          <a:xfrm>
+            <a:off x="4095115" y="3512820"/>
+            <a:ext cx="3749040" cy="0"/>
+          </a:xfrm>
+          <a:prstGeom prst="straightConnector1">
+            <a:avLst/>
+          </a:prstGeom>
+          <a:ln w="12700">
+            <a:solidFill>
+              <a:schemeClr val="tx1"/>
+            </a:solidFill>
+            <a:headEnd type="arrow"/>
+            <a:tailEnd type="arrow"/>
+          </a:ln>
+        </p:spPr>
+        <p:style>
+          <a:lnRef idx="1">
+            <a:schemeClr val="accent1"/>
+          </a:lnRef>
+          <a:fillRef idx="0">
+            <a:schemeClr val="accent1"/>
+          </a:fillRef>
+          <a:effectRef idx="0">
+            <a:schemeClr val="accent1"/>
+          </a:effectRef>
+          <a:fontRef idx="minor">
+            <a:schemeClr val="tx1"/>
+          </a:fontRef>
+        </p:style>
+      </p:cxnSp>
+      <p:sp>
+        <p:nvSpPr>
+          <p:cNvPr id="85" name="Text Box 84"/>
+          <p:cNvSpPr txBox="1"/>
+          <p:nvPr/>
+        </p:nvSpPr>
+        <p:spPr>
+          <a:xfrm>
+            <a:off x="5730240" y="3263265"/>
+            <a:ext cx="530225" cy="306705"/>
+          </a:xfrm>
+          <a:prstGeom prst="rect">
+            <a:avLst/>
+          </a:prstGeom>
+          <a:noFill/>
+        </p:spPr>
+        <p:txBody>
+          <a:bodyPr wrap="square" rtlCol="0">
+            <a:spAutoFit/>
+          </a:bodyPr>
+          <a:p>
+            <a:r>
+              <a:rPr lang="de-DE" altLang="en-US" sz="1400">
+                <a:latin typeface="Calibri" charset="0"/>
+              </a:rPr>
+              <a:t>95%</a:t>
+            </a:r>
+            <a:endParaRPr lang="de-DE" altLang="en-US" sz="1400">
+              <a:latin typeface="Calibri" charset="0"/>
+            </a:endParaRPr>
+          </a:p>
+        </p:txBody>
+      </p:sp>
+      <p:sp>
+        <p:nvSpPr>
+          <p:cNvPr id="86" name="Oval 85"/>
+          <p:cNvSpPr/>
+          <p:nvPr/>
+        </p:nvSpPr>
+        <p:spPr>
+          <a:xfrm>
+            <a:off x="4007485" y="3723005"/>
+            <a:ext cx="113030" cy="113030"/>
+          </a:xfrm>
+          <a:prstGeom prst="ellipse">
+            <a:avLst/>
+          </a:prstGeom>
+          <a:noFill/>
+          <a:ln>
+            <a:solidFill>
+              <a:srgbClr val="FF3300"/>
+            </a:solidFill>
+          </a:ln>
+        </p:spPr>
+        <p:style>
+          <a:lnRef idx="2">
+            <a:schemeClr val="accent1">
+              <a:shade val="50000"/>
+            </a:schemeClr>
+          </a:lnRef>
+          <a:fillRef idx="1">
+            <a:schemeClr val="accent1"/>
+          </a:fillRef>
+          <a:effectRef idx="0">
+            <a:schemeClr val="accent1"/>
+          </a:effectRef>
+          <a:fontRef idx="minor">
+            <a:schemeClr val="lt1"/>
+          </a:fontRef>
+        </p:style>
+        <p:txBody>
+          <a:bodyPr rtlCol="0" anchor="ctr"/>
+          <a:p>
+            <a:pPr algn="ctr"/>
+            <a:endParaRPr lang="en-US"/>
+          </a:p>
+        </p:txBody>
+      </p:sp>
+      <p:sp>
+        <p:nvSpPr>
+          <p:cNvPr id="87" name="Oval 86"/>
+          <p:cNvSpPr/>
+          <p:nvPr/>
+        </p:nvSpPr>
+        <p:spPr>
+          <a:xfrm>
+            <a:off x="7808595" y="3723005"/>
+            <a:ext cx="113030" cy="113030"/>
+          </a:xfrm>
+          <a:prstGeom prst="ellipse">
+            <a:avLst/>
+          </a:prstGeom>
+          <a:noFill/>
+          <a:ln>
+            <a:solidFill>
+              <a:srgbClr val="FF3300"/>
+            </a:solidFill>
+          </a:ln>
+        </p:spPr>
+        <p:style>
+          <a:lnRef idx="2">
+            <a:schemeClr val="accent1">
+              <a:shade val="50000"/>
+            </a:schemeClr>
+          </a:lnRef>
+          <a:fillRef idx="1">
+            <a:schemeClr val="accent1"/>
+          </a:fillRef>
+          <a:effectRef idx="0">
+            <a:schemeClr val="accent1"/>
+          </a:effectRef>
+          <a:fontRef idx="minor">
+            <a:schemeClr val="lt1"/>
+          </a:fontRef>
+        </p:style>
+        <p:txBody>
+          <a:bodyPr rtlCol="0" anchor="ctr"/>
+          <a:p>
+            <a:pPr algn="ctr"/>
+            <a:endParaRPr lang="en-US"/>
+          </a:p>
+        </p:txBody>
+      </p:sp>
+      <p:sp>
+        <p:nvSpPr>
+          <p:cNvPr id="88" name="Arc 87"/>
+          <p:cNvSpPr/>
+          <p:nvPr/>
+        </p:nvSpPr>
+        <p:spPr>
+          <a:xfrm>
+            <a:off x="3442335" y="3415665"/>
+            <a:ext cx="596900" cy="596900"/>
+          </a:xfrm>
+          <a:prstGeom prst="arc">
+            <a:avLst>
+              <a:gd name="adj1" fmla="val 1802072"/>
+              <a:gd name="adj2" fmla="val 8760113"/>
+            </a:avLst>
+          </a:prstGeom>
+          <a:ln w="15875" cmpd="sng">
+            <a:solidFill>
+              <a:srgbClr val="FF0000"/>
+            </a:solidFill>
+            <a:prstDash val="sysDot"/>
+            <a:headEnd type="arrow"/>
+            <a:tailEnd type="none"/>
+          </a:ln>
+        </p:spPr>
+        <p:style>
+          <a:lnRef idx="1">
+            <a:schemeClr val="accent1"/>
+          </a:lnRef>
+          <a:fillRef idx="0">
+            <a:schemeClr val="accent1"/>
+          </a:fillRef>
+          <a:effectRef idx="0">
+            <a:schemeClr val="accent1"/>
+          </a:effectRef>
+          <a:fontRef idx="minor">
+            <a:schemeClr val="tx1"/>
+          </a:fontRef>
+        </p:style>
+        <p:txBody>
+          <a:bodyPr rtlCol="0" anchor="ctr"/>
+          <a:p>
+            <a:pPr algn="ctr"/>
+            <a:endParaRPr lang="en-US"/>
+          </a:p>
+        </p:txBody>
+      </p:sp>
+      <p:sp>
+        <p:nvSpPr>
+          <p:cNvPr id="89" name="Arc 88"/>
+          <p:cNvSpPr/>
+          <p:nvPr/>
+        </p:nvSpPr>
+        <p:spPr>
+          <a:xfrm>
+            <a:off x="7890510" y="3512820"/>
+            <a:ext cx="451485" cy="451485"/>
+          </a:xfrm>
+          <a:prstGeom prst="arc">
+            <a:avLst>
+              <a:gd name="adj1" fmla="val 2048092"/>
+              <a:gd name="adj2" fmla="val 8760113"/>
+            </a:avLst>
+          </a:prstGeom>
+          <a:ln w="15875" cmpd="sng">
+            <a:solidFill>
+              <a:srgbClr val="FF0000"/>
+            </a:solidFill>
+            <a:prstDash val="sysDot"/>
+            <a:headEnd type="none"/>
+            <a:tailEnd type="arrow"/>
+          </a:ln>
+        </p:spPr>
+        <p:style>
+          <a:lnRef idx="1">
+            <a:schemeClr val="accent1"/>
+          </a:lnRef>
+          <a:fillRef idx="0">
+            <a:schemeClr val="accent1"/>
+          </a:fillRef>
+          <a:effectRef idx="0">
+            <a:schemeClr val="accent1"/>
+          </a:effectRef>
+          <a:fontRef idx="minor">
+            <a:schemeClr val="tx1"/>
+          </a:fontRef>
+        </p:style>
+        <p:txBody>
+          <a:bodyPr rtlCol="0" anchor="ctr"/>
+          <a:p>
+            <a:pPr algn="ctr"/>
+            <a:endParaRPr lang="en-US"/>
+          </a:p>
+        </p:txBody>
+      </p:sp>
+      <p:cxnSp>
+        <p:nvCxnSpPr>
+          <p:cNvPr id="90" name="Straight Arrow Connector 89"/>
+          <p:cNvCxnSpPr/>
+          <p:nvPr/>
+        </p:nvCxnSpPr>
+        <p:spPr>
+          <a:xfrm>
+            <a:off x="4926330" y="4572635"/>
+            <a:ext cx="1645920" cy="0"/>
+          </a:xfrm>
+          <a:prstGeom prst="straightConnector1">
+            <a:avLst/>
+          </a:prstGeom>
+          <a:ln w="12700">
+            <a:solidFill>
+              <a:schemeClr val="tx1"/>
+            </a:solidFill>
+            <a:tailEnd type="arrow"/>
+          </a:ln>
+        </p:spPr>
+        <p:style>
+          <a:lnRef idx="1">
+            <a:schemeClr val="accent1"/>
+          </a:lnRef>
+          <a:fillRef idx="0">
+            <a:schemeClr val="accent1"/>
+          </a:fillRef>
+          <a:effectRef idx="0">
+            <a:schemeClr val="accent1"/>
+          </a:effectRef>
+          <a:fontRef idx="minor">
+            <a:schemeClr val="tx1"/>
+          </a:fontRef>
+        </p:style>
+      </p:cxnSp>
+      <p:sp>
+        <p:nvSpPr>
+          <p:cNvPr id="91" name="Oval 90"/>
+          <p:cNvSpPr/>
+          <p:nvPr/>
+        </p:nvSpPr>
+        <p:spPr>
+          <a:xfrm>
+            <a:off x="5281930" y="4516120"/>
+            <a:ext cx="113030" cy="113030"/>
+          </a:xfrm>
+          <a:prstGeom prst="ellipse">
+            <a:avLst/>
+          </a:prstGeom>
+        </p:spPr>
+        <p:style>
+          <a:lnRef idx="2">
+            <a:schemeClr val="accent1">
+              <a:shade val="50000"/>
+            </a:schemeClr>
+          </a:lnRef>
+          <a:fillRef idx="1">
+            <a:schemeClr val="accent1"/>
+          </a:fillRef>
+          <a:effectRef idx="0">
+            <a:schemeClr val="accent1"/>
+          </a:effectRef>
+          <a:fontRef idx="minor">
+            <a:schemeClr val="lt1"/>
+          </a:fontRef>
+        </p:style>
+        <p:txBody>
+          <a:bodyPr rtlCol="0" anchor="ctr"/>
+          <a:p>
+            <a:pPr algn="ctr"/>
+            <a:endParaRPr lang="en-US"/>
+          </a:p>
+        </p:txBody>
+      </p:sp>
+      <p:sp>
+        <p:nvSpPr>
+          <p:cNvPr id="92" name="Oval 91"/>
+          <p:cNvSpPr/>
+          <p:nvPr/>
+        </p:nvSpPr>
+        <p:spPr>
+          <a:xfrm>
+            <a:off x="5507990" y="4516120"/>
+            <a:ext cx="113030" cy="113030"/>
+          </a:xfrm>
+          <a:prstGeom prst="ellipse">
+            <a:avLst/>
+          </a:prstGeom>
+        </p:spPr>
+        <p:style>
+          <a:lnRef idx="2">
+            <a:schemeClr val="accent1">
+              <a:shade val="50000"/>
+            </a:schemeClr>
+          </a:lnRef>
+          <a:fillRef idx="1">
+            <a:schemeClr val="accent1"/>
+          </a:fillRef>
+          <a:effectRef idx="0">
+            <a:schemeClr val="accent1"/>
+          </a:effectRef>
+          <a:fontRef idx="minor">
+            <a:schemeClr val="lt1"/>
+          </a:fontRef>
+        </p:style>
+        <p:txBody>
+          <a:bodyPr rtlCol="0" anchor="ctr"/>
+          <a:p>
+            <a:pPr algn="ctr"/>
+            <a:endParaRPr lang="en-US"/>
+          </a:p>
+        </p:txBody>
+      </p:sp>
+      <p:sp>
+        <p:nvSpPr>
+          <p:cNvPr id="93" name="Oval 92"/>
+          <p:cNvSpPr/>
+          <p:nvPr/>
+        </p:nvSpPr>
+        <p:spPr>
+          <a:xfrm>
+            <a:off x="5629275" y="4516120"/>
+            <a:ext cx="113030" cy="113030"/>
+          </a:xfrm>
+          <a:prstGeom prst="ellipse">
+            <a:avLst/>
+          </a:prstGeom>
+        </p:spPr>
+        <p:style>
+          <a:lnRef idx="2">
+            <a:schemeClr val="accent1">
+              <a:shade val="50000"/>
+            </a:schemeClr>
+          </a:lnRef>
+          <a:fillRef idx="1">
+            <a:schemeClr val="accent1"/>
+          </a:fillRef>
+          <a:effectRef idx="0">
+            <a:schemeClr val="accent1"/>
+          </a:effectRef>
+          <a:fontRef idx="minor">
+            <a:schemeClr val="lt1"/>
+          </a:fontRef>
+        </p:style>
+        <p:txBody>
+          <a:bodyPr rtlCol="0" anchor="ctr"/>
+          <a:p>
+            <a:pPr algn="ctr"/>
+            <a:endParaRPr lang="en-US"/>
+          </a:p>
+        </p:txBody>
+      </p:sp>
+      <p:sp>
+        <p:nvSpPr>
+          <p:cNvPr id="94" name="Oval 93"/>
+          <p:cNvSpPr/>
+          <p:nvPr/>
+        </p:nvSpPr>
+        <p:spPr>
+          <a:xfrm>
+            <a:off x="5860415" y="4516120"/>
+            <a:ext cx="113030" cy="113030"/>
+          </a:xfrm>
+          <a:prstGeom prst="ellipse">
+            <a:avLst/>
+          </a:prstGeom>
+        </p:spPr>
+        <p:style>
+          <a:lnRef idx="2">
+            <a:schemeClr val="accent1">
+              <a:shade val="50000"/>
+            </a:schemeClr>
+          </a:lnRef>
+          <a:fillRef idx="1">
+            <a:schemeClr val="accent1"/>
+          </a:fillRef>
+          <a:effectRef idx="0">
+            <a:schemeClr val="accent1"/>
+          </a:effectRef>
+          <a:fontRef idx="minor">
+            <a:schemeClr val="lt1"/>
+          </a:fontRef>
+        </p:style>
+        <p:txBody>
+          <a:bodyPr rtlCol="0" anchor="ctr"/>
+          <a:p>
+            <a:pPr algn="ctr"/>
+            <a:endParaRPr lang="en-US"/>
+          </a:p>
+        </p:txBody>
+      </p:sp>
+      <p:sp>
+        <p:nvSpPr>
+          <p:cNvPr id="95" name="Oval 94"/>
+          <p:cNvSpPr/>
+          <p:nvPr/>
+        </p:nvSpPr>
+        <p:spPr>
+          <a:xfrm>
+            <a:off x="6072505" y="4516120"/>
+            <a:ext cx="113030" cy="113030"/>
+          </a:xfrm>
+          <a:prstGeom prst="ellipse">
+            <a:avLst/>
+          </a:prstGeom>
+        </p:spPr>
+        <p:style>
+          <a:lnRef idx="2">
+            <a:schemeClr val="accent1">
+              <a:shade val="50000"/>
+            </a:schemeClr>
+          </a:lnRef>
+          <a:fillRef idx="1">
+            <a:schemeClr val="accent1"/>
+          </a:fillRef>
+          <a:effectRef idx="0">
+            <a:schemeClr val="accent1"/>
+          </a:effectRef>
+          <a:fontRef idx="minor">
+            <a:schemeClr val="lt1"/>
+          </a:fontRef>
+        </p:style>
+        <p:txBody>
+          <a:bodyPr rtlCol="0" anchor="ctr"/>
+          <a:p>
+            <a:pPr algn="ctr"/>
+            <a:endParaRPr lang="en-US"/>
+          </a:p>
+        </p:txBody>
+      </p:sp>
+      <p:cxnSp>
+        <p:nvCxnSpPr>
+          <p:cNvPr id="96" name="Straight Connector 95"/>
+          <p:cNvCxnSpPr/>
+          <p:nvPr/>
+        </p:nvCxnSpPr>
+        <p:spPr>
+          <a:xfrm flipH="1">
+            <a:off x="5229860" y="4296410"/>
+            <a:ext cx="0" cy="552450"/>
+          </a:xfrm>
+          <a:prstGeom prst="line">
+            <a:avLst/>
+          </a:prstGeom>
+          <a:ln w="25400">
+            <a:solidFill>
+              <a:schemeClr val="tx1"/>
+            </a:solidFill>
+          </a:ln>
+        </p:spPr>
+        <p:style>
+          <a:lnRef idx="1">
+            <a:schemeClr val="accent1"/>
+          </a:lnRef>
+          <a:fillRef idx="0">
+            <a:schemeClr val="accent1"/>
+          </a:fillRef>
+          <a:effectRef idx="0">
+            <a:schemeClr val="accent1"/>
+          </a:effectRef>
+          <a:fontRef idx="minor">
+            <a:schemeClr val="tx1"/>
+          </a:fontRef>
+        </p:style>
+      </p:cxnSp>
+      <p:cxnSp>
+        <p:nvCxnSpPr>
+          <p:cNvPr id="97" name="Straight Connector 96"/>
+          <p:cNvCxnSpPr/>
+          <p:nvPr/>
+        </p:nvCxnSpPr>
+        <p:spPr>
+          <a:xfrm flipH="1">
+            <a:off x="6242050" y="4296410"/>
+            <a:ext cx="0" cy="552450"/>
+          </a:xfrm>
+          <a:prstGeom prst="line">
+            <a:avLst/>
+          </a:prstGeom>
+          <a:ln w="25400">
+            <a:solidFill>
+              <a:schemeClr val="tx1"/>
+            </a:solidFill>
+          </a:ln>
+        </p:spPr>
+        <p:style>
+          <a:lnRef idx="1">
+            <a:schemeClr val="accent1"/>
+          </a:lnRef>
+          <a:fillRef idx="0">
+            <a:schemeClr val="accent1"/>
+          </a:fillRef>
+          <a:effectRef idx="0">
+            <a:schemeClr val="accent1"/>
+          </a:effectRef>
+          <a:fontRef idx="minor">
+            <a:schemeClr val="tx1"/>
+          </a:fontRef>
+        </p:style>
+      </p:cxnSp>
+      <p:sp>
+        <p:nvSpPr>
+          <p:cNvPr id="98" name="Oval 97"/>
+          <p:cNvSpPr/>
+          <p:nvPr/>
+        </p:nvSpPr>
+        <p:spPr>
+          <a:xfrm>
+            <a:off x="6185535" y="4516120"/>
+            <a:ext cx="113030" cy="113030"/>
+          </a:xfrm>
+          <a:prstGeom prst="ellipse">
+            <a:avLst/>
+          </a:prstGeom>
+          <a:gradFill>
+            <a:gsLst>
+              <a:gs pos="0">
+                <a:srgbClr val="FE4444"/>
+              </a:gs>
+              <a:gs pos="100000">
+                <a:srgbClr val="832B2B"/>
+              </a:gs>
+            </a:gsLst>
+            <a:lin ang="5400000" scaled="0"/>
+          </a:gradFill>
+          <a:ln>
+            <a:solidFill>
+              <a:srgbClr val="FF3300"/>
+            </a:solidFill>
+          </a:ln>
+        </p:spPr>
+        <p:style>
+          <a:lnRef idx="2">
+            <a:schemeClr val="accent1">
+              <a:shade val="50000"/>
+            </a:schemeClr>
+          </a:lnRef>
+          <a:fillRef idx="1">
+            <a:schemeClr val="accent1"/>
+          </a:fillRef>
+          <a:effectRef idx="0">
+            <a:schemeClr val="accent1"/>
+          </a:effectRef>
+          <a:fontRef idx="minor">
+            <a:schemeClr val="lt1"/>
+          </a:fontRef>
+        </p:style>
+        <p:txBody>
+          <a:bodyPr rtlCol="0" anchor="ctr"/>
+          <a:p>
+            <a:pPr algn="ctr"/>
+            <a:endParaRPr lang="en-US"/>
+          </a:p>
+        </p:txBody>
+      </p:sp>
+      <p:cxnSp>
+        <p:nvCxnSpPr>
+          <p:cNvPr id="99" name="Straight Arrow Connector 98"/>
+          <p:cNvCxnSpPr/>
+          <p:nvPr/>
+        </p:nvCxnSpPr>
+        <p:spPr>
+          <a:xfrm flipH="1">
+            <a:off x="5742305" y="4000500"/>
+            <a:ext cx="0" cy="304165"/>
+          </a:xfrm>
+          <a:prstGeom prst="straightConnector1">
+            <a:avLst/>
+          </a:prstGeom>
+          <a:ln w="19050">
+            <a:solidFill>
+              <a:schemeClr val="tx1"/>
+            </a:solidFill>
+            <a:tailEnd type="arrow"/>
+          </a:ln>
+        </p:spPr>
+        <p:style>
+          <a:lnRef idx="1">
+            <a:schemeClr val="accent1"/>
+          </a:lnRef>
+          <a:fillRef idx="0">
+            <a:schemeClr val="accent1"/>
+          </a:fillRef>
+          <a:effectRef idx="0">
+            <a:schemeClr val="accent1"/>
+          </a:effectRef>
+          <a:fontRef idx="minor">
+            <a:schemeClr val="tx1"/>
+          </a:fontRef>
+        </p:style>
+      </p:cxnSp>
+      <p:sp>
+        <p:nvSpPr>
+          <p:cNvPr id="100" name="Text Box 99"/>
+          <p:cNvSpPr txBox="1"/>
+          <p:nvPr/>
+        </p:nvSpPr>
+        <p:spPr>
+          <a:xfrm>
+            <a:off x="5092065" y="4848860"/>
+            <a:ext cx="530225" cy="306705"/>
+          </a:xfrm>
+          <a:prstGeom prst="rect">
+            <a:avLst/>
+          </a:prstGeom>
+          <a:noFill/>
+        </p:spPr>
+        <p:txBody>
+          <a:bodyPr wrap="square" rtlCol="0">
+            <a:spAutoFit/>
+          </a:bodyPr>
+          <a:p>
+            <a:r>
+              <a:rPr lang="de-DE" altLang="en-US" sz="1400">
+                <a:latin typeface="Calibri" charset="0"/>
+              </a:rPr>
+              <a:t>0</a:t>
+            </a:r>
+            <a:endParaRPr lang="de-DE" altLang="en-US" sz="1400">
+              <a:latin typeface="Calibri" charset="0"/>
+            </a:endParaRPr>
+          </a:p>
+        </p:txBody>
+      </p:sp>
+      <p:sp>
+        <p:nvSpPr>
+          <p:cNvPr id="101" name="Text Box 100"/>
+          <p:cNvSpPr txBox="1"/>
+          <p:nvPr/>
+        </p:nvSpPr>
+        <p:spPr>
+          <a:xfrm>
+            <a:off x="6104255" y="4848860"/>
+            <a:ext cx="530225" cy="306705"/>
+          </a:xfrm>
+          <a:prstGeom prst="rect">
+            <a:avLst/>
+          </a:prstGeom>
+          <a:noFill/>
+        </p:spPr>
+        <p:txBody>
+          <a:bodyPr wrap="square" rtlCol="0">
+            <a:spAutoFit/>
+          </a:bodyPr>
+          <a:p>
+            <a:r>
+              <a:rPr lang="de-DE" altLang="en-US" sz="1400">
+                <a:latin typeface="Calibri" charset="0"/>
+              </a:rPr>
+              <a:t>1</a:t>
+            </a:r>
+            <a:endParaRPr lang="de-DE" altLang="en-US" sz="1400">
+              <a:latin typeface="Calibri" charset="0"/>
+            </a:endParaRPr>
+          </a:p>
+        </p:txBody>
+      </p:sp>
+      <p:sp>
+        <p:nvSpPr>
+          <p:cNvPr id="102" name="Oval 101"/>
+          <p:cNvSpPr/>
+          <p:nvPr/>
+        </p:nvSpPr>
+        <p:spPr>
+          <a:xfrm>
+            <a:off x="5173345" y="4516120"/>
+            <a:ext cx="113030" cy="113030"/>
+          </a:xfrm>
+          <a:prstGeom prst="ellipse">
+            <a:avLst/>
+          </a:prstGeom>
+          <a:gradFill>
+            <a:gsLst>
+              <a:gs pos="0">
+                <a:srgbClr val="FE4444"/>
+              </a:gs>
+              <a:gs pos="100000">
+                <a:srgbClr val="832B2B"/>
+              </a:gs>
+            </a:gsLst>
+            <a:lin ang="5400000" scaled="0"/>
+          </a:gradFill>
+          <a:ln>
+            <a:solidFill>
+              <a:srgbClr val="FF3300"/>
+            </a:solidFill>
+          </a:ln>
+        </p:spPr>
+        <p:style>
+          <a:lnRef idx="2">
+            <a:schemeClr val="accent1">
+              <a:shade val="50000"/>
+            </a:schemeClr>
+          </a:lnRef>
+          <a:fillRef idx="1">
+            <a:schemeClr val="accent1"/>
+          </a:fillRef>
+          <a:effectRef idx="0">
+            <a:schemeClr val="accent1"/>
+          </a:effectRef>
+          <a:fontRef idx="minor">
+            <a:schemeClr val="lt1"/>
+          </a:fontRef>
+        </p:style>
+        <p:txBody>
+          <a:bodyPr rtlCol="0" anchor="ctr"/>
+          <a:p>
+            <a:pPr algn="ctr"/>
+            <a:endParaRPr lang="en-US"/>
+          </a:p>
+        </p:txBody>
+      </p:sp>
+    </p:spTree>
+  </p:cSld>
+  <p:clrMapOvr>
+    <a:masterClrMapping/>
+  </p:clrMapOvr>
+</p:sld>
+</file>
+
+<file path=ppt/slides/slide14.xml><?xml version="1.0" encoding="utf-8"?>
+<p:sld xmlns:a="http://schemas.openxmlformats.org/drawingml/2006/main" xmlns:r="http://schemas.openxmlformats.org/officeDocument/2006/relationships" xmlns:p="http://schemas.openxmlformats.org/presentationml/2006/main">
+  <p:cSld>
+    <p:spTree>
+      <p:nvGrpSpPr>
+        <p:cNvPr id="1" name=""/>
+        <p:cNvGrpSpPr/>
+        <p:nvPr/>
+      </p:nvGrpSpPr>
+      <p:grpSpPr/>
+      <p:cxnSp>
+        <p:nvCxnSpPr>
+          <p:cNvPr id="2" name="Straight Connector 1"/>
+          <p:cNvCxnSpPr/>
+          <p:nvPr/>
+        </p:nvCxnSpPr>
+        <p:spPr>
+          <a:xfrm>
+            <a:off x="5735320" y="1660525"/>
+            <a:ext cx="0" cy="2537460"/>
+          </a:xfrm>
+          <a:prstGeom prst="line">
+            <a:avLst/>
+          </a:prstGeom>
+          <a:ln w="28575" cmpd="sng">
+            <a:solidFill>
+              <a:schemeClr val="tx1">
+                <a:lumMod val="50000"/>
+                <a:lumOff val="50000"/>
+              </a:schemeClr>
+            </a:solidFill>
+            <a:prstDash val="dash"/>
+          </a:ln>
+        </p:spPr>
+        <p:style>
+          <a:lnRef idx="1">
+            <a:schemeClr val="accent1"/>
+          </a:lnRef>
+          <a:fillRef idx="0">
+            <a:schemeClr val="accent1"/>
+          </a:fillRef>
+          <a:effectRef idx="0">
+            <a:schemeClr val="accent1"/>
+          </a:effectRef>
+          <a:fontRef idx="minor">
+            <a:schemeClr val="tx1"/>
+          </a:fontRef>
+        </p:style>
+      </p:cxnSp>
+      <p:sp>
+        <p:nvSpPr>
+          <p:cNvPr id="39" name="TextBox 79"/>
+          <p:cNvSpPr txBox="1"/>
+          <p:nvPr/>
+        </p:nvSpPr>
+        <p:spPr>
+          <a:xfrm>
+            <a:off x="5710555" y="1688465"/>
+            <a:ext cx="945515" cy="215265"/>
+          </a:xfrm>
+          <a:prstGeom prst="rect">
+            <a:avLst/>
+          </a:prstGeom>
+          <a:noFill/>
+        </p:spPr>
+        <p:txBody>
+          <a:bodyPr wrap="square" lIns="0" tIns="0" rIns="0" bIns="0" rtlCol="0">
+            <a:spAutoFit/>
+          </a:bodyPr>
+          <a:p>
+            <a:pPr indent="0" algn="ctr">
+              <a:buNone/>
+            </a:pPr>
+            <a:r>
+              <a:rPr lang="de-DE" altLang="en-GB" sz="1400" b="1" dirty="0">
+                <a:latin typeface="Calibri" charset="0"/>
+                <a:ea typeface="AR PL UKai CN" panose="02000503000000000000" charset="-122"/>
+              </a:rPr>
+              <a:t>Enclave</a:t>
+            </a:r>
+            <a:endParaRPr lang="de-DE" altLang="en-GB" sz="1400" b="1" dirty="0">
+              <a:latin typeface="Calibri" charset="0"/>
+              <a:ea typeface="AR PL UKai CN" panose="02000503000000000000" charset="-122"/>
+            </a:endParaRPr>
+          </a:p>
+        </p:txBody>
+      </p:sp>
+      <p:sp>
+        <p:nvSpPr>
+          <p:cNvPr id="33" name="TextBox 79"/>
+          <p:cNvSpPr txBox="1"/>
+          <p:nvPr/>
+        </p:nvSpPr>
+        <p:spPr>
+          <a:xfrm>
+            <a:off x="2378075" y="1876425"/>
+            <a:ext cx="3018155" cy="430530"/>
+          </a:xfrm>
+          <a:prstGeom prst="rect">
+            <a:avLst/>
+          </a:prstGeom>
+          <a:noFill/>
+        </p:spPr>
+        <p:txBody>
+          <a:bodyPr wrap="square" lIns="0" tIns="0" rIns="0" bIns="0" rtlCol="0">
+            <a:spAutoFit/>
+          </a:bodyPr>
+          <a:p>
+            <a:pPr algn="l"/>
+            <a:r>
+              <a:rPr lang="de-DE" altLang="en-GB" sz="1400" b="1" dirty="0">
+                <a:latin typeface="Calibri" charset="0"/>
+              </a:rPr>
+              <a:t>1.</a:t>
+            </a:r>
+            <a:r>
+              <a:rPr lang="de-DE" altLang="en-GB" sz="1400" dirty="0">
+                <a:latin typeface="Calibri" charset="0"/>
+              </a:rPr>
+              <a:t>  Parse dataset to C data types</a:t>
+            </a:r>
+            <a:endParaRPr lang="de-DE" altLang="en-GB" sz="1400" dirty="0">
+              <a:latin typeface="Calibri" charset="0"/>
+            </a:endParaRPr>
+          </a:p>
+          <a:p>
+            <a:pPr algn="l"/>
+            <a:r>
+              <a:rPr lang="de-DE" altLang="en-GB" sz="1400" b="1" dirty="0">
+                <a:latin typeface="Calibri" charset="0"/>
+              </a:rPr>
+              <a:t>2.</a:t>
+            </a:r>
+            <a:r>
+              <a:rPr lang="de-DE" altLang="en-GB" sz="1400" dirty="0">
+                <a:latin typeface="Calibri" charset="0"/>
+              </a:rPr>
+              <a:t>  Define hyperparameters </a:t>
+            </a:r>
+            <a:endParaRPr lang="de-DE" altLang="en-GB" sz="1400" dirty="0">
+              <a:latin typeface="Calibri" charset="0"/>
+              <a:ea typeface="AR PL UKai CN" panose="02000503000000000000" charset="-122"/>
+            </a:endParaRPr>
+          </a:p>
+        </p:txBody>
+      </p:sp>
+      <p:sp>
+        <p:nvSpPr>
+          <p:cNvPr id="3" name="Rectangles 2"/>
+          <p:cNvSpPr/>
+          <p:nvPr/>
+        </p:nvSpPr>
+        <p:spPr>
+          <a:xfrm>
+            <a:off x="6662420" y="2607310"/>
+            <a:ext cx="588010" cy="211455"/>
+          </a:xfrm>
+          <a:prstGeom prst="rect">
+            <a:avLst/>
+          </a:prstGeom>
+          <a:solidFill>
+            <a:schemeClr val="accent1">
+              <a:alpha val="42000"/>
+            </a:schemeClr>
+          </a:solidFill>
+        </p:spPr>
+        <p:style>
+          <a:lnRef idx="2">
+            <a:schemeClr val="accent1">
+              <a:shade val="50000"/>
+            </a:schemeClr>
+          </a:lnRef>
+          <a:fillRef idx="1">
+            <a:schemeClr val="accent1"/>
+          </a:fillRef>
+          <a:effectRef idx="0">
+            <a:schemeClr val="accent1"/>
+          </a:effectRef>
+          <a:fontRef idx="minor">
+            <a:schemeClr val="lt1"/>
+          </a:fontRef>
+        </p:style>
+        <p:txBody>
+          <a:bodyPr rtlCol="0" anchor="ctr"/>
+          <a:p>
+            <a:pPr algn="ctr"/>
+            <a:endParaRPr lang="en-US"/>
+          </a:p>
+        </p:txBody>
+      </p:sp>
+      <p:sp>
+        <p:nvSpPr>
+          <p:cNvPr id="4" name="Rectangles 3"/>
+          <p:cNvSpPr/>
+          <p:nvPr/>
+        </p:nvSpPr>
+        <p:spPr>
+          <a:xfrm>
+            <a:off x="7338060" y="2607310"/>
+            <a:ext cx="588010" cy="211455"/>
+          </a:xfrm>
+          <a:prstGeom prst="rect">
+            <a:avLst/>
+          </a:prstGeom>
+          <a:solidFill>
+            <a:schemeClr val="accent1">
+              <a:alpha val="42000"/>
+            </a:schemeClr>
+          </a:solidFill>
+        </p:spPr>
+        <p:style>
+          <a:lnRef idx="2">
+            <a:schemeClr val="accent1">
+              <a:shade val="50000"/>
+            </a:schemeClr>
+          </a:lnRef>
+          <a:fillRef idx="1">
+            <a:schemeClr val="accent1"/>
+          </a:fillRef>
+          <a:effectRef idx="0">
+            <a:schemeClr val="accent1"/>
+          </a:effectRef>
+          <a:fontRef idx="minor">
+            <a:schemeClr val="lt1"/>
+          </a:fontRef>
+        </p:style>
+        <p:txBody>
+          <a:bodyPr rtlCol="0" anchor="ctr"/>
+          <a:p>
+            <a:pPr algn="ctr"/>
+            <a:endParaRPr lang="en-US"/>
+          </a:p>
+        </p:txBody>
+      </p:sp>
+      <p:cxnSp>
+        <p:nvCxnSpPr>
+          <p:cNvPr id="5" name="Elbow Connector 4"/>
+          <p:cNvCxnSpPr/>
+          <p:nvPr/>
+        </p:nvCxnSpPr>
+        <p:spPr>
+          <a:xfrm>
+            <a:off x="2220595" y="2339340"/>
+            <a:ext cx="4754880" cy="267970"/>
+          </a:xfrm>
+          <a:prstGeom prst="bentConnector2">
+            <a:avLst/>
+          </a:prstGeom>
+          <a:ln w="15875">
+            <a:solidFill>
+              <a:schemeClr val="tx1"/>
+            </a:solidFill>
+            <a:tailEnd type="arrow"/>
+          </a:ln>
+        </p:spPr>
+        <p:style>
+          <a:lnRef idx="1">
+            <a:schemeClr val="accent1"/>
+          </a:lnRef>
+          <a:fillRef idx="0">
+            <a:schemeClr val="accent1"/>
+          </a:fillRef>
+          <a:effectRef idx="0">
+            <a:schemeClr val="accent1"/>
+          </a:effectRef>
+          <a:fontRef idx="minor">
+            <a:schemeClr val="tx1"/>
+          </a:fontRef>
+        </p:style>
+      </p:cxnSp>
+      <p:cxnSp>
+        <p:nvCxnSpPr>
+          <p:cNvPr id="6" name="Elbow Connector 5"/>
+          <p:cNvCxnSpPr/>
+          <p:nvPr/>
+        </p:nvCxnSpPr>
+        <p:spPr>
+          <a:xfrm>
+            <a:off x="2220595" y="2342515"/>
+            <a:ext cx="5394960" cy="264795"/>
+          </a:xfrm>
+          <a:prstGeom prst="bentConnector3">
+            <a:avLst>
+              <a:gd name="adj1" fmla="val 100011"/>
+            </a:avLst>
+          </a:prstGeom>
+          <a:ln w="15875">
+            <a:solidFill>
+              <a:schemeClr val="tx1"/>
+            </a:solidFill>
+            <a:tailEnd type="arrow"/>
+          </a:ln>
+        </p:spPr>
+        <p:style>
+          <a:lnRef idx="1">
+            <a:schemeClr val="accent1"/>
+          </a:lnRef>
+          <a:fillRef idx="0">
+            <a:schemeClr val="accent1"/>
+          </a:fillRef>
+          <a:effectRef idx="0">
+            <a:schemeClr val="accent1"/>
+          </a:effectRef>
+          <a:fontRef idx="minor">
+            <a:schemeClr val="tx1"/>
+          </a:fontRef>
+        </p:style>
+      </p:cxnSp>
+      <p:cxnSp>
+        <p:nvCxnSpPr>
+          <p:cNvPr id="7" name="Straight Arrow Connector 6"/>
+          <p:cNvCxnSpPr/>
+          <p:nvPr/>
+        </p:nvCxnSpPr>
+        <p:spPr>
+          <a:xfrm flipH="1">
+            <a:off x="7307580" y="3063240"/>
+            <a:ext cx="0" cy="548640"/>
+          </a:xfrm>
+          <a:prstGeom prst="straightConnector1">
+            <a:avLst/>
+          </a:prstGeom>
+          <a:ln w="15875">
+            <a:solidFill>
+              <a:schemeClr val="tx1"/>
+            </a:solidFill>
+            <a:tailEnd type="arrow"/>
+          </a:ln>
+        </p:spPr>
+        <p:style>
+          <a:lnRef idx="1">
+            <a:schemeClr val="accent1"/>
+          </a:lnRef>
+          <a:fillRef idx="0">
+            <a:schemeClr val="accent1"/>
+          </a:fillRef>
+          <a:effectRef idx="0">
+            <a:schemeClr val="accent1"/>
+          </a:effectRef>
+          <a:fontRef idx="minor">
+            <a:schemeClr val="tx1"/>
+          </a:fontRef>
+        </p:style>
+      </p:cxnSp>
+      <p:pic>
+        <p:nvPicPr>
+          <p:cNvPr id="20" name="Picture 19" descr="noun_Gears_138659"/>
+          <p:cNvPicPr>
+            <a:picLocks noChangeAspect="1"/>
+          </p:cNvPicPr>
+          <p:nvPr/>
+        </p:nvPicPr>
+        <p:blipFill>
+          <a:blip r:embed="rId1">
+            <a:extLst>
+              <a:ext uri="{96DAC541-7B7A-43D3-8B79-37D633B846F1}">
+                <asvg:svgBlip xmlns:asvg="http://schemas.microsoft.com/office/drawing/2016/SVG/main" r:embed="rId2"/>
+              </a:ext>
+            </a:extLst>
+          </a:blip>
+          <a:srcRect b="19947"/>
+          <a:stretch>
+            <a:fillRect/>
+          </a:stretch>
+        </p:blipFill>
+        <p:spPr>
+          <a:xfrm rot="5400000">
+            <a:off x="7788910" y="3319145"/>
+            <a:ext cx="234950" cy="235585"/>
+          </a:xfrm>
+          <a:prstGeom prst="rect">
+            <a:avLst/>
+          </a:prstGeom>
+        </p:spPr>
+      </p:pic>
+      <p:sp>
+        <p:nvSpPr>
+          <p:cNvPr id="8" name="TextBox 79"/>
+          <p:cNvSpPr txBox="1"/>
+          <p:nvPr/>
+        </p:nvSpPr>
+        <p:spPr>
+          <a:xfrm>
+            <a:off x="7371080" y="3144520"/>
+            <a:ext cx="1096010" cy="215265"/>
+          </a:xfrm>
+          <a:prstGeom prst="rect">
+            <a:avLst/>
+          </a:prstGeom>
+          <a:noFill/>
+        </p:spPr>
+        <p:txBody>
+          <a:bodyPr wrap="square" lIns="0" tIns="0" rIns="0" bIns="0" rtlCol="0">
+            <a:spAutoFit/>
+          </a:bodyPr>
+          <a:p>
+            <a:pPr algn="l"/>
+            <a:r>
+              <a:rPr lang="de-DE" altLang="en-GB" sz="1400" b="1" dirty="0">
+                <a:latin typeface="Calibri" charset="0"/>
+              </a:rPr>
+              <a:t>5.</a:t>
+            </a:r>
+            <a:r>
+              <a:rPr lang="de-DE" altLang="en-GB" sz="1400" dirty="0">
+                <a:latin typeface="Calibri" charset="0"/>
+              </a:rPr>
+              <a:t>  DP-GBDT </a:t>
+            </a:r>
+            <a:endParaRPr lang="de-DE" altLang="en-GB" sz="1400" dirty="0">
+              <a:latin typeface="Calibri" charset="0"/>
+              <a:ea typeface="AR PL UKai CN" panose="02000503000000000000" charset="-122"/>
+            </a:endParaRPr>
+          </a:p>
+        </p:txBody>
+      </p:sp>
+      <p:sp>
+        <p:nvSpPr>
+          <p:cNvPr id="93" name="Text Box 92"/>
+          <p:cNvSpPr txBox="1"/>
+          <p:nvPr/>
+        </p:nvSpPr>
+        <p:spPr>
+          <a:xfrm>
+            <a:off x="8312785" y="2442210"/>
+            <a:ext cx="1562735" cy="491490"/>
+          </a:xfrm>
+          <a:prstGeom prst="rect">
+            <a:avLst/>
+          </a:prstGeom>
+          <a:noFill/>
+        </p:spPr>
+        <p:txBody>
+          <a:bodyPr wrap="square" rtlCol="0">
+            <a:spAutoFit/>
+          </a:bodyPr>
+          <a:p>
+            <a:r>
+              <a:rPr lang="de-DE" altLang="en-US" sz="1300" b="1">
+                <a:latin typeface="Calibri" charset="0"/>
+              </a:rPr>
+              <a:t>3.</a:t>
+            </a:r>
+            <a:r>
+              <a:rPr lang="de-DE" altLang="en-US" sz="1300">
+                <a:latin typeface="Calibri" charset="0"/>
+              </a:rPr>
+              <a:t>  convert to C++ data dypes</a:t>
+            </a:r>
+            <a:endParaRPr lang="de-DE" altLang="en-US" sz="1300">
+              <a:latin typeface="Calibri" charset="0"/>
+            </a:endParaRPr>
+          </a:p>
+        </p:txBody>
+      </p:sp>
+      <p:pic>
+        <p:nvPicPr>
+          <p:cNvPr id="9" name="Picture 8" descr="noun_Arrow Circle_1590635"/>
+          <p:cNvPicPr>
+            <a:picLocks noChangeAspect="1"/>
+          </p:cNvPicPr>
+          <p:nvPr/>
+        </p:nvPicPr>
+        <p:blipFill>
+          <a:blip r:embed="rId3">
+            <a:extLst>
+              <a:ext uri="{96DAC541-7B7A-43D3-8B79-37D633B846F1}">
+                <asvg:svgBlip xmlns:asvg="http://schemas.microsoft.com/office/drawing/2016/SVG/main" r:embed="rId4"/>
+              </a:ext>
+            </a:extLst>
+          </a:blip>
+          <a:srcRect b="18808"/>
+          <a:stretch>
+            <a:fillRect/>
+          </a:stretch>
+        </p:blipFill>
+        <p:spPr>
+          <a:xfrm rot="19680000" flipH="1" flipV="1">
+            <a:off x="8027670" y="2576195"/>
+            <a:ext cx="307975" cy="265430"/>
+          </a:xfrm>
+          <a:prstGeom prst="rect">
+            <a:avLst/>
+          </a:prstGeom>
+        </p:spPr>
+      </p:pic>
+      <p:cxnSp>
+        <p:nvCxnSpPr>
+          <p:cNvPr id="10" name="Straight Arrow Connector 9"/>
+          <p:cNvCxnSpPr/>
+          <p:nvPr/>
+        </p:nvCxnSpPr>
+        <p:spPr>
+          <a:xfrm>
+            <a:off x="2226310" y="3266440"/>
+            <a:ext cx="5050790" cy="5080"/>
+          </a:xfrm>
+          <a:prstGeom prst="straightConnector1">
+            <a:avLst/>
+          </a:prstGeom>
+          <a:ln w="15875">
+            <a:solidFill>
+              <a:schemeClr val="tx1"/>
+            </a:solidFill>
+            <a:tailEnd type="arrow"/>
+          </a:ln>
+        </p:spPr>
+        <p:style>
+          <a:lnRef idx="1">
+            <a:schemeClr val="accent1"/>
+          </a:lnRef>
+          <a:fillRef idx="0">
+            <a:schemeClr val="accent1"/>
+          </a:fillRef>
+          <a:effectRef idx="0">
+            <a:schemeClr val="accent1"/>
+          </a:effectRef>
+          <a:fontRef idx="minor">
+            <a:schemeClr val="tx1"/>
+          </a:fontRef>
+        </p:style>
+      </p:cxnSp>
+      <p:sp>
+        <p:nvSpPr>
+          <p:cNvPr id="11" name="TextBox 79"/>
+          <p:cNvSpPr txBox="1"/>
+          <p:nvPr/>
+        </p:nvSpPr>
+        <p:spPr>
+          <a:xfrm>
+            <a:off x="2378075" y="3016250"/>
+            <a:ext cx="3018155" cy="215265"/>
+          </a:xfrm>
+          <a:prstGeom prst="rect">
+            <a:avLst/>
+          </a:prstGeom>
+          <a:noFill/>
+        </p:spPr>
+        <p:txBody>
+          <a:bodyPr wrap="square" lIns="0" tIns="0" rIns="0" bIns="0" rtlCol="0">
+            <a:spAutoFit/>
+          </a:bodyPr>
+          <a:p>
+            <a:pPr algn="l"/>
+            <a:r>
+              <a:rPr lang="de-DE" altLang="en-GB" sz="1400" b="1" dirty="0">
+                <a:latin typeface="Calibri" charset="0"/>
+              </a:rPr>
+              <a:t>4.</a:t>
+            </a:r>
+            <a:r>
+              <a:rPr lang="de-DE" altLang="en-GB" sz="1400" dirty="0">
+                <a:latin typeface="Calibri" charset="0"/>
+              </a:rPr>
+              <a:t>  Start training</a:t>
+            </a:r>
+            <a:endParaRPr lang="de-DE" altLang="en-GB" sz="1400" dirty="0">
+              <a:latin typeface="Calibri" charset="0"/>
+              <a:ea typeface="AR PL UKai CN" panose="02000503000000000000" charset="-122"/>
+            </a:endParaRPr>
+          </a:p>
+        </p:txBody>
+      </p:sp>
+      <p:sp>
+        <p:nvSpPr>
+          <p:cNvPr id="13" name="Rectangles 12"/>
+          <p:cNvSpPr/>
+          <p:nvPr/>
+        </p:nvSpPr>
+        <p:spPr>
+          <a:xfrm>
+            <a:off x="7000875" y="3662680"/>
+            <a:ext cx="588010" cy="211455"/>
+          </a:xfrm>
+          <a:prstGeom prst="rect">
+            <a:avLst/>
+          </a:prstGeom>
+          <a:solidFill>
+            <a:schemeClr val="accent1">
+              <a:alpha val="42000"/>
+            </a:schemeClr>
+          </a:solidFill>
+        </p:spPr>
+        <p:style>
+          <a:lnRef idx="2">
+            <a:schemeClr val="accent1">
+              <a:shade val="50000"/>
+            </a:schemeClr>
+          </a:lnRef>
+          <a:fillRef idx="1">
+            <a:schemeClr val="accent1"/>
+          </a:fillRef>
+          <a:effectRef idx="0">
+            <a:schemeClr val="accent1"/>
+          </a:effectRef>
+          <a:fontRef idx="minor">
+            <a:schemeClr val="lt1"/>
+          </a:fontRef>
+        </p:style>
+        <p:txBody>
+          <a:bodyPr rtlCol="0" anchor="ctr"/>
+          <a:p>
+            <a:pPr algn="ctr"/>
+            <a:endParaRPr lang="en-US"/>
+          </a:p>
+        </p:txBody>
+      </p:sp>
+      <p:cxnSp>
+        <p:nvCxnSpPr>
+          <p:cNvPr id="15" name="Elbow Connector 14"/>
+          <p:cNvCxnSpPr>
+            <a:stCxn id="13" idx="2"/>
+          </p:cNvCxnSpPr>
+          <p:nvPr/>
+        </p:nvCxnSpPr>
+        <p:spPr>
+          <a:xfrm rot="5400000">
+            <a:off x="4643120" y="1437005"/>
+            <a:ext cx="214630" cy="5088255"/>
+          </a:xfrm>
+          <a:prstGeom prst="bentConnector2">
+            <a:avLst/>
+          </a:prstGeom>
+          <a:ln w="15875">
+            <a:solidFill>
+              <a:schemeClr val="tx1"/>
+            </a:solidFill>
+            <a:tailEnd type="arrow"/>
+          </a:ln>
+        </p:spPr>
+        <p:style>
+          <a:lnRef idx="1">
+            <a:schemeClr val="accent1"/>
+          </a:lnRef>
+          <a:fillRef idx="0">
+            <a:schemeClr val="accent1"/>
+          </a:fillRef>
+          <a:effectRef idx="0">
+            <a:schemeClr val="accent1"/>
+          </a:effectRef>
+          <a:fontRef idx="minor">
+            <a:schemeClr val="tx1"/>
+          </a:fontRef>
+        </p:style>
+      </p:cxnSp>
+      <p:sp>
+        <p:nvSpPr>
+          <p:cNvPr id="16" name="TextBox 79"/>
+          <p:cNvSpPr txBox="1"/>
+          <p:nvPr/>
+        </p:nvSpPr>
+        <p:spPr>
+          <a:xfrm>
+            <a:off x="2378075" y="3852545"/>
+            <a:ext cx="3018155" cy="215265"/>
+          </a:xfrm>
+          <a:prstGeom prst="rect">
+            <a:avLst/>
+          </a:prstGeom>
+          <a:noFill/>
+        </p:spPr>
+        <p:txBody>
+          <a:bodyPr wrap="square" lIns="0" tIns="0" rIns="0" bIns="0" rtlCol="0">
+            <a:spAutoFit/>
+          </a:bodyPr>
+          <a:p>
+            <a:pPr algn="l"/>
+            <a:r>
+              <a:rPr lang="de-DE" altLang="en-GB" sz="1400" b="1" dirty="0">
+                <a:latin typeface="Calibri" charset="0"/>
+              </a:rPr>
+              <a:t>6.</a:t>
+            </a:r>
+            <a:r>
+              <a:rPr lang="de-DE" altLang="en-GB" sz="1400" dirty="0">
+                <a:latin typeface="Calibri" charset="0"/>
+              </a:rPr>
+              <a:t>  Return score</a:t>
+            </a:r>
+            <a:endParaRPr lang="de-DE" altLang="en-GB" sz="1400" dirty="0">
+              <a:latin typeface="Calibri" charset="0"/>
+              <a:ea typeface="AR PL UKai CN" panose="02000503000000000000" charset="-122"/>
+            </a:endParaRPr>
+          </a:p>
+        </p:txBody>
+      </p:sp>
+      <p:sp>
+        <p:nvSpPr>
+          <p:cNvPr id="17" name="Left Brace 16"/>
+          <p:cNvSpPr/>
+          <p:nvPr/>
+        </p:nvSpPr>
+        <p:spPr>
+          <a:xfrm rot="16200000">
+            <a:off x="7212965" y="2174240"/>
+            <a:ext cx="182880" cy="1411605"/>
+          </a:xfrm>
+          <a:prstGeom prst="leftBrace">
+            <a:avLst/>
+          </a:prstGeom>
+          <a:ln w="9525">
+            <a:solidFill>
+              <a:schemeClr val="tx1"/>
+            </a:solidFill>
+          </a:ln>
+        </p:spPr>
+        <p:style>
+          <a:lnRef idx="1">
+            <a:schemeClr val="accent1"/>
+          </a:lnRef>
+          <a:fillRef idx="0">
+            <a:schemeClr val="accent1"/>
+          </a:fillRef>
+          <a:effectRef idx="0">
+            <a:schemeClr val="accent1"/>
+          </a:effectRef>
+          <a:fontRef idx="minor">
+            <a:schemeClr val="tx1"/>
+          </a:fontRef>
+        </p:style>
+        <p:txBody>
+          <a:bodyPr rtlCol="0" anchor="ctr"/>
+          <a:p>
+            <a:pPr algn="ctr"/>
+            <a:endParaRPr lang="en-US"/>
+          </a:p>
+        </p:txBody>
+      </p:sp>
+    </p:spTree>
+  </p:cSld>
+  <p:clrMapOvr>
+    <a:masterClrMapping/>
+  </p:clrMapOvr>
 </p:sld>
 </file>
 

--- a/resources/writing/powerpoint/template_only_mine.pptx
+++ b/resources/writing/powerpoint/template_only_mine.pptx
@@ -8,10 +8,10 @@
     <p:sldMasterId id="2147483681" r:id="rId5"/>
   </p:sldMasterIdLst>
   <p:notesMasterIdLst>
-    <p:notesMasterId r:id="rId20"/>
+    <p:notesMasterId r:id="rId22"/>
   </p:notesMasterIdLst>
   <p:handoutMasterIdLst>
-    <p:handoutMasterId r:id="rId21"/>
+    <p:handoutMasterId r:id="rId23"/>
   </p:handoutMasterIdLst>
   <p:sldIdLst>
     <p:sldId id="274" r:id="rId6"/>
@@ -28,6 +28,8 @@
     <p:sldId id="298" r:id="rId17"/>
     <p:sldId id="299" r:id="rId18"/>
     <p:sldId id="300" r:id="rId19"/>
+    <p:sldId id="301" r:id="rId20"/>
+    <p:sldId id="302" r:id="rId21"/>
   </p:sldIdLst>
   <p:sldSz cx="12192000" cy="6858000"/>
   <p:notesSz cx="7103745" cy="10234295"/>
@@ -19192,6 +19194,1839 @@
   <p:clrMapOvr>
     <a:masterClrMapping/>
   </p:clrMapOvr>
+</p:sld>
+</file>
+
+<file path=ppt/slides/slide15.xml><?xml version="1.0" encoding="utf-8"?>
+<p:sld xmlns:a="http://schemas.openxmlformats.org/drawingml/2006/main" xmlns:r="http://schemas.openxmlformats.org/officeDocument/2006/relationships" xmlns:p="http://schemas.openxmlformats.org/presentationml/2006/main">
+  <p:cSld>
+    <p:spTree>
+      <p:nvGrpSpPr>
+        <p:cNvPr id="1" name=""/>
+        <p:cNvGrpSpPr/>
+        <p:nvPr/>
+      </p:nvGrpSpPr>
+      <p:grpSpPr/>
+      <p:grpSp>
+        <p:nvGrpSpPr>
+          <p:cNvPr id="2" name="Group 1"/>
+          <p:cNvGrpSpPr/>
+          <p:nvPr/>
+        </p:nvGrpSpPr>
+        <p:grpSpPr>
+          <a:xfrm>
+            <a:off x="4965065" y="2365874"/>
+            <a:ext cx="1553104" cy="395741"/>
+            <a:chOff x="4509" y="3211"/>
+            <a:chExt cx="2348" cy="396"/>
+          </a:xfrm>
+        </p:grpSpPr>
+        <p:sp>
+          <p:nvSpPr>
+            <p:cNvPr id="3" name="Rectangles 2"/>
+            <p:cNvSpPr/>
+            <p:nvPr/>
+          </p:nvSpPr>
+          <p:spPr>
+            <a:xfrm>
+              <a:off x="4509" y="3211"/>
+              <a:ext cx="2348" cy="396"/>
+            </a:xfrm>
+            <a:prstGeom prst="rect">
+              <a:avLst/>
+            </a:prstGeom>
+            <a:solidFill>
+              <a:schemeClr val="accent1">
+                <a:alpha val="16000"/>
+              </a:schemeClr>
+            </a:solidFill>
+          </p:spPr>
+          <p:style>
+            <a:lnRef idx="2">
+              <a:schemeClr val="accent1">
+                <a:shade val="50000"/>
+              </a:schemeClr>
+            </a:lnRef>
+            <a:fillRef idx="1">
+              <a:schemeClr val="accent1"/>
+            </a:fillRef>
+            <a:effectRef idx="0">
+              <a:schemeClr val="accent1"/>
+            </a:effectRef>
+            <a:fontRef idx="minor">
+              <a:schemeClr val="lt1"/>
+            </a:fontRef>
+          </p:style>
+          <p:txBody>
+            <a:bodyPr rtlCol="0" anchor="ctr"/>
+            <a:p>
+              <a:pPr algn="ctr"/>
+              <a:endParaRPr lang="en-US" sz="1200"/>
+            </a:p>
+          </p:txBody>
+        </p:sp>
+        <p:sp>
+          <p:nvSpPr>
+            <p:cNvPr id="4" name="Text Box 3"/>
+            <p:cNvSpPr txBox="1"/>
+            <p:nvPr/>
+          </p:nvSpPr>
+          <p:spPr>
+            <a:xfrm>
+              <a:off x="4549" y="3221"/>
+              <a:ext cx="2294" cy="369"/>
+            </a:xfrm>
+            <a:prstGeom prst="rect">
+              <a:avLst/>
+            </a:prstGeom>
+            <a:noFill/>
+          </p:spPr>
+          <p:txBody>
+            <a:bodyPr wrap="square" rtlCol="0">
+              <a:spAutoFit/>
+            </a:bodyPr>
+            <a:p>
+              <a:pPr algn="ctr"/>
+              <a:r>
+                <a:rPr lang="de-DE" altLang="en-US">
+                  <a:latin typeface="Times New Roman" panose="02020603050405020304" charset="0"/>
+                  <a:cs typeface="Times New Roman" panose="02020603050405020304" charset="0"/>
+                  <a:sym typeface="+mn-ea"/>
+                </a:rPr>
+                <a:t>Wind</a:t>
+              </a:r>
+              <a:endParaRPr lang="de-DE" altLang="en-US">
+                <a:latin typeface="Times New Roman" panose="02020603050405020304" charset="0"/>
+                <a:cs typeface="Times New Roman" panose="02020603050405020304" charset="0"/>
+              </a:endParaRPr>
+            </a:p>
+          </p:txBody>
+        </p:sp>
+      </p:grpSp>
+      <p:grpSp>
+        <p:nvGrpSpPr>
+          <p:cNvPr id="10" name="Group 9"/>
+          <p:cNvGrpSpPr/>
+          <p:nvPr/>
+        </p:nvGrpSpPr>
+        <p:grpSpPr>
+          <a:xfrm>
+            <a:off x="6817360" y="2362699"/>
+            <a:ext cx="1553104" cy="395741"/>
+            <a:chOff x="4509" y="3211"/>
+            <a:chExt cx="2348" cy="396"/>
+          </a:xfrm>
+        </p:grpSpPr>
+        <p:sp>
+          <p:nvSpPr>
+            <p:cNvPr id="11" name="Rectangles 10"/>
+            <p:cNvSpPr/>
+            <p:nvPr/>
+          </p:nvSpPr>
+          <p:spPr>
+            <a:xfrm>
+              <a:off x="4509" y="3211"/>
+              <a:ext cx="2348" cy="396"/>
+            </a:xfrm>
+            <a:prstGeom prst="rect">
+              <a:avLst/>
+            </a:prstGeom>
+            <a:solidFill>
+              <a:schemeClr val="accent1">
+                <a:alpha val="16000"/>
+              </a:schemeClr>
+            </a:solidFill>
+          </p:spPr>
+          <p:style>
+            <a:lnRef idx="2">
+              <a:schemeClr val="accent1">
+                <a:shade val="50000"/>
+              </a:schemeClr>
+            </a:lnRef>
+            <a:fillRef idx="1">
+              <a:schemeClr val="accent1"/>
+            </a:fillRef>
+            <a:effectRef idx="0">
+              <a:schemeClr val="accent1"/>
+            </a:effectRef>
+            <a:fontRef idx="minor">
+              <a:schemeClr val="lt1"/>
+            </a:fontRef>
+          </p:style>
+          <p:txBody>
+            <a:bodyPr rtlCol="0" anchor="ctr"/>
+            <a:p>
+              <a:pPr algn="ctr"/>
+              <a:endParaRPr lang="en-US" sz="1200"/>
+            </a:p>
+          </p:txBody>
+        </p:sp>
+        <p:sp>
+          <p:nvSpPr>
+            <p:cNvPr id="12" name="Text Box 11"/>
+            <p:cNvSpPr txBox="1"/>
+            <p:nvPr/>
+          </p:nvSpPr>
+          <p:spPr>
+            <a:xfrm>
+              <a:off x="4549" y="3221"/>
+              <a:ext cx="2294" cy="369"/>
+            </a:xfrm>
+            <a:prstGeom prst="rect">
+              <a:avLst/>
+            </a:prstGeom>
+            <a:noFill/>
+          </p:spPr>
+          <p:txBody>
+            <a:bodyPr wrap="square" rtlCol="0">
+              <a:spAutoFit/>
+            </a:bodyPr>
+            <a:p>
+              <a:pPr algn="ctr"/>
+              <a:r>
+                <a:rPr lang="de-DE" altLang="en-US">
+                  <a:latin typeface="Times New Roman" panose="02020603050405020304" charset="0"/>
+                  <a:cs typeface="Times New Roman" panose="02020603050405020304" charset="0"/>
+                </a:rPr>
+                <a:t>Temperature</a:t>
+              </a:r>
+              <a:endParaRPr lang="de-DE" altLang="en-US">
+                <a:latin typeface="Times New Roman" panose="02020603050405020304" charset="0"/>
+                <a:cs typeface="Times New Roman" panose="02020603050405020304" charset="0"/>
+              </a:endParaRPr>
+            </a:p>
+          </p:txBody>
+        </p:sp>
+      </p:grpSp>
+      <p:grpSp>
+        <p:nvGrpSpPr>
+          <p:cNvPr id="13" name="Group 12"/>
+          <p:cNvGrpSpPr/>
+          <p:nvPr/>
+        </p:nvGrpSpPr>
+        <p:grpSpPr>
+          <a:xfrm>
+            <a:off x="5889625" y="1301614"/>
+            <a:ext cx="1553104" cy="395741"/>
+            <a:chOff x="4509" y="3211"/>
+            <a:chExt cx="2348" cy="396"/>
+          </a:xfrm>
+        </p:grpSpPr>
+        <p:sp>
+          <p:nvSpPr>
+            <p:cNvPr id="15" name="Rectangles 14"/>
+            <p:cNvSpPr/>
+            <p:nvPr/>
+          </p:nvSpPr>
+          <p:spPr>
+            <a:xfrm>
+              <a:off x="4509" y="3211"/>
+              <a:ext cx="2348" cy="396"/>
+            </a:xfrm>
+            <a:prstGeom prst="rect">
+              <a:avLst/>
+            </a:prstGeom>
+            <a:solidFill>
+              <a:schemeClr val="accent1">
+                <a:alpha val="16000"/>
+              </a:schemeClr>
+            </a:solidFill>
+          </p:spPr>
+          <p:style>
+            <a:lnRef idx="2">
+              <a:schemeClr val="accent1">
+                <a:shade val="50000"/>
+              </a:schemeClr>
+            </a:lnRef>
+            <a:fillRef idx="1">
+              <a:schemeClr val="accent1"/>
+            </a:fillRef>
+            <a:effectRef idx="0">
+              <a:schemeClr val="accent1"/>
+            </a:effectRef>
+            <a:fontRef idx="minor">
+              <a:schemeClr val="lt1"/>
+            </a:fontRef>
+          </p:style>
+          <p:txBody>
+            <a:bodyPr rtlCol="0" anchor="ctr"/>
+            <a:p>
+              <a:pPr algn="ctr"/>
+              <a:endParaRPr lang="en-US" sz="1200"/>
+            </a:p>
+          </p:txBody>
+        </p:sp>
+        <p:sp>
+          <p:nvSpPr>
+            <p:cNvPr id="16" name="Text Box 15"/>
+            <p:cNvSpPr txBox="1"/>
+            <p:nvPr/>
+          </p:nvSpPr>
+          <p:spPr>
+            <a:xfrm>
+              <a:off x="4549" y="3221"/>
+              <a:ext cx="2294" cy="369"/>
+            </a:xfrm>
+            <a:prstGeom prst="rect">
+              <a:avLst/>
+            </a:prstGeom>
+            <a:noFill/>
+          </p:spPr>
+          <p:txBody>
+            <a:bodyPr wrap="square" rtlCol="0">
+              <a:spAutoFit/>
+            </a:bodyPr>
+            <a:p>
+              <a:pPr algn="ctr"/>
+              <a:r>
+                <a:rPr lang="de-DE" altLang="en-US">
+                  <a:latin typeface="Times New Roman" panose="02020603050405020304" charset="0"/>
+                  <a:cs typeface="Times New Roman" panose="02020603050405020304" charset="0"/>
+                </a:rPr>
+                <a:t>Outlook</a:t>
+              </a:r>
+              <a:endParaRPr lang="de-DE" altLang="en-US">
+                <a:latin typeface="Times New Roman" panose="02020603050405020304" charset="0"/>
+                <a:cs typeface="Times New Roman" panose="02020603050405020304" charset="0"/>
+              </a:endParaRPr>
+            </a:p>
+          </p:txBody>
+        </p:sp>
+      </p:grpSp>
+      <p:cxnSp>
+        <p:nvCxnSpPr>
+          <p:cNvPr id="33" name="Straight Arrow Connector 32"/>
+          <p:cNvCxnSpPr>
+            <a:endCxn id="4" idx="0"/>
+          </p:cNvCxnSpPr>
+          <p:nvPr/>
+        </p:nvCxnSpPr>
+        <p:spPr>
+          <a:xfrm flipH="1">
+            <a:off x="5750560" y="1694815"/>
+            <a:ext cx="924560" cy="681355"/>
+          </a:xfrm>
+          <a:prstGeom prst="straightConnector1">
+            <a:avLst/>
+          </a:prstGeom>
+          <a:ln w="19050" cmpd="sng">
+            <a:solidFill>
+              <a:schemeClr val="tx1"/>
+            </a:solidFill>
+            <a:prstDash val="solid"/>
+            <a:tailEnd type="arrow"/>
+          </a:ln>
+        </p:spPr>
+        <p:style>
+          <a:lnRef idx="1">
+            <a:schemeClr val="accent1"/>
+          </a:lnRef>
+          <a:fillRef idx="0">
+            <a:schemeClr val="accent1"/>
+          </a:fillRef>
+          <a:effectRef idx="0">
+            <a:schemeClr val="accent1"/>
+          </a:effectRef>
+          <a:fontRef idx="minor">
+            <a:schemeClr val="tx1"/>
+          </a:fontRef>
+        </p:style>
+      </p:cxnSp>
+      <p:cxnSp>
+        <p:nvCxnSpPr>
+          <p:cNvPr id="34" name="Straight Arrow Connector 33"/>
+          <p:cNvCxnSpPr>
+            <a:endCxn id="12" idx="0"/>
+          </p:cNvCxnSpPr>
+          <p:nvPr/>
+        </p:nvCxnSpPr>
+        <p:spPr>
+          <a:xfrm>
+            <a:off x="6675120" y="1694815"/>
+            <a:ext cx="927735" cy="678180"/>
+          </a:xfrm>
+          <a:prstGeom prst="straightConnector1">
+            <a:avLst/>
+          </a:prstGeom>
+          <a:ln w="19050" cmpd="sng">
+            <a:solidFill>
+              <a:schemeClr val="tx1"/>
+            </a:solidFill>
+            <a:prstDash val="solid"/>
+            <a:tailEnd type="arrow"/>
+          </a:ln>
+        </p:spPr>
+        <p:style>
+          <a:lnRef idx="1">
+            <a:schemeClr val="accent1"/>
+          </a:lnRef>
+          <a:fillRef idx="0">
+            <a:schemeClr val="accent1"/>
+          </a:fillRef>
+          <a:effectRef idx="0">
+            <a:schemeClr val="accent1"/>
+          </a:effectRef>
+          <a:fontRef idx="minor">
+            <a:schemeClr val="tx1"/>
+          </a:fontRef>
+        </p:style>
+      </p:cxnSp>
+      <p:cxnSp>
+        <p:nvCxnSpPr>
+          <p:cNvPr id="45" name="Straight Arrow Connector 44"/>
+          <p:cNvCxnSpPr/>
+          <p:nvPr/>
+        </p:nvCxnSpPr>
+        <p:spPr>
+          <a:xfrm flipH="1">
+            <a:off x="5299710" y="2784475"/>
+            <a:ext cx="445135" cy="742315"/>
+          </a:xfrm>
+          <a:prstGeom prst="straightConnector1">
+            <a:avLst/>
+          </a:prstGeom>
+          <a:ln w="19050" cmpd="sng">
+            <a:solidFill>
+              <a:schemeClr val="tx1"/>
+            </a:solidFill>
+            <a:prstDash val="solid"/>
+            <a:tailEnd type="arrow"/>
+          </a:ln>
+        </p:spPr>
+        <p:style>
+          <a:lnRef idx="1">
+            <a:schemeClr val="accent1"/>
+          </a:lnRef>
+          <a:fillRef idx="0">
+            <a:schemeClr val="accent1"/>
+          </a:fillRef>
+          <a:effectRef idx="0">
+            <a:schemeClr val="accent1"/>
+          </a:effectRef>
+          <a:fontRef idx="minor">
+            <a:schemeClr val="tx1"/>
+          </a:fontRef>
+        </p:style>
+      </p:cxnSp>
+      <p:cxnSp>
+        <p:nvCxnSpPr>
+          <p:cNvPr id="46" name="Straight Arrow Connector 45"/>
+          <p:cNvCxnSpPr/>
+          <p:nvPr/>
+        </p:nvCxnSpPr>
+        <p:spPr>
+          <a:xfrm>
+            <a:off x="5736590" y="2766060"/>
+            <a:ext cx="436245" cy="761365"/>
+          </a:xfrm>
+          <a:prstGeom prst="straightConnector1">
+            <a:avLst/>
+          </a:prstGeom>
+          <a:ln w="19050" cmpd="sng">
+            <a:solidFill>
+              <a:schemeClr val="tx1"/>
+            </a:solidFill>
+            <a:prstDash val="solid"/>
+            <a:tailEnd type="arrow"/>
+          </a:ln>
+        </p:spPr>
+        <p:style>
+          <a:lnRef idx="1">
+            <a:schemeClr val="accent1"/>
+          </a:lnRef>
+          <a:fillRef idx="0">
+            <a:schemeClr val="accent1"/>
+          </a:fillRef>
+          <a:effectRef idx="0">
+            <a:schemeClr val="accent1"/>
+          </a:effectRef>
+          <a:fontRef idx="minor">
+            <a:schemeClr val="tx1"/>
+          </a:fontRef>
+        </p:style>
+      </p:cxnSp>
+      <p:grpSp>
+        <p:nvGrpSpPr>
+          <p:cNvPr id="47" name="Group 46"/>
+          <p:cNvGrpSpPr/>
+          <p:nvPr/>
+        </p:nvGrpSpPr>
+        <p:grpSpPr>
+          <a:xfrm>
+            <a:off x="5805170" y="3514589"/>
+            <a:ext cx="720990" cy="395741"/>
+            <a:chOff x="4509" y="3211"/>
+            <a:chExt cx="1090" cy="396"/>
+          </a:xfrm>
+        </p:grpSpPr>
+        <p:sp>
+          <p:nvSpPr>
+            <p:cNvPr id="48" name="Rectangles 47"/>
+            <p:cNvSpPr/>
+            <p:nvPr/>
+          </p:nvSpPr>
+          <p:spPr>
+            <a:xfrm>
+              <a:off x="4509" y="3211"/>
+              <a:ext cx="1090" cy="396"/>
+            </a:xfrm>
+            <a:prstGeom prst="rect">
+              <a:avLst/>
+            </a:prstGeom>
+            <a:solidFill>
+              <a:schemeClr val="accent1">
+                <a:alpha val="16000"/>
+              </a:schemeClr>
+            </a:solidFill>
+          </p:spPr>
+          <p:style>
+            <a:lnRef idx="2">
+              <a:schemeClr val="accent1">
+                <a:shade val="50000"/>
+              </a:schemeClr>
+            </a:lnRef>
+            <a:fillRef idx="1">
+              <a:schemeClr val="accent1"/>
+            </a:fillRef>
+            <a:effectRef idx="0">
+              <a:schemeClr val="accent1"/>
+            </a:effectRef>
+            <a:fontRef idx="minor">
+              <a:schemeClr val="lt1"/>
+            </a:fontRef>
+          </p:style>
+          <p:txBody>
+            <a:bodyPr rtlCol="0" anchor="ctr"/>
+            <a:p>
+              <a:pPr algn="ctr"/>
+              <a:endParaRPr lang="en-US" sz="1200"/>
+            </a:p>
+          </p:txBody>
+        </p:sp>
+        <p:sp>
+          <p:nvSpPr>
+            <p:cNvPr id="49" name="Text Box 48"/>
+            <p:cNvSpPr txBox="1"/>
+            <p:nvPr/>
+          </p:nvSpPr>
+          <p:spPr>
+            <a:xfrm>
+              <a:off x="4578" y="3224"/>
+              <a:ext cx="973" cy="369"/>
+            </a:xfrm>
+            <a:prstGeom prst="rect">
+              <a:avLst/>
+            </a:prstGeom>
+            <a:noFill/>
+          </p:spPr>
+          <p:txBody>
+            <a:bodyPr wrap="square" rtlCol="0">
+              <a:spAutoFit/>
+            </a:bodyPr>
+            <a:p>
+              <a:pPr algn="ctr"/>
+              <a:r>
+                <a:rPr lang="de-DE" altLang="en-US">
+                  <a:latin typeface="Times New Roman" panose="02020603050405020304" charset="0"/>
+                  <a:cs typeface="Times New Roman" panose="02020603050405020304" charset="0"/>
+                </a:rPr>
+                <a:t>Yes</a:t>
+              </a:r>
+              <a:endParaRPr lang="de-DE" altLang="en-US">
+                <a:latin typeface="Times New Roman" panose="02020603050405020304" charset="0"/>
+                <a:cs typeface="Times New Roman" panose="02020603050405020304" charset="0"/>
+              </a:endParaRPr>
+            </a:p>
+          </p:txBody>
+        </p:sp>
+      </p:grpSp>
+      <p:grpSp>
+        <p:nvGrpSpPr>
+          <p:cNvPr id="50" name="Group 49"/>
+          <p:cNvGrpSpPr/>
+          <p:nvPr/>
+        </p:nvGrpSpPr>
+        <p:grpSpPr>
+          <a:xfrm>
+            <a:off x="4932045" y="3513954"/>
+            <a:ext cx="720990" cy="395741"/>
+            <a:chOff x="4509" y="3211"/>
+            <a:chExt cx="1090" cy="396"/>
+          </a:xfrm>
+        </p:grpSpPr>
+        <p:sp>
+          <p:nvSpPr>
+            <p:cNvPr id="51" name="Rectangles 50"/>
+            <p:cNvSpPr/>
+            <p:nvPr/>
+          </p:nvSpPr>
+          <p:spPr>
+            <a:xfrm>
+              <a:off x="4509" y="3211"/>
+              <a:ext cx="1090" cy="396"/>
+            </a:xfrm>
+            <a:prstGeom prst="rect">
+              <a:avLst/>
+            </a:prstGeom>
+            <a:solidFill>
+              <a:schemeClr val="accent1">
+                <a:alpha val="16000"/>
+              </a:schemeClr>
+            </a:solidFill>
+          </p:spPr>
+          <p:style>
+            <a:lnRef idx="2">
+              <a:schemeClr val="accent1">
+                <a:shade val="50000"/>
+              </a:schemeClr>
+            </a:lnRef>
+            <a:fillRef idx="1">
+              <a:schemeClr val="accent1"/>
+            </a:fillRef>
+            <a:effectRef idx="0">
+              <a:schemeClr val="accent1"/>
+            </a:effectRef>
+            <a:fontRef idx="minor">
+              <a:schemeClr val="lt1"/>
+            </a:fontRef>
+          </p:style>
+          <p:txBody>
+            <a:bodyPr rtlCol="0" anchor="ctr"/>
+            <a:p>
+              <a:pPr algn="ctr"/>
+              <a:endParaRPr lang="en-US" sz="1200"/>
+            </a:p>
+          </p:txBody>
+        </p:sp>
+        <p:sp>
+          <p:nvSpPr>
+            <p:cNvPr id="52" name="Text Box 51"/>
+            <p:cNvSpPr txBox="1"/>
+            <p:nvPr/>
+          </p:nvSpPr>
+          <p:spPr>
+            <a:xfrm>
+              <a:off x="4578" y="3224"/>
+              <a:ext cx="973" cy="369"/>
+            </a:xfrm>
+            <a:prstGeom prst="rect">
+              <a:avLst/>
+            </a:prstGeom>
+            <a:noFill/>
+          </p:spPr>
+          <p:txBody>
+            <a:bodyPr wrap="square" rtlCol="0">
+              <a:spAutoFit/>
+            </a:bodyPr>
+            <a:p>
+              <a:pPr algn="ctr"/>
+              <a:r>
+                <a:rPr lang="de-DE" altLang="en-US">
+                  <a:latin typeface="Times New Roman" panose="02020603050405020304" charset="0"/>
+                  <a:cs typeface="Times New Roman" panose="02020603050405020304" charset="0"/>
+                  <a:sym typeface="+mn-ea"/>
+                </a:rPr>
+                <a:t>No</a:t>
+              </a:r>
+              <a:endParaRPr lang="de-DE" altLang="en-US">
+                <a:latin typeface="Times New Roman" panose="02020603050405020304" charset="0"/>
+                <a:cs typeface="Times New Roman" panose="02020603050405020304" charset="0"/>
+              </a:endParaRPr>
+            </a:p>
+          </p:txBody>
+        </p:sp>
+      </p:grpSp>
+      <p:cxnSp>
+        <p:nvCxnSpPr>
+          <p:cNvPr id="53" name="Straight Arrow Connector 52"/>
+          <p:cNvCxnSpPr/>
+          <p:nvPr/>
+        </p:nvCxnSpPr>
+        <p:spPr>
+          <a:xfrm flipH="1">
+            <a:off x="7158990" y="2785745"/>
+            <a:ext cx="445135" cy="742315"/>
+          </a:xfrm>
+          <a:prstGeom prst="straightConnector1">
+            <a:avLst/>
+          </a:prstGeom>
+          <a:ln w="19050" cmpd="sng">
+            <a:solidFill>
+              <a:schemeClr val="tx1"/>
+            </a:solidFill>
+            <a:prstDash val="solid"/>
+            <a:tailEnd type="arrow"/>
+          </a:ln>
+        </p:spPr>
+        <p:style>
+          <a:lnRef idx="1">
+            <a:schemeClr val="accent1"/>
+          </a:lnRef>
+          <a:fillRef idx="0">
+            <a:schemeClr val="accent1"/>
+          </a:fillRef>
+          <a:effectRef idx="0">
+            <a:schemeClr val="accent1"/>
+          </a:effectRef>
+          <a:fontRef idx="minor">
+            <a:schemeClr val="tx1"/>
+          </a:fontRef>
+        </p:style>
+      </p:cxnSp>
+      <p:cxnSp>
+        <p:nvCxnSpPr>
+          <p:cNvPr id="54" name="Straight Arrow Connector 53"/>
+          <p:cNvCxnSpPr/>
+          <p:nvPr/>
+        </p:nvCxnSpPr>
+        <p:spPr>
+          <a:xfrm>
+            <a:off x="7595870" y="2767330"/>
+            <a:ext cx="436245" cy="761365"/>
+          </a:xfrm>
+          <a:prstGeom prst="straightConnector1">
+            <a:avLst/>
+          </a:prstGeom>
+          <a:ln w="19050" cmpd="sng">
+            <a:solidFill>
+              <a:schemeClr val="tx1"/>
+            </a:solidFill>
+            <a:prstDash val="solid"/>
+            <a:tailEnd type="arrow"/>
+          </a:ln>
+        </p:spPr>
+        <p:style>
+          <a:lnRef idx="1">
+            <a:schemeClr val="accent1"/>
+          </a:lnRef>
+          <a:fillRef idx="0">
+            <a:schemeClr val="accent1"/>
+          </a:fillRef>
+          <a:effectRef idx="0">
+            <a:schemeClr val="accent1"/>
+          </a:effectRef>
+          <a:fontRef idx="minor">
+            <a:schemeClr val="tx1"/>
+          </a:fontRef>
+        </p:style>
+      </p:cxnSp>
+      <p:grpSp>
+        <p:nvGrpSpPr>
+          <p:cNvPr id="55" name="Group 54"/>
+          <p:cNvGrpSpPr/>
+          <p:nvPr/>
+        </p:nvGrpSpPr>
+        <p:grpSpPr>
+          <a:xfrm>
+            <a:off x="7664450" y="3515859"/>
+            <a:ext cx="720990" cy="395741"/>
+            <a:chOff x="4509" y="3211"/>
+            <a:chExt cx="1090" cy="396"/>
+          </a:xfrm>
+        </p:grpSpPr>
+        <p:sp>
+          <p:nvSpPr>
+            <p:cNvPr id="56" name="Rectangles 55"/>
+            <p:cNvSpPr/>
+            <p:nvPr/>
+          </p:nvSpPr>
+          <p:spPr>
+            <a:xfrm>
+              <a:off x="4509" y="3211"/>
+              <a:ext cx="1090" cy="396"/>
+            </a:xfrm>
+            <a:prstGeom prst="rect">
+              <a:avLst/>
+            </a:prstGeom>
+            <a:solidFill>
+              <a:schemeClr val="accent1">
+                <a:alpha val="16000"/>
+              </a:schemeClr>
+            </a:solidFill>
+          </p:spPr>
+          <p:style>
+            <a:lnRef idx="2">
+              <a:schemeClr val="accent1">
+                <a:shade val="50000"/>
+              </a:schemeClr>
+            </a:lnRef>
+            <a:fillRef idx="1">
+              <a:schemeClr val="accent1"/>
+            </a:fillRef>
+            <a:effectRef idx="0">
+              <a:schemeClr val="accent1"/>
+            </a:effectRef>
+            <a:fontRef idx="minor">
+              <a:schemeClr val="lt1"/>
+            </a:fontRef>
+          </p:style>
+          <p:txBody>
+            <a:bodyPr rtlCol="0" anchor="ctr"/>
+            <a:p>
+              <a:pPr algn="ctr"/>
+              <a:endParaRPr lang="en-US" sz="1200"/>
+            </a:p>
+          </p:txBody>
+        </p:sp>
+        <p:sp>
+          <p:nvSpPr>
+            <p:cNvPr id="57" name="Text Box 56"/>
+            <p:cNvSpPr txBox="1"/>
+            <p:nvPr/>
+          </p:nvSpPr>
+          <p:spPr>
+            <a:xfrm>
+              <a:off x="4578" y="3224"/>
+              <a:ext cx="973" cy="369"/>
+            </a:xfrm>
+            <a:prstGeom prst="rect">
+              <a:avLst/>
+            </a:prstGeom>
+            <a:noFill/>
+          </p:spPr>
+          <p:txBody>
+            <a:bodyPr wrap="square" rtlCol="0">
+              <a:spAutoFit/>
+            </a:bodyPr>
+            <a:p>
+              <a:pPr algn="ctr"/>
+              <a:r>
+                <a:rPr lang="de-DE" altLang="en-US">
+                  <a:latin typeface="Times New Roman" panose="02020603050405020304" charset="0"/>
+                  <a:cs typeface="Times New Roman" panose="02020603050405020304" charset="0"/>
+                </a:rPr>
+                <a:t>Yes</a:t>
+              </a:r>
+              <a:endParaRPr lang="de-DE" altLang="en-US">
+                <a:latin typeface="Times New Roman" panose="02020603050405020304" charset="0"/>
+                <a:cs typeface="Times New Roman" panose="02020603050405020304" charset="0"/>
+              </a:endParaRPr>
+            </a:p>
+          </p:txBody>
+        </p:sp>
+      </p:grpSp>
+      <p:grpSp>
+        <p:nvGrpSpPr>
+          <p:cNvPr id="58" name="Group 57"/>
+          <p:cNvGrpSpPr/>
+          <p:nvPr/>
+        </p:nvGrpSpPr>
+        <p:grpSpPr>
+          <a:xfrm>
+            <a:off x="6791325" y="3515224"/>
+            <a:ext cx="720990" cy="395741"/>
+            <a:chOff x="4509" y="3211"/>
+            <a:chExt cx="1090" cy="396"/>
+          </a:xfrm>
+        </p:grpSpPr>
+        <p:sp>
+          <p:nvSpPr>
+            <p:cNvPr id="59" name="Rectangles 58"/>
+            <p:cNvSpPr/>
+            <p:nvPr/>
+          </p:nvSpPr>
+          <p:spPr>
+            <a:xfrm>
+              <a:off x="4509" y="3211"/>
+              <a:ext cx="1090" cy="396"/>
+            </a:xfrm>
+            <a:prstGeom prst="rect">
+              <a:avLst/>
+            </a:prstGeom>
+            <a:solidFill>
+              <a:schemeClr val="accent1">
+                <a:alpha val="16000"/>
+              </a:schemeClr>
+            </a:solidFill>
+          </p:spPr>
+          <p:style>
+            <a:lnRef idx="2">
+              <a:schemeClr val="accent1">
+                <a:shade val="50000"/>
+              </a:schemeClr>
+            </a:lnRef>
+            <a:fillRef idx="1">
+              <a:schemeClr val="accent1"/>
+            </a:fillRef>
+            <a:effectRef idx="0">
+              <a:schemeClr val="accent1"/>
+            </a:effectRef>
+            <a:fontRef idx="minor">
+              <a:schemeClr val="lt1"/>
+            </a:fontRef>
+          </p:style>
+          <p:txBody>
+            <a:bodyPr rtlCol="0" anchor="ctr"/>
+            <a:p>
+              <a:pPr algn="ctr"/>
+              <a:endParaRPr lang="en-US" sz="1200"/>
+            </a:p>
+          </p:txBody>
+        </p:sp>
+        <p:sp>
+          <p:nvSpPr>
+            <p:cNvPr id="60" name="Text Box 59"/>
+            <p:cNvSpPr txBox="1"/>
+            <p:nvPr/>
+          </p:nvSpPr>
+          <p:spPr>
+            <a:xfrm>
+              <a:off x="4578" y="3224"/>
+              <a:ext cx="973" cy="369"/>
+            </a:xfrm>
+            <a:prstGeom prst="rect">
+              <a:avLst/>
+            </a:prstGeom>
+            <a:noFill/>
+          </p:spPr>
+          <p:txBody>
+            <a:bodyPr wrap="square" rtlCol="0">
+              <a:spAutoFit/>
+            </a:bodyPr>
+            <a:p>
+              <a:pPr algn="ctr"/>
+              <a:r>
+                <a:rPr lang="de-DE" altLang="en-US">
+                  <a:latin typeface="Times New Roman" panose="02020603050405020304" charset="0"/>
+                  <a:cs typeface="Times New Roman" panose="02020603050405020304" charset="0"/>
+                </a:rPr>
+                <a:t>No</a:t>
+              </a:r>
+              <a:endParaRPr lang="de-DE" altLang="en-US">
+                <a:latin typeface="Times New Roman" panose="02020603050405020304" charset="0"/>
+                <a:cs typeface="Times New Roman" panose="02020603050405020304" charset="0"/>
+              </a:endParaRPr>
+            </a:p>
+          </p:txBody>
+        </p:sp>
+      </p:grpSp>
+      <p:sp>
+        <p:nvSpPr>
+          <p:cNvPr id="61" name="Text Box 60"/>
+          <p:cNvSpPr txBox="1"/>
+          <p:nvPr/>
+        </p:nvSpPr>
+        <p:spPr>
+          <a:xfrm>
+            <a:off x="5426710" y="1864995"/>
+            <a:ext cx="874395" cy="337185"/>
+          </a:xfrm>
+          <a:prstGeom prst="rect">
+            <a:avLst/>
+          </a:prstGeom>
+          <a:noFill/>
+        </p:spPr>
+        <p:txBody>
+          <a:bodyPr wrap="square" rtlCol="0">
+            <a:spAutoFit/>
+          </a:bodyPr>
+          <a:p>
+            <a:pPr algn="ctr"/>
+            <a:r>
+              <a:rPr lang="de-DE" altLang="en-US" sz="1600">
+                <a:latin typeface="Times New Roman" panose="02020603050405020304" charset="0"/>
+                <a:cs typeface="Times New Roman" panose="02020603050405020304" charset="0"/>
+              </a:rPr>
+              <a:t>rainy</a:t>
+            </a:r>
+            <a:endParaRPr lang="de-DE" altLang="en-US" sz="1600">
+              <a:latin typeface="Times New Roman" panose="02020603050405020304" charset="0"/>
+              <a:cs typeface="Times New Roman" panose="02020603050405020304" charset="0"/>
+            </a:endParaRPr>
+          </a:p>
+        </p:txBody>
+      </p:sp>
+      <p:sp>
+        <p:nvSpPr>
+          <p:cNvPr id="62" name="Text Box 61"/>
+          <p:cNvSpPr txBox="1"/>
+          <p:nvPr/>
+        </p:nvSpPr>
+        <p:spPr>
+          <a:xfrm>
+            <a:off x="7073900" y="1864995"/>
+            <a:ext cx="874395" cy="337185"/>
+          </a:xfrm>
+          <a:prstGeom prst="rect">
+            <a:avLst/>
+          </a:prstGeom>
+          <a:noFill/>
+        </p:spPr>
+        <p:txBody>
+          <a:bodyPr wrap="square" rtlCol="0">
+            <a:spAutoFit/>
+          </a:bodyPr>
+          <a:p>
+            <a:pPr algn="ctr"/>
+            <a:r>
+              <a:rPr lang="de-DE" altLang="en-US" sz="1600">
+                <a:latin typeface="Times New Roman" panose="02020603050405020304" charset="0"/>
+                <a:cs typeface="Times New Roman" panose="02020603050405020304" charset="0"/>
+              </a:rPr>
+              <a:t>sunny</a:t>
+            </a:r>
+            <a:endParaRPr lang="de-DE" altLang="en-US" sz="1600">
+              <a:latin typeface="Times New Roman" panose="02020603050405020304" charset="0"/>
+              <a:cs typeface="Times New Roman" panose="02020603050405020304" charset="0"/>
+            </a:endParaRPr>
+          </a:p>
+        </p:txBody>
+      </p:sp>
+      <p:sp>
+        <p:nvSpPr>
+          <p:cNvPr id="63" name="Text Box 62"/>
+          <p:cNvSpPr txBox="1"/>
+          <p:nvPr/>
+        </p:nvSpPr>
+        <p:spPr>
+          <a:xfrm>
+            <a:off x="4735830" y="2963545"/>
+            <a:ext cx="874395" cy="337185"/>
+          </a:xfrm>
+          <a:prstGeom prst="rect">
+            <a:avLst/>
+          </a:prstGeom>
+          <a:noFill/>
+        </p:spPr>
+        <p:txBody>
+          <a:bodyPr wrap="square" rtlCol="0">
+            <a:spAutoFit/>
+          </a:bodyPr>
+          <a:p>
+            <a:pPr algn="ctr"/>
+            <a:r>
+              <a:rPr lang="de-DE" altLang="en-US" sz="1600">
+                <a:latin typeface="Times New Roman" panose="02020603050405020304" charset="0"/>
+                <a:cs typeface="Times New Roman" panose="02020603050405020304" charset="0"/>
+              </a:rPr>
+              <a:t>strong</a:t>
+            </a:r>
+            <a:endParaRPr lang="de-DE" altLang="en-US" sz="1600">
+              <a:latin typeface="Times New Roman" panose="02020603050405020304" charset="0"/>
+              <a:cs typeface="Times New Roman" panose="02020603050405020304" charset="0"/>
+            </a:endParaRPr>
+          </a:p>
+        </p:txBody>
+      </p:sp>
+      <p:sp>
+        <p:nvSpPr>
+          <p:cNvPr id="64" name="Text Box 63"/>
+          <p:cNvSpPr txBox="1"/>
+          <p:nvPr/>
+        </p:nvSpPr>
+        <p:spPr>
+          <a:xfrm>
+            <a:off x="5800090" y="2979420"/>
+            <a:ext cx="874395" cy="337185"/>
+          </a:xfrm>
+          <a:prstGeom prst="rect">
+            <a:avLst/>
+          </a:prstGeom>
+          <a:noFill/>
+        </p:spPr>
+        <p:txBody>
+          <a:bodyPr wrap="square" rtlCol="0">
+            <a:spAutoFit/>
+          </a:bodyPr>
+          <a:p>
+            <a:pPr algn="ctr"/>
+            <a:r>
+              <a:rPr lang="de-DE" altLang="en-US" sz="1600">
+                <a:latin typeface="Times New Roman" panose="02020603050405020304" charset="0"/>
+                <a:cs typeface="Times New Roman" panose="02020603050405020304" charset="0"/>
+              </a:rPr>
+              <a:t>none</a:t>
+            </a:r>
+            <a:endParaRPr lang="de-DE" altLang="en-US" sz="1600">
+              <a:latin typeface="Times New Roman" panose="02020603050405020304" charset="0"/>
+              <a:cs typeface="Times New Roman" panose="02020603050405020304" charset="0"/>
+            </a:endParaRPr>
+          </a:p>
+        </p:txBody>
+      </p:sp>
+      <p:sp>
+        <p:nvSpPr>
+          <p:cNvPr id="65" name="Text Box 64"/>
+          <p:cNvSpPr txBox="1"/>
+          <p:nvPr/>
+        </p:nvSpPr>
+        <p:spPr>
+          <a:xfrm>
+            <a:off x="6637020" y="3000375"/>
+            <a:ext cx="874395" cy="306705"/>
+          </a:xfrm>
+          <a:prstGeom prst="rect">
+            <a:avLst/>
+          </a:prstGeom>
+          <a:noFill/>
+        </p:spPr>
+        <p:txBody>
+          <a:bodyPr wrap="square" rtlCol="0">
+            <a:spAutoFit/>
+          </a:bodyPr>
+          <a:p>
+            <a:pPr algn="ctr"/>
+            <a:r>
+              <a:rPr lang="de-DE" altLang="en-GB" sz="1400" dirty="0">
+                <a:latin typeface="东文宋体" charset="0"/>
+                <a:cs typeface="东文宋体" charset="0"/>
+                <a:sym typeface="+mn-ea"/>
+              </a:rPr>
+              <a:t>≥ </a:t>
+            </a:r>
+            <a:r>
+              <a:rPr lang="de-DE" altLang="en-US" sz="1400">
+                <a:latin typeface="Times New Roman" panose="02020603050405020304" charset="0"/>
+                <a:cs typeface="Times New Roman" panose="02020603050405020304" charset="0"/>
+                <a:sym typeface="+mn-ea"/>
+              </a:rPr>
+              <a:t>30</a:t>
+            </a:r>
+            <a:r>
+              <a:rPr lang="de-DE" altLang="en-US" sz="1400">
+                <a:latin typeface="Arial" panose="020B0604020202020204" pitchFamily="34" charset="0"/>
+                <a:cs typeface="Arial" panose="020B0604020202020204" pitchFamily="34" charset="0"/>
+                <a:sym typeface="+mn-ea"/>
+              </a:rPr>
+              <a:t>℃</a:t>
+            </a:r>
+            <a:endParaRPr lang="de-DE" altLang="en-US" sz="1400">
+              <a:latin typeface="Arial" panose="020B0604020202020204" pitchFamily="34" charset="0"/>
+              <a:cs typeface="Arial" panose="020B0604020202020204" pitchFamily="34" charset="0"/>
+            </a:endParaRPr>
+          </a:p>
+        </p:txBody>
+      </p:sp>
+      <p:sp>
+        <p:nvSpPr>
+          <p:cNvPr id="66" name="Text Box 65"/>
+          <p:cNvSpPr txBox="1"/>
+          <p:nvPr/>
+        </p:nvSpPr>
+        <p:spPr>
+          <a:xfrm>
+            <a:off x="7669530" y="3002915"/>
+            <a:ext cx="874395" cy="306705"/>
+          </a:xfrm>
+          <a:prstGeom prst="rect">
+            <a:avLst/>
+          </a:prstGeom>
+          <a:noFill/>
+        </p:spPr>
+        <p:txBody>
+          <a:bodyPr wrap="square" rtlCol="0">
+            <a:spAutoFit/>
+          </a:bodyPr>
+          <a:p>
+            <a:pPr algn="ctr"/>
+            <a:r>
+              <a:rPr lang="de-DE" altLang="en-US" sz="1400">
+                <a:latin typeface="Times New Roman" panose="02020603050405020304" charset="0"/>
+                <a:cs typeface="Times New Roman" panose="02020603050405020304" charset="0"/>
+                <a:sym typeface="+mn-ea"/>
+              </a:rPr>
+              <a:t>&lt;</a:t>
+            </a:r>
+            <a:r>
+              <a:rPr lang="de-DE" altLang="en-US" sz="800">
+                <a:latin typeface="Times New Roman" panose="02020603050405020304" charset="0"/>
+                <a:cs typeface="Times New Roman" panose="02020603050405020304" charset="0"/>
+                <a:sym typeface="+mn-ea"/>
+              </a:rPr>
+              <a:t> </a:t>
+            </a:r>
+            <a:r>
+              <a:rPr lang="de-DE" altLang="en-US" sz="1400">
+                <a:latin typeface="Times New Roman" panose="02020603050405020304" charset="0"/>
+                <a:cs typeface="Times New Roman" panose="02020603050405020304" charset="0"/>
+                <a:sym typeface="+mn-ea"/>
+              </a:rPr>
+              <a:t>30</a:t>
+            </a:r>
+            <a:r>
+              <a:rPr lang="de-DE" altLang="en-US" sz="1400">
+                <a:latin typeface="Arial" panose="020B0604020202020204" pitchFamily="34" charset="0"/>
+                <a:cs typeface="Arial" panose="020B0604020202020204" pitchFamily="34" charset="0"/>
+                <a:sym typeface="+mn-ea"/>
+              </a:rPr>
+              <a:t>℃</a:t>
+            </a:r>
+            <a:endParaRPr lang="de-DE" altLang="en-US" sz="1400">
+              <a:latin typeface="Arial" panose="020B0604020202020204" pitchFamily="34" charset="0"/>
+              <a:cs typeface="Arial" panose="020B0604020202020204" pitchFamily="34" charset="0"/>
+            </a:endParaRPr>
+          </a:p>
+        </p:txBody>
+      </p:sp>
+    </p:spTree>
+  </p:cSld>
+  <p:clrMapOvr>
+    <a:masterClrMapping/>
+  </p:clrMapOvr>
+  <p:timing>
+    <p:tnLst>
+      <p:par>
+        <p:cTn id="1" dur="indefinite" restart="never" nodeType="tmRoot"/>
+      </p:par>
+    </p:tnLst>
+  </p:timing>
+</p:sld>
+</file>
+
+<file path=ppt/slides/slide16.xml><?xml version="1.0" encoding="utf-8"?>
+<p:sld xmlns:a="http://schemas.openxmlformats.org/drawingml/2006/main" xmlns:r="http://schemas.openxmlformats.org/officeDocument/2006/relationships" xmlns:p="http://schemas.openxmlformats.org/presentationml/2006/main">
+  <p:cSld>
+    <p:spTree>
+      <p:nvGrpSpPr>
+        <p:cNvPr id="1" name=""/>
+        <p:cNvGrpSpPr/>
+        <p:nvPr/>
+      </p:nvGrpSpPr>
+      <p:grpSpPr/>
+      <p:grpSp>
+        <p:nvGrpSpPr>
+          <p:cNvPr id="2" name="Group 1"/>
+          <p:cNvGrpSpPr/>
+          <p:nvPr/>
+        </p:nvGrpSpPr>
+        <p:grpSpPr>
+          <a:xfrm>
+            <a:off x="4926700" y="2365874"/>
+            <a:ext cx="1645047" cy="395741"/>
+            <a:chOff x="4451" y="3211"/>
+            <a:chExt cx="2487" cy="396"/>
+          </a:xfrm>
+        </p:grpSpPr>
+        <p:sp>
+          <p:nvSpPr>
+            <p:cNvPr id="3" name="Rectangles 2"/>
+            <p:cNvSpPr/>
+            <p:nvPr/>
+          </p:nvSpPr>
+          <p:spPr>
+            <a:xfrm>
+              <a:off x="4509" y="3211"/>
+              <a:ext cx="2348" cy="396"/>
+            </a:xfrm>
+            <a:prstGeom prst="rect">
+              <a:avLst/>
+            </a:prstGeom>
+            <a:solidFill>
+              <a:schemeClr val="accent1">
+                <a:alpha val="16000"/>
+              </a:schemeClr>
+            </a:solidFill>
+          </p:spPr>
+          <p:style>
+            <a:lnRef idx="2">
+              <a:schemeClr val="accent1">
+                <a:shade val="50000"/>
+              </a:schemeClr>
+            </a:lnRef>
+            <a:fillRef idx="1">
+              <a:schemeClr val="accent1"/>
+            </a:fillRef>
+            <a:effectRef idx="0">
+              <a:schemeClr val="accent1"/>
+            </a:effectRef>
+            <a:fontRef idx="minor">
+              <a:schemeClr val="lt1"/>
+            </a:fontRef>
+          </p:style>
+          <p:txBody>
+            <a:bodyPr rtlCol="0" anchor="ctr"/>
+            <a:p>
+              <a:pPr algn="ctr"/>
+              <a:endParaRPr lang="en-US" sz="1200"/>
+            </a:p>
+          </p:txBody>
+        </p:sp>
+        <p:sp>
+          <p:nvSpPr>
+            <p:cNvPr id="4" name="Text Box 3"/>
+            <p:cNvSpPr txBox="1"/>
+            <p:nvPr/>
+          </p:nvSpPr>
+          <p:spPr>
+            <a:xfrm>
+              <a:off x="4451" y="3221"/>
+              <a:ext cx="2487" cy="369"/>
+            </a:xfrm>
+            <a:prstGeom prst="rect">
+              <a:avLst/>
+            </a:prstGeom>
+            <a:noFill/>
+          </p:spPr>
+          <p:txBody>
+            <a:bodyPr wrap="square" rtlCol="0">
+              <a:spAutoFit/>
+            </a:bodyPr>
+            <a:p>
+              <a:pPr algn="ctr"/>
+              <a:r>
+                <a:rPr lang="de-DE" altLang="en-US">
+                  <a:latin typeface="Times New Roman" panose="02020603050405020304" charset="0"/>
+                  <a:cs typeface="Times New Roman" panose="02020603050405020304" charset="0"/>
+                  <a:sym typeface="+mn-ea"/>
+                </a:rPr>
+                <a:t>Decision Node</a:t>
+              </a:r>
+              <a:endParaRPr lang="de-DE" altLang="en-US">
+                <a:latin typeface="Times New Roman" panose="02020603050405020304" charset="0"/>
+                <a:cs typeface="Times New Roman" panose="02020603050405020304" charset="0"/>
+              </a:endParaRPr>
+            </a:p>
+          </p:txBody>
+        </p:sp>
+      </p:grpSp>
+      <p:grpSp>
+        <p:nvGrpSpPr>
+          <p:cNvPr id="10" name="Group 9"/>
+          <p:cNvGrpSpPr/>
+          <p:nvPr/>
+        </p:nvGrpSpPr>
+        <p:grpSpPr>
+          <a:xfrm>
+            <a:off x="6817360" y="2362699"/>
+            <a:ext cx="1553104" cy="395741"/>
+            <a:chOff x="4509" y="3211"/>
+            <a:chExt cx="2348" cy="396"/>
+          </a:xfrm>
+        </p:grpSpPr>
+        <p:sp>
+          <p:nvSpPr>
+            <p:cNvPr id="11" name="Rectangles 10"/>
+            <p:cNvSpPr/>
+            <p:nvPr/>
+          </p:nvSpPr>
+          <p:spPr>
+            <a:xfrm>
+              <a:off x="4509" y="3211"/>
+              <a:ext cx="2348" cy="396"/>
+            </a:xfrm>
+            <a:prstGeom prst="rect">
+              <a:avLst/>
+            </a:prstGeom>
+            <a:solidFill>
+              <a:schemeClr val="accent6">
+                <a:lumMod val="75000"/>
+                <a:alpha val="22000"/>
+              </a:schemeClr>
+            </a:solidFill>
+          </p:spPr>
+          <p:style>
+            <a:lnRef idx="2">
+              <a:schemeClr val="accent1">
+                <a:shade val="50000"/>
+              </a:schemeClr>
+            </a:lnRef>
+            <a:fillRef idx="1">
+              <a:schemeClr val="accent1"/>
+            </a:fillRef>
+            <a:effectRef idx="0">
+              <a:schemeClr val="accent1"/>
+            </a:effectRef>
+            <a:fontRef idx="minor">
+              <a:schemeClr val="lt1"/>
+            </a:fontRef>
+          </p:style>
+          <p:txBody>
+            <a:bodyPr rtlCol="0" anchor="ctr"/>
+            <a:p>
+              <a:pPr algn="ctr"/>
+              <a:endParaRPr lang="en-US" sz="1200"/>
+            </a:p>
+          </p:txBody>
+        </p:sp>
+        <p:sp>
+          <p:nvSpPr>
+            <p:cNvPr id="12" name="Text Box 11"/>
+            <p:cNvSpPr txBox="1"/>
+            <p:nvPr/>
+          </p:nvSpPr>
+          <p:spPr>
+            <a:xfrm>
+              <a:off x="4549" y="3231"/>
+              <a:ext cx="2294" cy="369"/>
+            </a:xfrm>
+            <a:prstGeom prst="rect">
+              <a:avLst/>
+            </a:prstGeom>
+            <a:noFill/>
+          </p:spPr>
+          <p:txBody>
+            <a:bodyPr wrap="square" rtlCol="0">
+              <a:spAutoFit/>
+            </a:bodyPr>
+            <a:p>
+              <a:pPr algn="ctr"/>
+              <a:r>
+                <a:rPr lang="de-DE" altLang="en-US">
+                  <a:latin typeface="Times New Roman" panose="02020603050405020304" charset="0"/>
+                  <a:cs typeface="Times New Roman" panose="02020603050405020304" charset="0"/>
+                </a:rPr>
+                <a:t>Leaf Node</a:t>
+              </a:r>
+              <a:endParaRPr lang="de-DE" altLang="en-US">
+                <a:latin typeface="Times New Roman" panose="02020603050405020304" charset="0"/>
+                <a:cs typeface="Times New Roman" panose="02020603050405020304" charset="0"/>
+              </a:endParaRPr>
+            </a:p>
+          </p:txBody>
+        </p:sp>
+      </p:grpSp>
+      <p:grpSp>
+        <p:nvGrpSpPr>
+          <p:cNvPr id="13" name="Group 12"/>
+          <p:cNvGrpSpPr/>
+          <p:nvPr/>
+        </p:nvGrpSpPr>
+        <p:grpSpPr>
+          <a:xfrm>
+            <a:off x="5889625" y="1301614"/>
+            <a:ext cx="1553104" cy="395741"/>
+            <a:chOff x="4509" y="3211"/>
+            <a:chExt cx="2348" cy="396"/>
+          </a:xfrm>
+        </p:grpSpPr>
+        <p:sp>
+          <p:nvSpPr>
+            <p:cNvPr id="15" name="Rectangles 14"/>
+            <p:cNvSpPr/>
+            <p:nvPr/>
+          </p:nvSpPr>
+          <p:spPr>
+            <a:xfrm>
+              <a:off x="4509" y="3211"/>
+              <a:ext cx="2348" cy="396"/>
+            </a:xfrm>
+            <a:prstGeom prst="rect">
+              <a:avLst/>
+            </a:prstGeom>
+            <a:solidFill>
+              <a:schemeClr val="accent1">
+                <a:lumMod val="50000"/>
+                <a:alpha val="38000"/>
+              </a:schemeClr>
+            </a:solidFill>
+          </p:spPr>
+          <p:style>
+            <a:lnRef idx="2">
+              <a:schemeClr val="accent1">
+                <a:shade val="50000"/>
+              </a:schemeClr>
+            </a:lnRef>
+            <a:fillRef idx="1">
+              <a:schemeClr val="accent1"/>
+            </a:fillRef>
+            <a:effectRef idx="0">
+              <a:schemeClr val="accent1"/>
+            </a:effectRef>
+            <a:fontRef idx="minor">
+              <a:schemeClr val="lt1"/>
+            </a:fontRef>
+          </p:style>
+          <p:txBody>
+            <a:bodyPr rtlCol="0" anchor="ctr"/>
+            <a:p>
+              <a:pPr algn="ctr"/>
+              <a:endParaRPr lang="en-US" sz="1200"/>
+            </a:p>
+          </p:txBody>
+        </p:sp>
+        <p:sp>
+          <p:nvSpPr>
+            <p:cNvPr id="16" name="Text Box 15"/>
+            <p:cNvSpPr txBox="1"/>
+            <p:nvPr/>
+          </p:nvSpPr>
+          <p:spPr>
+            <a:xfrm>
+              <a:off x="4770" y="3231"/>
+              <a:ext cx="1827" cy="369"/>
+            </a:xfrm>
+            <a:prstGeom prst="rect">
+              <a:avLst/>
+            </a:prstGeom>
+            <a:noFill/>
+          </p:spPr>
+          <p:txBody>
+            <a:bodyPr wrap="square" rtlCol="0">
+              <a:spAutoFit/>
+            </a:bodyPr>
+            <a:p>
+              <a:pPr algn="ctr"/>
+              <a:r>
+                <a:rPr lang="de-DE" altLang="en-US">
+                  <a:latin typeface="Times New Roman" panose="02020603050405020304" charset="0"/>
+                  <a:cs typeface="Times New Roman" panose="02020603050405020304" charset="0"/>
+                </a:rPr>
+                <a:t>Root Node</a:t>
+              </a:r>
+              <a:endParaRPr lang="de-DE" altLang="en-US">
+                <a:latin typeface="Times New Roman" panose="02020603050405020304" charset="0"/>
+                <a:cs typeface="Times New Roman" panose="02020603050405020304" charset="0"/>
+              </a:endParaRPr>
+            </a:p>
+          </p:txBody>
+        </p:sp>
+      </p:grpSp>
+      <p:cxnSp>
+        <p:nvCxnSpPr>
+          <p:cNvPr id="33" name="Straight Arrow Connector 32"/>
+          <p:cNvCxnSpPr>
+            <a:endCxn id="4" idx="0"/>
+          </p:cNvCxnSpPr>
+          <p:nvPr/>
+        </p:nvCxnSpPr>
+        <p:spPr>
+          <a:xfrm flipH="1">
+            <a:off x="5749925" y="1694815"/>
+            <a:ext cx="924560" cy="681355"/>
+          </a:xfrm>
+          <a:prstGeom prst="straightConnector1">
+            <a:avLst/>
+          </a:prstGeom>
+          <a:ln w="19050" cmpd="sng">
+            <a:solidFill>
+              <a:schemeClr val="tx1"/>
+            </a:solidFill>
+            <a:prstDash val="solid"/>
+            <a:tailEnd type="arrow"/>
+          </a:ln>
+        </p:spPr>
+        <p:style>
+          <a:lnRef idx="1">
+            <a:schemeClr val="accent1"/>
+          </a:lnRef>
+          <a:fillRef idx="0">
+            <a:schemeClr val="accent1"/>
+          </a:fillRef>
+          <a:effectRef idx="0">
+            <a:schemeClr val="accent1"/>
+          </a:effectRef>
+          <a:fontRef idx="minor">
+            <a:schemeClr val="tx1"/>
+          </a:fontRef>
+        </p:style>
+      </p:cxnSp>
+      <p:cxnSp>
+        <p:nvCxnSpPr>
+          <p:cNvPr id="34" name="Straight Arrow Connector 33"/>
+          <p:cNvCxnSpPr>
+            <a:endCxn id="12" idx="0"/>
+          </p:cNvCxnSpPr>
+          <p:nvPr/>
+        </p:nvCxnSpPr>
+        <p:spPr>
+          <a:xfrm>
+            <a:off x="6675120" y="1704340"/>
+            <a:ext cx="927735" cy="678180"/>
+          </a:xfrm>
+          <a:prstGeom prst="straightConnector1">
+            <a:avLst/>
+          </a:prstGeom>
+          <a:ln w="19050" cmpd="sng">
+            <a:solidFill>
+              <a:schemeClr val="tx1"/>
+            </a:solidFill>
+            <a:prstDash val="solid"/>
+            <a:tailEnd type="arrow"/>
+          </a:ln>
+        </p:spPr>
+        <p:style>
+          <a:lnRef idx="1">
+            <a:schemeClr val="accent1"/>
+          </a:lnRef>
+          <a:fillRef idx="0">
+            <a:schemeClr val="accent1"/>
+          </a:fillRef>
+          <a:effectRef idx="0">
+            <a:schemeClr val="accent1"/>
+          </a:effectRef>
+          <a:fontRef idx="minor">
+            <a:schemeClr val="tx1"/>
+          </a:fontRef>
+        </p:style>
+      </p:cxnSp>
+      <p:grpSp>
+        <p:nvGrpSpPr>
+          <p:cNvPr id="22" name="Group 21"/>
+          <p:cNvGrpSpPr/>
+          <p:nvPr/>
+        </p:nvGrpSpPr>
+        <p:grpSpPr>
+          <a:xfrm>
+            <a:off x="5906135" y="3423149"/>
+            <a:ext cx="1553104" cy="395741"/>
+            <a:chOff x="4509" y="3211"/>
+            <a:chExt cx="2348" cy="396"/>
+          </a:xfrm>
+        </p:grpSpPr>
+        <p:sp>
+          <p:nvSpPr>
+            <p:cNvPr id="23" name="Rectangles 22"/>
+            <p:cNvSpPr/>
+            <p:nvPr/>
+          </p:nvSpPr>
+          <p:spPr>
+            <a:xfrm>
+              <a:off x="4509" y="3211"/>
+              <a:ext cx="2348" cy="396"/>
+            </a:xfrm>
+            <a:prstGeom prst="rect">
+              <a:avLst/>
+            </a:prstGeom>
+            <a:solidFill>
+              <a:schemeClr val="accent6">
+                <a:lumMod val="75000"/>
+                <a:alpha val="22000"/>
+              </a:schemeClr>
+            </a:solidFill>
+          </p:spPr>
+          <p:style>
+            <a:lnRef idx="2">
+              <a:schemeClr val="accent1">
+                <a:shade val="50000"/>
+              </a:schemeClr>
+            </a:lnRef>
+            <a:fillRef idx="1">
+              <a:schemeClr val="accent1"/>
+            </a:fillRef>
+            <a:effectRef idx="0">
+              <a:schemeClr val="accent1"/>
+            </a:effectRef>
+            <a:fontRef idx="minor">
+              <a:schemeClr val="lt1"/>
+            </a:fontRef>
+          </p:style>
+          <p:txBody>
+            <a:bodyPr rtlCol="0" anchor="ctr"/>
+            <a:p>
+              <a:pPr algn="ctr"/>
+              <a:endParaRPr lang="en-US" sz="1200"/>
+            </a:p>
+          </p:txBody>
+        </p:sp>
+        <p:sp>
+          <p:nvSpPr>
+            <p:cNvPr id="24" name="Text Box 23"/>
+            <p:cNvSpPr txBox="1"/>
+            <p:nvPr/>
+          </p:nvSpPr>
+          <p:spPr>
+            <a:xfrm>
+              <a:off x="4549" y="3231"/>
+              <a:ext cx="2294" cy="369"/>
+            </a:xfrm>
+            <a:prstGeom prst="rect">
+              <a:avLst/>
+            </a:prstGeom>
+            <a:noFill/>
+          </p:spPr>
+          <p:txBody>
+            <a:bodyPr wrap="square" rtlCol="0">
+              <a:spAutoFit/>
+            </a:bodyPr>
+            <a:p>
+              <a:pPr algn="ctr"/>
+              <a:r>
+                <a:rPr lang="de-DE" altLang="en-US">
+                  <a:latin typeface="Times New Roman" panose="02020603050405020304" charset="0"/>
+                  <a:cs typeface="Times New Roman" panose="02020603050405020304" charset="0"/>
+                </a:rPr>
+                <a:t>Leaf Node</a:t>
+              </a:r>
+              <a:endParaRPr lang="de-DE" altLang="en-US">
+                <a:latin typeface="Times New Roman" panose="02020603050405020304" charset="0"/>
+                <a:cs typeface="Times New Roman" panose="02020603050405020304" charset="0"/>
+              </a:endParaRPr>
+            </a:p>
+          </p:txBody>
+        </p:sp>
+      </p:grpSp>
+      <p:cxnSp>
+        <p:nvCxnSpPr>
+          <p:cNvPr id="25" name="Straight Arrow Connector 24"/>
+          <p:cNvCxnSpPr/>
+          <p:nvPr/>
+        </p:nvCxnSpPr>
+        <p:spPr>
+          <a:xfrm flipH="1">
+            <a:off x="4838700" y="2755265"/>
+            <a:ext cx="924560" cy="681355"/>
+          </a:xfrm>
+          <a:prstGeom prst="straightConnector1">
+            <a:avLst/>
+          </a:prstGeom>
+          <a:ln w="19050" cmpd="sng">
+            <a:solidFill>
+              <a:schemeClr val="tx1"/>
+            </a:solidFill>
+            <a:prstDash val="solid"/>
+            <a:tailEnd type="arrow"/>
+          </a:ln>
+        </p:spPr>
+        <p:style>
+          <a:lnRef idx="1">
+            <a:schemeClr val="accent1"/>
+          </a:lnRef>
+          <a:fillRef idx="0">
+            <a:schemeClr val="accent1"/>
+          </a:fillRef>
+          <a:effectRef idx="0">
+            <a:schemeClr val="accent1"/>
+          </a:effectRef>
+          <a:fontRef idx="minor">
+            <a:schemeClr val="tx1"/>
+          </a:fontRef>
+        </p:style>
+      </p:cxnSp>
+      <p:cxnSp>
+        <p:nvCxnSpPr>
+          <p:cNvPr id="26" name="Straight Arrow Connector 25"/>
+          <p:cNvCxnSpPr/>
+          <p:nvPr/>
+        </p:nvCxnSpPr>
+        <p:spPr>
+          <a:xfrm>
+            <a:off x="5763895" y="2764790"/>
+            <a:ext cx="927735" cy="678180"/>
+          </a:xfrm>
+          <a:prstGeom prst="straightConnector1">
+            <a:avLst/>
+          </a:prstGeom>
+          <a:ln w="19050" cmpd="sng">
+            <a:solidFill>
+              <a:schemeClr val="tx1"/>
+            </a:solidFill>
+            <a:prstDash val="solid"/>
+            <a:tailEnd type="arrow"/>
+          </a:ln>
+        </p:spPr>
+        <p:style>
+          <a:lnRef idx="1">
+            <a:schemeClr val="accent1"/>
+          </a:lnRef>
+          <a:fillRef idx="0">
+            <a:schemeClr val="accent1"/>
+          </a:fillRef>
+          <a:effectRef idx="0">
+            <a:schemeClr val="accent1"/>
+          </a:effectRef>
+          <a:fontRef idx="minor">
+            <a:schemeClr val="tx1"/>
+          </a:fontRef>
+        </p:style>
+      </p:cxnSp>
+      <p:grpSp>
+        <p:nvGrpSpPr>
+          <p:cNvPr id="27" name="Group 26"/>
+          <p:cNvGrpSpPr/>
+          <p:nvPr/>
+        </p:nvGrpSpPr>
+        <p:grpSpPr>
+          <a:xfrm>
+            <a:off x="4055745" y="3423149"/>
+            <a:ext cx="1553104" cy="395741"/>
+            <a:chOff x="4509" y="3211"/>
+            <a:chExt cx="2348" cy="396"/>
+          </a:xfrm>
+        </p:grpSpPr>
+        <p:sp>
+          <p:nvSpPr>
+            <p:cNvPr id="28" name="Rectangles 27"/>
+            <p:cNvSpPr/>
+            <p:nvPr/>
+          </p:nvSpPr>
+          <p:spPr>
+            <a:xfrm>
+              <a:off x="4509" y="3211"/>
+              <a:ext cx="2348" cy="396"/>
+            </a:xfrm>
+            <a:prstGeom prst="rect">
+              <a:avLst/>
+            </a:prstGeom>
+            <a:solidFill>
+              <a:schemeClr val="accent6">
+                <a:lumMod val="75000"/>
+                <a:alpha val="22000"/>
+              </a:schemeClr>
+            </a:solidFill>
+          </p:spPr>
+          <p:style>
+            <a:lnRef idx="2">
+              <a:schemeClr val="accent1">
+                <a:shade val="50000"/>
+              </a:schemeClr>
+            </a:lnRef>
+            <a:fillRef idx="1">
+              <a:schemeClr val="accent1"/>
+            </a:fillRef>
+            <a:effectRef idx="0">
+              <a:schemeClr val="accent1"/>
+            </a:effectRef>
+            <a:fontRef idx="minor">
+              <a:schemeClr val="lt1"/>
+            </a:fontRef>
+          </p:style>
+          <p:txBody>
+            <a:bodyPr rtlCol="0" anchor="ctr"/>
+            <a:p>
+              <a:pPr algn="ctr"/>
+              <a:endParaRPr lang="en-US" sz="1200"/>
+            </a:p>
+          </p:txBody>
+        </p:sp>
+        <p:sp>
+          <p:nvSpPr>
+            <p:cNvPr id="29" name="Text Box 28"/>
+            <p:cNvSpPr txBox="1"/>
+            <p:nvPr/>
+          </p:nvSpPr>
+          <p:spPr>
+            <a:xfrm>
+              <a:off x="4549" y="3231"/>
+              <a:ext cx="2294" cy="369"/>
+            </a:xfrm>
+            <a:prstGeom prst="rect">
+              <a:avLst/>
+            </a:prstGeom>
+            <a:noFill/>
+          </p:spPr>
+          <p:txBody>
+            <a:bodyPr wrap="square" rtlCol="0">
+              <a:spAutoFit/>
+            </a:bodyPr>
+            <a:p>
+              <a:pPr algn="ctr"/>
+              <a:r>
+                <a:rPr lang="de-DE" altLang="en-US">
+                  <a:latin typeface="Times New Roman" panose="02020603050405020304" charset="0"/>
+                  <a:cs typeface="Times New Roman" panose="02020603050405020304" charset="0"/>
+                </a:rPr>
+                <a:t>Leaf Node</a:t>
+              </a:r>
+              <a:endParaRPr lang="de-DE" altLang="en-US">
+                <a:latin typeface="Times New Roman" panose="02020603050405020304" charset="0"/>
+                <a:cs typeface="Times New Roman" panose="02020603050405020304" charset="0"/>
+              </a:endParaRPr>
+            </a:p>
+          </p:txBody>
+        </p:sp>
+      </p:grpSp>
+    </p:spTree>
+  </p:cSld>
+  <p:clrMapOvr>
+    <a:masterClrMapping/>
+  </p:clrMapOvr>
+  <p:timing>
+    <p:tnLst>
+      <p:par>
+        <p:cTn id="1" dur="indefinite" restart="never" nodeType="tmRoot"/>
+      </p:par>
+    </p:tnLst>
+  </p:timing>
 </p:sld>
 </file>
 

--- a/resources/writing/powerpoint/template_only_mine.pptx
+++ b/resources/writing/powerpoint/template_only_mine.pptx
@@ -12586,7 +12586,7 @@
               <a:rPr lang="de-DE" altLang="en-US" sz="1300">
                 <a:latin typeface="Calibri" charset="0"/>
               </a:rPr>
-              <a:t>if ( Log Counter == 0 )</a:t>
+              <a:t>if ( Log-Counter == 0 )</a:t>
             </a:r>
             <a:endParaRPr lang="de-DE" altLang="en-US" sz="1300">
               <a:latin typeface="Calibri" charset="0"/>
@@ -18580,7 +18580,7 @@
               <a:rPr lang="de-DE" altLang="en-GB" sz="1400" dirty="0">
                 <a:latin typeface="Calibri" charset="0"/>
               </a:rPr>
-              <a:t>  Parse dataset to C data types</a:t>
+              <a:t>  Parse dataset to C-datatypes</a:t>
             </a:r>
             <a:endParaRPr lang="de-DE" altLang="en-GB" sz="1400" dirty="0">
               <a:latin typeface="Calibri" charset="0"/>
@@ -18908,7 +18908,7 @@
               <a:rPr lang="de-DE" altLang="en-US" sz="1300">
                 <a:latin typeface="Calibri" charset="0"/>
               </a:rPr>
-              <a:t>  convert to C++ data dypes</a:t>
+              <a:t>  convert to C++ datatypes</a:t>
             </a:r>
             <a:endParaRPr lang="de-DE" altLang="en-US" sz="1300">
               <a:latin typeface="Calibri" charset="0"/>
@@ -19179,6 +19179,46 @@
           </a:effectRef>
           <a:fontRef idx="minor">
             <a:schemeClr val="tx1"/>
+          </a:fontRef>
+        </p:style>
+        <p:txBody>
+          <a:bodyPr rtlCol="0" anchor="ctr"/>
+          <a:p>
+            <a:pPr algn="ctr"/>
+            <a:endParaRPr lang="en-US"/>
+          </a:p>
+        </p:txBody>
+      </p:sp>
+      <p:sp>
+        <p:nvSpPr>
+          <p:cNvPr id="12" name="Rectangles 11"/>
+          <p:cNvSpPr/>
+          <p:nvPr/>
+        </p:nvSpPr>
+        <p:spPr>
+          <a:xfrm>
+            <a:off x="8049260" y="2456815"/>
+            <a:ext cx="278765" cy="88900"/>
+          </a:xfrm>
+          <a:prstGeom prst="rect">
+            <a:avLst/>
+          </a:prstGeom>
+          <a:ln>
+            <a:noFill/>
+          </a:ln>
+        </p:spPr>
+        <p:style>
+          <a:lnRef idx="2">
+            <a:schemeClr val="accent6"/>
+          </a:lnRef>
+          <a:fillRef idx="1">
+            <a:schemeClr val="lt1"/>
+          </a:fillRef>
+          <a:effectRef idx="0">
+            <a:schemeClr val="accent6"/>
+          </a:effectRef>
+          <a:fontRef idx="minor">
+            <a:schemeClr val="dk1"/>
           </a:fontRef>
         </p:style>
         <p:txBody>
@@ -20449,7 +20489,7 @@
           </p:nvSpPr>
           <p:spPr>
             <a:xfrm>
-              <a:off x="4451" y="3221"/>
+              <a:off x="4451" y="3227"/>
               <a:ext cx="2487" cy="369"/>
             </a:xfrm>
             <a:prstGeom prst="rect">
@@ -20681,7 +20721,7 @@
         </p:nvCxnSpPr>
         <p:spPr>
           <a:xfrm flipH="1">
-            <a:off x="5749925" y="1694815"/>
+            <a:off x="5749925" y="1700530"/>
             <a:ext cx="924560" cy="681355"/>
           </a:xfrm>
           <a:prstGeom prst="straightConnector1">
@@ -21843,7 +21883,7 @@
                     <a:rPr lang="de-DE" altLang="en-US" sz="1200" b="1">
                       <a:latin typeface="Calibri" charset="0"/>
                     </a:rPr>
-                    <a:t>Log Counter (id</a:t>
+                    <a:t>Log-Counter (id</a:t>
                   </a:r>
                   <a:r>
                     <a:rPr lang="de-DE" altLang="en-US" sz="1200" b="1" baseline="-25000">
@@ -21872,7 +21912,7 @@
             </p:nvSpPr>
             <p:spPr>
               <a:xfrm>
-                <a:off x="15136" y="1805"/>
+                <a:off x="15196" y="1825"/>
                 <a:ext cx="1447" cy="725"/>
               </a:xfrm>
               <a:prstGeom prst="rect">
@@ -21919,7 +21959,7 @@
           </p:nvCxnSpPr>
           <p:spPr>
             <a:xfrm rot="10800000" flipH="1" flipV="1">
-              <a:off x="16836" y="3737"/>
+              <a:off x="16896" y="3757"/>
               <a:ext cx="8" cy="284"/>
             </a:xfrm>
             <a:prstGeom prst="curvedConnector3">
@@ -23774,10 +23814,10 @@
         </p:nvGrpSpPr>
         <p:grpSpPr>
           <a:xfrm>
-            <a:off x="862965" y="1063625"/>
-            <a:ext cx="3104515" cy="342265"/>
-            <a:chOff x="1315" y="2477"/>
-            <a:chExt cx="4889" cy="539"/>
+            <a:off x="837565" y="1063625"/>
+            <a:ext cx="3129915" cy="393065"/>
+            <a:chOff x="1275" y="2477"/>
+            <a:chExt cx="4929" cy="619"/>
           </a:xfrm>
         </p:grpSpPr>
         <p:pic>
@@ -23802,7 +23842,7 @@
           </p:blipFill>
           <p:spPr>
             <a:xfrm>
-              <a:off x="1315" y="2576"/>
+              <a:off x="1275" y="2656"/>
               <a:ext cx="1864" cy="440"/>
             </a:xfrm>
             <a:prstGeom prst="rect">
@@ -24016,9 +24056,9 @@
         <p:grpSpPr>
           <a:xfrm>
             <a:off x="8208010" y="1370965"/>
-            <a:ext cx="1835150" cy="741045"/>
+            <a:ext cx="1797050" cy="741045"/>
             <a:chOff x="12882" y="2387"/>
-            <a:chExt cx="2890" cy="1167"/>
+            <a:chExt cx="2830" cy="1167"/>
           </a:xfrm>
         </p:grpSpPr>
         <p:grpSp>
@@ -24135,7 +24175,7 @@
           </p:nvSpPr>
           <p:spPr>
             <a:xfrm>
-              <a:off x="13409" y="3036"/>
+              <a:off x="13349" y="3036"/>
               <a:ext cx="2363" cy="434"/>
             </a:xfrm>
             <a:prstGeom prst="rect">
@@ -24591,7 +24631,7 @@
                 <a:rPr lang="de-DE" altLang="en-US" sz="1200" b="1">
                   <a:latin typeface="Calibri" charset="0"/>
                 </a:rPr>
-                <a:t>Log Counter </a:t>
+                <a:t>Log-Counter </a:t>
               </a:r>
               <a:r>
                 <a:rPr lang="de-DE" altLang="en-US" sz="1200" b="1">
@@ -25140,12 +25180,12 @@
         </p:nvCxnSpPr>
         <p:spPr>
           <a:xfrm rot="10800000">
-            <a:off x="934085" y="1474470"/>
-            <a:ext cx="3931920" cy="2788920"/>
+            <a:off x="974725" y="1614805"/>
+            <a:ext cx="3889375" cy="2646045"/>
           </a:xfrm>
           <a:prstGeom prst="bentConnector3">
             <a:avLst>
-              <a:gd name="adj1" fmla="val 100033"/>
+              <a:gd name="adj1" fmla="val 100016"/>
             </a:avLst>
           </a:prstGeom>
           <a:ln w="19050">
@@ -25489,10 +25529,10 @@
         </p:nvGrpSpPr>
         <p:grpSpPr>
           <a:xfrm>
-            <a:off x="1164590" y="1048385"/>
-            <a:ext cx="3163570" cy="363220"/>
-            <a:chOff x="1222" y="2477"/>
-            <a:chExt cx="4982" cy="572"/>
+            <a:off x="1120140" y="1048385"/>
+            <a:ext cx="3208020" cy="356870"/>
+            <a:chOff x="1152" y="2477"/>
+            <a:chExt cx="5052" cy="562"/>
           </a:xfrm>
         </p:grpSpPr>
         <p:pic>
@@ -25517,7 +25557,7 @@
           </p:blipFill>
           <p:spPr>
             <a:xfrm>
-              <a:off x="1222" y="2609"/>
+              <a:off x="1152" y="2599"/>
               <a:ext cx="1864" cy="440"/>
             </a:xfrm>
             <a:prstGeom prst="rect">
@@ -25731,9 +25771,9 @@
         <p:grpSpPr>
           <a:xfrm>
             <a:off x="8862060" y="1127125"/>
-            <a:ext cx="1835150" cy="741120"/>
+            <a:ext cx="1803400" cy="741120"/>
             <a:chOff x="13288" y="3926"/>
-            <a:chExt cx="2890" cy="1247"/>
+            <a:chExt cx="2840" cy="1247"/>
           </a:xfrm>
         </p:grpSpPr>
         <p:grpSp>
@@ -25850,7 +25890,7 @@
           </p:nvSpPr>
           <p:spPr>
             <a:xfrm>
-              <a:off x="13815" y="4662"/>
+              <a:off x="13765" y="4651"/>
               <a:ext cx="2363" cy="464"/>
             </a:xfrm>
             <a:prstGeom prst="rect">
@@ -26090,7 +26130,7 @@
                   <a:rPr lang="de-DE" altLang="en-US" sz="1200" b="1">
                     <a:latin typeface="Calibri" charset="0"/>
                   </a:rPr>
-                  <a:t>Log Counter </a:t>
+                  <a:t>Log-Counter </a:t>
                 </a:r>
                 <a:r>
                   <a:rPr lang="de-DE" altLang="en-US" sz="1200" b="1">
@@ -27388,10 +27428,10 @@
         </p:nvGrpSpPr>
         <p:grpSpPr>
           <a:xfrm>
-            <a:off x="1181735" y="1048385"/>
-            <a:ext cx="3146425" cy="368935"/>
-            <a:chOff x="1249" y="2477"/>
-            <a:chExt cx="4955" cy="581"/>
+            <a:off x="1149985" y="1048385"/>
+            <a:ext cx="3178175" cy="362585"/>
+            <a:chOff x="1199" y="2477"/>
+            <a:chExt cx="5005" cy="571"/>
           </a:xfrm>
         </p:grpSpPr>
         <p:pic>
@@ -27416,7 +27456,7 @@
           </p:blipFill>
           <p:spPr>
             <a:xfrm>
-              <a:off x="1249" y="2618"/>
+              <a:off x="1199" y="2608"/>
               <a:ext cx="1864" cy="440"/>
             </a:xfrm>
             <a:prstGeom prst="rect">
@@ -27630,9 +27670,9 @@
         <p:grpSpPr>
           <a:xfrm>
             <a:off x="8595360" y="1327150"/>
-            <a:ext cx="1835150" cy="741120"/>
+            <a:ext cx="1790700" cy="741120"/>
             <a:chOff x="13288" y="3926"/>
-            <a:chExt cx="2890" cy="1247"/>
+            <a:chExt cx="2820" cy="1247"/>
           </a:xfrm>
         </p:grpSpPr>
         <p:grpSp>
@@ -27749,7 +27789,7 @@
           </p:nvSpPr>
           <p:spPr>
             <a:xfrm>
-              <a:off x="13815" y="4662"/>
+              <a:off x="13745" y="4651"/>
               <a:ext cx="2363" cy="464"/>
             </a:xfrm>
             <a:prstGeom prst="rect">
@@ -28139,7 +28179,7 @@
                   <a:rPr lang="de-DE" altLang="en-US" sz="1200" b="1">
                     <a:latin typeface="Calibri" charset="0"/>
                   </a:rPr>
-                  <a:t>Log Counter </a:t>
+                  <a:t>Log-Counter </a:t>
                 </a:r>
                 <a:r>
                   <a:rPr lang="de-DE" altLang="en-US" sz="1200" b="1">
@@ -28177,7 +28217,7 @@
           </p:nvSpPr>
           <p:spPr>
             <a:xfrm>
-              <a:off x="13529" y="8025"/>
+              <a:off x="13529" y="8065"/>
               <a:ext cx="2363" cy="434"/>
             </a:xfrm>
             <a:prstGeom prst="rect">
@@ -28210,7 +28250,7 @@
           </p:nvCxnSpPr>
           <p:spPr>
             <a:xfrm rot="10800000" flipH="1" flipV="1">
-              <a:off x="13593" y="8231"/>
+              <a:off x="13593" y="8271"/>
               <a:ext cx="8" cy="284"/>
             </a:xfrm>
             <a:prstGeom prst="curvedConnector3">
@@ -28249,7 +28289,7 @@
           </p:nvSpPr>
           <p:spPr>
             <a:xfrm>
-              <a:off x="13529" y="8281"/>
+              <a:off x="13529" y="8321"/>
               <a:ext cx="2363" cy="434"/>
             </a:xfrm>
             <a:prstGeom prst="rect">
